--- a/Presentation.pptx
+++ b/Presentation.pptx
@@ -12,7 +12,8 @@
     <p:sldId id="263" r:id="rId6"/>
     <p:sldId id="260" r:id="rId7"/>
     <p:sldId id="261" r:id="rId8"/>
-    <p:sldId id="262" r:id="rId9"/>
+    <p:sldId id="264" r:id="rId9"/>
+    <p:sldId id="262" r:id="rId10"/>
   </p:sldIdLst>
   <p:sldSz cx="12192000" cy="6858000"/>
   <p:notesSz cx="6858000" cy="9144000"/>
@@ -111,6 +112,11 @@
       </a:defRPr>
     </a:lvl9pPr>
   </p:defaultTextStyle>
+  <p:extLst>
+    <p:ext uri="{EFAFB233-063F-42B5-8137-9DF3F51BA10A}">
+      <p15:sldGuideLst xmlns:p15="http://schemas.microsoft.com/office/powerpoint/2012/main"/>
+    </p:ext>
+  </p:extLst>
 </p:presentation>
 </file>
 
@@ -3766,7 +3772,7 @@
           <a:lstStyle/>
           <a:p>
             <a:r>
-              <a:rPr lang="de-DE" dirty="0" err="1">
+              <a:rPr lang="de-DE">
                 <a:solidFill>
                   <a:schemeClr val="accent2"/>
                 </a:solidFill>
@@ -3812,64 +3818,14 @@
               </a:lnSpc>
             </a:pPr>
             <a:r>
-              <a:rPr lang="de-DE" dirty="0" err="1">
+              <a:rPr lang="de-DE">
                 <a:solidFill>
                   <a:schemeClr val="bg1"/>
                 </a:solidFill>
                 <a:latin typeface="Bahnschrift" panose="020B0502040204020203" pitchFamily="34" charset="0"/>
                 <a:ea typeface="Source Code Pro Medium" panose="020B0509030403020204" pitchFamily="49" charset="0"/>
               </a:rPr>
-              <a:t>Physically</a:t>
-            </a:r>
-            <a:r>
-              <a:rPr lang="de-DE" dirty="0">
-                <a:solidFill>
-                  <a:schemeClr val="bg1"/>
-                </a:solidFill>
-                <a:latin typeface="Bahnschrift" panose="020B0502040204020203" pitchFamily="34" charset="0"/>
-                <a:ea typeface="Source Code Pro Medium" panose="020B0509030403020204" pitchFamily="49" charset="0"/>
-              </a:rPr>
-              <a:t> </a:t>
-            </a:r>
-            <a:r>
-              <a:rPr lang="de-DE" dirty="0" err="1">
-                <a:solidFill>
-                  <a:schemeClr val="bg1"/>
-                </a:solidFill>
-                <a:latin typeface="Bahnschrift" panose="020B0502040204020203" pitchFamily="34" charset="0"/>
-                <a:ea typeface="Source Code Pro Medium" panose="020B0509030403020204" pitchFamily="49" charset="0"/>
-              </a:rPr>
-              <a:t>Based</a:t>
-            </a:r>
-            <a:r>
-              <a:rPr lang="de-DE" dirty="0">
-                <a:solidFill>
-                  <a:schemeClr val="bg1"/>
-                </a:solidFill>
-                <a:latin typeface="Bahnschrift" panose="020B0502040204020203" pitchFamily="34" charset="0"/>
-                <a:ea typeface="Source Code Pro Medium" panose="020B0509030403020204" pitchFamily="49" charset="0"/>
-              </a:rPr>
-              <a:t> </a:t>
-            </a:r>
-            <a:r>
-              <a:rPr lang="de-DE" dirty="0" err="1">
-                <a:solidFill>
-                  <a:schemeClr val="bg1"/>
-                </a:solidFill>
-                <a:latin typeface="Bahnschrift" panose="020B0502040204020203" pitchFamily="34" charset="0"/>
-                <a:ea typeface="Source Code Pro Medium" panose="020B0509030403020204" pitchFamily="49" charset="0"/>
-              </a:rPr>
-              <a:t>Volumetric</a:t>
-            </a:r>
-            <a:r>
-              <a:rPr lang="de-DE" dirty="0">
-                <a:solidFill>
-                  <a:schemeClr val="bg1"/>
-                </a:solidFill>
-                <a:latin typeface="Bahnschrift" panose="020B0502040204020203" pitchFamily="34" charset="0"/>
-                <a:ea typeface="Source Code Pro Medium" panose="020B0509030403020204" pitchFamily="49" charset="0"/>
-              </a:rPr>
-              <a:t> Fog</a:t>
+              <a:t>Physically Based Volumetric Fog</a:t>
             </a:r>
           </a:p>
           <a:p>
@@ -3879,7 +3835,7 @@
               </a:lnSpc>
             </a:pPr>
             <a:r>
-              <a:rPr lang="de-DE" dirty="0">
+              <a:rPr lang="de-DE">
                 <a:solidFill>
                   <a:schemeClr val="bg1"/>
                 </a:solidFill>
@@ -3896,7 +3852,7 @@
               </a:lnSpc>
             </a:pPr>
             <a:r>
-              <a:rPr lang="de-DE" dirty="0">
+              <a:rPr lang="de-DE">
                 <a:solidFill>
                   <a:schemeClr val="bg1"/>
                 </a:solidFill>
@@ -3905,6 +3861,13 @@
               </a:rPr>
               <a:t>BOIDs</a:t>
             </a:r>
+            <a:endParaRPr lang="de-DE" dirty="0">
+              <a:solidFill>
+                <a:schemeClr val="bg1"/>
+              </a:solidFill>
+              <a:latin typeface="Bahnschrift" panose="020B0502040204020203" pitchFamily="34" charset="0"/>
+              <a:ea typeface="Source Code Pro Medium" panose="020B0509030403020204" pitchFamily="49" charset="0"/>
+            </a:endParaRPr>
           </a:p>
         </p:txBody>
       </p:sp>
@@ -3961,7 +3924,7 @@
           <a:p>
             <a:r>
               <a:rPr lang="de-DE" dirty="0"/>
-              <a:t>Fog Video</a:t>
+              <a:t>Fog Video (30 sec)</a:t>
             </a:r>
           </a:p>
         </p:txBody>
@@ -4027,8 +3990,87 @@
             </a:r>
             <a:r>
               <a:rPr lang="de-DE" dirty="0"/>
-              <a:t> Theory</a:t>
-            </a:r>
+              <a:t> Theory (2 min)</a:t>
+            </a:r>
+          </a:p>
+        </p:txBody>
+      </p:sp>
+      <p:sp>
+        <p:nvSpPr>
+          <p:cNvPr id="3" name="Inhaltsplatzhalter 2">
+            <a:extLst>
+              <a:ext uri="{FF2B5EF4-FFF2-40B4-BE49-F238E27FC236}">
+                <a16:creationId xmlns:a16="http://schemas.microsoft.com/office/drawing/2014/main" id="{542A9F02-A0F0-4965-B801-BF1B17FDD489}"/>
+              </a:ext>
+            </a:extLst>
+          </p:cNvPr>
+          <p:cNvSpPr>
+            <a:spLocks noGrp="1"/>
+          </p:cNvSpPr>
+          <p:nvPr>
+            <p:ph idx="1"/>
+          </p:nvPr>
+        </p:nvSpPr>
+        <p:spPr/>
+        <p:txBody>
+          <a:bodyPr/>
+          <a:lstStyle/>
+          <a:p>
+            <a:r>
+              <a:rPr lang="de-DE" dirty="0"/>
+              <a:t>Formula</a:t>
+            </a:r>
+          </a:p>
+          <a:p>
+            <a:r>
+              <a:rPr lang="de-DE" dirty="0"/>
+              <a:t>Beer-Lambert-Law</a:t>
+            </a:r>
+          </a:p>
+          <a:p>
+            <a:r>
+              <a:rPr lang="de-DE" dirty="0"/>
+              <a:t>Phase </a:t>
+            </a:r>
+            <a:r>
+              <a:rPr lang="de-DE" dirty="0" err="1"/>
+              <a:t>function</a:t>
+            </a:r>
+            <a:r>
+              <a:rPr lang="de-DE" dirty="0"/>
+              <a:t> </a:t>
+            </a:r>
+          </a:p>
+          <a:p>
+            <a:r>
+              <a:rPr lang="de-DE" dirty="0" err="1"/>
+              <a:t>Might</a:t>
+            </a:r>
+            <a:r>
+              <a:rPr lang="de-DE" dirty="0"/>
+              <a:t> </a:t>
+            </a:r>
+            <a:r>
+              <a:rPr lang="de-DE" dirty="0" err="1"/>
+              <a:t>be</a:t>
+            </a:r>
+            <a:r>
+              <a:rPr lang="de-DE" dirty="0"/>
+              <a:t> </a:t>
+            </a:r>
+            <a:r>
+              <a:rPr lang="de-DE" dirty="0" err="1"/>
+              <a:t>wavelength</a:t>
+            </a:r>
+            <a:r>
+              <a:rPr lang="de-DE" dirty="0"/>
+              <a:t> </a:t>
+            </a:r>
+            <a:r>
+              <a:rPr lang="de-DE" dirty="0" err="1"/>
+              <a:t>dependent</a:t>
+            </a:r>
+            <a:endParaRPr lang="de-DE" dirty="0"/>
           </a:p>
         </p:txBody>
       </p:sp>
@@ -4085,8 +4127,218 @@
           <a:p>
             <a:r>
               <a:rPr lang="de-DE" dirty="0"/>
-              <a:t>Implementation</a:t>
-            </a:r>
+              <a:t>Implementation (1 min)</a:t>
+            </a:r>
+          </a:p>
+        </p:txBody>
+      </p:sp>
+      <p:sp>
+        <p:nvSpPr>
+          <p:cNvPr id="3" name="Inhaltsplatzhalter 2">
+            <a:extLst>
+              <a:ext uri="{FF2B5EF4-FFF2-40B4-BE49-F238E27FC236}">
+                <a16:creationId xmlns:a16="http://schemas.microsoft.com/office/drawing/2014/main" id="{8774A1F4-D50E-4785-AA8B-35FD776F3660}"/>
+              </a:ext>
+            </a:extLst>
+          </p:cNvPr>
+          <p:cNvSpPr>
+            <a:spLocks noGrp="1"/>
+          </p:cNvSpPr>
+          <p:nvPr>
+            <p:ph idx="1"/>
+          </p:nvPr>
+        </p:nvSpPr>
+        <p:spPr/>
+        <p:txBody>
+          <a:bodyPr/>
+          <a:lstStyle/>
+          <a:p>
+            <a:r>
+              <a:rPr lang="de-DE" dirty="0" err="1"/>
+              <a:t>Frustum</a:t>
+            </a:r>
+            <a:r>
+              <a:rPr lang="de-DE" dirty="0"/>
+              <a:t> </a:t>
+            </a:r>
+            <a:r>
+              <a:rPr lang="de-DE" dirty="0" err="1"/>
+              <a:t>oriented</a:t>
+            </a:r>
+            <a:r>
+              <a:rPr lang="de-DE" dirty="0"/>
+              <a:t> </a:t>
+            </a:r>
+            <a:r>
+              <a:rPr lang="de-DE" dirty="0" err="1"/>
+              <a:t>voxel</a:t>
+            </a:r>
+            <a:r>
+              <a:rPr lang="de-DE" dirty="0"/>
+              <a:t> </a:t>
+            </a:r>
+            <a:r>
+              <a:rPr lang="de-DE" dirty="0" err="1"/>
+              <a:t>grid</a:t>
+            </a:r>
+            <a:r>
+              <a:rPr lang="de-DE" dirty="0"/>
+              <a:t> (3d </a:t>
+            </a:r>
+            <a:r>
+              <a:rPr lang="de-DE" dirty="0" err="1"/>
+              <a:t>texture</a:t>
+            </a:r>
+            <a:r>
+              <a:rPr lang="de-DE" dirty="0"/>
+              <a:t>)</a:t>
+            </a:r>
+          </a:p>
+          <a:p>
+            <a:pPr lvl="1"/>
+            <a:r>
+              <a:rPr lang="de-DE" dirty="0"/>
+              <a:t>In-</a:t>
+            </a:r>
+            <a:r>
+              <a:rPr lang="de-DE" dirty="0" err="1"/>
+              <a:t>scattering</a:t>
+            </a:r>
+            <a:r>
+              <a:rPr lang="de-DE" dirty="0"/>
+              <a:t> in RGB</a:t>
+            </a:r>
+          </a:p>
+          <a:p>
+            <a:pPr lvl="1"/>
+            <a:r>
+              <a:rPr lang="de-DE" dirty="0" err="1"/>
+              <a:t>Scattering</a:t>
+            </a:r>
+            <a:r>
+              <a:rPr lang="de-DE" dirty="0"/>
+              <a:t> </a:t>
+            </a:r>
+            <a:r>
+              <a:rPr lang="de-DE" dirty="0" err="1"/>
+              <a:t>coefficient</a:t>
+            </a:r>
+            <a:r>
+              <a:rPr lang="de-DE" dirty="0"/>
+              <a:t> in Alpha</a:t>
+            </a:r>
+          </a:p>
+          <a:p>
+            <a:r>
+              <a:rPr lang="de-DE" dirty="0" err="1"/>
+              <a:t>Exponential</a:t>
+            </a:r>
+            <a:r>
+              <a:rPr lang="de-DE" dirty="0"/>
+              <a:t> </a:t>
+            </a:r>
+            <a:r>
+              <a:rPr lang="de-DE" dirty="0" err="1"/>
+              <a:t>depth</a:t>
+            </a:r>
+            <a:r>
+              <a:rPr lang="de-DE" dirty="0"/>
+              <a:t> </a:t>
+            </a:r>
+            <a:r>
+              <a:rPr lang="de-DE" dirty="0" err="1"/>
+              <a:t>distribution</a:t>
+            </a:r>
+            <a:endParaRPr lang="de-DE" dirty="0"/>
+          </a:p>
+          <a:p>
+            <a:r>
+              <a:rPr lang="de-DE" dirty="0" err="1"/>
+              <a:t>Animated</a:t>
+            </a:r>
+            <a:r>
+              <a:rPr lang="de-DE" dirty="0"/>
+              <a:t> 3d </a:t>
+            </a:r>
+            <a:r>
+              <a:rPr lang="de-DE" dirty="0" err="1"/>
+              <a:t>perlin</a:t>
+            </a:r>
+            <a:r>
+              <a:rPr lang="de-DE" dirty="0"/>
+              <a:t> </a:t>
+            </a:r>
+            <a:r>
+              <a:rPr lang="de-DE" dirty="0" err="1"/>
+              <a:t>noise</a:t>
+            </a:r>
+            <a:endParaRPr lang="de-DE" dirty="0"/>
+          </a:p>
+          <a:p>
+            <a:r>
+              <a:rPr lang="de-DE" dirty="0" err="1"/>
+              <a:t>Analytic</a:t>
+            </a:r>
+            <a:r>
+              <a:rPr lang="de-DE" dirty="0"/>
+              <a:t> </a:t>
+            </a:r>
+            <a:r>
+              <a:rPr lang="de-DE" dirty="0" err="1"/>
+              <a:t>fog</a:t>
+            </a:r>
+            <a:endParaRPr lang="de-DE" dirty="0"/>
+          </a:p>
+          <a:p>
+            <a:r>
+              <a:rPr lang="de-DE" dirty="0"/>
+              <a:t>3 </a:t>
+            </a:r>
+            <a:r>
+              <a:rPr lang="de-DE" dirty="0" err="1"/>
+              <a:t>compute</a:t>
+            </a:r>
+            <a:r>
+              <a:rPr lang="de-DE" dirty="0"/>
+              <a:t> </a:t>
+            </a:r>
+            <a:r>
+              <a:rPr lang="de-DE" dirty="0" err="1"/>
+              <a:t>passes</a:t>
+            </a:r>
+            <a:r>
+              <a:rPr lang="de-DE" dirty="0"/>
+              <a:t>, </a:t>
+            </a:r>
+            <a:r>
+              <a:rPr lang="de-DE" dirty="0" err="1"/>
+              <a:t>apply</a:t>
+            </a:r>
+            <a:r>
+              <a:rPr lang="de-DE" dirty="0"/>
+              <a:t> </a:t>
+            </a:r>
+            <a:r>
+              <a:rPr lang="de-DE" dirty="0" err="1"/>
+              <a:t>fog</a:t>
+            </a:r>
+            <a:r>
+              <a:rPr lang="de-DE" dirty="0"/>
+              <a:t> in </a:t>
+            </a:r>
+            <a:r>
+              <a:rPr lang="de-DE" dirty="0" err="1"/>
+              <a:t>pixel</a:t>
+            </a:r>
+            <a:r>
+              <a:rPr lang="de-DE" dirty="0"/>
+              <a:t> </a:t>
+            </a:r>
+            <a:r>
+              <a:rPr lang="de-DE" dirty="0" err="1"/>
+              <a:t>shader</a:t>
+            </a:r>
+            <a:endParaRPr lang="de-DE" dirty="0"/>
           </a:p>
         </p:txBody>
       </p:sp>
@@ -4143,8 +4395,83 @@
           <a:p>
             <a:r>
               <a:rPr lang="de-DE" dirty="0"/>
-              <a:t>Temporal Supersampling</a:t>
-            </a:r>
+              <a:t>Temporal Supersampling (1 min)</a:t>
+            </a:r>
+          </a:p>
+        </p:txBody>
+      </p:sp>
+      <p:sp>
+        <p:nvSpPr>
+          <p:cNvPr id="3" name="Inhaltsplatzhalter 2">
+            <a:extLst>
+              <a:ext uri="{FF2B5EF4-FFF2-40B4-BE49-F238E27FC236}">
+                <a16:creationId xmlns:a16="http://schemas.microsoft.com/office/drawing/2014/main" id="{6E9E891E-4C95-464C-9399-8692B2475360}"/>
+              </a:ext>
+            </a:extLst>
+          </p:cNvPr>
+          <p:cNvSpPr>
+            <a:spLocks noGrp="1"/>
+          </p:cNvSpPr>
+          <p:nvPr>
+            <p:ph idx="1"/>
+          </p:nvPr>
+        </p:nvSpPr>
+        <p:spPr/>
+        <p:txBody>
+          <a:bodyPr/>
+          <a:lstStyle/>
+          <a:p>
+            <a:r>
+              <a:rPr lang="de-DE" dirty="0" err="1"/>
+              <a:t>Exponential</a:t>
+            </a:r>
+            <a:r>
+              <a:rPr lang="de-DE" dirty="0"/>
+              <a:t> </a:t>
+            </a:r>
+            <a:r>
+              <a:rPr lang="de-DE" dirty="0" err="1"/>
+              <a:t>moving</a:t>
+            </a:r>
+            <a:r>
+              <a:rPr lang="de-DE" dirty="0"/>
+              <a:t> </a:t>
+            </a:r>
+            <a:r>
+              <a:rPr lang="de-DE" dirty="0" err="1"/>
+              <a:t>average</a:t>
+            </a:r>
+            <a:endParaRPr lang="de-DE" dirty="0"/>
+          </a:p>
+          <a:p>
+            <a:r>
+              <a:rPr lang="de-DE" dirty="0" err="1"/>
+              <a:t>Halton</a:t>
+            </a:r>
+            <a:r>
+              <a:rPr lang="de-DE" dirty="0"/>
+              <a:t> </a:t>
+            </a:r>
+            <a:r>
+              <a:rPr lang="de-DE" dirty="0" err="1"/>
+              <a:t>sequence</a:t>
+            </a:r>
+            <a:endParaRPr lang="de-DE" dirty="0"/>
+          </a:p>
+          <a:p>
+            <a:r>
+              <a:rPr lang="de-DE" dirty="0" err="1"/>
+              <a:t>Neighborhood</a:t>
+            </a:r>
+            <a:r>
+              <a:rPr lang="de-DE" dirty="0"/>
+              <a:t> </a:t>
+            </a:r>
+            <a:r>
+              <a:rPr lang="de-DE" dirty="0" err="1"/>
+              <a:t>clamping</a:t>
+            </a:r>
+            <a:endParaRPr lang="de-DE" dirty="0"/>
           </a:p>
         </p:txBody>
       </p:sp>
@@ -4201,7 +4528,87 @@
           <a:p>
             <a:r>
               <a:rPr lang="de-DE" dirty="0"/>
-              <a:t>Dithering</a:t>
+              <a:t>Dithering (30 sec)</a:t>
+            </a:r>
+          </a:p>
+        </p:txBody>
+      </p:sp>
+      <p:sp>
+        <p:nvSpPr>
+          <p:cNvPr id="3" name="Inhaltsplatzhalter 2">
+            <a:extLst>
+              <a:ext uri="{FF2B5EF4-FFF2-40B4-BE49-F238E27FC236}">
+                <a16:creationId xmlns:a16="http://schemas.microsoft.com/office/drawing/2014/main" id="{B80DFE3B-89CF-4F1E-A075-3C288695DC66}"/>
+              </a:ext>
+            </a:extLst>
+          </p:cNvPr>
+          <p:cNvSpPr>
+            <a:spLocks noGrp="1"/>
+          </p:cNvSpPr>
+          <p:nvPr>
+            <p:ph idx="1"/>
+          </p:nvPr>
+        </p:nvSpPr>
+        <p:spPr/>
+        <p:txBody>
+          <a:bodyPr/>
+          <a:lstStyle/>
+          <a:p>
+            <a:r>
+              <a:rPr lang="de-DE" dirty="0"/>
+              <a:t>Blue </a:t>
+            </a:r>
+            <a:r>
+              <a:rPr lang="de-DE" dirty="0" err="1"/>
+              <a:t>noise</a:t>
+            </a:r>
+            <a:endParaRPr lang="de-DE" dirty="0"/>
+          </a:p>
+          <a:p>
+            <a:r>
+              <a:rPr lang="de-DE" dirty="0"/>
+              <a:t>Offset </a:t>
+            </a:r>
+            <a:r>
+              <a:rPr lang="de-DE" dirty="0" err="1"/>
+              <a:t>depth</a:t>
+            </a:r>
+            <a:endParaRPr lang="de-DE" dirty="0"/>
+          </a:p>
+          <a:p>
+            <a:r>
+              <a:rPr lang="de-DE" dirty="0" err="1"/>
+              <a:t>Better</a:t>
+            </a:r>
+            <a:r>
+              <a:rPr lang="de-DE" dirty="0"/>
+              <a:t> sample </a:t>
+            </a:r>
+            <a:r>
+              <a:rPr lang="de-DE" dirty="0" err="1"/>
+              <a:t>distribution</a:t>
+            </a:r>
+            <a:endParaRPr lang="de-DE" dirty="0"/>
+          </a:p>
+          <a:p>
+            <a:endParaRPr lang="de-DE" dirty="0"/>
+          </a:p>
+          <a:p>
+            <a:r>
+              <a:rPr lang="de-DE" dirty="0" err="1"/>
+              <a:t>Dithered</a:t>
+            </a:r>
+            <a:r>
+              <a:rPr lang="de-DE" dirty="0"/>
+              <a:t> </a:t>
+            </a:r>
+            <a:r>
+              <a:rPr lang="de-DE" dirty="0" err="1"/>
+              <a:t>sampling</a:t>
+            </a:r>
+            <a:r>
+              <a:rPr lang="de-DE" dirty="0"/>
+              <a:t> -&gt; TAA</a:t>
             </a:r>
           </a:p>
         </p:txBody>
@@ -4220,6 +4627,93 @@
 </file>
 
 <file path=ppt/slides/slide8.xml><?xml version="1.0" encoding="utf-8"?>
+<p:sld xmlns:a="http://schemas.openxmlformats.org/drawingml/2006/main" xmlns:r="http://schemas.openxmlformats.org/officeDocument/2006/relationships" xmlns:p="http://schemas.openxmlformats.org/presentationml/2006/main">
+  <p:cSld>
+    <p:spTree>
+      <p:nvGrpSpPr>
+        <p:cNvPr id="1" name=""/>
+        <p:cNvGrpSpPr/>
+        <p:nvPr/>
+      </p:nvGrpSpPr>
+      <p:grpSpPr>
+        <a:xfrm>
+          <a:off x="0" y="0"/>
+          <a:ext cx="0" cy="0"/>
+          <a:chOff x="0" y="0"/>
+          <a:chExt cx="0" cy="0"/>
+        </a:xfrm>
+      </p:grpSpPr>
+      <p:sp>
+        <p:nvSpPr>
+          <p:cNvPr id="2" name="Titel 1">
+            <a:extLst>
+              <a:ext uri="{FF2B5EF4-FFF2-40B4-BE49-F238E27FC236}">
+                <a16:creationId xmlns:a16="http://schemas.microsoft.com/office/drawing/2014/main" id="{9F0D4089-10E1-4F23-AAB2-E6BD34B51F1A}"/>
+              </a:ext>
+            </a:extLst>
+          </p:cNvPr>
+          <p:cNvSpPr>
+            <a:spLocks noGrp="1"/>
+          </p:cNvSpPr>
+          <p:nvPr>
+            <p:ph type="title"/>
+          </p:nvPr>
+        </p:nvSpPr>
+        <p:spPr/>
+        <p:txBody>
+          <a:bodyPr/>
+          <a:lstStyle/>
+          <a:p>
+            <a:r>
+              <a:rPr lang="de-DE" dirty="0" err="1"/>
+              <a:t>Atmosphere</a:t>
+            </a:r>
+            <a:r>
+              <a:rPr lang="de-DE" dirty="0"/>
+              <a:t> Rendering</a:t>
+            </a:r>
+          </a:p>
+        </p:txBody>
+      </p:sp>
+      <p:sp>
+        <p:nvSpPr>
+          <p:cNvPr id="3" name="Inhaltsplatzhalter 2">
+            <a:extLst>
+              <a:ext uri="{FF2B5EF4-FFF2-40B4-BE49-F238E27FC236}">
+                <a16:creationId xmlns:a16="http://schemas.microsoft.com/office/drawing/2014/main" id="{28AF142C-3A29-4786-BCCE-B505B4BED13B}"/>
+              </a:ext>
+            </a:extLst>
+          </p:cNvPr>
+          <p:cNvSpPr>
+            <a:spLocks noGrp="1"/>
+          </p:cNvSpPr>
+          <p:nvPr>
+            <p:ph idx="1"/>
+          </p:nvPr>
+        </p:nvSpPr>
+        <p:spPr/>
+        <p:txBody>
+          <a:bodyPr/>
+          <a:lstStyle/>
+          <a:p>
+            <a:endParaRPr lang="de-DE" dirty="0"/>
+          </a:p>
+        </p:txBody>
+      </p:sp>
+    </p:spTree>
+    <p:extLst>
+      <p:ext uri="{BB962C8B-B14F-4D97-AF65-F5344CB8AC3E}">
+        <p14:creationId xmlns:p14="http://schemas.microsoft.com/office/powerpoint/2010/main" val="918164183"/>
+      </p:ext>
+    </p:extLst>
+  </p:cSld>
+  <p:clrMapOvr>
+    <a:masterClrMapping/>
+  </p:clrMapOvr>
+</p:sld>
+</file>
+
+<file path=ppt/slides/slide9.xml><?xml version="1.0" encoding="utf-8"?>
 <p:sld xmlns:a="http://schemas.openxmlformats.org/drawingml/2006/main" xmlns:r="http://schemas.openxmlformats.org/officeDocument/2006/relationships" xmlns:p="http://schemas.openxmlformats.org/presentationml/2006/main">
   <p:cSld>
     <p:spTree>

--- a/Presentation.pptx
+++ b/Presentation.pptx
@@ -267,7 +267,7 @@
           <a:p>
             <a:fld id="{541B350F-977A-45F1-9D02-725BAD40C7D3}" type="datetimeFigureOut">
               <a:rPr lang="de-DE" smtClean="0"/>
-              <a:t>26.01.2020</a:t>
+              <a:t>29.01.2020</a:t>
             </a:fld>
             <a:endParaRPr lang="de-DE"/>
           </a:p>
@@ -555,7 +555,7 @@
           <a:p>
             <a:fld id="{541B350F-977A-45F1-9D02-725BAD40C7D3}" type="datetimeFigureOut">
               <a:rPr lang="de-DE" smtClean="0"/>
-              <a:t>26.01.2020</a:t>
+              <a:t>29.01.2020</a:t>
             </a:fld>
             <a:endParaRPr lang="de-DE"/>
           </a:p>
@@ -753,7 +753,7 @@
           <a:p>
             <a:fld id="{541B350F-977A-45F1-9D02-725BAD40C7D3}" type="datetimeFigureOut">
               <a:rPr lang="de-DE" smtClean="0"/>
-              <a:t>26.01.2020</a:t>
+              <a:t>29.01.2020</a:t>
             </a:fld>
             <a:endParaRPr lang="de-DE"/>
           </a:p>
@@ -961,7 +961,7 @@
           <a:p>
             <a:fld id="{541B350F-977A-45F1-9D02-725BAD40C7D3}" type="datetimeFigureOut">
               <a:rPr lang="de-DE" smtClean="0"/>
-              <a:t>26.01.2020</a:t>
+              <a:t>29.01.2020</a:t>
             </a:fld>
             <a:endParaRPr lang="de-DE"/>
           </a:p>
@@ -1102,7 +1102,7 @@
           <a:p>
             <a:fld id="{541B350F-977A-45F1-9D02-725BAD40C7D3}" type="datetimeFigureOut">
               <a:rPr lang="de-DE" smtClean="0"/>
-              <a:t>26.01.2020</a:t>
+              <a:t>29.01.2020</a:t>
             </a:fld>
             <a:endParaRPr lang="de-DE"/>
           </a:p>
@@ -1300,7 +1300,7 @@
           <a:p>
             <a:fld id="{541B350F-977A-45F1-9D02-725BAD40C7D3}" type="datetimeFigureOut">
               <a:rPr lang="de-DE" smtClean="0"/>
-              <a:t>26.01.2020</a:t>
+              <a:t>29.01.2020</a:t>
             </a:fld>
             <a:endParaRPr lang="de-DE"/>
           </a:p>
@@ -1575,7 +1575,7 @@
           <a:p>
             <a:fld id="{541B350F-977A-45F1-9D02-725BAD40C7D3}" type="datetimeFigureOut">
               <a:rPr lang="de-DE" smtClean="0"/>
-              <a:t>26.01.2020</a:t>
+              <a:t>29.01.2020</a:t>
             </a:fld>
             <a:endParaRPr lang="de-DE"/>
           </a:p>
@@ -1840,7 +1840,7 @@
           <a:p>
             <a:fld id="{541B350F-977A-45F1-9D02-725BAD40C7D3}" type="datetimeFigureOut">
               <a:rPr lang="de-DE" smtClean="0"/>
-              <a:t>26.01.2020</a:t>
+              <a:t>29.01.2020</a:t>
             </a:fld>
             <a:endParaRPr lang="de-DE"/>
           </a:p>
@@ -2252,7 +2252,7 @@
           <a:p>
             <a:fld id="{541B350F-977A-45F1-9D02-725BAD40C7D3}" type="datetimeFigureOut">
               <a:rPr lang="de-DE" smtClean="0"/>
-              <a:t>26.01.2020</a:t>
+              <a:t>29.01.2020</a:t>
             </a:fld>
             <a:endParaRPr lang="de-DE"/>
           </a:p>
@@ -2393,7 +2393,7 @@
           <a:p>
             <a:fld id="{541B350F-977A-45F1-9D02-725BAD40C7D3}" type="datetimeFigureOut">
               <a:rPr lang="de-DE" smtClean="0"/>
-              <a:t>26.01.2020</a:t>
+              <a:t>29.01.2020</a:t>
             </a:fld>
             <a:endParaRPr lang="de-DE"/>
           </a:p>
@@ -2506,7 +2506,7 @@
           <a:p>
             <a:fld id="{541B350F-977A-45F1-9D02-725BAD40C7D3}" type="datetimeFigureOut">
               <a:rPr lang="de-DE" smtClean="0"/>
-              <a:t>26.01.2020</a:t>
+              <a:t>29.01.2020</a:t>
             </a:fld>
             <a:endParaRPr lang="de-DE"/>
           </a:p>
@@ -2817,7 +2817,7 @@
           <a:p>
             <a:fld id="{541B350F-977A-45F1-9D02-725BAD40C7D3}" type="datetimeFigureOut">
               <a:rPr lang="de-DE" smtClean="0"/>
-              <a:t>26.01.2020</a:t>
+              <a:t>29.01.2020</a:t>
             </a:fld>
             <a:endParaRPr lang="de-DE"/>
           </a:p>
@@ -3078,7 +3078,7 @@
           <a:p>
             <a:fld id="{541B350F-977A-45F1-9D02-725BAD40C7D3}" type="datetimeFigureOut">
               <a:rPr lang="de-DE" smtClean="0"/>
-              <a:t>26.01.2020</a:t>
+              <a:t>29.01.2020</a:t>
             </a:fld>
             <a:endParaRPr lang="de-DE"/>
           </a:p>
@@ -3772,7 +3772,7 @@
           <a:lstStyle/>
           <a:p>
             <a:r>
-              <a:rPr lang="de-DE">
+              <a:rPr lang="de-DE" dirty="0" err="1">
                 <a:solidFill>
                   <a:schemeClr val="accent2"/>
                 </a:solidFill>
@@ -3924,7 +3924,7 @@
           <a:p>
             <a:r>
               <a:rPr lang="de-DE" dirty="0"/>
-              <a:t>Fog Video (30 sec)</a:t>
+              <a:t>Fog Demo (1 min)</a:t>
             </a:r>
           </a:p>
         </p:txBody>
@@ -3981,17 +3981,33 @@
           <a:lstStyle/>
           <a:p>
             <a:r>
-              <a:rPr lang="de-DE" dirty="0"/>
+              <a:rPr lang="de-DE" dirty="0">
+                <a:solidFill>
+                  <a:schemeClr val="accent2"/>
+                </a:solidFill>
+                <a:latin typeface="Bahnschrift" panose="020B0502040204020203" pitchFamily="34" charset="0"/>
+              </a:rPr>
               <a:t>Light </a:t>
             </a:r>
             <a:r>
-              <a:rPr lang="de-DE" dirty="0" err="1"/>
+              <a:rPr lang="de-DE" dirty="0" err="1">
+                <a:solidFill>
+                  <a:schemeClr val="accent2"/>
+                </a:solidFill>
+                <a:latin typeface="Bahnschrift" panose="020B0502040204020203" pitchFamily="34" charset="0"/>
+              </a:rPr>
               <a:t>Scattering</a:t>
             </a:r>
             <a:r>
-              <a:rPr lang="de-DE" dirty="0"/>
-              <a:t> Theory (2 min)</a:t>
-            </a:r>
+              <a:rPr lang="de-DE" dirty="0">
+                <a:solidFill>
+                  <a:schemeClr val="accent2"/>
+                </a:solidFill>
+                <a:latin typeface="Bahnschrift" panose="020B0502040204020203" pitchFamily="34" charset="0"/>
+              </a:rPr>
+              <a:t> Theory</a:t>
+            </a:r>
+            <a:endParaRPr lang="de-DE" dirty="0"/>
           </a:p>
         </p:txBody>
       </p:sp>
@@ -4011,69 +4027,793 @@
             <p:ph idx="1"/>
           </p:nvPr>
         </p:nvSpPr>
-        <p:spPr/>
+        <p:spPr>
+          <a:xfrm>
+            <a:off x="7694720" y="1479697"/>
+            <a:ext cx="4497280" cy="2175669"/>
+          </a:xfrm>
+        </p:spPr>
         <p:txBody>
           <a:bodyPr/>
           <a:lstStyle/>
           <a:p>
             <a:r>
-              <a:rPr lang="de-DE" dirty="0"/>
-              <a:t>Formula</a:t>
-            </a:r>
-          </a:p>
-          <a:p>
-            <a:r>
-              <a:rPr lang="de-DE" dirty="0"/>
+              <a:rPr lang="de-DE" dirty="0">
+                <a:solidFill>
+                  <a:schemeClr val="bg1"/>
+                </a:solidFill>
+                <a:latin typeface="Bahnschrift" panose="020B0502040204020203" pitchFamily="34" charset="0"/>
+              </a:rPr>
               <a:t>Beer-Lambert-Law</a:t>
             </a:r>
           </a:p>
           <a:p>
             <a:r>
-              <a:rPr lang="de-DE" dirty="0"/>
+              <a:rPr lang="de-DE" dirty="0">
+                <a:solidFill>
+                  <a:schemeClr val="bg1"/>
+                </a:solidFill>
+                <a:latin typeface="Bahnschrift" panose="020B0502040204020203" pitchFamily="34" charset="0"/>
+              </a:rPr>
               <a:t>Phase </a:t>
             </a:r>
             <a:r>
-              <a:rPr lang="de-DE" dirty="0" err="1"/>
+              <a:rPr lang="de-DE" dirty="0" err="1">
+                <a:solidFill>
+                  <a:schemeClr val="bg1"/>
+                </a:solidFill>
+                <a:latin typeface="Bahnschrift" panose="020B0502040204020203" pitchFamily="34" charset="0"/>
+              </a:rPr>
               <a:t>function</a:t>
             </a:r>
             <a:r>
-              <a:rPr lang="de-DE" dirty="0"/>
+              <a:rPr lang="de-DE" dirty="0">
+                <a:solidFill>
+                  <a:schemeClr val="bg1"/>
+                </a:solidFill>
+                <a:latin typeface="Bahnschrift" panose="020B0502040204020203" pitchFamily="34" charset="0"/>
+              </a:rPr>
               <a:t> </a:t>
             </a:r>
           </a:p>
           <a:p>
             <a:r>
-              <a:rPr lang="de-DE" dirty="0" err="1"/>
+              <a:rPr lang="de-DE" dirty="0" err="1">
+                <a:solidFill>
+                  <a:schemeClr val="bg1"/>
+                </a:solidFill>
+                <a:latin typeface="Bahnschrift" panose="020B0502040204020203" pitchFamily="34" charset="0"/>
+              </a:rPr>
               <a:t>Might</a:t>
             </a:r>
             <a:r>
-              <a:rPr lang="de-DE" dirty="0"/>
+              <a:rPr lang="de-DE" dirty="0">
+                <a:solidFill>
+                  <a:schemeClr val="bg1"/>
+                </a:solidFill>
+                <a:latin typeface="Bahnschrift" panose="020B0502040204020203" pitchFamily="34" charset="0"/>
+              </a:rPr>
               <a:t> </a:t>
             </a:r>
             <a:r>
-              <a:rPr lang="de-DE" dirty="0" err="1"/>
+              <a:rPr lang="de-DE" dirty="0" err="1">
+                <a:solidFill>
+                  <a:schemeClr val="bg1"/>
+                </a:solidFill>
+                <a:latin typeface="Bahnschrift" panose="020B0502040204020203" pitchFamily="34" charset="0"/>
+              </a:rPr>
               <a:t>be</a:t>
             </a:r>
             <a:r>
-              <a:rPr lang="de-DE" dirty="0"/>
+              <a:rPr lang="de-DE" dirty="0">
+                <a:solidFill>
+                  <a:schemeClr val="bg1"/>
+                </a:solidFill>
+                <a:latin typeface="Bahnschrift" panose="020B0502040204020203" pitchFamily="34" charset="0"/>
+              </a:rPr>
               <a:t> </a:t>
             </a:r>
             <a:r>
-              <a:rPr lang="de-DE" dirty="0" err="1"/>
+              <a:rPr lang="de-DE" dirty="0" err="1">
+                <a:solidFill>
+                  <a:schemeClr val="bg1"/>
+                </a:solidFill>
+                <a:latin typeface="Bahnschrift" panose="020B0502040204020203" pitchFamily="34" charset="0"/>
+              </a:rPr>
               <a:t>wavelength</a:t>
             </a:r>
             <a:r>
-              <a:rPr lang="de-DE" dirty="0"/>
+              <a:rPr lang="de-DE" dirty="0">
+                <a:solidFill>
+                  <a:schemeClr val="bg1"/>
+                </a:solidFill>
+                <a:latin typeface="Bahnschrift" panose="020B0502040204020203" pitchFamily="34" charset="0"/>
+              </a:rPr>
               <a:t> </a:t>
             </a:r>
             <a:r>
-              <a:rPr lang="de-DE" dirty="0" err="1"/>
+              <a:rPr lang="de-DE" dirty="0" err="1">
+                <a:solidFill>
+                  <a:schemeClr val="bg1"/>
+                </a:solidFill>
+                <a:latin typeface="Bahnschrift" panose="020B0502040204020203" pitchFamily="34" charset="0"/>
+              </a:rPr>
               <a:t>dependent</a:t>
             </a:r>
-            <a:endParaRPr lang="de-DE" dirty="0"/>
-          </a:p>
-        </p:txBody>
-      </p:sp>
+            <a:endParaRPr lang="de-DE" dirty="0">
+              <a:solidFill>
+                <a:schemeClr val="bg1"/>
+              </a:solidFill>
+              <a:latin typeface="Bahnschrift" panose="020B0502040204020203" pitchFamily="34" charset="0"/>
+            </a:endParaRPr>
+          </a:p>
+        </p:txBody>
+      </p:sp>
+      <p:pic>
+        <p:nvPicPr>
+          <p:cNvPr id="7" name="Grafik 6" descr="Ein Bild, das Uhr enthält.&#10;&#10;Automatisch generierte Beschreibung">
+            <a:extLst>
+              <a:ext uri="{FF2B5EF4-FFF2-40B4-BE49-F238E27FC236}">
+                <a16:creationId xmlns:a16="http://schemas.microsoft.com/office/drawing/2014/main" id="{989CE3CD-C0A9-4576-A8C5-27A13F1E5B90}"/>
+              </a:ext>
+            </a:extLst>
+          </p:cNvPr>
+          <p:cNvPicPr>
+            <a:picLocks noChangeAspect="1"/>
+          </p:cNvPicPr>
+          <p:nvPr/>
+        </p:nvPicPr>
+        <p:blipFill>
+          <a:blip r:embed="rId2">
+            <a:extLst>
+              <a:ext uri="{28A0092B-C50C-407E-A947-70E740481C1C}">
+                <a14:useLocalDpi xmlns:a14="http://schemas.microsoft.com/office/drawing/2010/main" val="0"/>
+              </a:ext>
+            </a:extLst>
+          </a:blip>
+          <a:stretch>
+            <a:fillRect/>
+          </a:stretch>
+        </p:blipFill>
+        <p:spPr>
+          <a:xfrm>
+            <a:off x="838200" y="1479697"/>
+            <a:ext cx="6670197" cy="2521596"/>
+          </a:xfrm>
+          <a:prstGeom prst="rect">
+            <a:avLst/>
+          </a:prstGeom>
+        </p:spPr>
+      </p:pic>
+      <mc:AlternateContent xmlns:mc="http://schemas.openxmlformats.org/markup-compatibility/2006">
+        <mc:Choice xmlns:a14="http://schemas.microsoft.com/office/drawing/2010/main" Requires="a14">
+          <p:sp>
+            <p:nvSpPr>
+              <p:cNvPr id="9" name="Textfeld 8">
+                <a:extLst>
+                  <a:ext uri="{FF2B5EF4-FFF2-40B4-BE49-F238E27FC236}">
+                    <a16:creationId xmlns:a16="http://schemas.microsoft.com/office/drawing/2014/main" id="{B9BB7C2A-42D7-4D45-AA6E-EF34021B01BD}"/>
+                  </a:ext>
+                </a:extLst>
+              </p:cNvPr>
+              <p:cNvSpPr txBox="1"/>
+              <p:nvPr/>
+            </p:nvSpPr>
+            <p:spPr>
+              <a:xfrm>
+                <a:off x="435007" y="4381492"/>
+                <a:ext cx="10918793" cy="996811"/>
+              </a:xfrm>
+              <a:prstGeom prst="rect">
+                <a:avLst/>
+              </a:prstGeom>
+              <a:noFill/>
+            </p:spPr>
+            <p:txBody>
+              <a:bodyPr wrap="square" lIns="0" tIns="0" rIns="0" bIns="0" rtlCol="0">
+                <a:spAutoFit/>
+              </a:bodyPr>
+              <a:lstStyle/>
+              <a:p>
+                <a14:m>
+                  <m:oMathPara xmlns:m="http://schemas.openxmlformats.org/officeDocument/2006/math">
+                    <m:oMathParaPr>
+                      <m:jc m:val="centerGroup"/>
+                    </m:oMathParaPr>
+                    <m:oMath xmlns:m="http://schemas.openxmlformats.org/officeDocument/2006/math">
+                      <m:sSub>
+                        <m:sSubPr>
+                          <m:ctrlPr>
+                            <a:rPr lang="pt-BR" sz="2800" b="0" i="1" smtClean="0">
+                              <a:solidFill>
+                                <a:schemeClr val="bg1"/>
+                              </a:solidFill>
+                              <a:latin typeface="Cambria Math" panose="02040503050406030204" pitchFamily="18" charset="0"/>
+                            </a:rPr>
+                          </m:ctrlPr>
+                        </m:sSubPr>
+                        <m:e>
+                          <m:r>
+                            <a:rPr lang="de-DE" sz="2800" b="0" i="1" smtClean="0">
+                              <a:solidFill>
+                                <a:schemeClr val="bg1"/>
+                              </a:solidFill>
+                              <a:latin typeface="Cambria Math" panose="02040503050406030204" pitchFamily="18" charset="0"/>
+                            </a:rPr>
+                            <m:t>𝐿</m:t>
+                          </m:r>
+                        </m:e>
+                        <m:sub>
+                          <m:r>
+                            <a:rPr lang="de-DE" sz="2800" b="0" i="1" smtClean="0">
+                              <a:solidFill>
+                                <a:schemeClr val="bg1"/>
+                              </a:solidFill>
+                              <a:latin typeface="Cambria Math" panose="02040503050406030204" pitchFamily="18" charset="0"/>
+                            </a:rPr>
+                            <m:t>𝑖</m:t>
+                          </m:r>
+                        </m:sub>
+                      </m:sSub>
+                      <m:d>
+                        <m:dPr>
+                          <m:ctrlPr>
+                            <a:rPr lang="de-DE" sz="2800" b="0" i="1" smtClean="0">
+                              <a:solidFill>
+                                <a:schemeClr val="bg1"/>
+                              </a:solidFill>
+                              <a:latin typeface="Cambria Math" panose="02040503050406030204" pitchFamily="18" charset="0"/>
+                            </a:rPr>
+                          </m:ctrlPr>
+                        </m:dPr>
+                        <m:e>
+                          <m:r>
+                            <a:rPr lang="de-DE" sz="2800" b="0" i="1" smtClean="0">
+                              <a:solidFill>
+                                <a:schemeClr val="bg1"/>
+                              </a:solidFill>
+                              <a:latin typeface="Cambria Math" panose="02040503050406030204" pitchFamily="18" charset="0"/>
+                            </a:rPr>
+                            <m:t>𝑐</m:t>
+                          </m:r>
+                          <m:r>
+                            <a:rPr lang="de-DE" sz="2800" b="0" i="1" smtClean="0">
+                              <a:solidFill>
+                                <a:schemeClr val="bg1"/>
+                              </a:solidFill>
+                              <a:latin typeface="Cambria Math" panose="02040503050406030204" pitchFamily="18" charset="0"/>
+                            </a:rPr>
+                            <m:t>, −</m:t>
+                          </m:r>
+                          <m:r>
+                            <a:rPr lang="de-DE" sz="2800" b="0" i="1" smtClean="0">
+                              <a:solidFill>
+                                <a:schemeClr val="bg1"/>
+                              </a:solidFill>
+                              <a:latin typeface="Cambria Math" panose="02040503050406030204" pitchFamily="18" charset="0"/>
+                            </a:rPr>
+                            <m:t>𝑣</m:t>
+                          </m:r>
+                        </m:e>
+                      </m:d>
+                      <m:r>
+                        <a:rPr lang="de-DE" sz="2800" b="0" i="1" smtClean="0">
+                          <a:solidFill>
+                            <a:schemeClr val="bg1"/>
+                          </a:solidFill>
+                          <a:latin typeface="Cambria Math" panose="02040503050406030204" pitchFamily="18" charset="0"/>
+                        </a:rPr>
+                        <m:t>=</m:t>
+                      </m:r>
+                      <m:sSub>
+                        <m:sSubPr>
+                          <m:ctrlPr>
+                            <a:rPr lang="de-DE" sz="2800" b="0" i="1" smtClean="0">
+                              <a:solidFill>
+                                <a:schemeClr val="bg1"/>
+                              </a:solidFill>
+                              <a:latin typeface="Cambria Math" panose="02040503050406030204" pitchFamily="18" charset="0"/>
+                            </a:rPr>
+                          </m:ctrlPr>
+                        </m:sSubPr>
+                        <m:e>
+                          <m:r>
+                            <a:rPr lang="de-DE" sz="2800" b="0" i="1" smtClean="0">
+                              <a:solidFill>
+                                <a:schemeClr val="bg1"/>
+                              </a:solidFill>
+                              <a:latin typeface="Cambria Math" panose="02040503050406030204" pitchFamily="18" charset="0"/>
+                            </a:rPr>
+                            <m:t>𝑇</m:t>
+                          </m:r>
+                        </m:e>
+                        <m:sub>
+                          <m:r>
+                            <a:rPr lang="de-DE" sz="2800" b="0" i="1" smtClean="0">
+                              <a:solidFill>
+                                <a:schemeClr val="bg1"/>
+                              </a:solidFill>
+                              <a:latin typeface="Cambria Math" panose="02040503050406030204" pitchFamily="18" charset="0"/>
+                            </a:rPr>
+                            <m:t>𝑟</m:t>
+                          </m:r>
+                        </m:sub>
+                      </m:sSub>
+                      <m:d>
+                        <m:dPr>
+                          <m:ctrlPr>
+                            <a:rPr lang="de-DE" sz="2800" b="0" i="1" smtClean="0">
+                              <a:solidFill>
+                                <a:schemeClr val="bg1"/>
+                              </a:solidFill>
+                              <a:latin typeface="Cambria Math" panose="02040503050406030204" pitchFamily="18" charset="0"/>
+                            </a:rPr>
+                          </m:ctrlPr>
+                        </m:dPr>
+                        <m:e>
+                          <m:r>
+                            <a:rPr lang="de-DE" sz="2800" b="0" i="1" smtClean="0">
+                              <a:solidFill>
+                                <a:schemeClr val="bg1"/>
+                              </a:solidFill>
+                              <a:latin typeface="Cambria Math" panose="02040503050406030204" pitchFamily="18" charset="0"/>
+                            </a:rPr>
+                            <m:t>𝑐</m:t>
+                          </m:r>
+                          <m:r>
+                            <a:rPr lang="de-DE" sz="2800" b="0" i="1" smtClean="0">
+                              <a:solidFill>
+                                <a:schemeClr val="bg1"/>
+                              </a:solidFill>
+                              <a:latin typeface="Cambria Math" panose="02040503050406030204" pitchFamily="18" charset="0"/>
+                            </a:rPr>
+                            <m:t>, </m:t>
+                          </m:r>
+                          <m:r>
+                            <a:rPr lang="de-DE" sz="2800" b="0" i="1" smtClean="0">
+                              <a:solidFill>
+                                <a:schemeClr val="bg1"/>
+                              </a:solidFill>
+                              <a:latin typeface="Cambria Math" panose="02040503050406030204" pitchFamily="18" charset="0"/>
+                            </a:rPr>
+                            <m:t>𝑝</m:t>
+                          </m:r>
+                        </m:e>
+                      </m:d>
+                      <m:sSub>
+                        <m:sSubPr>
+                          <m:ctrlPr>
+                            <a:rPr lang="de-DE" sz="2800" b="0" i="1" smtClean="0">
+                              <a:solidFill>
+                                <a:schemeClr val="bg1"/>
+                              </a:solidFill>
+                              <a:latin typeface="Cambria Math" panose="02040503050406030204" pitchFamily="18" charset="0"/>
+                            </a:rPr>
+                          </m:ctrlPr>
+                        </m:sSubPr>
+                        <m:e>
+                          <m:r>
+                            <a:rPr lang="de-DE" sz="2800" b="0" i="1" smtClean="0">
+                              <a:solidFill>
+                                <a:schemeClr val="bg1"/>
+                              </a:solidFill>
+                              <a:latin typeface="Cambria Math" panose="02040503050406030204" pitchFamily="18" charset="0"/>
+                            </a:rPr>
+                            <m:t>𝐿</m:t>
+                          </m:r>
+                        </m:e>
+                        <m:sub>
+                          <m:r>
+                            <a:rPr lang="de-DE" sz="2800" b="0" i="1" smtClean="0">
+                              <a:solidFill>
+                                <a:schemeClr val="bg1"/>
+                              </a:solidFill>
+                              <a:latin typeface="Cambria Math" panose="02040503050406030204" pitchFamily="18" charset="0"/>
+                            </a:rPr>
+                            <m:t>𝑜</m:t>
+                          </m:r>
+                        </m:sub>
+                      </m:sSub>
+                      <m:d>
+                        <m:dPr>
+                          <m:ctrlPr>
+                            <a:rPr lang="de-DE" sz="2800" b="0" i="1" smtClean="0">
+                              <a:solidFill>
+                                <a:schemeClr val="bg1"/>
+                              </a:solidFill>
+                              <a:latin typeface="Cambria Math" panose="02040503050406030204" pitchFamily="18" charset="0"/>
+                            </a:rPr>
+                          </m:ctrlPr>
+                        </m:dPr>
+                        <m:e>
+                          <m:r>
+                            <a:rPr lang="de-DE" sz="2800" b="0" i="1" smtClean="0">
+                              <a:solidFill>
+                                <a:schemeClr val="bg1"/>
+                              </a:solidFill>
+                              <a:latin typeface="Cambria Math" panose="02040503050406030204" pitchFamily="18" charset="0"/>
+                            </a:rPr>
+                            <m:t>𝑝</m:t>
+                          </m:r>
+                          <m:r>
+                            <a:rPr lang="de-DE" sz="2800" b="0" i="1" smtClean="0">
+                              <a:solidFill>
+                                <a:schemeClr val="bg1"/>
+                              </a:solidFill>
+                              <a:latin typeface="Cambria Math" panose="02040503050406030204" pitchFamily="18" charset="0"/>
+                            </a:rPr>
+                            <m:t>,</m:t>
+                          </m:r>
+                          <m:r>
+                            <a:rPr lang="de-DE" sz="2800" b="0" i="1" smtClean="0">
+                              <a:solidFill>
+                                <a:schemeClr val="bg1"/>
+                              </a:solidFill>
+                              <a:latin typeface="Cambria Math" panose="02040503050406030204" pitchFamily="18" charset="0"/>
+                            </a:rPr>
+                            <m:t>𝑣</m:t>
+                          </m:r>
+                        </m:e>
+                      </m:d>
+                      <m:r>
+                        <a:rPr lang="de-DE" sz="2800" b="0" i="1" smtClean="0">
+                          <a:solidFill>
+                            <a:schemeClr val="bg1"/>
+                          </a:solidFill>
+                          <a:latin typeface="Cambria Math" panose="02040503050406030204" pitchFamily="18" charset="0"/>
+                        </a:rPr>
+                        <m:t>+</m:t>
+                      </m:r>
+                      <m:nary>
+                        <m:naryPr>
+                          <m:ctrlPr>
+                            <a:rPr lang="de-DE" sz="2800" b="0" i="1" smtClean="0">
+                              <a:solidFill>
+                                <a:schemeClr val="bg1"/>
+                              </a:solidFill>
+                              <a:latin typeface="Cambria Math" panose="02040503050406030204" pitchFamily="18" charset="0"/>
+                            </a:rPr>
+                          </m:ctrlPr>
+                        </m:naryPr>
+                        <m:sub>
+                          <m:r>
+                            <m:rPr>
+                              <m:brk m:alnAt="23"/>
+                            </m:rPr>
+                            <a:rPr lang="de-DE" sz="2800" b="0" i="1" smtClean="0">
+                              <a:solidFill>
+                                <a:schemeClr val="bg1"/>
+                              </a:solidFill>
+                              <a:latin typeface="Cambria Math" panose="02040503050406030204" pitchFamily="18" charset="0"/>
+                            </a:rPr>
+                            <m:t>𝑡</m:t>
+                          </m:r>
+                          <m:r>
+                            <a:rPr lang="de-DE" sz="2800" b="0" i="1" smtClean="0">
+                              <a:solidFill>
+                                <a:schemeClr val="bg1"/>
+                              </a:solidFill>
+                              <a:latin typeface="Cambria Math" panose="02040503050406030204" pitchFamily="18" charset="0"/>
+                            </a:rPr>
+                            <m:t>=0</m:t>
+                          </m:r>
+                        </m:sub>
+                        <m:sup>
+                          <m:d>
+                            <m:dPr>
+                              <m:begChr m:val="‖"/>
+                              <m:endChr m:val="‖"/>
+                              <m:ctrlPr>
+                                <a:rPr lang="de-DE" sz="2800" b="0" i="1" smtClean="0">
+                                  <a:solidFill>
+                                    <a:schemeClr val="bg1"/>
+                                  </a:solidFill>
+                                  <a:latin typeface="Cambria Math" panose="02040503050406030204" pitchFamily="18" charset="0"/>
+                                </a:rPr>
+                              </m:ctrlPr>
+                            </m:dPr>
+                            <m:e>
+                              <m:r>
+                                <a:rPr lang="de-DE" sz="2800" b="0" i="1" smtClean="0">
+                                  <a:solidFill>
+                                    <a:schemeClr val="bg1"/>
+                                  </a:solidFill>
+                                  <a:latin typeface="Cambria Math" panose="02040503050406030204" pitchFamily="18" charset="0"/>
+                                </a:rPr>
+                                <m:t>𝑝</m:t>
+                              </m:r>
+                              <m:r>
+                                <a:rPr lang="de-DE" sz="2800" b="0" i="1" smtClean="0">
+                                  <a:solidFill>
+                                    <a:schemeClr val="bg1"/>
+                                  </a:solidFill>
+                                  <a:latin typeface="Cambria Math" panose="02040503050406030204" pitchFamily="18" charset="0"/>
+                                </a:rPr>
+                                <m:t>−</m:t>
+                              </m:r>
+                              <m:r>
+                                <a:rPr lang="de-DE" sz="2800" b="0" i="1" smtClean="0">
+                                  <a:solidFill>
+                                    <a:schemeClr val="bg1"/>
+                                  </a:solidFill>
+                                  <a:latin typeface="Cambria Math" panose="02040503050406030204" pitchFamily="18" charset="0"/>
+                                </a:rPr>
+                                <m:t>𝑐</m:t>
+                              </m:r>
+                            </m:e>
+                          </m:d>
+                        </m:sup>
+                        <m:e>
+                          <m:sSub>
+                            <m:sSubPr>
+                              <m:ctrlPr>
+                                <a:rPr lang="de-DE" sz="2800" b="0" i="1" smtClean="0">
+                                  <a:solidFill>
+                                    <a:schemeClr val="bg1"/>
+                                  </a:solidFill>
+                                  <a:latin typeface="Cambria Math" panose="02040503050406030204" pitchFamily="18" charset="0"/>
+                                </a:rPr>
+                              </m:ctrlPr>
+                            </m:sSubPr>
+                            <m:e>
+                              <m:r>
+                                <a:rPr lang="de-DE" sz="2800" b="0" i="1" smtClean="0">
+                                  <a:solidFill>
+                                    <a:schemeClr val="bg1"/>
+                                  </a:solidFill>
+                                  <a:latin typeface="Cambria Math" panose="02040503050406030204" pitchFamily="18" charset="0"/>
+                                </a:rPr>
+                                <m:t>𝑇</m:t>
+                              </m:r>
+                            </m:e>
+                            <m:sub>
+                              <m:r>
+                                <a:rPr lang="de-DE" sz="2800" b="0" i="1" smtClean="0">
+                                  <a:solidFill>
+                                    <a:schemeClr val="bg1"/>
+                                  </a:solidFill>
+                                  <a:latin typeface="Cambria Math" panose="02040503050406030204" pitchFamily="18" charset="0"/>
+                                </a:rPr>
+                                <m:t>𝑟</m:t>
+                              </m:r>
+                            </m:sub>
+                          </m:sSub>
+                          <m:d>
+                            <m:dPr>
+                              <m:ctrlPr>
+                                <a:rPr lang="de-DE" sz="2800" b="0" i="1" smtClean="0">
+                                  <a:solidFill>
+                                    <a:schemeClr val="bg1"/>
+                                  </a:solidFill>
+                                  <a:latin typeface="Cambria Math" panose="02040503050406030204" pitchFamily="18" charset="0"/>
+                                </a:rPr>
+                              </m:ctrlPr>
+                            </m:dPr>
+                            <m:e>
+                              <m:r>
+                                <a:rPr lang="de-DE" sz="2800" b="0" i="1" smtClean="0">
+                                  <a:solidFill>
+                                    <a:schemeClr val="bg1"/>
+                                  </a:solidFill>
+                                  <a:latin typeface="Cambria Math" panose="02040503050406030204" pitchFamily="18" charset="0"/>
+                                </a:rPr>
+                                <m:t>𝑐</m:t>
+                              </m:r>
+                              <m:r>
+                                <a:rPr lang="de-DE" sz="2800" b="0" i="1" smtClean="0">
+                                  <a:solidFill>
+                                    <a:schemeClr val="bg1"/>
+                                  </a:solidFill>
+                                  <a:latin typeface="Cambria Math" panose="02040503050406030204" pitchFamily="18" charset="0"/>
+                                </a:rPr>
+                                <m:t>, </m:t>
+                              </m:r>
+                              <m:r>
+                                <a:rPr lang="de-DE" sz="2800" b="0" i="1" smtClean="0">
+                                  <a:solidFill>
+                                    <a:schemeClr val="bg1"/>
+                                  </a:solidFill>
+                                  <a:latin typeface="Cambria Math" panose="02040503050406030204" pitchFamily="18" charset="0"/>
+                                </a:rPr>
+                                <m:t>𝑐</m:t>
+                              </m:r>
+                              <m:r>
+                                <a:rPr lang="de-DE" sz="2800" b="0" i="1" smtClean="0">
+                                  <a:solidFill>
+                                    <a:schemeClr val="bg1"/>
+                                  </a:solidFill>
+                                  <a:latin typeface="Cambria Math" panose="02040503050406030204" pitchFamily="18" charset="0"/>
+                                </a:rPr>
+                                <m:t>−</m:t>
+                              </m:r>
+                              <m:r>
+                                <a:rPr lang="de-DE" sz="2800" b="0" i="1" smtClean="0">
+                                  <a:solidFill>
+                                    <a:schemeClr val="bg1"/>
+                                  </a:solidFill>
+                                  <a:latin typeface="Cambria Math" panose="02040503050406030204" pitchFamily="18" charset="0"/>
+                                </a:rPr>
+                                <m:t>𝑣𝑡</m:t>
+                              </m:r>
+                            </m:e>
+                          </m:d>
+                          <m:sSub>
+                            <m:sSubPr>
+                              <m:ctrlPr>
+                                <a:rPr lang="de-DE" sz="2800" b="0" i="1" smtClean="0">
+                                  <a:solidFill>
+                                    <a:schemeClr val="bg1"/>
+                                  </a:solidFill>
+                                  <a:latin typeface="Cambria Math" panose="02040503050406030204" pitchFamily="18" charset="0"/>
+                                </a:rPr>
+                              </m:ctrlPr>
+                            </m:sSubPr>
+                            <m:e>
+                              <m:r>
+                                <a:rPr lang="de-DE" sz="2800" b="0" i="1" smtClean="0">
+                                  <a:solidFill>
+                                    <a:schemeClr val="bg1"/>
+                                  </a:solidFill>
+                                  <a:latin typeface="Cambria Math" panose="02040503050406030204" pitchFamily="18" charset="0"/>
+                                </a:rPr>
+                                <m:t>𝐿</m:t>
+                              </m:r>
+                            </m:e>
+                            <m:sub>
+                              <m:r>
+                                <a:rPr lang="de-DE" sz="2800" b="0" i="1" smtClean="0">
+                                  <a:solidFill>
+                                    <a:schemeClr val="bg1"/>
+                                  </a:solidFill>
+                                  <a:latin typeface="Cambria Math" panose="02040503050406030204" pitchFamily="18" charset="0"/>
+                                </a:rPr>
+                                <m:t>𝑠𝑐𝑎𝑡</m:t>
+                              </m:r>
+                            </m:sub>
+                          </m:sSub>
+                          <m:d>
+                            <m:dPr>
+                              <m:ctrlPr>
+                                <a:rPr lang="de-DE" sz="2800" b="0" i="1" smtClean="0">
+                                  <a:solidFill>
+                                    <a:schemeClr val="bg1"/>
+                                  </a:solidFill>
+                                  <a:latin typeface="Cambria Math" panose="02040503050406030204" pitchFamily="18" charset="0"/>
+                                </a:rPr>
+                              </m:ctrlPr>
+                            </m:dPr>
+                            <m:e>
+                              <m:r>
+                                <a:rPr lang="de-DE" sz="2800" b="0" i="1" smtClean="0">
+                                  <a:solidFill>
+                                    <a:schemeClr val="bg1"/>
+                                  </a:solidFill>
+                                  <a:latin typeface="Cambria Math" panose="02040503050406030204" pitchFamily="18" charset="0"/>
+                                </a:rPr>
+                                <m:t>𝑐</m:t>
+                              </m:r>
+                              <m:r>
+                                <a:rPr lang="de-DE" sz="2800" b="0" i="1" smtClean="0">
+                                  <a:solidFill>
+                                    <a:schemeClr val="bg1"/>
+                                  </a:solidFill>
+                                  <a:latin typeface="Cambria Math" panose="02040503050406030204" pitchFamily="18" charset="0"/>
+                                </a:rPr>
+                                <m:t>−</m:t>
+                              </m:r>
+                              <m:r>
+                                <a:rPr lang="de-DE" sz="2800" b="0" i="1" smtClean="0">
+                                  <a:solidFill>
+                                    <a:schemeClr val="bg1"/>
+                                  </a:solidFill>
+                                  <a:latin typeface="Cambria Math" panose="02040503050406030204" pitchFamily="18" charset="0"/>
+                                </a:rPr>
+                                <m:t>𝑣𝑡</m:t>
+                              </m:r>
+                              <m:r>
+                                <a:rPr lang="de-DE" sz="2800" b="0" i="1" smtClean="0">
+                                  <a:solidFill>
+                                    <a:schemeClr val="bg1"/>
+                                  </a:solidFill>
+                                  <a:latin typeface="Cambria Math" panose="02040503050406030204" pitchFamily="18" charset="0"/>
+                                </a:rPr>
+                                <m:t>, </m:t>
+                              </m:r>
+                              <m:r>
+                                <a:rPr lang="de-DE" sz="2800" b="0" i="1" smtClean="0">
+                                  <a:solidFill>
+                                    <a:schemeClr val="bg1"/>
+                                  </a:solidFill>
+                                  <a:latin typeface="Cambria Math" panose="02040503050406030204" pitchFamily="18" charset="0"/>
+                                </a:rPr>
+                                <m:t>𝑣</m:t>
+                              </m:r>
+                            </m:e>
+                          </m:d>
+                          <m:r>
+                            <a:rPr lang="de-DE" sz="2800" b="0" i="1" smtClean="0">
+                              <a:solidFill>
+                                <a:schemeClr val="bg1"/>
+                              </a:solidFill>
+                              <a:latin typeface="Cambria Math" panose="02040503050406030204" pitchFamily="18" charset="0"/>
+                            </a:rPr>
+                            <m:t>𝜎</m:t>
+                          </m:r>
+                          <m:r>
+                            <a:rPr lang="de-DE" sz="2800" b="0" i="1" smtClean="0">
+                              <a:solidFill>
+                                <a:schemeClr val="bg1"/>
+                              </a:solidFill>
+                              <a:latin typeface="Cambria Math" panose="02040503050406030204" pitchFamily="18" charset="0"/>
+                            </a:rPr>
+                            <m:t> </m:t>
+                          </m:r>
+                          <m:r>
+                            <a:rPr lang="de-DE" sz="2800" b="0" i="1" smtClean="0">
+                              <a:solidFill>
+                                <a:schemeClr val="bg1"/>
+                              </a:solidFill>
+                              <a:latin typeface="Cambria Math" panose="02040503050406030204" pitchFamily="18" charset="0"/>
+                            </a:rPr>
+                            <m:t>𝑑𝑡</m:t>
+                          </m:r>
+                        </m:e>
+                      </m:nary>
+                    </m:oMath>
+                  </m:oMathPara>
+                </a14:m>
+                <a:endParaRPr lang="de-DE" sz="2800" dirty="0">
+                  <a:latin typeface="Bodoni MT Poster Compressed" panose="02070706080601050204" pitchFamily="18" charset="0"/>
+                </a:endParaRPr>
+              </a:p>
+            </p:txBody>
+          </p:sp>
+        </mc:Choice>
+        <mc:Fallback>
+          <p:sp>
+            <p:nvSpPr>
+              <p:cNvPr id="9" name="Textfeld 8">
+                <a:extLst>
+                  <a:ext uri="{FF2B5EF4-FFF2-40B4-BE49-F238E27FC236}">
+                    <a16:creationId xmlns:a16="http://schemas.microsoft.com/office/drawing/2014/main" id="{B9BB7C2A-42D7-4D45-AA6E-EF34021B01BD}"/>
+                  </a:ext>
+                </a:extLst>
+              </p:cNvPr>
+              <p:cNvSpPr txBox="1">
+                <a:spLocks noRot="1" noChangeAspect="1" noMove="1" noResize="1" noEditPoints="1" noAdjustHandles="1" noChangeArrowheads="1" noChangeShapeType="1" noTextEdit="1"/>
+              </p:cNvSpPr>
+              <p:nvPr/>
+            </p:nvSpPr>
+            <p:spPr>
+              <a:xfrm>
+                <a:off x="435007" y="4381492"/>
+                <a:ext cx="10918793" cy="996811"/>
+              </a:xfrm>
+              <a:prstGeom prst="rect">
+                <a:avLst/>
+              </a:prstGeom>
+              <a:blipFill>
+                <a:blip r:embed="rId3"/>
+                <a:stretch>
+                  <a:fillRect/>
+                </a:stretch>
+              </a:blipFill>
+            </p:spPr>
+            <p:txBody>
+              <a:bodyPr/>
+              <a:lstStyle/>
+              <a:p>
+                <a:r>
+                  <a:rPr lang="de-DE">
+                    <a:noFill/>
+                  </a:rPr>
+                  <a:t> </a:t>
+                </a:r>
+              </a:p>
+            </p:txBody>
+          </p:sp>
+        </mc:Fallback>
+      </mc:AlternateContent>
     </p:spTree>
     <p:extLst>
       <p:ext uri="{BB962C8B-B14F-4D97-AF65-F5344CB8AC3E}">
@@ -4126,8 +4866,17 @@
           <a:lstStyle/>
           <a:p>
             <a:r>
+              <a:rPr lang="de-DE" dirty="0">
+                <a:solidFill>
+                  <a:schemeClr val="accent2"/>
+                </a:solidFill>
+                <a:latin typeface="Bahnschrift" panose="020B0502040204020203" pitchFamily="34" charset="0"/>
+              </a:rPr>
+              <a:t>Implementation</a:t>
+            </a:r>
+            <a:r>
               <a:rPr lang="de-DE" dirty="0"/>
-              <a:t>Implementation (1 min)</a:t>
+              <a:t> (1 min)</a:t>
             </a:r>
           </a:p>
         </p:txBody>
@@ -4154,191 +4903,333 @@
           <a:lstStyle/>
           <a:p>
             <a:r>
-              <a:rPr lang="de-DE" dirty="0" err="1"/>
+              <a:rPr lang="de-DE" dirty="0" err="1">
+                <a:solidFill>
+                  <a:schemeClr val="bg1"/>
+                </a:solidFill>
+                <a:latin typeface="Bahnschrift" panose="020B0502040204020203" pitchFamily="34" charset="0"/>
+              </a:rPr>
               <a:t>Frustum</a:t>
             </a:r>
             <a:r>
-              <a:rPr lang="de-DE" dirty="0"/>
+              <a:rPr lang="de-DE" dirty="0">
+                <a:solidFill>
+                  <a:schemeClr val="bg1"/>
+                </a:solidFill>
+                <a:latin typeface="Bahnschrift" panose="020B0502040204020203" pitchFamily="34" charset="0"/>
+              </a:rPr>
               <a:t> </a:t>
             </a:r>
             <a:r>
-              <a:rPr lang="de-DE" dirty="0" err="1"/>
+              <a:rPr lang="de-DE" dirty="0" err="1">
+                <a:solidFill>
+                  <a:schemeClr val="bg1"/>
+                </a:solidFill>
+                <a:latin typeface="Bahnschrift" panose="020B0502040204020203" pitchFamily="34" charset="0"/>
+              </a:rPr>
               <a:t>oriented</a:t>
             </a:r>
             <a:r>
-              <a:rPr lang="de-DE" dirty="0"/>
+              <a:rPr lang="de-DE" dirty="0">
+                <a:solidFill>
+                  <a:schemeClr val="bg1"/>
+                </a:solidFill>
+                <a:latin typeface="Bahnschrift" panose="020B0502040204020203" pitchFamily="34" charset="0"/>
+              </a:rPr>
               <a:t> </a:t>
             </a:r>
             <a:r>
-              <a:rPr lang="de-DE" dirty="0" err="1"/>
+              <a:rPr lang="de-DE" dirty="0" err="1">
+                <a:solidFill>
+                  <a:schemeClr val="bg1"/>
+                </a:solidFill>
+                <a:latin typeface="Bahnschrift" panose="020B0502040204020203" pitchFamily="34" charset="0"/>
+              </a:rPr>
               <a:t>voxel</a:t>
             </a:r>
             <a:r>
-              <a:rPr lang="de-DE" dirty="0"/>
+              <a:rPr lang="de-DE" dirty="0">
+                <a:solidFill>
+                  <a:schemeClr val="bg1"/>
+                </a:solidFill>
+                <a:latin typeface="Bahnschrift" panose="020B0502040204020203" pitchFamily="34" charset="0"/>
+              </a:rPr>
               <a:t> </a:t>
             </a:r>
             <a:r>
-              <a:rPr lang="de-DE" dirty="0" err="1"/>
+              <a:rPr lang="de-DE" dirty="0" err="1">
+                <a:solidFill>
+                  <a:schemeClr val="bg1"/>
+                </a:solidFill>
+                <a:latin typeface="Bahnschrift" panose="020B0502040204020203" pitchFamily="34" charset="0"/>
+              </a:rPr>
               <a:t>grid</a:t>
             </a:r>
             <a:r>
-              <a:rPr lang="de-DE" dirty="0"/>
+              <a:rPr lang="de-DE" dirty="0">
+                <a:solidFill>
+                  <a:schemeClr val="bg1"/>
+                </a:solidFill>
+                <a:latin typeface="Bahnschrift" panose="020B0502040204020203" pitchFamily="34" charset="0"/>
+              </a:rPr>
               <a:t> (3d </a:t>
             </a:r>
             <a:r>
-              <a:rPr lang="de-DE" dirty="0" err="1"/>
+              <a:rPr lang="de-DE" dirty="0" err="1">
+                <a:solidFill>
+                  <a:schemeClr val="bg1"/>
+                </a:solidFill>
+                <a:latin typeface="Bahnschrift" panose="020B0502040204020203" pitchFamily="34" charset="0"/>
+              </a:rPr>
               <a:t>texture</a:t>
             </a:r>
             <a:r>
-              <a:rPr lang="de-DE" dirty="0"/>
+              <a:rPr lang="de-DE" dirty="0">
+                <a:solidFill>
+                  <a:schemeClr val="bg1"/>
+                </a:solidFill>
+                <a:latin typeface="Bahnschrift" panose="020B0502040204020203" pitchFamily="34" charset="0"/>
+              </a:rPr>
               <a:t>)</a:t>
             </a:r>
           </a:p>
           <a:p>
             <a:pPr lvl="1"/>
             <a:r>
-              <a:rPr lang="de-DE" dirty="0"/>
+              <a:rPr lang="de-DE" dirty="0">
+                <a:solidFill>
+                  <a:schemeClr val="bg1"/>
+                </a:solidFill>
+                <a:latin typeface="Bahnschrift" panose="020B0502040204020203" pitchFamily="34" charset="0"/>
+              </a:rPr>
               <a:t>In-</a:t>
             </a:r>
             <a:r>
-              <a:rPr lang="de-DE" dirty="0" err="1"/>
+              <a:rPr lang="de-DE" dirty="0" err="1">
+                <a:solidFill>
+                  <a:schemeClr val="bg1"/>
+                </a:solidFill>
+                <a:latin typeface="Bahnschrift" panose="020B0502040204020203" pitchFamily="34" charset="0"/>
+              </a:rPr>
               <a:t>scattering</a:t>
             </a:r>
             <a:r>
-              <a:rPr lang="de-DE" dirty="0"/>
+              <a:rPr lang="de-DE" dirty="0">
+                <a:solidFill>
+                  <a:schemeClr val="bg1"/>
+                </a:solidFill>
+                <a:latin typeface="Bahnschrift" panose="020B0502040204020203" pitchFamily="34" charset="0"/>
+              </a:rPr>
               <a:t> in RGB</a:t>
             </a:r>
           </a:p>
           <a:p>
             <a:pPr lvl="1"/>
             <a:r>
-              <a:rPr lang="de-DE" dirty="0" err="1"/>
+              <a:rPr lang="de-DE" dirty="0" err="1">
+                <a:solidFill>
+                  <a:schemeClr val="bg1"/>
+                </a:solidFill>
+                <a:latin typeface="Bahnschrift" panose="020B0502040204020203" pitchFamily="34" charset="0"/>
+              </a:rPr>
               <a:t>Scattering</a:t>
             </a:r>
             <a:r>
-              <a:rPr lang="de-DE" dirty="0"/>
+              <a:rPr lang="de-DE" dirty="0">
+                <a:solidFill>
+                  <a:schemeClr val="bg1"/>
+                </a:solidFill>
+                <a:latin typeface="Bahnschrift" panose="020B0502040204020203" pitchFamily="34" charset="0"/>
+              </a:rPr>
               <a:t> </a:t>
             </a:r>
             <a:r>
-              <a:rPr lang="de-DE" dirty="0" err="1"/>
+              <a:rPr lang="de-DE" dirty="0" err="1">
+                <a:solidFill>
+                  <a:schemeClr val="bg1"/>
+                </a:solidFill>
+                <a:latin typeface="Bahnschrift" panose="020B0502040204020203" pitchFamily="34" charset="0"/>
+              </a:rPr>
               <a:t>coefficient</a:t>
             </a:r>
             <a:r>
-              <a:rPr lang="de-DE" dirty="0"/>
+              <a:rPr lang="de-DE" dirty="0">
+                <a:solidFill>
+                  <a:schemeClr val="bg1"/>
+                </a:solidFill>
+                <a:latin typeface="Bahnschrift" panose="020B0502040204020203" pitchFamily="34" charset="0"/>
+              </a:rPr>
               <a:t> in Alpha</a:t>
             </a:r>
           </a:p>
           <a:p>
             <a:r>
-              <a:rPr lang="de-DE" dirty="0" err="1"/>
+              <a:rPr lang="de-DE" dirty="0" err="1">
+                <a:solidFill>
+                  <a:schemeClr val="bg1"/>
+                </a:solidFill>
+                <a:latin typeface="Bahnschrift" panose="020B0502040204020203" pitchFamily="34" charset="0"/>
+              </a:rPr>
               <a:t>Exponential</a:t>
             </a:r>
             <a:r>
-              <a:rPr lang="de-DE" dirty="0"/>
+              <a:rPr lang="de-DE" dirty="0">
+                <a:solidFill>
+                  <a:schemeClr val="bg1"/>
+                </a:solidFill>
+                <a:latin typeface="Bahnschrift" panose="020B0502040204020203" pitchFamily="34" charset="0"/>
+              </a:rPr>
               <a:t> </a:t>
             </a:r>
             <a:r>
-              <a:rPr lang="de-DE" dirty="0" err="1"/>
+              <a:rPr lang="de-DE" dirty="0" err="1">
+                <a:solidFill>
+                  <a:schemeClr val="bg1"/>
+                </a:solidFill>
+                <a:latin typeface="Bahnschrift" panose="020B0502040204020203" pitchFamily="34" charset="0"/>
+              </a:rPr>
               <a:t>depth</a:t>
             </a:r>
             <a:r>
-              <a:rPr lang="de-DE" dirty="0"/>
+              <a:rPr lang="de-DE" dirty="0">
+                <a:solidFill>
+                  <a:schemeClr val="bg1"/>
+                </a:solidFill>
+                <a:latin typeface="Bahnschrift" panose="020B0502040204020203" pitchFamily="34" charset="0"/>
+              </a:rPr>
               <a:t> </a:t>
             </a:r>
             <a:r>
-              <a:rPr lang="de-DE" dirty="0" err="1"/>
+              <a:rPr lang="de-DE" dirty="0" err="1">
+                <a:solidFill>
+                  <a:schemeClr val="bg1"/>
+                </a:solidFill>
+                <a:latin typeface="Bahnschrift" panose="020B0502040204020203" pitchFamily="34" charset="0"/>
+              </a:rPr>
               <a:t>distribution</a:t>
             </a:r>
-            <a:endParaRPr lang="de-DE" dirty="0"/>
-          </a:p>
-          <a:p>
-            <a:r>
-              <a:rPr lang="de-DE" dirty="0" err="1"/>
-              <a:t>Animated</a:t>
-            </a:r>
-            <a:r>
-              <a:rPr lang="de-DE" dirty="0"/>
-              <a:t> 3d </a:t>
-            </a:r>
-            <a:r>
-              <a:rPr lang="de-DE" dirty="0" err="1"/>
-              <a:t>perlin</a:t>
-            </a:r>
-            <a:r>
-              <a:rPr lang="de-DE" dirty="0"/>
+            <a:endParaRPr lang="de-DE" dirty="0">
+              <a:solidFill>
+                <a:schemeClr val="bg1"/>
+              </a:solidFill>
+              <a:latin typeface="Bahnschrift" panose="020B0502040204020203" pitchFamily="34" charset="0"/>
+            </a:endParaRPr>
+          </a:p>
+          <a:p>
+            <a:r>
+              <a:rPr lang="de-DE" dirty="0">
+                <a:solidFill>
+                  <a:schemeClr val="bg1"/>
+                </a:solidFill>
+                <a:latin typeface="Bahnschrift" panose="020B0502040204020203" pitchFamily="34" charset="0"/>
+              </a:rPr>
+              <a:t>3 </a:t>
+            </a:r>
+            <a:r>
+              <a:rPr lang="de-DE" dirty="0" err="1">
+                <a:solidFill>
+                  <a:schemeClr val="bg1"/>
+                </a:solidFill>
+                <a:latin typeface="Bahnschrift" panose="020B0502040204020203" pitchFamily="34" charset="0"/>
+              </a:rPr>
+              <a:t>compute</a:t>
+            </a:r>
+            <a:r>
+              <a:rPr lang="de-DE" dirty="0">
+                <a:solidFill>
+                  <a:schemeClr val="bg1"/>
+                </a:solidFill>
+                <a:latin typeface="Bahnschrift" panose="020B0502040204020203" pitchFamily="34" charset="0"/>
+              </a:rPr>
               <a:t> </a:t>
             </a:r>
             <a:r>
-              <a:rPr lang="de-DE" dirty="0" err="1"/>
-              <a:t>noise</a:t>
-            </a:r>
-            <a:endParaRPr lang="de-DE" dirty="0"/>
-          </a:p>
-          <a:p>
-            <a:r>
-              <a:rPr lang="de-DE" dirty="0" err="1"/>
-              <a:t>Analytic</a:t>
-            </a:r>
-            <a:r>
-              <a:rPr lang="de-DE" dirty="0"/>
+              <a:rPr lang="de-DE" dirty="0" err="1">
+                <a:solidFill>
+                  <a:schemeClr val="bg1"/>
+                </a:solidFill>
+                <a:latin typeface="Bahnschrift" panose="020B0502040204020203" pitchFamily="34" charset="0"/>
+              </a:rPr>
+              <a:t>passes</a:t>
+            </a:r>
+            <a:r>
+              <a:rPr lang="de-DE" dirty="0">
+                <a:solidFill>
+                  <a:schemeClr val="bg1"/>
+                </a:solidFill>
+                <a:latin typeface="Bahnschrift" panose="020B0502040204020203" pitchFamily="34" charset="0"/>
+              </a:rPr>
+              <a:t>, </a:t>
+            </a:r>
+            <a:r>
+              <a:rPr lang="de-DE" dirty="0" err="1">
+                <a:solidFill>
+                  <a:schemeClr val="bg1"/>
+                </a:solidFill>
+                <a:latin typeface="Bahnschrift" panose="020B0502040204020203" pitchFamily="34" charset="0"/>
+              </a:rPr>
+              <a:t>apply</a:t>
+            </a:r>
+            <a:r>
+              <a:rPr lang="de-DE" dirty="0">
+                <a:solidFill>
+                  <a:schemeClr val="bg1"/>
+                </a:solidFill>
+                <a:latin typeface="Bahnschrift" panose="020B0502040204020203" pitchFamily="34" charset="0"/>
+              </a:rPr>
               <a:t> </a:t>
             </a:r>
             <a:r>
-              <a:rPr lang="de-DE" dirty="0" err="1"/>
+              <a:rPr lang="de-DE" dirty="0" err="1">
+                <a:solidFill>
+                  <a:schemeClr val="bg1"/>
+                </a:solidFill>
+                <a:latin typeface="Bahnschrift" panose="020B0502040204020203" pitchFamily="34" charset="0"/>
+              </a:rPr>
               <a:t>fog</a:t>
             </a:r>
-            <a:endParaRPr lang="de-DE" dirty="0"/>
-          </a:p>
-          <a:p>
-            <a:r>
-              <a:rPr lang="de-DE" dirty="0"/>
-              <a:t>3 </a:t>
-            </a:r>
-            <a:r>
-              <a:rPr lang="de-DE" dirty="0" err="1"/>
-              <a:t>compute</a:t>
-            </a:r>
-            <a:r>
-              <a:rPr lang="de-DE" dirty="0"/>
+            <a:r>
+              <a:rPr lang="de-DE" dirty="0">
+                <a:solidFill>
+                  <a:schemeClr val="bg1"/>
+                </a:solidFill>
+                <a:latin typeface="Bahnschrift" panose="020B0502040204020203" pitchFamily="34" charset="0"/>
+              </a:rPr>
+              <a:t> in </a:t>
+            </a:r>
+            <a:r>
+              <a:rPr lang="de-DE" dirty="0" err="1">
+                <a:solidFill>
+                  <a:schemeClr val="bg1"/>
+                </a:solidFill>
+                <a:latin typeface="Bahnschrift" panose="020B0502040204020203" pitchFamily="34" charset="0"/>
+              </a:rPr>
+              <a:t>pixel</a:t>
+            </a:r>
+            <a:r>
+              <a:rPr lang="de-DE" dirty="0">
+                <a:solidFill>
+                  <a:schemeClr val="bg1"/>
+                </a:solidFill>
+                <a:latin typeface="Bahnschrift" panose="020B0502040204020203" pitchFamily="34" charset="0"/>
+              </a:rPr>
               <a:t> </a:t>
             </a:r>
             <a:r>
-              <a:rPr lang="de-DE" dirty="0" err="1"/>
-              <a:t>passes</a:t>
-            </a:r>
-            <a:r>
-              <a:rPr lang="de-DE" dirty="0"/>
-              <a:t>, </a:t>
-            </a:r>
-            <a:r>
-              <a:rPr lang="de-DE" dirty="0" err="1"/>
-              <a:t>apply</a:t>
-            </a:r>
-            <a:r>
-              <a:rPr lang="de-DE" dirty="0"/>
-              <a:t> </a:t>
-            </a:r>
-            <a:r>
-              <a:rPr lang="de-DE" dirty="0" err="1"/>
-              <a:t>fog</a:t>
-            </a:r>
-            <a:r>
-              <a:rPr lang="de-DE" dirty="0"/>
-              <a:t> in </a:t>
-            </a:r>
-            <a:r>
-              <a:rPr lang="de-DE" dirty="0" err="1"/>
-              <a:t>pixel</a:t>
-            </a:r>
-            <a:r>
-              <a:rPr lang="de-DE" dirty="0"/>
-              <a:t> </a:t>
-            </a:r>
-            <a:r>
-              <a:rPr lang="de-DE" dirty="0" err="1"/>
+              <a:rPr lang="de-DE" dirty="0" err="1">
+                <a:solidFill>
+                  <a:schemeClr val="bg1"/>
+                </a:solidFill>
+                <a:latin typeface="Bahnschrift" panose="020B0502040204020203" pitchFamily="34" charset="0"/>
+              </a:rPr>
               <a:t>shader</a:t>
             </a:r>
-            <a:endParaRPr lang="de-DE" dirty="0"/>
+            <a:endParaRPr lang="de-DE" dirty="0">
+              <a:solidFill>
+                <a:schemeClr val="bg1"/>
+              </a:solidFill>
+              <a:latin typeface="Bahnschrift" panose="020B0502040204020203" pitchFamily="34" charset="0"/>
+            </a:endParaRPr>
           </a:p>
         </p:txBody>
       </p:sp>
@@ -4394,9 +5285,15 @@
           <a:lstStyle/>
           <a:p>
             <a:r>
-              <a:rPr lang="de-DE" dirty="0"/>
-              <a:t>Temporal Supersampling (1 min)</a:t>
-            </a:r>
+              <a:rPr lang="de-DE" dirty="0">
+                <a:solidFill>
+                  <a:schemeClr val="accent2"/>
+                </a:solidFill>
+                <a:latin typeface="Bahnschrift" panose="020B0502040204020203" pitchFamily="34" charset="0"/>
+              </a:rPr>
+              <a:t>Temporal Supersampling</a:t>
+            </a:r>
+            <a:endParaRPr lang="de-DE" dirty="0"/>
           </a:p>
         </p:txBody>
       </p:sp>
@@ -4416,65 +5313,895 @@
             <p:ph idx="1"/>
           </p:nvPr>
         </p:nvSpPr>
-        <p:spPr/>
+        <p:spPr>
+          <a:xfrm>
+            <a:off x="838200" y="1600200"/>
+            <a:ext cx="10515600" cy="4576763"/>
+          </a:xfrm>
+        </p:spPr>
         <p:txBody>
           <a:bodyPr/>
           <a:lstStyle/>
           <a:p>
             <a:r>
-              <a:rPr lang="de-DE" dirty="0" err="1"/>
+              <a:rPr lang="de-DE" dirty="0">
+                <a:solidFill>
+                  <a:schemeClr val="bg1"/>
+                </a:solidFill>
+                <a:latin typeface="Bahnschrift" panose="020B0502040204020203" pitchFamily="34" charset="0"/>
+              </a:rPr>
+              <a:t>Use </a:t>
+            </a:r>
+            <a:r>
+              <a:rPr lang="de-DE" dirty="0" err="1">
+                <a:solidFill>
+                  <a:schemeClr val="bg1"/>
+                </a:solidFill>
+                <a:latin typeface="Bahnschrift" panose="020B0502040204020203" pitchFamily="34" charset="0"/>
+              </a:rPr>
+              <a:t>previous</a:t>
+            </a:r>
+            <a:r>
+              <a:rPr lang="de-DE" dirty="0">
+                <a:solidFill>
+                  <a:schemeClr val="bg1"/>
+                </a:solidFill>
+                <a:latin typeface="Bahnschrift" panose="020B0502040204020203" pitchFamily="34" charset="0"/>
+              </a:rPr>
+              <a:t> </a:t>
+            </a:r>
+            <a:r>
+              <a:rPr lang="de-DE" dirty="0" err="1">
+                <a:solidFill>
+                  <a:schemeClr val="bg1"/>
+                </a:solidFill>
+                <a:latin typeface="Bahnschrift" panose="020B0502040204020203" pitchFamily="34" charset="0"/>
+              </a:rPr>
+              <a:t>frames</a:t>
+            </a:r>
+            <a:r>
+              <a:rPr lang="de-DE" dirty="0">
+                <a:solidFill>
+                  <a:schemeClr val="bg1"/>
+                </a:solidFill>
+                <a:latin typeface="Bahnschrift" panose="020B0502040204020203" pitchFamily="34" charset="0"/>
+              </a:rPr>
+              <a:t> </a:t>
+            </a:r>
+            <a:r>
+              <a:rPr lang="de-DE" dirty="0" err="1">
+                <a:solidFill>
+                  <a:schemeClr val="bg1"/>
+                </a:solidFill>
+                <a:latin typeface="Bahnschrift" panose="020B0502040204020203" pitchFamily="34" charset="0"/>
+              </a:rPr>
+              <a:t>to</a:t>
+            </a:r>
+            <a:r>
+              <a:rPr lang="de-DE" dirty="0">
+                <a:solidFill>
+                  <a:schemeClr val="bg1"/>
+                </a:solidFill>
+                <a:latin typeface="Bahnschrift" panose="020B0502040204020203" pitchFamily="34" charset="0"/>
+              </a:rPr>
+              <a:t> </a:t>
+            </a:r>
+            <a:r>
+              <a:rPr lang="de-DE" dirty="0" err="1">
+                <a:solidFill>
+                  <a:schemeClr val="bg1"/>
+                </a:solidFill>
+                <a:latin typeface="Bahnschrift" panose="020B0502040204020203" pitchFamily="34" charset="0"/>
+              </a:rPr>
+              <a:t>increase</a:t>
+            </a:r>
+            <a:r>
+              <a:rPr lang="de-DE" dirty="0">
+                <a:solidFill>
+                  <a:schemeClr val="bg1"/>
+                </a:solidFill>
+                <a:latin typeface="Bahnschrift" panose="020B0502040204020203" pitchFamily="34" charset="0"/>
+              </a:rPr>
+              <a:t> sample </a:t>
+            </a:r>
+            <a:r>
+              <a:rPr lang="de-DE" dirty="0" err="1">
+                <a:solidFill>
+                  <a:schemeClr val="bg1"/>
+                </a:solidFill>
+                <a:latin typeface="Bahnschrift" panose="020B0502040204020203" pitchFamily="34" charset="0"/>
+              </a:rPr>
+              <a:t>count</a:t>
+            </a:r>
+            <a:endParaRPr lang="de-DE" dirty="0">
+              <a:solidFill>
+                <a:schemeClr val="bg1"/>
+              </a:solidFill>
+              <a:latin typeface="Bahnschrift" panose="020B0502040204020203" pitchFamily="34" charset="0"/>
+            </a:endParaRPr>
+          </a:p>
+          <a:p>
+            <a:r>
+              <a:rPr lang="de-DE" dirty="0" err="1">
+                <a:solidFill>
+                  <a:schemeClr val="bg1"/>
+                </a:solidFill>
+                <a:latin typeface="Bahnschrift" panose="020B0502040204020203" pitchFamily="34" charset="0"/>
+              </a:rPr>
               <a:t>Exponential</a:t>
             </a:r>
             <a:r>
-              <a:rPr lang="de-DE" dirty="0"/>
+              <a:rPr lang="de-DE" dirty="0">
+                <a:solidFill>
+                  <a:schemeClr val="bg1"/>
+                </a:solidFill>
+                <a:latin typeface="Bahnschrift" panose="020B0502040204020203" pitchFamily="34" charset="0"/>
+              </a:rPr>
               <a:t> </a:t>
             </a:r>
             <a:r>
-              <a:rPr lang="de-DE" dirty="0" err="1"/>
+              <a:rPr lang="de-DE" dirty="0" err="1">
+                <a:solidFill>
+                  <a:schemeClr val="bg1"/>
+                </a:solidFill>
+                <a:latin typeface="Bahnschrift" panose="020B0502040204020203" pitchFamily="34" charset="0"/>
+              </a:rPr>
               <a:t>moving</a:t>
             </a:r>
             <a:r>
-              <a:rPr lang="de-DE" dirty="0"/>
+              <a:rPr lang="de-DE" dirty="0">
+                <a:solidFill>
+                  <a:schemeClr val="bg1"/>
+                </a:solidFill>
+                <a:latin typeface="Bahnschrift" panose="020B0502040204020203" pitchFamily="34" charset="0"/>
+              </a:rPr>
               <a:t> </a:t>
             </a:r>
             <a:r>
-              <a:rPr lang="de-DE" dirty="0" err="1"/>
+              <a:rPr lang="de-DE" dirty="0" err="1">
+                <a:solidFill>
+                  <a:schemeClr val="bg1"/>
+                </a:solidFill>
+                <a:latin typeface="Bahnschrift" panose="020B0502040204020203" pitchFamily="34" charset="0"/>
+              </a:rPr>
               <a:t>average</a:t>
             </a:r>
-            <a:endParaRPr lang="de-DE" dirty="0"/>
-          </a:p>
-          <a:p>
-            <a:r>
-              <a:rPr lang="de-DE" dirty="0" err="1"/>
+            <a:endParaRPr lang="de-DE" dirty="0">
+              <a:solidFill>
+                <a:schemeClr val="bg1"/>
+              </a:solidFill>
+              <a:latin typeface="Bahnschrift" panose="020B0502040204020203" pitchFamily="34" charset="0"/>
+            </a:endParaRPr>
+          </a:p>
+          <a:p>
+            <a:pPr lvl="1"/>
+            <a:endParaRPr lang="de-DE" dirty="0">
+              <a:solidFill>
+                <a:schemeClr val="bg1"/>
+              </a:solidFill>
+              <a:latin typeface="Bahnschrift" panose="020B0502040204020203" pitchFamily="34" charset="0"/>
+            </a:endParaRPr>
+          </a:p>
+          <a:p>
+            <a:endParaRPr lang="de-DE" dirty="0">
+              <a:solidFill>
+                <a:schemeClr val="bg1"/>
+              </a:solidFill>
+              <a:latin typeface="Bahnschrift" panose="020B0502040204020203" pitchFamily="34" charset="0"/>
+            </a:endParaRPr>
+          </a:p>
+          <a:p>
+            <a:endParaRPr lang="de-DE" dirty="0">
+              <a:solidFill>
+                <a:schemeClr val="bg1"/>
+              </a:solidFill>
+              <a:latin typeface="Bahnschrift" panose="020B0502040204020203" pitchFamily="34" charset="0"/>
+            </a:endParaRPr>
+          </a:p>
+          <a:p>
+            <a:endParaRPr lang="de-DE" dirty="0">
+              <a:solidFill>
+                <a:schemeClr val="bg1"/>
+              </a:solidFill>
+              <a:latin typeface="Bahnschrift" panose="020B0502040204020203" pitchFamily="34" charset="0"/>
+            </a:endParaRPr>
+          </a:p>
+          <a:p>
+            <a:r>
+              <a:rPr lang="de-DE" dirty="0" err="1">
+                <a:solidFill>
+                  <a:schemeClr val="bg1"/>
+                </a:solidFill>
+                <a:latin typeface="Bahnschrift" panose="020B0502040204020203" pitchFamily="34" charset="0"/>
+              </a:rPr>
               <a:t>Halton</a:t>
             </a:r>
             <a:r>
-              <a:rPr lang="de-DE" dirty="0"/>
+              <a:rPr lang="de-DE" dirty="0">
+                <a:solidFill>
+                  <a:schemeClr val="bg1"/>
+                </a:solidFill>
+                <a:latin typeface="Bahnschrift" panose="020B0502040204020203" pitchFamily="34" charset="0"/>
+              </a:rPr>
               <a:t> </a:t>
             </a:r>
             <a:r>
-              <a:rPr lang="de-DE" dirty="0" err="1"/>
+              <a:rPr lang="de-DE" dirty="0" err="1">
+                <a:solidFill>
+                  <a:schemeClr val="bg1"/>
+                </a:solidFill>
+                <a:latin typeface="Bahnschrift" panose="020B0502040204020203" pitchFamily="34" charset="0"/>
+              </a:rPr>
               <a:t>sequence</a:t>
             </a:r>
-            <a:endParaRPr lang="de-DE" dirty="0"/>
-          </a:p>
-          <a:p>
-            <a:r>
-              <a:rPr lang="de-DE" dirty="0" err="1"/>
+            <a:endParaRPr lang="de-DE" dirty="0">
+              <a:solidFill>
+                <a:schemeClr val="bg1"/>
+              </a:solidFill>
+              <a:latin typeface="Bahnschrift" panose="020B0502040204020203" pitchFamily="34" charset="0"/>
+            </a:endParaRPr>
+          </a:p>
+          <a:p>
+            <a:r>
+              <a:rPr lang="de-DE" dirty="0" err="1">
+                <a:solidFill>
+                  <a:schemeClr val="bg1"/>
+                </a:solidFill>
+                <a:latin typeface="Bahnschrift" panose="020B0502040204020203" pitchFamily="34" charset="0"/>
+              </a:rPr>
               <a:t>Neighborhood</a:t>
             </a:r>
             <a:r>
-              <a:rPr lang="de-DE" dirty="0"/>
+              <a:rPr lang="de-DE" dirty="0">
+                <a:solidFill>
+                  <a:schemeClr val="bg1"/>
+                </a:solidFill>
+                <a:latin typeface="Bahnschrift" panose="020B0502040204020203" pitchFamily="34" charset="0"/>
+              </a:rPr>
               <a:t> </a:t>
             </a:r>
             <a:r>
-              <a:rPr lang="de-DE" dirty="0" err="1"/>
+              <a:rPr lang="de-DE" dirty="0" err="1">
+                <a:solidFill>
+                  <a:schemeClr val="bg1"/>
+                </a:solidFill>
+                <a:latin typeface="Bahnschrift" panose="020B0502040204020203" pitchFamily="34" charset="0"/>
+              </a:rPr>
               <a:t>clamping</a:t>
             </a:r>
-            <a:endParaRPr lang="de-DE" dirty="0"/>
-          </a:p>
-        </p:txBody>
-      </p:sp>
+            <a:r>
+              <a:rPr lang="de-DE" dirty="0">
+                <a:solidFill>
+                  <a:schemeClr val="bg1"/>
+                </a:solidFill>
+                <a:latin typeface="Bahnschrift" panose="020B0502040204020203" pitchFamily="34" charset="0"/>
+              </a:rPr>
+              <a:t> </a:t>
+            </a:r>
+            <a:r>
+              <a:rPr lang="de-DE" dirty="0" err="1">
+                <a:solidFill>
+                  <a:schemeClr val="bg1"/>
+                </a:solidFill>
+                <a:latin typeface="Bahnschrift" panose="020B0502040204020203" pitchFamily="34" charset="0"/>
+              </a:rPr>
+              <a:t>to</a:t>
+            </a:r>
+            <a:r>
+              <a:rPr lang="de-DE" dirty="0">
+                <a:solidFill>
+                  <a:schemeClr val="bg1"/>
+                </a:solidFill>
+                <a:latin typeface="Bahnschrift" panose="020B0502040204020203" pitchFamily="34" charset="0"/>
+              </a:rPr>
+              <a:t> </a:t>
+            </a:r>
+            <a:r>
+              <a:rPr lang="de-DE" dirty="0" err="1">
+                <a:solidFill>
+                  <a:schemeClr val="bg1"/>
+                </a:solidFill>
+                <a:latin typeface="Bahnschrift" panose="020B0502040204020203" pitchFamily="34" charset="0"/>
+              </a:rPr>
+              <a:t>avoid</a:t>
+            </a:r>
+            <a:r>
+              <a:rPr lang="de-DE" dirty="0">
+                <a:solidFill>
+                  <a:schemeClr val="bg1"/>
+                </a:solidFill>
+                <a:latin typeface="Bahnschrift" panose="020B0502040204020203" pitchFamily="34" charset="0"/>
+              </a:rPr>
+              <a:t> </a:t>
+            </a:r>
+            <a:r>
+              <a:rPr lang="de-DE" dirty="0" err="1">
+                <a:solidFill>
+                  <a:schemeClr val="bg1"/>
+                </a:solidFill>
+                <a:latin typeface="Bahnschrift" panose="020B0502040204020203" pitchFamily="34" charset="0"/>
+              </a:rPr>
+              <a:t>ghosting</a:t>
+            </a:r>
+            <a:endParaRPr lang="de-DE" dirty="0">
+              <a:solidFill>
+                <a:schemeClr val="bg1"/>
+              </a:solidFill>
+              <a:latin typeface="Bahnschrift" panose="020B0502040204020203" pitchFamily="34" charset="0"/>
+            </a:endParaRPr>
+          </a:p>
+        </p:txBody>
+      </p:sp>
+      <p:sp>
+        <p:nvSpPr>
+          <p:cNvPr id="4" name="Rechteck: abgerundete Ecken 3">
+            <a:extLst>
+              <a:ext uri="{FF2B5EF4-FFF2-40B4-BE49-F238E27FC236}">
+                <a16:creationId xmlns:a16="http://schemas.microsoft.com/office/drawing/2014/main" id="{537473B4-92DA-448C-A649-D3B903CF92CF}"/>
+              </a:ext>
+            </a:extLst>
+          </p:cNvPr>
+          <p:cNvSpPr/>
+          <p:nvPr/>
+        </p:nvSpPr>
+        <p:spPr>
+          <a:xfrm>
+            <a:off x="1518815" y="3238500"/>
+            <a:ext cx="2530137" cy="914400"/>
+          </a:xfrm>
+          <a:prstGeom prst="roundRect">
+            <a:avLst>
+              <a:gd name="adj" fmla="val 22492"/>
+            </a:avLst>
+          </a:prstGeom>
+          <a:solidFill>
+            <a:schemeClr val="accent6"/>
+          </a:solidFill>
+        </p:spPr>
+        <p:style>
+          <a:lnRef idx="2">
+            <a:schemeClr val="dk1">
+              <a:shade val="50000"/>
+            </a:schemeClr>
+          </a:lnRef>
+          <a:fillRef idx="1">
+            <a:schemeClr val="dk1"/>
+          </a:fillRef>
+          <a:effectRef idx="0">
+            <a:schemeClr val="dk1"/>
+          </a:effectRef>
+          <a:fontRef idx="minor">
+            <a:schemeClr val="lt1"/>
+          </a:fontRef>
+        </p:style>
+        <p:txBody>
+          <a:bodyPr rot="0" spcFirstLastPara="0" vertOverflow="overflow" horzOverflow="overflow" vert="horz" wrap="square" lIns="91440" tIns="45720" rIns="91440" bIns="45720" numCol="1" spcCol="0" rtlCol="0" fromWordArt="0" anchor="ctr" anchorCtr="0" forceAA="0" compatLnSpc="1">
+            <a:prstTxWarp prst="textNoShape">
+              <a:avLst/>
+            </a:prstTxWarp>
+            <a:noAutofit/>
+          </a:bodyPr>
+          <a:lstStyle/>
+          <a:p>
+            <a:pPr algn="ctr"/>
+            <a:r>
+              <a:rPr lang="de-DE" dirty="0" err="1">
+                <a:ln w="0"/>
+                <a:solidFill>
+                  <a:schemeClr val="bg1"/>
+                </a:solidFill>
+                <a:effectLst>
+                  <a:outerShdw blurRad="38100" dist="19050" dir="2700000" algn="tl" rotWithShape="0">
+                    <a:schemeClr val="dk1">
+                      <a:alpha val="40000"/>
+                    </a:schemeClr>
+                  </a:outerShdw>
+                </a:effectLst>
+              </a:rPr>
+              <a:t>Compute</a:t>
+            </a:r>
+            <a:r>
+              <a:rPr lang="de-DE" dirty="0">
+                <a:ln w="0"/>
+                <a:solidFill>
+                  <a:schemeClr val="bg1"/>
+                </a:solidFill>
+                <a:effectLst>
+                  <a:outerShdw blurRad="38100" dist="19050" dir="2700000" algn="tl" rotWithShape="0">
+                    <a:schemeClr val="dk1">
+                      <a:alpha val="40000"/>
+                    </a:schemeClr>
+                  </a:outerShdw>
+                </a:effectLst>
+              </a:rPr>
+              <a:t> Density and </a:t>
+            </a:r>
+            <a:r>
+              <a:rPr lang="de-DE" dirty="0" err="1">
+                <a:ln w="0"/>
+                <a:solidFill>
+                  <a:schemeClr val="bg1"/>
+                </a:solidFill>
+                <a:effectLst>
+                  <a:outerShdw blurRad="38100" dist="19050" dir="2700000" algn="tl" rotWithShape="0">
+                    <a:schemeClr val="dk1">
+                      <a:alpha val="40000"/>
+                    </a:schemeClr>
+                  </a:outerShdw>
+                </a:effectLst>
+              </a:rPr>
+              <a:t>Lighting</a:t>
+            </a:r>
+            <a:endParaRPr lang="de-DE" dirty="0">
+              <a:ln w="0"/>
+              <a:solidFill>
+                <a:schemeClr val="bg1"/>
+              </a:solidFill>
+              <a:effectLst>
+                <a:outerShdw blurRad="38100" dist="19050" dir="2700000" algn="tl" rotWithShape="0">
+                  <a:schemeClr val="dk1">
+                    <a:alpha val="40000"/>
+                  </a:schemeClr>
+                </a:outerShdw>
+              </a:effectLst>
+            </a:endParaRPr>
+          </a:p>
+        </p:txBody>
+      </p:sp>
+      <p:sp>
+        <p:nvSpPr>
+          <p:cNvPr id="5" name="Rechteck: abgerundete Ecken 4">
+            <a:extLst>
+              <a:ext uri="{FF2B5EF4-FFF2-40B4-BE49-F238E27FC236}">
+                <a16:creationId xmlns:a16="http://schemas.microsoft.com/office/drawing/2014/main" id="{7FBFE0A7-66EA-41D3-81C0-9EF0D9DF6473}"/>
+              </a:ext>
+            </a:extLst>
+          </p:cNvPr>
+          <p:cNvSpPr/>
+          <p:nvPr/>
+        </p:nvSpPr>
+        <p:spPr>
+          <a:xfrm>
+            <a:off x="5171239" y="3238500"/>
+            <a:ext cx="2530137" cy="914400"/>
+          </a:xfrm>
+          <a:prstGeom prst="roundRect">
+            <a:avLst>
+              <a:gd name="adj" fmla="val 22492"/>
+            </a:avLst>
+          </a:prstGeom>
+          <a:solidFill>
+            <a:schemeClr val="accent6"/>
+          </a:solidFill>
+        </p:spPr>
+        <p:style>
+          <a:lnRef idx="2">
+            <a:schemeClr val="dk1">
+              <a:shade val="50000"/>
+            </a:schemeClr>
+          </a:lnRef>
+          <a:fillRef idx="1">
+            <a:schemeClr val="dk1"/>
+          </a:fillRef>
+          <a:effectRef idx="0">
+            <a:schemeClr val="dk1"/>
+          </a:effectRef>
+          <a:fontRef idx="minor">
+            <a:schemeClr val="lt1"/>
+          </a:fontRef>
+        </p:style>
+        <p:txBody>
+          <a:bodyPr rot="0" spcFirstLastPara="0" vertOverflow="overflow" horzOverflow="overflow" vert="horz" wrap="square" lIns="91440" tIns="45720" rIns="91440" bIns="45720" numCol="1" spcCol="0" rtlCol="0" fromWordArt="0" anchor="ctr" anchorCtr="0" forceAA="0" compatLnSpc="1">
+            <a:prstTxWarp prst="textNoShape">
+              <a:avLst/>
+            </a:prstTxWarp>
+            <a:noAutofit/>
+          </a:bodyPr>
+          <a:lstStyle/>
+          <a:p>
+            <a:pPr algn="ctr"/>
+            <a:r>
+              <a:rPr lang="de-DE" dirty="0">
+                <a:ln w="0"/>
+                <a:solidFill>
+                  <a:schemeClr val="bg1"/>
+                </a:solidFill>
+                <a:effectLst>
+                  <a:outerShdw blurRad="38100" dist="19050" dir="2700000" algn="tl" rotWithShape="0">
+                    <a:schemeClr val="dk1">
+                      <a:alpha val="40000"/>
+                    </a:schemeClr>
+                  </a:outerShdw>
+                </a:effectLst>
+              </a:rPr>
+              <a:t>Average and </a:t>
+            </a:r>
+            <a:r>
+              <a:rPr lang="de-DE" dirty="0" err="1">
+                <a:ln w="0"/>
+                <a:solidFill>
+                  <a:schemeClr val="bg1"/>
+                </a:solidFill>
+                <a:effectLst>
+                  <a:outerShdw blurRad="38100" dist="19050" dir="2700000" algn="tl" rotWithShape="0">
+                    <a:schemeClr val="dk1">
+                      <a:alpha val="40000"/>
+                    </a:schemeClr>
+                  </a:outerShdw>
+                </a:effectLst>
+              </a:rPr>
+              <a:t>clamp</a:t>
+            </a:r>
+            <a:endParaRPr lang="de-DE" dirty="0">
+              <a:ln w="0"/>
+              <a:solidFill>
+                <a:schemeClr val="bg1"/>
+              </a:solidFill>
+              <a:effectLst>
+                <a:outerShdw blurRad="38100" dist="19050" dir="2700000" algn="tl" rotWithShape="0">
+                  <a:schemeClr val="dk1">
+                    <a:alpha val="40000"/>
+                  </a:schemeClr>
+                </a:outerShdw>
+              </a:effectLst>
+            </a:endParaRPr>
+          </a:p>
+        </p:txBody>
+      </p:sp>
+      <p:cxnSp>
+        <p:nvCxnSpPr>
+          <p:cNvPr id="7" name="Gerade Verbindung mit Pfeil 6">
+            <a:extLst>
+              <a:ext uri="{FF2B5EF4-FFF2-40B4-BE49-F238E27FC236}">
+                <a16:creationId xmlns:a16="http://schemas.microsoft.com/office/drawing/2014/main" id="{B29C5C3C-5A75-4BC0-B113-57ED06CF6061}"/>
+              </a:ext>
+            </a:extLst>
+          </p:cNvPr>
+          <p:cNvCxnSpPr>
+            <a:cxnSpLocks/>
+            <a:stCxn id="4" idx="3"/>
+            <a:endCxn id="5" idx="1"/>
+          </p:cNvCxnSpPr>
+          <p:nvPr/>
+        </p:nvCxnSpPr>
+        <p:spPr>
+          <a:xfrm>
+            <a:off x="4048952" y="3695700"/>
+            <a:ext cx="1122287" cy="0"/>
+          </a:xfrm>
+          <a:prstGeom prst="straightConnector1">
+            <a:avLst/>
+          </a:prstGeom>
+          <a:ln w="63500">
+            <a:tailEnd type="triangle"/>
+          </a:ln>
+        </p:spPr>
+        <p:style>
+          <a:lnRef idx="1">
+            <a:schemeClr val="accent2"/>
+          </a:lnRef>
+          <a:fillRef idx="0">
+            <a:schemeClr val="accent2"/>
+          </a:fillRef>
+          <a:effectRef idx="0">
+            <a:schemeClr val="accent2"/>
+          </a:effectRef>
+          <a:fontRef idx="minor">
+            <a:schemeClr val="tx1"/>
+          </a:fontRef>
+        </p:style>
+      </p:cxnSp>
+      <p:sp>
+        <p:nvSpPr>
+          <p:cNvPr id="10" name="Rechteck: abgerundete Ecken 9">
+            <a:extLst>
+              <a:ext uri="{FF2B5EF4-FFF2-40B4-BE49-F238E27FC236}">
+                <a16:creationId xmlns:a16="http://schemas.microsoft.com/office/drawing/2014/main" id="{448CF9A3-F3FC-476D-9EC4-C82DF8ED2CFA}"/>
+              </a:ext>
+            </a:extLst>
+          </p:cNvPr>
+          <p:cNvSpPr/>
+          <p:nvPr/>
+        </p:nvSpPr>
+        <p:spPr>
+          <a:xfrm>
+            <a:off x="8823663" y="1957388"/>
+            <a:ext cx="2530137" cy="914400"/>
+          </a:xfrm>
+          <a:prstGeom prst="roundRect">
+            <a:avLst>
+              <a:gd name="adj" fmla="val 22492"/>
+            </a:avLst>
+          </a:prstGeom>
+          <a:solidFill>
+            <a:schemeClr val="accent6"/>
+          </a:solidFill>
+        </p:spPr>
+        <p:style>
+          <a:lnRef idx="2">
+            <a:schemeClr val="dk1">
+              <a:shade val="50000"/>
+            </a:schemeClr>
+          </a:lnRef>
+          <a:fillRef idx="1">
+            <a:schemeClr val="dk1"/>
+          </a:fillRef>
+          <a:effectRef idx="0">
+            <a:schemeClr val="dk1"/>
+          </a:effectRef>
+          <a:fontRef idx="minor">
+            <a:schemeClr val="lt1"/>
+          </a:fontRef>
+        </p:style>
+        <p:txBody>
+          <a:bodyPr rot="0" spcFirstLastPara="0" vertOverflow="overflow" horzOverflow="overflow" vert="horz" wrap="square" lIns="91440" tIns="45720" rIns="91440" bIns="45720" numCol="1" spcCol="0" rtlCol="0" fromWordArt="0" anchor="ctr" anchorCtr="0" forceAA="0" compatLnSpc="1">
+            <a:prstTxWarp prst="textNoShape">
+              <a:avLst/>
+            </a:prstTxWarp>
+            <a:noAutofit/>
+          </a:bodyPr>
+          <a:lstStyle/>
+          <a:p>
+            <a:pPr algn="ctr"/>
+            <a:r>
+              <a:rPr lang="de-DE" dirty="0" err="1">
+                <a:ln w="0"/>
+                <a:solidFill>
+                  <a:schemeClr val="bg1"/>
+                </a:solidFill>
+                <a:effectLst>
+                  <a:outerShdw blurRad="38100" dist="19050" dir="2700000" algn="tl" rotWithShape="0">
+                    <a:schemeClr val="dk1">
+                      <a:alpha val="40000"/>
+                    </a:schemeClr>
+                  </a:outerShdw>
+                </a:effectLst>
+              </a:rPr>
+              <a:t>Raymarch</a:t>
+            </a:r>
+            <a:endParaRPr lang="de-DE" dirty="0">
+              <a:ln w="0"/>
+              <a:solidFill>
+                <a:schemeClr val="bg1"/>
+              </a:solidFill>
+              <a:effectLst>
+                <a:outerShdw blurRad="38100" dist="19050" dir="2700000" algn="tl" rotWithShape="0">
+                  <a:schemeClr val="dk1">
+                    <a:alpha val="40000"/>
+                  </a:schemeClr>
+                </a:outerShdw>
+              </a:effectLst>
+            </a:endParaRPr>
+          </a:p>
+        </p:txBody>
+      </p:sp>
+      <p:sp>
+        <p:nvSpPr>
+          <p:cNvPr id="11" name="Rechteck: abgerundete Ecken 10">
+            <a:extLst>
+              <a:ext uri="{FF2B5EF4-FFF2-40B4-BE49-F238E27FC236}">
+                <a16:creationId xmlns:a16="http://schemas.microsoft.com/office/drawing/2014/main" id="{7F56580B-3B26-40EA-A23F-EA787502C1BB}"/>
+              </a:ext>
+            </a:extLst>
+          </p:cNvPr>
+          <p:cNvSpPr/>
+          <p:nvPr/>
+        </p:nvSpPr>
+        <p:spPr>
+          <a:xfrm>
+            <a:off x="8823663" y="3238500"/>
+            <a:ext cx="2530137" cy="914400"/>
+          </a:xfrm>
+          <a:prstGeom prst="roundRect">
+            <a:avLst>
+              <a:gd name="adj" fmla="val 0"/>
+            </a:avLst>
+          </a:prstGeom>
+          <a:solidFill>
+            <a:schemeClr val="accent5"/>
+          </a:solidFill>
+        </p:spPr>
+        <p:style>
+          <a:lnRef idx="2">
+            <a:schemeClr val="dk1">
+              <a:shade val="50000"/>
+            </a:schemeClr>
+          </a:lnRef>
+          <a:fillRef idx="1">
+            <a:schemeClr val="dk1"/>
+          </a:fillRef>
+          <a:effectRef idx="0">
+            <a:schemeClr val="dk1"/>
+          </a:effectRef>
+          <a:fontRef idx="minor">
+            <a:schemeClr val="lt1"/>
+          </a:fontRef>
+        </p:style>
+        <p:txBody>
+          <a:bodyPr rot="0" spcFirstLastPara="0" vertOverflow="overflow" horzOverflow="overflow" vert="horz" wrap="square" lIns="91440" tIns="45720" rIns="91440" bIns="45720" numCol="1" spcCol="0" rtlCol="0" fromWordArt="0" anchor="ctr" anchorCtr="0" forceAA="0" compatLnSpc="1">
+            <a:prstTxWarp prst="textNoShape">
+              <a:avLst/>
+            </a:prstTxWarp>
+            <a:noAutofit/>
+          </a:bodyPr>
+          <a:lstStyle/>
+          <a:p>
+            <a:pPr algn="ctr"/>
+            <a:r>
+              <a:rPr lang="de-DE" dirty="0" err="1">
+                <a:ln w="0"/>
+                <a:solidFill>
+                  <a:schemeClr val="bg1"/>
+                </a:solidFill>
+                <a:effectLst>
+                  <a:outerShdw blurRad="38100" dist="19050" dir="2700000" algn="tl" rotWithShape="0">
+                    <a:schemeClr val="dk1">
+                      <a:alpha val="40000"/>
+                    </a:schemeClr>
+                  </a:outerShdw>
+                </a:effectLst>
+                <a:latin typeface="Bahnschrift" panose="020B0502040204020203" pitchFamily="34" charset="0"/>
+              </a:rPr>
+              <a:t>History</a:t>
+            </a:r>
+            <a:r>
+              <a:rPr lang="de-DE" dirty="0">
+                <a:ln w="0"/>
+                <a:solidFill>
+                  <a:schemeClr val="bg1"/>
+                </a:solidFill>
+                <a:effectLst>
+                  <a:outerShdw blurRad="38100" dist="19050" dir="2700000" algn="tl" rotWithShape="0">
+                    <a:schemeClr val="dk1">
+                      <a:alpha val="40000"/>
+                    </a:schemeClr>
+                  </a:outerShdw>
+                </a:effectLst>
+                <a:latin typeface="Bahnschrift" panose="020B0502040204020203" pitchFamily="34" charset="0"/>
+              </a:rPr>
+              <a:t> Buffer</a:t>
+            </a:r>
+          </a:p>
+        </p:txBody>
+      </p:sp>
+      <p:cxnSp>
+        <p:nvCxnSpPr>
+          <p:cNvPr id="24" name="Verbinder: gewinkelt 23">
+            <a:extLst>
+              <a:ext uri="{FF2B5EF4-FFF2-40B4-BE49-F238E27FC236}">
+                <a16:creationId xmlns:a16="http://schemas.microsoft.com/office/drawing/2014/main" id="{3DC2A5E7-D0F8-4AA2-8C76-8473E10FCC4A}"/>
+              </a:ext>
+            </a:extLst>
+          </p:cNvPr>
+          <p:cNvCxnSpPr>
+            <a:cxnSpLocks/>
+            <a:stCxn id="11" idx="2"/>
+            <a:endCxn id="5" idx="2"/>
+          </p:cNvCxnSpPr>
+          <p:nvPr/>
+        </p:nvCxnSpPr>
+        <p:spPr>
+          <a:xfrm rot="5400000">
+            <a:off x="8262520" y="2326688"/>
+            <a:ext cx="12700" cy="3652424"/>
+          </a:xfrm>
+          <a:prstGeom prst="bentConnector3">
+            <a:avLst>
+              <a:gd name="adj1" fmla="val 3150000"/>
+            </a:avLst>
+          </a:prstGeom>
+          <a:ln w="63500">
+            <a:solidFill>
+              <a:schemeClr val="accent2"/>
+            </a:solidFill>
+            <a:tailEnd type="triangle"/>
+          </a:ln>
+        </p:spPr>
+        <p:style>
+          <a:lnRef idx="1">
+            <a:schemeClr val="accent1"/>
+          </a:lnRef>
+          <a:fillRef idx="0">
+            <a:schemeClr val="accent1"/>
+          </a:fillRef>
+          <a:effectRef idx="0">
+            <a:schemeClr val="accent1"/>
+          </a:effectRef>
+          <a:fontRef idx="minor">
+            <a:schemeClr val="tx1"/>
+          </a:fontRef>
+        </p:style>
+      </p:cxnSp>
+      <p:cxnSp>
+        <p:nvCxnSpPr>
+          <p:cNvPr id="46" name="Gerade Verbindung mit Pfeil 45">
+            <a:extLst>
+              <a:ext uri="{FF2B5EF4-FFF2-40B4-BE49-F238E27FC236}">
+                <a16:creationId xmlns:a16="http://schemas.microsoft.com/office/drawing/2014/main" id="{D14F3548-5BF5-42A1-9B6A-F492BBBCBD82}"/>
+              </a:ext>
+            </a:extLst>
+          </p:cNvPr>
+          <p:cNvCxnSpPr>
+            <a:cxnSpLocks/>
+            <a:stCxn id="5" idx="3"/>
+            <a:endCxn id="11" idx="1"/>
+          </p:cNvCxnSpPr>
+          <p:nvPr/>
+        </p:nvCxnSpPr>
+        <p:spPr>
+          <a:xfrm>
+            <a:off x="7701376" y="3695700"/>
+            <a:ext cx="1122287" cy="0"/>
+          </a:xfrm>
+          <a:prstGeom prst="straightConnector1">
+            <a:avLst/>
+          </a:prstGeom>
+          <a:ln w="63500">
+            <a:tailEnd type="triangle"/>
+          </a:ln>
+        </p:spPr>
+        <p:style>
+          <a:lnRef idx="1">
+            <a:schemeClr val="accent2"/>
+          </a:lnRef>
+          <a:fillRef idx="0">
+            <a:schemeClr val="accent2"/>
+          </a:fillRef>
+          <a:effectRef idx="0">
+            <a:schemeClr val="accent2"/>
+          </a:effectRef>
+          <a:fontRef idx="minor">
+            <a:schemeClr val="tx1"/>
+          </a:fontRef>
+        </p:style>
+      </p:cxnSp>
+      <p:cxnSp>
+        <p:nvCxnSpPr>
+          <p:cNvPr id="48" name="Verbinder: gewinkelt 47">
+            <a:extLst>
+              <a:ext uri="{FF2B5EF4-FFF2-40B4-BE49-F238E27FC236}">
+                <a16:creationId xmlns:a16="http://schemas.microsoft.com/office/drawing/2014/main" id="{F234D388-F8FA-4B4B-8532-978533EDAC3E}"/>
+              </a:ext>
+            </a:extLst>
+          </p:cNvPr>
+          <p:cNvCxnSpPr>
+            <a:cxnSpLocks/>
+            <a:endCxn id="10" idx="1"/>
+          </p:cNvCxnSpPr>
+          <p:nvPr/>
+        </p:nvCxnSpPr>
+        <p:spPr>
+          <a:xfrm flipV="1">
+            <a:off x="7701376" y="2414588"/>
+            <a:ext cx="1122287" cy="1109662"/>
+          </a:xfrm>
+          <a:prstGeom prst="bentConnector3">
+            <a:avLst>
+              <a:gd name="adj1" fmla="val 50000"/>
+            </a:avLst>
+          </a:prstGeom>
+          <a:ln w="63500">
+            <a:solidFill>
+              <a:schemeClr val="accent2"/>
+            </a:solidFill>
+            <a:tailEnd type="triangle"/>
+          </a:ln>
+        </p:spPr>
+        <p:style>
+          <a:lnRef idx="1">
+            <a:schemeClr val="accent1"/>
+          </a:lnRef>
+          <a:fillRef idx="0">
+            <a:schemeClr val="accent1"/>
+          </a:fillRef>
+          <a:effectRef idx="0">
+            <a:schemeClr val="accent1"/>
+          </a:effectRef>
+          <a:fontRef idx="minor">
+            <a:schemeClr val="tx1"/>
+          </a:fontRef>
+        </p:style>
+      </p:cxnSp>
     </p:spTree>
     <p:extLst>
       <p:ext uri="{BB962C8B-B14F-4D97-AF65-F5344CB8AC3E}">
@@ -4527,8 +6254,17 @@
           <a:lstStyle/>
           <a:p>
             <a:r>
+              <a:rPr lang="de-DE" dirty="0">
+                <a:solidFill>
+                  <a:schemeClr val="accent2"/>
+                </a:solidFill>
+                <a:latin typeface="Bahnschrift" panose="020B0502040204020203" pitchFamily="34" charset="0"/>
+              </a:rPr>
+              <a:t>Dithering</a:t>
+            </a:r>
+            <a:r>
               <a:rPr lang="de-DE" dirty="0"/>
-              <a:t>Dithering (30 sec)</a:t>
+              <a:t> (30 sec)</a:t>
             </a:r>
           </a:p>
         </p:txBody>

--- a/Presentation.pptx
+++ b/Presentation.pptx
@@ -14,6 +14,11 @@
     <p:sldId id="261" r:id="rId8"/>
     <p:sldId id="264" r:id="rId9"/>
     <p:sldId id="262" r:id="rId10"/>
+    <p:sldId id="265" r:id="rId11"/>
+    <p:sldId id="266" r:id="rId12"/>
+    <p:sldId id="267" r:id="rId13"/>
+    <p:sldId id="268" r:id="rId14"/>
+    <p:sldId id="269" r:id="rId15"/>
   </p:sldIdLst>
   <p:sldSz cx="12192000" cy="6858000"/>
   <p:notesSz cx="6858000" cy="9144000"/>
@@ -267,7 +272,7 @@
           <a:p>
             <a:fld id="{541B350F-977A-45F1-9D02-725BAD40C7D3}" type="datetimeFigureOut">
               <a:rPr lang="de-DE" smtClean="0"/>
-              <a:t>29.01.2020</a:t>
+              <a:t>30.01.2020</a:t>
             </a:fld>
             <a:endParaRPr lang="de-DE"/>
           </a:p>
@@ -555,7 +560,7 @@
           <a:p>
             <a:fld id="{541B350F-977A-45F1-9D02-725BAD40C7D3}" type="datetimeFigureOut">
               <a:rPr lang="de-DE" smtClean="0"/>
-              <a:t>29.01.2020</a:t>
+              <a:t>30.01.2020</a:t>
             </a:fld>
             <a:endParaRPr lang="de-DE"/>
           </a:p>
@@ -753,7 +758,7 @@
           <a:p>
             <a:fld id="{541B350F-977A-45F1-9D02-725BAD40C7D3}" type="datetimeFigureOut">
               <a:rPr lang="de-DE" smtClean="0"/>
-              <a:t>29.01.2020</a:t>
+              <a:t>30.01.2020</a:t>
             </a:fld>
             <a:endParaRPr lang="de-DE"/>
           </a:p>
@@ -961,7 +966,7 @@
           <a:p>
             <a:fld id="{541B350F-977A-45F1-9D02-725BAD40C7D3}" type="datetimeFigureOut">
               <a:rPr lang="de-DE" smtClean="0"/>
-              <a:t>29.01.2020</a:t>
+              <a:t>30.01.2020</a:t>
             </a:fld>
             <a:endParaRPr lang="de-DE"/>
           </a:p>
@@ -1102,7 +1107,7 @@
           <a:p>
             <a:fld id="{541B350F-977A-45F1-9D02-725BAD40C7D3}" type="datetimeFigureOut">
               <a:rPr lang="de-DE" smtClean="0"/>
-              <a:t>29.01.2020</a:t>
+              <a:t>30.01.2020</a:t>
             </a:fld>
             <a:endParaRPr lang="de-DE"/>
           </a:p>
@@ -1300,7 +1305,7 @@
           <a:p>
             <a:fld id="{541B350F-977A-45F1-9D02-725BAD40C7D3}" type="datetimeFigureOut">
               <a:rPr lang="de-DE" smtClean="0"/>
-              <a:t>29.01.2020</a:t>
+              <a:t>30.01.2020</a:t>
             </a:fld>
             <a:endParaRPr lang="de-DE"/>
           </a:p>
@@ -1575,7 +1580,7 @@
           <a:p>
             <a:fld id="{541B350F-977A-45F1-9D02-725BAD40C7D3}" type="datetimeFigureOut">
               <a:rPr lang="de-DE" smtClean="0"/>
-              <a:t>29.01.2020</a:t>
+              <a:t>30.01.2020</a:t>
             </a:fld>
             <a:endParaRPr lang="de-DE"/>
           </a:p>
@@ -1840,7 +1845,7 @@
           <a:p>
             <a:fld id="{541B350F-977A-45F1-9D02-725BAD40C7D3}" type="datetimeFigureOut">
               <a:rPr lang="de-DE" smtClean="0"/>
-              <a:t>29.01.2020</a:t>
+              <a:t>30.01.2020</a:t>
             </a:fld>
             <a:endParaRPr lang="de-DE"/>
           </a:p>
@@ -2252,7 +2257,7 @@
           <a:p>
             <a:fld id="{541B350F-977A-45F1-9D02-725BAD40C7D3}" type="datetimeFigureOut">
               <a:rPr lang="de-DE" smtClean="0"/>
-              <a:t>29.01.2020</a:t>
+              <a:t>30.01.2020</a:t>
             </a:fld>
             <a:endParaRPr lang="de-DE"/>
           </a:p>
@@ -2393,7 +2398,7 @@
           <a:p>
             <a:fld id="{541B350F-977A-45F1-9D02-725BAD40C7D3}" type="datetimeFigureOut">
               <a:rPr lang="de-DE" smtClean="0"/>
-              <a:t>29.01.2020</a:t>
+              <a:t>30.01.2020</a:t>
             </a:fld>
             <a:endParaRPr lang="de-DE"/>
           </a:p>
@@ -2506,7 +2511,7 @@
           <a:p>
             <a:fld id="{541B350F-977A-45F1-9D02-725BAD40C7D3}" type="datetimeFigureOut">
               <a:rPr lang="de-DE" smtClean="0"/>
-              <a:t>29.01.2020</a:t>
+              <a:t>30.01.2020</a:t>
             </a:fld>
             <a:endParaRPr lang="de-DE"/>
           </a:p>
@@ -2817,7 +2822,7 @@
           <a:p>
             <a:fld id="{541B350F-977A-45F1-9D02-725BAD40C7D3}" type="datetimeFigureOut">
               <a:rPr lang="de-DE" smtClean="0"/>
-              <a:t>29.01.2020</a:t>
+              <a:t>30.01.2020</a:t>
             </a:fld>
             <a:endParaRPr lang="de-DE"/>
           </a:p>
@@ -3078,7 +3083,7 @@
           <a:p>
             <a:fld id="{541B350F-977A-45F1-9D02-725BAD40C7D3}" type="datetimeFigureOut">
               <a:rPr lang="de-DE" smtClean="0"/>
-              <a:t>29.01.2020</a:t>
+              <a:t>30.01.2020</a:t>
             </a:fld>
             <a:endParaRPr lang="de-DE"/>
           </a:p>
@@ -3733,6 +3738,464 @@
 </p:sld>
 </file>
 
+<file path=ppt/slides/slide10.xml><?xml version="1.0" encoding="utf-8"?>
+<p:sld xmlns:a="http://schemas.openxmlformats.org/drawingml/2006/main" xmlns:r="http://schemas.openxmlformats.org/officeDocument/2006/relationships" xmlns:p="http://schemas.openxmlformats.org/presentationml/2006/main">
+  <p:cSld>
+    <p:spTree>
+      <p:nvGrpSpPr>
+        <p:cNvPr id="1" name=""/>
+        <p:cNvGrpSpPr/>
+        <p:nvPr/>
+      </p:nvGrpSpPr>
+      <p:grpSpPr>
+        <a:xfrm>
+          <a:off x="0" y="0"/>
+          <a:ext cx="0" cy="0"/>
+          <a:chOff x="0" y="0"/>
+          <a:chExt cx="0" cy="0"/>
+        </a:xfrm>
+      </p:grpSpPr>
+      <p:sp>
+        <p:nvSpPr>
+          <p:cNvPr id="2" name="Titel 1">
+            <a:extLst>
+              <a:ext uri="{FF2B5EF4-FFF2-40B4-BE49-F238E27FC236}">
+                <a16:creationId xmlns:a16="http://schemas.microsoft.com/office/drawing/2014/main" id="{EBD3DFD6-C5BF-479F-8946-D157F47853AA}"/>
+              </a:ext>
+            </a:extLst>
+          </p:cNvPr>
+          <p:cNvSpPr>
+            <a:spLocks noGrp="1"/>
+          </p:cNvSpPr>
+          <p:nvPr>
+            <p:ph type="title"/>
+          </p:nvPr>
+        </p:nvSpPr>
+        <p:spPr>
+          <a:xfrm>
+            <a:off x="123092" y="-1"/>
+            <a:ext cx="10515600" cy="1325563"/>
+          </a:xfrm>
+        </p:spPr>
+        <p:txBody>
+          <a:bodyPr/>
+          <a:lstStyle/>
+          <a:p>
+            <a:r>
+              <a:rPr lang="de-DE" dirty="0" smtClean="0">
+                <a:solidFill>
+                  <a:schemeClr val="accent2"/>
+                </a:solidFill>
+              </a:rPr>
+              <a:t>Vegetation</a:t>
+            </a:r>
+            <a:endParaRPr lang="de-DE" dirty="0">
+              <a:solidFill>
+                <a:schemeClr val="accent2"/>
+              </a:solidFill>
+            </a:endParaRPr>
+          </a:p>
+        </p:txBody>
+      </p:sp>
+      <p:pic>
+        <p:nvPicPr>
+          <p:cNvPr id="5" name="Grafik 4"/>
+          <p:cNvPicPr>
+            <a:picLocks noChangeAspect="1"/>
+          </p:cNvPicPr>
+          <p:nvPr/>
+        </p:nvPicPr>
+        <p:blipFill>
+          <a:blip r:embed="rId2">
+            <a:extLst>
+              <a:ext uri="{28A0092B-C50C-407E-A947-70E740481C1C}">
+                <a14:useLocalDpi xmlns:a14="http://schemas.microsoft.com/office/drawing/2010/main" val="0"/>
+              </a:ext>
+            </a:extLst>
+          </a:blip>
+          <a:stretch>
+            <a:fillRect/>
+          </a:stretch>
+        </p:blipFill>
+        <p:spPr>
+          <a:xfrm>
+            <a:off x="2883877" y="-1"/>
+            <a:ext cx="9308123" cy="6859417"/>
+          </a:xfrm>
+          <a:prstGeom prst="rect">
+            <a:avLst/>
+          </a:prstGeom>
+        </p:spPr>
+      </p:pic>
+    </p:spTree>
+    <p:extLst>
+      <p:ext uri="{BB962C8B-B14F-4D97-AF65-F5344CB8AC3E}">
+        <p14:creationId xmlns:p14="http://schemas.microsoft.com/office/powerpoint/2010/main" val="768098241"/>
+      </p:ext>
+    </p:extLst>
+  </p:cSld>
+  <p:clrMapOvr>
+    <a:masterClrMapping/>
+  </p:clrMapOvr>
+</p:sld>
+</file>
+
+<file path=ppt/slides/slide11.xml><?xml version="1.0" encoding="utf-8"?>
+<p:sld xmlns:a="http://schemas.openxmlformats.org/drawingml/2006/main" xmlns:r="http://schemas.openxmlformats.org/officeDocument/2006/relationships" xmlns:p="http://schemas.openxmlformats.org/presentationml/2006/main">
+  <p:cSld>
+    <p:spTree>
+      <p:nvGrpSpPr>
+        <p:cNvPr id="1" name=""/>
+        <p:cNvGrpSpPr/>
+        <p:nvPr/>
+      </p:nvGrpSpPr>
+      <p:grpSpPr>
+        <a:xfrm>
+          <a:off x="0" y="0"/>
+          <a:ext cx="0" cy="0"/>
+          <a:chOff x="0" y="0"/>
+          <a:chExt cx="0" cy="0"/>
+        </a:xfrm>
+      </p:grpSpPr>
+      <p:sp>
+        <p:nvSpPr>
+          <p:cNvPr id="2" name="Titel 1">
+            <a:extLst>
+              <a:ext uri="{FF2B5EF4-FFF2-40B4-BE49-F238E27FC236}">
+                <a16:creationId xmlns:a16="http://schemas.microsoft.com/office/drawing/2014/main" id="{EBD3DFD6-C5BF-479F-8946-D157F47853AA}"/>
+              </a:ext>
+            </a:extLst>
+          </p:cNvPr>
+          <p:cNvSpPr>
+            <a:spLocks noGrp="1"/>
+          </p:cNvSpPr>
+          <p:nvPr>
+            <p:ph type="title"/>
+          </p:nvPr>
+        </p:nvSpPr>
+        <p:spPr/>
+        <p:txBody>
+          <a:bodyPr/>
+          <a:lstStyle/>
+          <a:p>
+            <a:r>
+              <a:rPr lang="de-DE" dirty="0" smtClean="0">
+                <a:solidFill>
+                  <a:schemeClr val="accent2"/>
+                </a:solidFill>
+              </a:rPr>
+              <a:t>Grass </a:t>
+            </a:r>
+            <a:r>
+              <a:rPr lang="de-DE" dirty="0" err="1" smtClean="0">
+                <a:solidFill>
+                  <a:schemeClr val="accent2"/>
+                </a:solidFill>
+              </a:rPr>
+              <a:t>Shader</a:t>
+            </a:r>
+            <a:r>
+              <a:rPr lang="de-DE" dirty="0" smtClean="0">
+                <a:solidFill>
+                  <a:schemeClr val="accent2"/>
+                </a:solidFill>
+              </a:rPr>
+              <a:t> – General  </a:t>
+            </a:r>
+            <a:endParaRPr lang="de-DE" dirty="0">
+              <a:solidFill>
+                <a:schemeClr val="accent2"/>
+              </a:solidFill>
+            </a:endParaRPr>
+          </a:p>
+        </p:txBody>
+      </p:sp>
+    </p:spTree>
+    <p:extLst>
+      <p:ext uri="{BB962C8B-B14F-4D97-AF65-F5344CB8AC3E}">
+        <p14:creationId xmlns:p14="http://schemas.microsoft.com/office/powerpoint/2010/main" val="75107569"/>
+      </p:ext>
+    </p:extLst>
+  </p:cSld>
+  <p:clrMapOvr>
+    <a:masterClrMapping/>
+  </p:clrMapOvr>
+</p:sld>
+</file>
+
+<file path=ppt/slides/slide12.xml><?xml version="1.0" encoding="utf-8"?>
+<p:sld xmlns:a="http://schemas.openxmlformats.org/drawingml/2006/main" xmlns:r="http://schemas.openxmlformats.org/officeDocument/2006/relationships" xmlns:p="http://schemas.openxmlformats.org/presentationml/2006/main">
+  <p:cSld>
+    <p:spTree>
+      <p:nvGrpSpPr>
+        <p:cNvPr id="1" name=""/>
+        <p:cNvGrpSpPr/>
+        <p:nvPr/>
+      </p:nvGrpSpPr>
+      <p:grpSpPr>
+        <a:xfrm>
+          <a:off x="0" y="0"/>
+          <a:ext cx="0" cy="0"/>
+          <a:chOff x="0" y="0"/>
+          <a:chExt cx="0" cy="0"/>
+        </a:xfrm>
+      </p:grpSpPr>
+      <p:sp>
+        <p:nvSpPr>
+          <p:cNvPr id="2" name="Titel 1">
+            <a:extLst>
+              <a:ext uri="{FF2B5EF4-FFF2-40B4-BE49-F238E27FC236}">
+                <a16:creationId xmlns:a16="http://schemas.microsoft.com/office/drawing/2014/main" id="{EBD3DFD6-C5BF-479F-8946-D157F47853AA}"/>
+              </a:ext>
+            </a:extLst>
+          </p:cNvPr>
+          <p:cNvSpPr>
+            <a:spLocks noGrp="1"/>
+          </p:cNvSpPr>
+          <p:nvPr>
+            <p:ph type="title"/>
+          </p:nvPr>
+        </p:nvSpPr>
+        <p:spPr/>
+        <p:txBody>
+          <a:bodyPr/>
+          <a:lstStyle/>
+          <a:p>
+            <a:r>
+              <a:rPr lang="de-DE" dirty="0" smtClean="0">
+                <a:solidFill>
+                  <a:schemeClr val="accent2"/>
+                </a:solidFill>
+              </a:rPr>
+              <a:t>Grass </a:t>
+            </a:r>
+            <a:r>
+              <a:rPr lang="de-DE" dirty="0" err="1" smtClean="0">
+                <a:solidFill>
+                  <a:schemeClr val="accent2"/>
+                </a:solidFill>
+              </a:rPr>
+              <a:t>Shader</a:t>
+            </a:r>
+            <a:r>
+              <a:rPr lang="de-DE" dirty="0" smtClean="0">
+                <a:solidFill>
+                  <a:schemeClr val="accent2"/>
+                </a:solidFill>
+              </a:rPr>
+              <a:t> – </a:t>
+            </a:r>
+            <a:r>
+              <a:rPr lang="de-DE" dirty="0" err="1" smtClean="0">
+                <a:solidFill>
+                  <a:schemeClr val="accent2"/>
+                </a:solidFill>
+              </a:rPr>
+              <a:t>Tessellation</a:t>
+            </a:r>
+            <a:r>
+              <a:rPr lang="de-DE" dirty="0" smtClean="0">
+                <a:solidFill>
+                  <a:schemeClr val="accent2"/>
+                </a:solidFill>
+              </a:rPr>
+              <a:t>  </a:t>
+            </a:r>
+            <a:endParaRPr lang="de-DE" dirty="0">
+              <a:solidFill>
+                <a:schemeClr val="accent2"/>
+              </a:solidFill>
+            </a:endParaRPr>
+          </a:p>
+        </p:txBody>
+      </p:sp>
+    </p:spTree>
+    <p:extLst>
+      <p:ext uri="{BB962C8B-B14F-4D97-AF65-F5344CB8AC3E}">
+        <p14:creationId xmlns:p14="http://schemas.microsoft.com/office/powerpoint/2010/main" val="3630807737"/>
+      </p:ext>
+    </p:extLst>
+  </p:cSld>
+  <p:clrMapOvr>
+    <a:masterClrMapping/>
+  </p:clrMapOvr>
+</p:sld>
+</file>
+
+<file path=ppt/slides/slide13.xml><?xml version="1.0" encoding="utf-8"?>
+<p:sld xmlns:a="http://schemas.openxmlformats.org/drawingml/2006/main" xmlns:r="http://schemas.openxmlformats.org/officeDocument/2006/relationships" xmlns:p="http://schemas.openxmlformats.org/presentationml/2006/main">
+  <p:cSld>
+    <p:spTree>
+      <p:nvGrpSpPr>
+        <p:cNvPr id="1" name=""/>
+        <p:cNvGrpSpPr/>
+        <p:nvPr/>
+      </p:nvGrpSpPr>
+      <p:grpSpPr>
+        <a:xfrm>
+          <a:off x="0" y="0"/>
+          <a:ext cx="0" cy="0"/>
+          <a:chOff x="0" y="0"/>
+          <a:chExt cx="0" cy="0"/>
+        </a:xfrm>
+      </p:grpSpPr>
+      <p:sp>
+        <p:nvSpPr>
+          <p:cNvPr id="2" name="Titel 1">
+            <a:extLst>
+              <a:ext uri="{FF2B5EF4-FFF2-40B4-BE49-F238E27FC236}">
+                <a16:creationId xmlns:a16="http://schemas.microsoft.com/office/drawing/2014/main" id="{EBD3DFD6-C5BF-479F-8946-D157F47853AA}"/>
+              </a:ext>
+            </a:extLst>
+          </p:cNvPr>
+          <p:cNvSpPr>
+            <a:spLocks noGrp="1"/>
+          </p:cNvSpPr>
+          <p:nvPr>
+            <p:ph type="title"/>
+          </p:nvPr>
+        </p:nvSpPr>
+        <p:spPr/>
+        <p:txBody>
+          <a:bodyPr/>
+          <a:lstStyle/>
+          <a:p>
+            <a:r>
+              <a:rPr lang="de-DE" dirty="0" smtClean="0">
+                <a:solidFill>
+                  <a:schemeClr val="accent2"/>
+                </a:solidFill>
+              </a:rPr>
+              <a:t>Grass </a:t>
+            </a:r>
+            <a:r>
+              <a:rPr lang="de-DE" dirty="0" err="1" smtClean="0">
+                <a:solidFill>
+                  <a:schemeClr val="accent2"/>
+                </a:solidFill>
+              </a:rPr>
+              <a:t>Shader</a:t>
+            </a:r>
+            <a:r>
+              <a:rPr lang="de-DE" dirty="0" smtClean="0">
+                <a:solidFill>
+                  <a:schemeClr val="accent2"/>
+                </a:solidFill>
+              </a:rPr>
+              <a:t> - </a:t>
+            </a:r>
+            <a:r>
+              <a:rPr lang="de-DE" dirty="0" err="1" smtClean="0">
+                <a:solidFill>
+                  <a:schemeClr val="accent2"/>
+                </a:solidFill>
+              </a:rPr>
+              <a:t>Collision</a:t>
+            </a:r>
+            <a:endParaRPr lang="de-DE" dirty="0">
+              <a:solidFill>
+                <a:schemeClr val="accent2"/>
+              </a:solidFill>
+            </a:endParaRPr>
+          </a:p>
+        </p:txBody>
+      </p:sp>
+    </p:spTree>
+    <p:extLst>
+      <p:ext uri="{BB962C8B-B14F-4D97-AF65-F5344CB8AC3E}">
+        <p14:creationId xmlns:p14="http://schemas.microsoft.com/office/powerpoint/2010/main" val="3594954696"/>
+      </p:ext>
+    </p:extLst>
+  </p:cSld>
+  <p:clrMapOvr>
+    <a:masterClrMapping/>
+  </p:clrMapOvr>
+</p:sld>
+</file>
+
+<file path=ppt/slides/slide14.xml><?xml version="1.0" encoding="utf-8"?>
+<p:sld xmlns:a="http://schemas.openxmlformats.org/drawingml/2006/main" xmlns:r="http://schemas.openxmlformats.org/officeDocument/2006/relationships" xmlns:p="http://schemas.openxmlformats.org/presentationml/2006/main">
+  <p:cSld>
+    <p:spTree>
+      <p:nvGrpSpPr>
+        <p:cNvPr id="1" name=""/>
+        <p:cNvGrpSpPr/>
+        <p:nvPr/>
+      </p:nvGrpSpPr>
+      <p:grpSpPr>
+        <a:xfrm>
+          <a:off x="0" y="0"/>
+          <a:ext cx="0" cy="0"/>
+          <a:chOff x="0" y="0"/>
+          <a:chExt cx="0" cy="0"/>
+        </a:xfrm>
+      </p:grpSpPr>
+      <p:sp>
+        <p:nvSpPr>
+          <p:cNvPr id="2" name="Titel 1">
+            <a:extLst>
+              <a:ext uri="{FF2B5EF4-FFF2-40B4-BE49-F238E27FC236}">
+                <a16:creationId xmlns:a16="http://schemas.microsoft.com/office/drawing/2014/main" id="{EBD3DFD6-C5BF-479F-8946-D157F47853AA}"/>
+              </a:ext>
+            </a:extLst>
+          </p:cNvPr>
+          <p:cNvSpPr>
+            <a:spLocks noGrp="1"/>
+          </p:cNvSpPr>
+          <p:nvPr>
+            <p:ph type="title"/>
+          </p:nvPr>
+        </p:nvSpPr>
+        <p:spPr/>
+        <p:txBody>
+          <a:bodyPr/>
+          <a:lstStyle/>
+          <a:p>
+            <a:r>
+              <a:rPr lang="de-DE" dirty="0" smtClean="0">
+                <a:solidFill>
+                  <a:schemeClr val="accent2"/>
+                </a:solidFill>
+              </a:rPr>
+              <a:t>Grass </a:t>
+            </a:r>
+            <a:r>
+              <a:rPr lang="de-DE" dirty="0" err="1" smtClean="0">
+                <a:solidFill>
+                  <a:schemeClr val="accent2"/>
+                </a:solidFill>
+              </a:rPr>
+              <a:t>Shader</a:t>
+            </a:r>
+            <a:r>
+              <a:rPr lang="de-DE" dirty="0" smtClean="0">
+                <a:solidFill>
+                  <a:schemeClr val="accent2"/>
+                </a:solidFill>
+              </a:rPr>
+              <a:t> – Live Demo</a:t>
+            </a:r>
+            <a:endParaRPr lang="de-DE" dirty="0">
+              <a:solidFill>
+                <a:schemeClr val="accent2"/>
+              </a:solidFill>
+            </a:endParaRPr>
+          </a:p>
+        </p:txBody>
+      </p:sp>
+    </p:spTree>
+    <p:extLst>
+      <p:ext uri="{BB962C8B-B14F-4D97-AF65-F5344CB8AC3E}">
+        <p14:creationId xmlns:p14="http://schemas.microsoft.com/office/powerpoint/2010/main" val="1376111569"/>
+      </p:ext>
+    </p:extLst>
+  </p:cSld>
+  <p:clrMapOvr>
+    <a:masterClrMapping/>
+  </p:clrMapOvr>
+</p:sld>
+</file>
+
 <file path=ppt/slides/slide2.xml><?xml version="1.0" encoding="utf-8"?>
 <p:sld xmlns:a="http://schemas.openxmlformats.org/drawingml/2006/main" xmlns:r="http://schemas.openxmlformats.org/officeDocument/2006/relationships" xmlns:p="http://schemas.openxmlformats.org/presentationml/2006/main">
   <p:cSld>
@@ -4185,8 +4648,8 @@
           </a:prstGeom>
         </p:spPr>
       </p:pic>
-      <mc:AlternateContent xmlns:mc="http://schemas.openxmlformats.org/markup-compatibility/2006">
-        <mc:Choice xmlns:a14="http://schemas.microsoft.com/office/drawing/2010/main" Requires="a14">
+      <mc:AlternateContent xmlns:mc="http://schemas.openxmlformats.org/markup-compatibility/2006" xmlns:a14="http://schemas.microsoft.com/office/drawing/2010/main">
+        <mc:Choice Requires="a14">
           <p:sp>
             <p:nvSpPr>
               <p:cNvPr id="9" name="Textfeld 8">
@@ -4215,6 +4678,7 @@
               </a:bodyPr>
               <a:lstStyle/>
               <a:p>
+                <a:pPr/>
                 <a14:m>
                   <m:oMathPara xmlns:m="http://schemas.openxmlformats.org/officeDocument/2006/math">
                     <m:oMathParaPr>
@@ -4769,7 +5233,7 @@
             </p:txBody>
           </p:sp>
         </mc:Choice>
-        <mc:Fallback>
+        <mc:Fallback xmlns="">
           <p:sp>
             <p:nvSpPr>
               <p:cNvPr id="9" name="Textfeld 8">

--- a/Presentation.pptx
+++ b/Presentation.pptx
@@ -3514,7 +3514,7 @@
         </p:nvSpPr>
         <p:spPr>
           <a:xfrm>
-            <a:off x="1524000" y="1122363"/>
+            <a:off x="1524000" y="949250"/>
             <a:ext cx="9144000" cy="1017155"/>
           </a:xfrm>
         </p:spPr>
@@ -3568,7 +3568,7 @@
                 </a:solidFill>
                 <a:latin typeface="Bahnschrift" panose="020B0502040204020203" pitchFamily="34" charset="0"/>
               </a:rPr>
-              <a:t>Luca Türk, Samuel ???, Sven Lüpke</a:t>
+              <a:t>Luca Türk, Samuel Knöthig, Sven Lüpke</a:t>
             </a:r>
           </a:p>
         </p:txBody>
@@ -4185,8 +4185,8 @@
           </a:prstGeom>
         </p:spPr>
       </p:pic>
-      <mc:AlternateContent xmlns:mc="http://schemas.openxmlformats.org/markup-compatibility/2006">
-        <mc:Choice xmlns:a14="http://schemas.microsoft.com/office/drawing/2010/main" Requires="a14">
+      <mc:AlternateContent xmlns:mc="http://schemas.openxmlformats.org/markup-compatibility/2006" xmlns:a14="http://schemas.microsoft.com/office/drawing/2010/main">
+        <mc:Choice Requires="a14">
           <p:sp>
             <p:nvSpPr>
               <p:cNvPr id="9" name="Textfeld 8">
@@ -4215,6 +4215,7 @@
               </a:bodyPr>
               <a:lstStyle/>
               <a:p>
+                <a:pPr/>
                 <a14:m>
                   <m:oMathPara xmlns:m="http://schemas.openxmlformats.org/officeDocument/2006/math">
                     <m:oMathParaPr>
@@ -4769,7 +4770,7 @@
             </p:txBody>
           </p:sp>
         </mc:Choice>
-        <mc:Fallback>
+        <mc:Fallback xmlns="">
           <p:sp>
             <p:nvSpPr>
               <p:cNvPr id="9" name="Textfeld 8">
@@ -5063,6 +5064,18 @@
             </a:r>
           </a:p>
           <a:p>
+            <a:pPr lvl="1"/>
+            <a:r>
+              <a:rPr lang="de-DE" dirty="0">
+                <a:solidFill>
+                  <a:schemeClr val="bg1"/>
+                </a:solidFill>
+                <a:latin typeface="Bahnschrift" panose="020B0502040204020203" pitchFamily="34" charset="0"/>
+              </a:rPr>
+              <a:t>240x135x96</a:t>
+            </a:r>
+          </a:p>
+          <a:p>
             <a:r>
               <a:rPr lang="de-DE" dirty="0" err="1">
                 <a:solidFill>
@@ -6087,7 +6100,7 @@
           </a:xfrm>
           <a:prstGeom prst="bentConnector3">
             <a:avLst>
-              <a:gd name="adj1" fmla="val 3150000"/>
+              <a:gd name="adj1" fmla="val 2534622"/>
             </a:avLst>
           </a:prstGeom>
           <a:ln w="63500">

--- a/Presentation.pptx
+++ b/Presentation.pptx
@@ -6,14 +6,21 @@
   </p:sldMasterIdLst>
   <p:sldIdLst>
     <p:sldId id="256" r:id="rId2"/>
-    <p:sldId id="257" r:id="rId3"/>
-    <p:sldId id="258" r:id="rId4"/>
-    <p:sldId id="259" r:id="rId5"/>
-    <p:sldId id="263" r:id="rId6"/>
-    <p:sldId id="260" r:id="rId7"/>
-    <p:sldId id="261" r:id="rId8"/>
-    <p:sldId id="264" r:id="rId9"/>
-    <p:sldId id="262" r:id="rId10"/>
+    <p:sldId id="258" r:id="rId3"/>
+    <p:sldId id="259" r:id="rId4"/>
+    <p:sldId id="263" r:id="rId5"/>
+    <p:sldId id="260" r:id="rId6"/>
+    <p:sldId id="261" r:id="rId7"/>
+    <p:sldId id="264" r:id="rId8"/>
+    <p:sldId id="262" r:id="rId9"/>
+    <p:sldId id="265" r:id="rId10"/>
+    <p:sldId id="266" r:id="rId11"/>
+    <p:sldId id="267" r:id="rId12"/>
+    <p:sldId id="271" r:id="rId13"/>
+    <p:sldId id="270" r:id="rId14"/>
+    <p:sldId id="272" r:id="rId15"/>
+    <p:sldId id="274" r:id="rId16"/>
+    <p:sldId id="269" r:id="rId17"/>
   </p:sldIdLst>
   <p:sldSz cx="12192000" cy="6858000"/>
   <p:notesSz cx="6858000" cy="9144000"/>
@@ -120,6 +127,14 @@
 </p:presentation>
 </file>
 
+<file path=ppt/revisionInfo.xml><?xml version="1.0" encoding="utf-8"?>
+<p1510:revInfo xmlns:a="http://schemas.openxmlformats.org/drawingml/2006/main" xmlns:r="http://schemas.openxmlformats.org/officeDocument/2006/relationships" xmlns:p1510="http://schemas.microsoft.com/office/powerpoint/2015/10/main">
+  <p1510:revLst>
+    <p1510:client id="{1CB32FCA-5BFB-4E38-B6F5-2C02947D78B7}" v="1162" dt="2020-01-30T12:35:50.576"/>
+  </p1510:revLst>
+</p1510:revInfo>
+</file>
+
 <file path=ppt/slideLayouts/slideLayout1.xml><?xml version="1.0" encoding="utf-8"?>
 <p:sldLayout xmlns:a="http://schemas.openxmlformats.org/drawingml/2006/main" xmlns:r="http://schemas.openxmlformats.org/officeDocument/2006/relationships" xmlns:p="http://schemas.openxmlformats.org/presentationml/2006/main" type="title" preserve="1">
   <p:cSld name="Titelfolie">
@@ -267,7 +282,7 @@
           <a:p>
             <a:fld id="{541B350F-977A-45F1-9D02-725BAD40C7D3}" type="datetimeFigureOut">
               <a:rPr lang="de-DE" smtClean="0"/>
-              <a:t>29.01.2020</a:t>
+              <a:t>30.01.2020</a:t>
             </a:fld>
             <a:endParaRPr lang="de-DE"/>
           </a:p>
@@ -555,7 +570,7 @@
           <a:p>
             <a:fld id="{541B350F-977A-45F1-9D02-725BAD40C7D3}" type="datetimeFigureOut">
               <a:rPr lang="de-DE" smtClean="0"/>
-              <a:t>29.01.2020</a:t>
+              <a:t>30.01.2020</a:t>
             </a:fld>
             <a:endParaRPr lang="de-DE"/>
           </a:p>
@@ -753,7 +768,7 @@
           <a:p>
             <a:fld id="{541B350F-977A-45F1-9D02-725BAD40C7D3}" type="datetimeFigureOut">
               <a:rPr lang="de-DE" smtClean="0"/>
-              <a:t>29.01.2020</a:t>
+              <a:t>30.01.2020</a:t>
             </a:fld>
             <a:endParaRPr lang="de-DE"/>
           </a:p>
@@ -961,7 +976,7 @@
           <a:p>
             <a:fld id="{541B350F-977A-45F1-9D02-725BAD40C7D3}" type="datetimeFigureOut">
               <a:rPr lang="de-DE" smtClean="0"/>
-              <a:t>29.01.2020</a:t>
+              <a:t>30.01.2020</a:t>
             </a:fld>
             <a:endParaRPr lang="de-DE"/>
           </a:p>
@@ -1102,7 +1117,7 @@
           <a:p>
             <a:fld id="{541B350F-977A-45F1-9D02-725BAD40C7D3}" type="datetimeFigureOut">
               <a:rPr lang="de-DE" smtClean="0"/>
-              <a:t>29.01.2020</a:t>
+              <a:t>30.01.2020</a:t>
             </a:fld>
             <a:endParaRPr lang="de-DE"/>
           </a:p>
@@ -1300,7 +1315,7 @@
           <a:p>
             <a:fld id="{541B350F-977A-45F1-9D02-725BAD40C7D3}" type="datetimeFigureOut">
               <a:rPr lang="de-DE" smtClean="0"/>
-              <a:t>29.01.2020</a:t>
+              <a:t>30.01.2020</a:t>
             </a:fld>
             <a:endParaRPr lang="de-DE"/>
           </a:p>
@@ -1575,7 +1590,7 @@
           <a:p>
             <a:fld id="{541B350F-977A-45F1-9D02-725BAD40C7D3}" type="datetimeFigureOut">
               <a:rPr lang="de-DE" smtClean="0"/>
-              <a:t>29.01.2020</a:t>
+              <a:t>30.01.2020</a:t>
             </a:fld>
             <a:endParaRPr lang="de-DE"/>
           </a:p>
@@ -1840,7 +1855,7 @@
           <a:p>
             <a:fld id="{541B350F-977A-45F1-9D02-725BAD40C7D3}" type="datetimeFigureOut">
               <a:rPr lang="de-DE" smtClean="0"/>
-              <a:t>29.01.2020</a:t>
+              <a:t>30.01.2020</a:t>
             </a:fld>
             <a:endParaRPr lang="de-DE"/>
           </a:p>
@@ -2252,7 +2267,7 @@
           <a:p>
             <a:fld id="{541B350F-977A-45F1-9D02-725BAD40C7D3}" type="datetimeFigureOut">
               <a:rPr lang="de-DE" smtClean="0"/>
-              <a:t>29.01.2020</a:t>
+              <a:t>30.01.2020</a:t>
             </a:fld>
             <a:endParaRPr lang="de-DE"/>
           </a:p>
@@ -2393,7 +2408,7 @@
           <a:p>
             <a:fld id="{541B350F-977A-45F1-9D02-725BAD40C7D3}" type="datetimeFigureOut">
               <a:rPr lang="de-DE" smtClean="0"/>
-              <a:t>29.01.2020</a:t>
+              <a:t>30.01.2020</a:t>
             </a:fld>
             <a:endParaRPr lang="de-DE"/>
           </a:p>
@@ -2506,7 +2521,7 @@
           <a:p>
             <a:fld id="{541B350F-977A-45F1-9D02-725BAD40C7D3}" type="datetimeFigureOut">
               <a:rPr lang="de-DE" smtClean="0"/>
-              <a:t>29.01.2020</a:t>
+              <a:t>30.01.2020</a:t>
             </a:fld>
             <a:endParaRPr lang="de-DE"/>
           </a:p>
@@ -2817,7 +2832,7 @@
           <a:p>
             <a:fld id="{541B350F-977A-45F1-9D02-725BAD40C7D3}" type="datetimeFigureOut">
               <a:rPr lang="de-DE" smtClean="0"/>
-              <a:t>29.01.2020</a:t>
+              <a:t>30.01.2020</a:t>
             </a:fld>
             <a:endParaRPr lang="de-DE"/>
           </a:p>
@@ -3078,7 +3093,7 @@
           <a:p>
             <a:fld id="{541B350F-977A-45F1-9D02-725BAD40C7D3}" type="datetimeFigureOut">
               <a:rPr lang="de-DE" smtClean="0"/>
-              <a:t>29.01.2020</a:t>
+              <a:t>30.01.2020</a:t>
             </a:fld>
             <a:endParaRPr lang="de-DE"/>
           </a:p>
@@ -3496,12 +3511,354 @@
           <a:chExt cx="0" cy="0"/>
         </a:xfrm>
       </p:grpSpPr>
+      <p:pic>
+        <p:nvPicPr>
+          <p:cNvPr id="5" name="Grafik 4" descr="Ein Bild, das draußen, Gras, Pflanze, Sonnenuntergang enthält.&#10;&#10;Automatisch generierte Beschreibung">
+            <a:extLst>
+              <a:ext uri="{FF2B5EF4-FFF2-40B4-BE49-F238E27FC236}">
+                <a16:creationId xmlns:a16="http://schemas.microsoft.com/office/drawing/2014/main" id="{23F8CAA7-9C02-4C21-A73B-17B1BA09777A}"/>
+              </a:ext>
+            </a:extLst>
+          </p:cNvPr>
+          <p:cNvPicPr>
+            <a:picLocks noChangeAspect="1"/>
+          </p:cNvPicPr>
+          <p:nvPr/>
+        </p:nvPicPr>
+        <p:blipFill>
+          <a:blip r:embed="rId2">
+            <a:extLst>
+              <a:ext uri="{28A0092B-C50C-407E-A947-70E740481C1C}">
+                <a14:useLocalDpi xmlns:a14="http://schemas.microsoft.com/office/drawing/2010/main" val="0"/>
+              </a:ext>
+            </a:extLst>
+          </a:blip>
+          <a:stretch>
+            <a:fillRect/>
+          </a:stretch>
+        </p:blipFill>
+        <p:spPr>
+          <a:xfrm>
+            <a:off x="303990" y="161469"/>
+            <a:ext cx="11584017" cy="6535062"/>
+          </a:xfrm>
+          <a:prstGeom prst="rect">
+            <a:avLst/>
+          </a:prstGeom>
+        </p:spPr>
+      </p:pic>
+      <p:sp>
+        <p:nvSpPr>
+          <p:cNvPr id="10" name="Untertitel 2">
+            <a:extLst>
+              <a:ext uri="{FF2B5EF4-FFF2-40B4-BE49-F238E27FC236}">
+                <a16:creationId xmlns:a16="http://schemas.microsoft.com/office/drawing/2014/main" id="{EC1E80C7-B5C0-4B93-997C-F05089F649F0}"/>
+              </a:ext>
+            </a:extLst>
+          </p:cNvPr>
+          <p:cNvSpPr txBox="1">
+            <a:spLocks/>
+          </p:cNvSpPr>
+          <p:nvPr/>
+        </p:nvSpPr>
+        <p:spPr>
+          <a:xfrm>
+            <a:off x="1667124" y="5735637"/>
+            <a:ext cx="9144000" cy="591026"/>
+          </a:xfrm>
+          <a:prstGeom prst="rect">
+            <a:avLst/>
+          </a:prstGeom>
+          <a:effectLst>
+            <a:outerShdw blurRad="50800" dist="38100" dir="2700000" algn="tl" rotWithShape="0">
+              <a:prstClr val="black"/>
+            </a:outerShdw>
+          </a:effectLst>
+        </p:spPr>
+        <p:txBody>
+          <a:bodyPr vert="horz" lIns="91440" tIns="45720" rIns="91440" bIns="45720" rtlCol="0">
+            <a:normAutofit/>
+          </a:bodyPr>
+          <a:lstStyle>
+            <a:lvl1pPr marL="0" indent="0" algn="ctr" defTabSz="914400" rtl="0" eaLnBrk="1" latinLnBrk="0" hangingPunct="1">
+              <a:lnSpc>
+                <a:spcPct val="90000"/>
+              </a:lnSpc>
+              <a:spcBef>
+                <a:spcPts val="1000"/>
+              </a:spcBef>
+              <a:buFont typeface="Arial" panose="020B0604020202020204" pitchFamily="34" charset="0"/>
+              <a:buNone/>
+              <a:defRPr sz="2400" kern="1200">
+                <a:solidFill>
+                  <a:schemeClr val="tx1"/>
+                </a:solidFill>
+                <a:latin typeface="+mn-lt"/>
+                <a:ea typeface="+mn-ea"/>
+                <a:cs typeface="+mn-cs"/>
+              </a:defRPr>
+            </a:lvl1pPr>
+            <a:lvl2pPr marL="457200" indent="0" algn="ctr" defTabSz="914400" rtl="0" eaLnBrk="1" latinLnBrk="0" hangingPunct="1">
+              <a:lnSpc>
+                <a:spcPct val="90000"/>
+              </a:lnSpc>
+              <a:spcBef>
+                <a:spcPts val="500"/>
+              </a:spcBef>
+              <a:buFont typeface="Arial" panose="020B0604020202020204" pitchFamily="34" charset="0"/>
+              <a:buNone/>
+              <a:defRPr sz="2000" kern="1200">
+                <a:solidFill>
+                  <a:schemeClr val="tx1"/>
+                </a:solidFill>
+                <a:latin typeface="+mn-lt"/>
+                <a:ea typeface="+mn-ea"/>
+                <a:cs typeface="+mn-cs"/>
+              </a:defRPr>
+            </a:lvl2pPr>
+            <a:lvl3pPr marL="914400" indent="0" algn="ctr" defTabSz="914400" rtl="0" eaLnBrk="1" latinLnBrk="0" hangingPunct="1">
+              <a:lnSpc>
+                <a:spcPct val="90000"/>
+              </a:lnSpc>
+              <a:spcBef>
+                <a:spcPts val="500"/>
+              </a:spcBef>
+              <a:buFont typeface="Arial" panose="020B0604020202020204" pitchFamily="34" charset="0"/>
+              <a:buNone/>
+              <a:defRPr sz="1800" kern="1200">
+                <a:solidFill>
+                  <a:schemeClr val="tx1"/>
+                </a:solidFill>
+                <a:latin typeface="+mn-lt"/>
+                <a:ea typeface="+mn-ea"/>
+                <a:cs typeface="+mn-cs"/>
+              </a:defRPr>
+            </a:lvl3pPr>
+            <a:lvl4pPr marL="1371600" indent="0" algn="ctr" defTabSz="914400" rtl="0" eaLnBrk="1" latinLnBrk="0" hangingPunct="1">
+              <a:lnSpc>
+                <a:spcPct val="90000"/>
+              </a:lnSpc>
+              <a:spcBef>
+                <a:spcPts val="500"/>
+              </a:spcBef>
+              <a:buFont typeface="Arial" panose="020B0604020202020204" pitchFamily="34" charset="0"/>
+              <a:buNone/>
+              <a:defRPr sz="1600" kern="1200">
+                <a:solidFill>
+                  <a:schemeClr val="tx1"/>
+                </a:solidFill>
+                <a:latin typeface="+mn-lt"/>
+                <a:ea typeface="+mn-ea"/>
+                <a:cs typeface="+mn-cs"/>
+              </a:defRPr>
+            </a:lvl4pPr>
+            <a:lvl5pPr marL="1828800" indent="0" algn="ctr" defTabSz="914400" rtl="0" eaLnBrk="1" latinLnBrk="0" hangingPunct="1">
+              <a:lnSpc>
+                <a:spcPct val="90000"/>
+              </a:lnSpc>
+              <a:spcBef>
+                <a:spcPts val="500"/>
+              </a:spcBef>
+              <a:buFont typeface="Arial" panose="020B0604020202020204" pitchFamily="34" charset="0"/>
+              <a:buNone/>
+              <a:defRPr sz="1600" kern="1200">
+                <a:solidFill>
+                  <a:schemeClr val="tx1"/>
+                </a:solidFill>
+                <a:latin typeface="+mn-lt"/>
+                <a:ea typeface="+mn-ea"/>
+                <a:cs typeface="+mn-cs"/>
+              </a:defRPr>
+            </a:lvl5pPr>
+            <a:lvl6pPr marL="2286000" indent="0" algn="ctr" defTabSz="914400" rtl="0" eaLnBrk="1" latinLnBrk="0" hangingPunct="1">
+              <a:lnSpc>
+                <a:spcPct val="90000"/>
+              </a:lnSpc>
+              <a:spcBef>
+                <a:spcPts val="500"/>
+              </a:spcBef>
+              <a:buFont typeface="Arial" panose="020B0604020202020204" pitchFamily="34" charset="0"/>
+              <a:buNone/>
+              <a:defRPr sz="1600" kern="1200">
+                <a:solidFill>
+                  <a:schemeClr val="tx1"/>
+                </a:solidFill>
+                <a:latin typeface="+mn-lt"/>
+                <a:ea typeface="+mn-ea"/>
+                <a:cs typeface="+mn-cs"/>
+              </a:defRPr>
+            </a:lvl6pPr>
+            <a:lvl7pPr marL="2743200" indent="0" algn="ctr" defTabSz="914400" rtl="0" eaLnBrk="1" latinLnBrk="0" hangingPunct="1">
+              <a:lnSpc>
+                <a:spcPct val="90000"/>
+              </a:lnSpc>
+              <a:spcBef>
+                <a:spcPts val="500"/>
+              </a:spcBef>
+              <a:buFont typeface="Arial" panose="020B0604020202020204" pitchFamily="34" charset="0"/>
+              <a:buNone/>
+              <a:defRPr sz="1600" kern="1200">
+                <a:solidFill>
+                  <a:schemeClr val="tx1"/>
+                </a:solidFill>
+                <a:latin typeface="+mn-lt"/>
+                <a:ea typeface="+mn-ea"/>
+                <a:cs typeface="+mn-cs"/>
+              </a:defRPr>
+            </a:lvl7pPr>
+            <a:lvl8pPr marL="3200400" indent="0" algn="ctr" defTabSz="914400" rtl="0" eaLnBrk="1" latinLnBrk="0" hangingPunct="1">
+              <a:lnSpc>
+                <a:spcPct val="90000"/>
+              </a:lnSpc>
+              <a:spcBef>
+                <a:spcPts val="500"/>
+              </a:spcBef>
+              <a:buFont typeface="Arial" panose="020B0604020202020204" pitchFamily="34" charset="0"/>
+              <a:buNone/>
+              <a:defRPr sz="1600" kern="1200">
+                <a:solidFill>
+                  <a:schemeClr val="tx1"/>
+                </a:solidFill>
+                <a:latin typeface="+mn-lt"/>
+                <a:ea typeface="+mn-ea"/>
+                <a:cs typeface="+mn-cs"/>
+              </a:defRPr>
+            </a:lvl8pPr>
+            <a:lvl9pPr marL="3657600" indent="0" algn="ctr" defTabSz="914400" rtl="0" eaLnBrk="1" latinLnBrk="0" hangingPunct="1">
+              <a:lnSpc>
+                <a:spcPct val="90000"/>
+              </a:lnSpc>
+              <a:spcBef>
+                <a:spcPts val="500"/>
+              </a:spcBef>
+              <a:buFont typeface="Arial" panose="020B0604020202020204" pitchFamily="34" charset="0"/>
+              <a:buNone/>
+              <a:defRPr sz="1600" kern="1200">
+                <a:solidFill>
+                  <a:schemeClr val="tx1"/>
+                </a:solidFill>
+                <a:latin typeface="+mn-lt"/>
+                <a:ea typeface="+mn-ea"/>
+                <a:cs typeface="+mn-cs"/>
+              </a:defRPr>
+            </a:lvl9pPr>
+          </a:lstStyle>
+          <a:p>
+            <a:r>
+              <a:rPr lang="de-DE" dirty="0">
+                <a:solidFill>
+                  <a:schemeClr val="bg1"/>
+                </a:solidFill>
+                <a:latin typeface="Bahnschrift" panose="020B0502040204020203" pitchFamily="34" charset="0"/>
+              </a:rPr>
+              <a:t>Luca Türk, Samuel Knöthig, Sven Lüpke</a:t>
+            </a:r>
+          </a:p>
+        </p:txBody>
+      </p:sp>
+      <p:sp>
+        <p:nvSpPr>
+          <p:cNvPr id="12" name="Titel 1">
+            <a:extLst>
+              <a:ext uri="{FF2B5EF4-FFF2-40B4-BE49-F238E27FC236}">
+                <a16:creationId xmlns:a16="http://schemas.microsoft.com/office/drawing/2014/main" id="{637DA4A4-21AF-4F58-B601-4B040059665F}"/>
+              </a:ext>
+            </a:extLst>
+          </p:cNvPr>
+          <p:cNvSpPr txBox="1">
+            <a:spLocks/>
+          </p:cNvSpPr>
+          <p:nvPr/>
+        </p:nvSpPr>
+        <p:spPr>
+          <a:xfrm>
+            <a:off x="1523998" y="1422821"/>
+            <a:ext cx="9144000" cy="1017155"/>
+          </a:xfrm>
+          <a:prstGeom prst="rect">
+            <a:avLst/>
+          </a:prstGeom>
+        </p:spPr>
+        <p:txBody>
+          <a:bodyPr vert="horz" lIns="91440" tIns="45720" rIns="91440" bIns="45720" rtlCol="0" anchor="b">
+            <a:normAutofit/>
+          </a:bodyPr>
+          <a:lstStyle>
+            <a:lvl1pPr algn="ctr" defTabSz="914400" rtl="0" eaLnBrk="1" latinLnBrk="0" hangingPunct="1">
+              <a:lnSpc>
+                <a:spcPct val="90000"/>
+              </a:lnSpc>
+              <a:spcBef>
+                <a:spcPct val="0"/>
+              </a:spcBef>
+              <a:buNone/>
+              <a:defRPr sz="6000" kern="1200">
+                <a:solidFill>
+                  <a:schemeClr val="tx1"/>
+                </a:solidFill>
+                <a:latin typeface="+mj-lt"/>
+                <a:ea typeface="+mj-ea"/>
+                <a:cs typeface="+mj-cs"/>
+              </a:defRPr>
+            </a:lvl1pPr>
+          </a:lstStyle>
+          <a:p>
+            <a:r>
+              <a:rPr lang="de-DE" dirty="0">
+                <a:solidFill>
+                  <a:schemeClr val="bg1"/>
+                </a:solidFill>
+                <a:effectLst>
+                  <a:outerShdw blurRad="50800" dist="38100" dir="2700000" algn="tl" rotWithShape="0">
+                    <a:prstClr val="black">
+                      <a:alpha val="73000"/>
+                    </a:prstClr>
+                  </a:outerShdw>
+                </a:effectLst>
+                <a:latin typeface="Bahnschrift" panose="020B0502040204020203" pitchFamily="34" charset="0"/>
+                <a:ea typeface="Source Code Pro Medium" panose="020B0509030403020204" pitchFamily="49" charset="0"/>
+              </a:rPr>
+              <a:t>Shaders</a:t>
+            </a:r>
+          </a:p>
+        </p:txBody>
+      </p:sp>
+    </p:spTree>
+    <p:extLst>
+      <p:ext uri="{BB962C8B-B14F-4D97-AF65-F5344CB8AC3E}">
+        <p14:creationId xmlns:p14="http://schemas.microsoft.com/office/powerpoint/2010/main" val="2284975804"/>
+      </p:ext>
+    </p:extLst>
+  </p:cSld>
+  <p:clrMapOvr>
+    <a:masterClrMapping/>
+  </p:clrMapOvr>
+</p:sld>
+</file>
+
+<file path=ppt/slides/slide10.xml><?xml version="1.0" encoding="utf-8"?>
+<p:sld xmlns:a="http://schemas.openxmlformats.org/drawingml/2006/main" xmlns:r="http://schemas.openxmlformats.org/officeDocument/2006/relationships" xmlns:p="http://schemas.openxmlformats.org/presentationml/2006/main">
+  <p:cSld>
+    <p:spTree>
+      <p:nvGrpSpPr>
+        <p:cNvPr id="1" name=""/>
+        <p:cNvGrpSpPr/>
+        <p:nvPr/>
+      </p:nvGrpSpPr>
+      <p:grpSpPr>
+        <a:xfrm>
+          <a:off x="0" y="0"/>
+          <a:ext cx="0" cy="0"/>
+          <a:chOff x="0" y="0"/>
+          <a:chExt cx="0" cy="0"/>
+        </a:xfrm>
+      </p:grpSpPr>
       <p:sp>
         <p:nvSpPr>
           <p:cNvPr id="2" name="Titel 1">
             <a:extLst>
               <a:ext uri="{FF2B5EF4-FFF2-40B4-BE49-F238E27FC236}">
-                <a16:creationId xmlns:a16="http://schemas.microsoft.com/office/drawing/2014/main" id="{A93EA352-C276-4A1D-95E3-13196D365844}"/>
+                <a16:creationId xmlns:a16="http://schemas.microsoft.com/office/drawing/2014/main" id="{EBD3DFD6-C5BF-479F-8946-D157F47853AA}"/>
               </a:ext>
             </a:extLst>
           </p:cNvPr>
@@ -3509,38 +3866,705 @@
             <a:spLocks noGrp="1"/>
           </p:cNvSpPr>
           <p:nvPr>
-            <p:ph type="ctrTitle"/>
+            <p:ph type="title"/>
           </p:nvPr>
+        </p:nvSpPr>
+        <p:spPr/>
+        <p:txBody>
+          <a:bodyPr/>
+          <a:lstStyle/>
+          <a:p>
+            <a:r>
+              <a:rPr lang="de-DE" dirty="0">
+                <a:solidFill>
+                  <a:schemeClr val="accent2"/>
+                </a:solidFill>
+              </a:rPr>
+              <a:t>Grass </a:t>
+            </a:r>
+            <a:r>
+              <a:rPr lang="de-DE" dirty="0" err="1">
+                <a:solidFill>
+                  <a:schemeClr val="accent2"/>
+                </a:solidFill>
+              </a:rPr>
+              <a:t>Shader</a:t>
+            </a:r>
+            <a:r>
+              <a:rPr lang="de-DE" dirty="0">
+                <a:solidFill>
+                  <a:schemeClr val="accent2"/>
+                </a:solidFill>
+              </a:rPr>
+              <a:t> – General  </a:t>
+            </a:r>
+          </a:p>
+        </p:txBody>
+      </p:sp>
+      <p:sp>
+        <p:nvSpPr>
+          <p:cNvPr id="5" name="Inhaltsplatzhalter 2">
+            <a:extLst>
+              <a:ext uri="{FF2B5EF4-FFF2-40B4-BE49-F238E27FC236}">
+                <a16:creationId xmlns:a16="http://schemas.microsoft.com/office/drawing/2014/main" id="{00322693-9EF5-4863-AAE1-AD61ED63A6A5}"/>
+              </a:ext>
+            </a:extLst>
+          </p:cNvPr>
+          <p:cNvSpPr txBox="1">
+            <a:spLocks/>
+          </p:cNvSpPr>
+          <p:nvPr/>
         </p:nvSpPr>
         <p:spPr>
           <a:xfrm>
-            <a:off x="1524000" y="949250"/>
-            <a:ext cx="9144000" cy="1017155"/>
+            <a:off x="838200" y="1825625"/>
+            <a:ext cx="10515600" cy="4351338"/>
           </a:xfrm>
+          <a:prstGeom prst="rect">
+            <a:avLst/>
+          </a:prstGeom>
         </p:spPr>
         <p:txBody>
-          <a:bodyPr/>
-          <a:lstStyle/>
-          <a:p>
-            <a:r>
-              <a:rPr lang="de-DE" dirty="0">
-                <a:solidFill>
-                  <a:schemeClr val="bg1"/>
-                </a:solidFill>
-                <a:latin typeface="Bahnschrift" panose="020B0502040204020203" pitchFamily="34" charset="0"/>
-                <a:ea typeface="Source Code Pro Medium" panose="020B0509030403020204" pitchFamily="49" charset="0"/>
-              </a:rPr>
-              <a:t>Shader</a:t>
-            </a:r>
-          </a:p>
-        </p:txBody>
-      </p:sp>
-      <p:sp>
-        <p:nvSpPr>
-          <p:cNvPr id="3" name="Untertitel 2">
-            <a:extLst>
-              <a:ext uri="{FF2B5EF4-FFF2-40B4-BE49-F238E27FC236}">
-                <a16:creationId xmlns:a16="http://schemas.microsoft.com/office/drawing/2014/main" id="{BD3FF035-9687-4A1D-8F1D-1BFC3B56ACF3}"/>
+          <a:bodyPr anchor="t"/>
+          <a:lstStyle>
+            <a:lvl1pPr marL="228600" indent="-228600" algn="l" defTabSz="914400" rtl="0" eaLnBrk="1" latinLnBrk="0" hangingPunct="1">
+              <a:lnSpc>
+                <a:spcPct val="90000"/>
+              </a:lnSpc>
+              <a:spcBef>
+                <a:spcPts val="1000"/>
+              </a:spcBef>
+              <a:buFont typeface="Arial" panose="020B0604020202020204" pitchFamily="34" charset="0"/>
+              <a:buChar char="•"/>
+              <a:defRPr sz="2800" kern="1200">
+                <a:solidFill>
+                  <a:schemeClr val="tx1"/>
+                </a:solidFill>
+                <a:latin typeface="+mn-lt"/>
+                <a:ea typeface="+mn-ea"/>
+                <a:cs typeface="+mn-cs"/>
+              </a:defRPr>
+            </a:lvl1pPr>
+            <a:lvl2pPr marL="685800" indent="-228600" algn="l" defTabSz="914400" rtl="0" eaLnBrk="1" latinLnBrk="0" hangingPunct="1">
+              <a:lnSpc>
+                <a:spcPct val="90000"/>
+              </a:lnSpc>
+              <a:spcBef>
+                <a:spcPts val="500"/>
+              </a:spcBef>
+              <a:buFont typeface="Arial" panose="020B0604020202020204" pitchFamily="34" charset="0"/>
+              <a:buChar char="•"/>
+              <a:defRPr sz="2400" kern="1200">
+                <a:solidFill>
+                  <a:schemeClr val="tx1"/>
+                </a:solidFill>
+                <a:latin typeface="+mn-lt"/>
+                <a:ea typeface="+mn-ea"/>
+                <a:cs typeface="+mn-cs"/>
+              </a:defRPr>
+            </a:lvl2pPr>
+            <a:lvl3pPr marL="1143000" indent="-228600" algn="l" defTabSz="914400" rtl="0" eaLnBrk="1" latinLnBrk="0" hangingPunct="1">
+              <a:lnSpc>
+                <a:spcPct val="90000"/>
+              </a:lnSpc>
+              <a:spcBef>
+                <a:spcPts val="500"/>
+              </a:spcBef>
+              <a:buFont typeface="Arial" panose="020B0604020202020204" pitchFamily="34" charset="0"/>
+              <a:buChar char="•"/>
+              <a:defRPr sz="2000" kern="1200">
+                <a:solidFill>
+                  <a:schemeClr val="tx1"/>
+                </a:solidFill>
+                <a:latin typeface="+mn-lt"/>
+                <a:ea typeface="+mn-ea"/>
+                <a:cs typeface="+mn-cs"/>
+              </a:defRPr>
+            </a:lvl3pPr>
+            <a:lvl4pPr marL="1600200" indent="-228600" algn="l" defTabSz="914400" rtl="0" eaLnBrk="1" latinLnBrk="0" hangingPunct="1">
+              <a:lnSpc>
+                <a:spcPct val="90000"/>
+              </a:lnSpc>
+              <a:spcBef>
+                <a:spcPts val="500"/>
+              </a:spcBef>
+              <a:buFont typeface="Arial" panose="020B0604020202020204" pitchFamily="34" charset="0"/>
+              <a:buChar char="•"/>
+              <a:defRPr sz="1800" kern="1200">
+                <a:solidFill>
+                  <a:schemeClr val="tx1"/>
+                </a:solidFill>
+                <a:latin typeface="+mn-lt"/>
+                <a:ea typeface="+mn-ea"/>
+                <a:cs typeface="+mn-cs"/>
+              </a:defRPr>
+            </a:lvl4pPr>
+            <a:lvl5pPr marL="2057400" indent="-228600" algn="l" defTabSz="914400" rtl="0" eaLnBrk="1" latinLnBrk="0" hangingPunct="1">
+              <a:lnSpc>
+                <a:spcPct val="90000"/>
+              </a:lnSpc>
+              <a:spcBef>
+                <a:spcPts val="500"/>
+              </a:spcBef>
+              <a:buFont typeface="Arial" panose="020B0604020202020204" pitchFamily="34" charset="0"/>
+              <a:buChar char="•"/>
+              <a:defRPr sz="1800" kern="1200">
+                <a:solidFill>
+                  <a:schemeClr val="tx1"/>
+                </a:solidFill>
+                <a:latin typeface="+mn-lt"/>
+                <a:ea typeface="+mn-ea"/>
+                <a:cs typeface="+mn-cs"/>
+              </a:defRPr>
+            </a:lvl5pPr>
+            <a:lvl6pPr marL="2514600" indent="-228600" algn="l" defTabSz="914400" rtl="0" eaLnBrk="1" latinLnBrk="0" hangingPunct="1">
+              <a:lnSpc>
+                <a:spcPct val="90000"/>
+              </a:lnSpc>
+              <a:spcBef>
+                <a:spcPts val="500"/>
+              </a:spcBef>
+              <a:buFont typeface="Arial" panose="020B0604020202020204" pitchFamily="34" charset="0"/>
+              <a:buChar char="•"/>
+              <a:defRPr sz="1800" kern="1200">
+                <a:solidFill>
+                  <a:schemeClr val="tx1"/>
+                </a:solidFill>
+                <a:latin typeface="+mn-lt"/>
+                <a:ea typeface="+mn-ea"/>
+                <a:cs typeface="+mn-cs"/>
+              </a:defRPr>
+            </a:lvl6pPr>
+            <a:lvl7pPr marL="2971800" indent="-228600" algn="l" defTabSz="914400" rtl="0" eaLnBrk="1" latinLnBrk="0" hangingPunct="1">
+              <a:lnSpc>
+                <a:spcPct val="90000"/>
+              </a:lnSpc>
+              <a:spcBef>
+                <a:spcPts val="500"/>
+              </a:spcBef>
+              <a:buFont typeface="Arial" panose="020B0604020202020204" pitchFamily="34" charset="0"/>
+              <a:buChar char="•"/>
+              <a:defRPr sz="1800" kern="1200">
+                <a:solidFill>
+                  <a:schemeClr val="tx1"/>
+                </a:solidFill>
+                <a:latin typeface="+mn-lt"/>
+                <a:ea typeface="+mn-ea"/>
+                <a:cs typeface="+mn-cs"/>
+              </a:defRPr>
+            </a:lvl7pPr>
+            <a:lvl8pPr marL="3429000" indent="-228600" algn="l" defTabSz="914400" rtl="0" eaLnBrk="1" latinLnBrk="0" hangingPunct="1">
+              <a:lnSpc>
+                <a:spcPct val="90000"/>
+              </a:lnSpc>
+              <a:spcBef>
+                <a:spcPts val="500"/>
+              </a:spcBef>
+              <a:buFont typeface="Arial" panose="020B0604020202020204" pitchFamily="34" charset="0"/>
+              <a:buChar char="•"/>
+              <a:defRPr sz="1800" kern="1200">
+                <a:solidFill>
+                  <a:schemeClr val="tx1"/>
+                </a:solidFill>
+                <a:latin typeface="+mn-lt"/>
+                <a:ea typeface="+mn-ea"/>
+                <a:cs typeface="+mn-cs"/>
+              </a:defRPr>
+            </a:lvl8pPr>
+            <a:lvl9pPr marL="3886200" indent="-228600" algn="l" defTabSz="914400" rtl="0" eaLnBrk="1" latinLnBrk="0" hangingPunct="1">
+              <a:lnSpc>
+                <a:spcPct val="90000"/>
+              </a:lnSpc>
+              <a:spcBef>
+                <a:spcPts val="500"/>
+              </a:spcBef>
+              <a:buFont typeface="Arial" panose="020B0604020202020204" pitchFamily="34" charset="0"/>
+              <a:buChar char="•"/>
+              <a:defRPr sz="1800" kern="1200">
+                <a:solidFill>
+                  <a:schemeClr val="tx1"/>
+                </a:solidFill>
+                <a:latin typeface="+mn-lt"/>
+                <a:ea typeface="+mn-ea"/>
+                <a:cs typeface="+mn-cs"/>
+              </a:defRPr>
+            </a:lvl9pPr>
+          </a:lstStyle>
+          <a:p>
+            <a:r>
+              <a:rPr lang="de-DE" dirty="0">
+                <a:solidFill>
+                  <a:schemeClr val="bg1"/>
+                </a:solidFill>
+                <a:latin typeface="Bahnschrift"/>
+              </a:rPr>
+              <a:t>Generate </a:t>
+            </a:r>
+            <a:r>
+              <a:rPr lang="de-DE" dirty="0" err="1">
+                <a:solidFill>
+                  <a:schemeClr val="bg1"/>
+                </a:solidFill>
+                <a:latin typeface="Bahnschrift"/>
+              </a:rPr>
+              <a:t>grass</a:t>
+            </a:r>
+            <a:r>
+              <a:rPr lang="de-DE" dirty="0">
+                <a:solidFill>
+                  <a:schemeClr val="bg1"/>
+                </a:solidFill>
+                <a:latin typeface="Bahnschrift"/>
+              </a:rPr>
+              <a:t> </a:t>
+            </a:r>
+            <a:r>
+              <a:rPr lang="de-DE" dirty="0" err="1">
+                <a:solidFill>
+                  <a:schemeClr val="bg1"/>
+                </a:solidFill>
+                <a:latin typeface="Bahnschrift"/>
+              </a:rPr>
+              <a:t>geometry</a:t>
+            </a:r>
+            <a:r>
+              <a:rPr lang="de-DE" dirty="0">
+                <a:solidFill>
+                  <a:schemeClr val="bg1"/>
+                </a:solidFill>
+                <a:latin typeface="Bahnschrift"/>
+              </a:rPr>
+              <a:t> in </a:t>
+            </a:r>
+            <a:r>
+              <a:rPr lang="de-DE" dirty="0" err="1">
+                <a:solidFill>
+                  <a:schemeClr val="bg1"/>
+                </a:solidFill>
+                <a:latin typeface="Bahnschrift"/>
+              </a:rPr>
+              <a:t>tessellation</a:t>
+            </a:r>
+            <a:r>
+              <a:rPr lang="de-DE" dirty="0">
+                <a:solidFill>
+                  <a:schemeClr val="bg1"/>
+                </a:solidFill>
+                <a:latin typeface="Bahnschrift"/>
+              </a:rPr>
+              <a:t> and </a:t>
+            </a:r>
+            <a:r>
+              <a:rPr lang="de-DE" dirty="0" err="1">
+                <a:solidFill>
+                  <a:schemeClr val="bg1"/>
+                </a:solidFill>
+                <a:latin typeface="Bahnschrift"/>
+              </a:rPr>
+              <a:t>geomety</a:t>
+            </a:r>
+            <a:r>
+              <a:rPr lang="de-DE" dirty="0">
+                <a:solidFill>
+                  <a:schemeClr val="bg1"/>
+                </a:solidFill>
+                <a:latin typeface="Bahnschrift"/>
+              </a:rPr>
+              <a:t> </a:t>
+            </a:r>
+            <a:r>
+              <a:rPr lang="de-DE" dirty="0" err="1">
+                <a:solidFill>
+                  <a:schemeClr val="bg1"/>
+                </a:solidFill>
+                <a:latin typeface="Bahnschrift"/>
+              </a:rPr>
+              <a:t>stage</a:t>
+            </a:r>
+            <a:endParaRPr lang="de-DE">
+              <a:solidFill>
+                <a:schemeClr val="bg1"/>
+              </a:solidFill>
+              <a:latin typeface="Bahnschrift"/>
+            </a:endParaRPr>
+          </a:p>
+          <a:p>
+            <a:pPr lvl="1"/>
+            <a:r>
+              <a:rPr lang="de-DE" dirty="0" err="1">
+                <a:solidFill>
+                  <a:schemeClr val="bg1"/>
+                </a:solidFill>
+                <a:latin typeface="Bahnschrift"/>
+                <a:cs typeface="Calibri"/>
+              </a:rPr>
+              <a:t>Allow</a:t>
+            </a:r>
+            <a:r>
+              <a:rPr lang="de-DE" dirty="0">
+                <a:solidFill>
+                  <a:schemeClr val="bg1"/>
+                </a:solidFill>
+                <a:latin typeface="Bahnschrift"/>
+                <a:cs typeface="Calibri"/>
+              </a:rPr>
+              <a:t> </a:t>
+            </a:r>
+            <a:r>
+              <a:rPr lang="de-DE" dirty="0" err="1">
+                <a:solidFill>
+                  <a:schemeClr val="bg1"/>
+                </a:solidFill>
+                <a:latin typeface="Bahnschrift"/>
+                <a:cs typeface="Calibri"/>
+              </a:rPr>
+              <a:t>artist</a:t>
+            </a:r>
+            <a:r>
+              <a:rPr lang="de-DE" dirty="0">
+                <a:solidFill>
+                  <a:schemeClr val="bg1"/>
+                </a:solidFill>
+                <a:latin typeface="Bahnschrift"/>
+                <a:cs typeface="Calibri"/>
+              </a:rPr>
+              <a:t> </a:t>
+            </a:r>
+            <a:r>
+              <a:rPr lang="de-DE" dirty="0" err="1">
+                <a:solidFill>
+                  <a:schemeClr val="bg1"/>
+                </a:solidFill>
+                <a:latin typeface="Bahnschrift"/>
+                <a:cs typeface="Calibri"/>
+              </a:rPr>
+              <a:t>to</a:t>
+            </a:r>
+            <a:r>
+              <a:rPr lang="de-DE" dirty="0">
+                <a:solidFill>
+                  <a:schemeClr val="bg1"/>
+                </a:solidFill>
+                <a:latin typeface="Bahnschrift"/>
+                <a:cs typeface="Calibri"/>
+              </a:rPr>
+              <a:t> pass </a:t>
+            </a:r>
+            <a:r>
+              <a:rPr lang="de-DE" dirty="0" err="1">
+                <a:solidFill>
+                  <a:schemeClr val="bg1"/>
+                </a:solidFill>
+                <a:latin typeface="Bahnschrift"/>
+                <a:cs typeface="Calibri"/>
+              </a:rPr>
+              <a:t>properties</a:t>
+            </a:r>
+            <a:r>
+              <a:rPr lang="de-DE" dirty="0">
+                <a:solidFill>
+                  <a:schemeClr val="bg1"/>
+                </a:solidFill>
+                <a:latin typeface="Bahnschrift"/>
+                <a:cs typeface="Calibri"/>
+              </a:rPr>
+              <a:t> such </a:t>
+            </a:r>
+            <a:r>
+              <a:rPr lang="de-DE" dirty="0" err="1">
+                <a:solidFill>
+                  <a:schemeClr val="bg1"/>
+                </a:solidFill>
+                <a:latin typeface="Bahnschrift"/>
+                <a:cs typeface="Calibri"/>
+              </a:rPr>
+              <a:t>as</a:t>
+            </a:r>
+            <a:r>
+              <a:rPr lang="de-DE" dirty="0">
+                <a:solidFill>
+                  <a:schemeClr val="bg1"/>
+                </a:solidFill>
+                <a:latin typeface="Bahnschrift"/>
+                <a:cs typeface="Calibri"/>
+              </a:rPr>
+              <a:t> </a:t>
+            </a:r>
+            <a:r>
+              <a:rPr lang="de-DE" dirty="0" err="1">
+                <a:solidFill>
+                  <a:schemeClr val="bg1"/>
+                </a:solidFill>
+                <a:latin typeface="Bahnschrift"/>
+                <a:cs typeface="Calibri"/>
+              </a:rPr>
+              <a:t>height</a:t>
+            </a:r>
+            <a:r>
+              <a:rPr lang="de-DE" dirty="0">
+                <a:solidFill>
+                  <a:schemeClr val="bg1"/>
+                </a:solidFill>
+                <a:latin typeface="Bahnschrift"/>
+                <a:cs typeface="Calibri"/>
+              </a:rPr>
+              <a:t>, </a:t>
+            </a:r>
+            <a:r>
+              <a:rPr lang="de-DE" dirty="0" err="1">
+                <a:solidFill>
+                  <a:schemeClr val="bg1"/>
+                </a:solidFill>
+                <a:latin typeface="Bahnschrift"/>
+                <a:cs typeface="Calibri"/>
+              </a:rPr>
+              <a:t>color</a:t>
+            </a:r>
+            <a:r>
+              <a:rPr lang="de-DE" dirty="0">
+                <a:solidFill>
+                  <a:schemeClr val="bg1"/>
+                </a:solidFill>
+                <a:latin typeface="Bahnschrift"/>
+                <a:cs typeface="Calibri"/>
+              </a:rPr>
+              <a:t> </a:t>
+            </a:r>
+            <a:r>
+              <a:rPr lang="de-DE" dirty="0" err="1">
+                <a:solidFill>
+                  <a:schemeClr val="bg1"/>
+                </a:solidFill>
+                <a:latin typeface="Bahnschrift"/>
+                <a:cs typeface="Calibri"/>
+              </a:rPr>
+              <a:t>distribution</a:t>
+            </a:r>
+            <a:r>
+              <a:rPr lang="de-DE" dirty="0">
+                <a:solidFill>
+                  <a:schemeClr val="bg1"/>
+                </a:solidFill>
+                <a:latin typeface="Bahnschrift"/>
+                <a:cs typeface="Calibri"/>
+              </a:rPr>
+              <a:t> and wind </a:t>
+            </a:r>
+            <a:r>
+              <a:rPr lang="de-DE" dirty="0" err="1">
+                <a:solidFill>
+                  <a:schemeClr val="bg1"/>
+                </a:solidFill>
+                <a:latin typeface="Bahnschrift"/>
+                <a:cs typeface="Calibri"/>
+              </a:rPr>
+              <a:t>displacement</a:t>
+            </a:r>
+            <a:endParaRPr lang="de-DE" dirty="0">
+              <a:solidFill>
+                <a:schemeClr val="bg1"/>
+              </a:solidFill>
+              <a:latin typeface="Bahnschrift"/>
+              <a:cs typeface="Calibri"/>
+            </a:endParaRPr>
+          </a:p>
+          <a:p>
+            <a:pPr marL="0" indent="0">
+              <a:buNone/>
+            </a:pPr>
+            <a:endParaRPr lang="de-DE" dirty="0">
+              <a:solidFill>
+                <a:schemeClr val="bg1"/>
+              </a:solidFill>
+              <a:latin typeface="Bahnschrift"/>
+              <a:cs typeface="Calibri"/>
+            </a:endParaRPr>
+          </a:p>
+          <a:p>
+            <a:r>
+              <a:rPr lang="de-DE" dirty="0" err="1">
+                <a:solidFill>
+                  <a:schemeClr val="bg1"/>
+                </a:solidFill>
+                <a:latin typeface="Bahnschrift"/>
+                <a:cs typeface="Calibri"/>
+              </a:rPr>
+              <a:t>Collide</a:t>
+            </a:r>
+            <a:r>
+              <a:rPr lang="de-DE" dirty="0">
+                <a:solidFill>
+                  <a:schemeClr val="bg1"/>
+                </a:solidFill>
+                <a:latin typeface="Bahnschrift"/>
+                <a:cs typeface="Calibri"/>
+              </a:rPr>
+              <a:t> </a:t>
+            </a:r>
+            <a:r>
+              <a:rPr lang="de-DE" dirty="0" err="1">
+                <a:solidFill>
+                  <a:schemeClr val="bg1"/>
+                </a:solidFill>
+                <a:latin typeface="Bahnschrift"/>
+                <a:cs typeface="Calibri"/>
+              </a:rPr>
+              <a:t>grass</a:t>
+            </a:r>
+            <a:r>
+              <a:rPr lang="de-DE" dirty="0">
+                <a:solidFill>
+                  <a:schemeClr val="bg1"/>
+                </a:solidFill>
+                <a:latin typeface="Bahnschrift"/>
+                <a:cs typeface="Calibri"/>
+              </a:rPr>
+              <a:t> blades </a:t>
+            </a:r>
+            <a:r>
+              <a:rPr lang="de-DE" dirty="0" err="1">
+                <a:solidFill>
+                  <a:schemeClr val="bg1"/>
+                </a:solidFill>
+                <a:latin typeface="Bahnschrift"/>
+                <a:cs typeface="Calibri"/>
+              </a:rPr>
+              <a:t>with</a:t>
+            </a:r>
+            <a:r>
+              <a:rPr lang="de-DE" dirty="0">
+                <a:solidFill>
+                  <a:schemeClr val="bg1"/>
+                </a:solidFill>
+                <a:latin typeface="Bahnschrift"/>
+                <a:cs typeface="Calibri"/>
+              </a:rPr>
+              <a:t> </a:t>
+            </a:r>
+            <a:r>
+              <a:rPr lang="de-DE" dirty="0" err="1">
+                <a:solidFill>
+                  <a:schemeClr val="bg1"/>
+                </a:solidFill>
+                <a:latin typeface="Bahnschrift"/>
+                <a:cs typeface="Calibri"/>
+              </a:rPr>
+              <a:t>player</a:t>
+            </a:r>
+            <a:r>
+              <a:rPr lang="de-DE" dirty="0">
+                <a:solidFill>
+                  <a:schemeClr val="bg1"/>
+                </a:solidFill>
+                <a:latin typeface="Bahnschrift"/>
+                <a:cs typeface="Calibri"/>
+              </a:rPr>
+              <a:t> and </a:t>
+            </a:r>
+            <a:r>
+              <a:rPr lang="de-DE" dirty="0" err="1">
+                <a:solidFill>
+                  <a:schemeClr val="bg1"/>
+                </a:solidFill>
+                <a:latin typeface="Bahnschrift"/>
+                <a:cs typeface="Calibri"/>
+              </a:rPr>
+              <a:t>other</a:t>
+            </a:r>
+            <a:r>
+              <a:rPr lang="de-DE" dirty="0">
+                <a:solidFill>
+                  <a:schemeClr val="bg1"/>
+                </a:solidFill>
+                <a:latin typeface="Bahnschrift"/>
+                <a:cs typeface="Calibri"/>
+              </a:rPr>
+              <a:t> </a:t>
+            </a:r>
+            <a:r>
+              <a:rPr lang="de-DE" dirty="0" err="1">
+                <a:solidFill>
+                  <a:schemeClr val="bg1"/>
+                </a:solidFill>
+                <a:latin typeface="Bahnschrift"/>
+                <a:cs typeface="Calibri"/>
+              </a:rPr>
+              <a:t>specified</a:t>
+            </a:r>
+            <a:r>
+              <a:rPr lang="de-DE" dirty="0">
+                <a:solidFill>
+                  <a:schemeClr val="bg1"/>
+                </a:solidFill>
+                <a:latin typeface="Bahnschrift"/>
+                <a:cs typeface="Calibri"/>
+              </a:rPr>
+              <a:t> </a:t>
+            </a:r>
+            <a:r>
+              <a:rPr lang="de-DE" dirty="0" err="1">
+                <a:solidFill>
+                  <a:schemeClr val="bg1"/>
+                </a:solidFill>
+                <a:latin typeface="Bahnschrift"/>
+                <a:cs typeface="Calibri"/>
+              </a:rPr>
+              <a:t>objects</a:t>
+            </a:r>
+            <a:endParaRPr lang="de-DE">
+              <a:solidFill>
+                <a:schemeClr val="bg1"/>
+              </a:solidFill>
+              <a:latin typeface="Bahnschrift" panose="020B0502040204020203" pitchFamily="34" charset="0"/>
+              <a:cs typeface="Calibri"/>
+            </a:endParaRPr>
+          </a:p>
+          <a:p>
+            <a:endParaRPr lang="de-DE" dirty="0">
+              <a:solidFill>
+                <a:schemeClr val="bg1"/>
+              </a:solidFill>
+              <a:latin typeface="Bahnschrift" panose="020B0502040204020203" pitchFamily="34" charset="0"/>
+            </a:endParaRPr>
+          </a:p>
+        </p:txBody>
+      </p:sp>
+    </p:spTree>
+    <p:extLst>
+      <p:ext uri="{BB962C8B-B14F-4D97-AF65-F5344CB8AC3E}">
+        <p14:creationId xmlns:p14="http://schemas.microsoft.com/office/powerpoint/2010/main" val="75107569"/>
+      </p:ext>
+    </p:extLst>
+  </p:cSld>
+  <p:clrMapOvr>
+    <a:masterClrMapping/>
+  </p:clrMapOvr>
+</p:sld>
+</file>
+
+<file path=ppt/slides/slide11.xml><?xml version="1.0" encoding="utf-8"?>
+<p:sld xmlns:a="http://schemas.openxmlformats.org/drawingml/2006/main" xmlns:r="http://schemas.openxmlformats.org/officeDocument/2006/relationships" xmlns:p="http://schemas.openxmlformats.org/presentationml/2006/main">
+  <p:cSld>
+    <p:spTree>
+      <p:nvGrpSpPr>
+        <p:cNvPr id="1" name=""/>
+        <p:cNvGrpSpPr/>
+        <p:nvPr/>
+      </p:nvGrpSpPr>
+      <p:grpSpPr>
+        <a:xfrm>
+          <a:off x="0" y="0"/>
+          <a:ext cx="0" cy="0"/>
+          <a:chOff x="0" y="0"/>
+          <a:chExt cx="0" cy="0"/>
+        </a:xfrm>
+      </p:grpSpPr>
+      <p:sp>
+        <p:nvSpPr>
+          <p:cNvPr id="2" name="Titel 1">
+            <a:extLst>
+              <a:ext uri="{FF2B5EF4-FFF2-40B4-BE49-F238E27FC236}">
+                <a16:creationId xmlns:a16="http://schemas.microsoft.com/office/drawing/2014/main" id="{EBD3DFD6-C5BF-479F-8946-D157F47853AA}"/>
               </a:ext>
             </a:extLst>
           </p:cNvPr>
@@ -3548,15 +4572,818 @@
             <a:spLocks noGrp="1"/>
           </p:cNvSpPr>
           <p:nvPr>
-            <p:ph type="subTitle" idx="1"/>
+            <p:ph type="title"/>
           </p:nvPr>
+        </p:nvSpPr>
+        <p:spPr/>
+        <p:txBody>
+          <a:bodyPr/>
+          <a:lstStyle/>
+          <a:p>
+            <a:r>
+              <a:rPr lang="de-DE" dirty="0">
+                <a:solidFill>
+                  <a:schemeClr val="accent2"/>
+                </a:solidFill>
+              </a:rPr>
+              <a:t>Grass </a:t>
+            </a:r>
+            <a:r>
+              <a:rPr lang="de-DE" dirty="0" err="1">
+                <a:solidFill>
+                  <a:schemeClr val="accent2"/>
+                </a:solidFill>
+              </a:rPr>
+              <a:t>Shader</a:t>
+            </a:r>
+            <a:r>
+              <a:rPr lang="de-DE" dirty="0">
+                <a:solidFill>
+                  <a:schemeClr val="accent2"/>
+                </a:solidFill>
+              </a:rPr>
+              <a:t> – </a:t>
+            </a:r>
+            <a:r>
+              <a:rPr lang="de-DE" dirty="0" err="1">
+                <a:solidFill>
+                  <a:schemeClr val="accent2"/>
+                </a:solidFill>
+              </a:rPr>
+              <a:t>Tessellation</a:t>
+            </a:r>
+            <a:r>
+              <a:rPr lang="de-DE" dirty="0">
+                <a:solidFill>
+                  <a:schemeClr val="accent2"/>
+                </a:solidFill>
+              </a:rPr>
+              <a:t>  </a:t>
+            </a:r>
+          </a:p>
+        </p:txBody>
+      </p:sp>
+      <p:sp>
+        <p:nvSpPr>
+          <p:cNvPr id="4" name="Inhaltsplatzhalter 2">
+            <a:extLst>
+              <a:ext uri="{FF2B5EF4-FFF2-40B4-BE49-F238E27FC236}">
+                <a16:creationId xmlns:a16="http://schemas.microsoft.com/office/drawing/2014/main" id="{645C7290-9FF8-41E6-A73F-FA07A0C8E644}"/>
+              </a:ext>
+            </a:extLst>
+          </p:cNvPr>
+          <p:cNvSpPr txBox="1">
+            <a:spLocks/>
+          </p:cNvSpPr>
+          <p:nvPr/>
         </p:nvSpPr>
         <p:spPr>
           <a:xfrm>
-            <a:off x="1524000" y="5317724"/>
-            <a:ext cx="9144000" cy="591026"/>
+            <a:off x="838200" y="1803213"/>
+            <a:ext cx="10515600" cy="4351338"/>
           </a:xfrm>
+          <a:prstGeom prst="rect">
+            <a:avLst/>
+          </a:prstGeom>
         </p:spPr>
+        <p:txBody>
+          <a:bodyPr anchor="t"/>
+          <a:lstStyle>
+            <a:lvl1pPr marL="228600" indent="-228600" algn="l" defTabSz="914400" rtl="0" eaLnBrk="1" latinLnBrk="0" hangingPunct="1">
+              <a:lnSpc>
+                <a:spcPct val="90000"/>
+              </a:lnSpc>
+              <a:spcBef>
+                <a:spcPts val="1000"/>
+              </a:spcBef>
+              <a:buFont typeface="Arial" panose="020B0604020202020204" pitchFamily="34" charset="0"/>
+              <a:buChar char="•"/>
+              <a:defRPr sz="2800" kern="1200">
+                <a:solidFill>
+                  <a:schemeClr val="tx1"/>
+                </a:solidFill>
+                <a:latin typeface="+mn-lt"/>
+                <a:ea typeface="+mn-ea"/>
+                <a:cs typeface="+mn-cs"/>
+              </a:defRPr>
+            </a:lvl1pPr>
+            <a:lvl2pPr marL="685800" indent="-228600" algn="l" defTabSz="914400" rtl="0" eaLnBrk="1" latinLnBrk="0" hangingPunct="1">
+              <a:lnSpc>
+                <a:spcPct val="90000"/>
+              </a:lnSpc>
+              <a:spcBef>
+                <a:spcPts val="500"/>
+              </a:spcBef>
+              <a:buFont typeface="Arial" panose="020B0604020202020204" pitchFamily="34" charset="0"/>
+              <a:buChar char="•"/>
+              <a:defRPr sz="2400" kern="1200">
+                <a:solidFill>
+                  <a:schemeClr val="tx1"/>
+                </a:solidFill>
+                <a:latin typeface="+mn-lt"/>
+                <a:ea typeface="+mn-ea"/>
+                <a:cs typeface="+mn-cs"/>
+              </a:defRPr>
+            </a:lvl2pPr>
+            <a:lvl3pPr marL="1143000" indent="-228600" algn="l" defTabSz="914400" rtl="0" eaLnBrk="1" latinLnBrk="0" hangingPunct="1">
+              <a:lnSpc>
+                <a:spcPct val="90000"/>
+              </a:lnSpc>
+              <a:spcBef>
+                <a:spcPts val="500"/>
+              </a:spcBef>
+              <a:buFont typeface="Arial" panose="020B0604020202020204" pitchFamily="34" charset="0"/>
+              <a:buChar char="•"/>
+              <a:defRPr sz="2000" kern="1200">
+                <a:solidFill>
+                  <a:schemeClr val="tx1"/>
+                </a:solidFill>
+                <a:latin typeface="+mn-lt"/>
+                <a:ea typeface="+mn-ea"/>
+                <a:cs typeface="+mn-cs"/>
+              </a:defRPr>
+            </a:lvl3pPr>
+            <a:lvl4pPr marL="1600200" indent="-228600" algn="l" defTabSz="914400" rtl="0" eaLnBrk="1" latinLnBrk="0" hangingPunct="1">
+              <a:lnSpc>
+                <a:spcPct val="90000"/>
+              </a:lnSpc>
+              <a:spcBef>
+                <a:spcPts val="500"/>
+              </a:spcBef>
+              <a:buFont typeface="Arial" panose="020B0604020202020204" pitchFamily="34" charset="0"/>
+              <a:buChar char="•"/>
+              <a:defRPr sz="1800" kern="1200">
+                <a:solidFill>
+                  <a:schemeClr val="tx1"/>
+                </a:solidFill>
+                <a:latin typeface="+mn-lt"/>
+                <a:ea typeface="+mn-ea"/>
+                <a:cs typeface="+mn-cs"/>
+              </a:defRPr>
+            </a:lvl4pPr>
+            <a:lvl5pPr marL="2057400" indent="-228600" algn="l" defTabSz="914400" rtl="0" eaLnBrk="1" latinLnBrk="0" hangingPunct="1">
+              <a:lnSpc>
+                <a:spcPct val="90000"/>
+              </a:lnSpc>
+              <a:spcBef>
+                <a:spcPts val="500"/>
+              </a:spcBef>
+              <a:buFont typeface="Arial" panose="020B0604020202020204" pitchFamily="34" charset="0"/>
+              <a:buChar char="•"/>
+              <a:defRPr sz="1800" kern="1200">
+                <a:solidFill>
+                  <a:schemeClr val="tx1"/>
+                </a:solidFill>
+                <a:latin typeface="+mn-lt"/>
+                <a:ea typeface="+mn-ea"/>
+                <a:cs typeface="+mn-cs"/>
+              </a:defRPr>
+            </a:lvl5pPr>
+            <a:lvl6pPr marL="2514600" indent="-228600" algn="l" defTabSz="914400" rtl="0" eaLnBrk="1" latinLnBrk="0" hangingPunct="1">
+              <a:lnSpc>
+                <a:spcPct val="90000"/>
+              </a:lnSpc>
+              <a:spcBef>
+                <a:spcPts val="500"/>
+              </a:spcBef>
+              <a:buFont typeface="Arial" panose="020B0604020202020204" pitchFamily="34" charset="0"/>
+              <a:buChar char="•"/>
+              <a:defRPr sz="1800" kern="1200">
+                <a:solidFill>
+                  <a:schemeClr val="tx1"/>
+                </a:solidFill>
+                <a:latin typeface="+mn-lt"/>
+                <a:ea typeface="+mn-ea"/>
+                <a:cs typeface="+mn-cs"/>
+              </a:defRPr>
+            </a:lvl6pPr>
+            <a:lvl7pPr marL="2971800" indent="-228600" algn="l" defTabSz="914400" rtl="0" eaLnBrk="1" latinLnBrk="0" hangingPunct="1">
+              <a:lnSpc>
+                <a:spcPct val="90000"/>
+              </a:lnSpc>
+              <a:spcBef>
+                <a:spcPts val="500"/>
+              </a:spcBef>
+              <a:buFont typeface="Arial" panose="020B0604020202020204" pitchFamily="34" charset="0"/>
+              <a:buChar char="•"/>
+              <a:defRPr sz="1800" kern="1200">
+                <a:solidFill>
+                  <a:schemeClr val="tx1"/>
+                </a:solidFill>
+                <a:latin typeface="+mn-lt"/>
+                <a:ea typeface="+mn-ea"/>
+                <a:cs typeface="+mn-cs"/>
+              </a:defRPr>
+            </a:lvl7pPr>
+            <a:lvl8pPr marL="3429000" indent="-228600" algn="l" defTabSz="914400" rtl="0" eaLnBrk="1" latinLnBrk="0" hangingPunct="1">
+              <a:lnSpc>
+                <a:spcPct val="90000"/>
+              </a:lnSpc>
+              <a:spcBef>
+                <a:spcPts val="500"/>
+              </a:spcBef>
+              <a:buFont typeface="Arial" panose="020B0604020202020204" pitchFamily="34" charset="0"/>
+              <a:buChar char="•"/>
+              <a:defRPr sz="1800" kern="1200">
+                <a:solidFill>
+                  <a:schemeClr val="tx1"/>
+                </a:solidFill>
+                <a:latin typeface="+mn-lt"/>
+                <a:ea typeface="+mn-ea"/>
+                <a:cs typeface="+mn-cs"/>
+              </a:defRPr>
+            </a:lvl8pPr>
+            <a:lvl9pPr marL="3886200" indent="-228600" algn="l" defTabSz="914400" rtl="0" eaLnBrk="1" latinLnBrk="0" hangingPunct="1">
+              <a:lnSpc>
+                <a:spcPct val="90000"/>
+              </a:lnSpc>
+              <a:spcBef>
+                <a:spcPts val="500"/>
+              </a:spcBef>
+              <a:buFont typeface="Arial" panose="020B0604020202020204" pitchFamily="34" charset="0"/>
+              <a:buChar char="•"/>
+              <a:defRPr sz="1800" kern="1200">
+                <a:solidFill>
+                  <a:schemeClr val="tx1"/>
+                </a:solidFill>
+                <a:latin typeface="+mn-lt"/>
+                <a:ea typeface="+mn-ea"/>
+                <a:cs typeface="+mn-cs"/>
+              </a:defRPr>
+            </a:lvl9pPr>
+          </a:lstStyle>
+          <a:p>
+            <a:r>
+              <a:rPr lang="de-DE" dirty="0">
+                <a:solidFill>
+                  <a:schemeClr val="bg1"/>
+                </a:solidFill>
+                <a:latin typeface="Bahnschrift"/>
+                <a:cs typeface="Calibri"/>
+              </a:rPr>
+              <a:t>Create additional </a:t>
+            </a:r>
+            <a:r>
+              <a:rPr lang="de-DE" dirty="0" err="1">
+                <a:solidFill>
+                  <a:schemeClr val="bg1"/>
+                </a:solidFill>
+                <a:latin typeface="Bahnschrift"/>
+                <a:cs typeface="Calibri"/>
+              </a:rPr>
+              <a:t>ground</a:t>
+            </a:r>
+            <a:r>
+              <a:rPr lang="de-DE" dirty="0">
+                <a:solidFill>
+                  <a:schemeClr val="bg1"/>
+                </a:solidFill>
+                <a:latin typeface="Bahnschrift"/>
+                <a:cs typeface="Calibri"/>
+              </a:rPr>
+              <a:t> </a:t>
+            </a:r>
+            <a:r>
+              <a:rPr lang="de-DE" dirty="0" err="1">
+                <a:solidFill>
+                  <a:schemeClr val="bg1"/>
+                </a:solidFill>
+                <a:latin typeface="Bahnschrift"/>
+                <a:cs typeface="Calibri"/>
+              </a:rPr>
+              <a:t>verticies</a:t>
+            </a:r>
+            <a:r>
+              <a:rPr lang="de-DE" dirty="0">
+                <a:solidFill>
+                  <a:schemeClr val="bg1"/>
+                </a:solidFill>
+                <a:latin typeface="Bahnschrift"/>
+                <a:cs typeface="Calibri"/>
+              </a:rPr>
+              <a:t> </a:t>
+            </a:r>
+            <a:r>
+              <a:rPr lang="de-DE" dirty="0" err="1">
+                <a:solidFill>
+                  <a:schemeClr val="bg1"/>
+                </a:solidFill>
+                <a:latin typeface="Bahnschrift"/>
+                <a:cs typeface="Calibri"/>
+              </a:rPr>
+              <a:t>for</a:t>
+            </a:r>
+            <a:r>
+              <a:rPr lang="de-DE" dirty="0">
+                <a:solidFill>
+                  <a:schemeClr val="bg1"/>
+                </a:solidFill>
+                <a:latin typeface="Bahnschrift"/>
+                <a:cs typeface="Calibri"/>
+              </a:rPr>
+              <a:t> </a:t>
+            </a:r>
+            <a:r>
+              <a:rPr lang="de-DE" dirty="0" err="1">
+                <a:solidFill>
+                  <a:schemeClr val="bg1"/>
+                </a:solidFill>
+                <a:latin typeface="Bahnschrift"/>
+                <a:cs typeface="Calibri"/>
+              </a:rPr>
+              <a:t>geometry</a:t>
+            </a:r>
+            <a:r>
+              <a:rPr lang="de-DE" dirty="0">
+                <a:solidFill>
+                  <a:schemeClr val="bg1"/>
+                </a:solidFill>
+                <a:latin typeface="Bahnschrift"/>
+                <a:cs typeface="Calibri"/>
+              </a:rPr>
+              <a:t> </a:t>
+            </a:r>
+            <a:r>
+              <a:rPr lang="de-DE" dirty="0" err="1">
+                <a:solidFill>
+                  <a:schemeClr val="bg1"/>
+                </a:solidFill>
+                <a:latin typeface="Bahnschrift"/>
+                <a:cs typeface="Calibri"/>
+              </a:rPr>
+              <a:t>shader</a:t>
+            </a:r>
+            <a:r>
+              <a:rPr lang="de-DE" dirty="0">
+                <a:solidFill>
+                  <a:schemeClr val="bg1"/>
+                </a:solidFill>
+                <a:latin typeface="Bahnschrift"/>
+                <a:cs typeface="Calibri"/>
+              </a:rPr>
+              <a:t> </a:t>
+            </a:r>
+            <a:r>
+              <a:rPr lang="de-DE" dirty="0" err="1">
+                <a:solidFill>
+                  <a:schemeClr val="bg1"/>
+                </a:solidFill>
+                <a:latin typeface="Bahnschrift"/>
+                <a:cs typeface="Calibri"/>
+              </a:rPr>
+              <a:t>to</a:t>
+            </a:r>
+            <a:r>
+              <a:rPr lang="de-DE" dirty="0">
+                <a:solidFill>
+                  <a:schemeClr val="bg1"/>
+                </a:solidFill>
+                <a:latin typeface="Bahnschrift"/>
+                <a:cs typeface="Calibri"/>
+              </a:rPr>
+              <a:t> </a:t>
+            </a:r>
+            <a:r>
+              <a:rPr lang="de-DE" dirty="0" err="1">
+                <a:solidFill>
+                  <a:schemeClr val="bg1"/>
+                </a:solidFill>
+                <a:latin typeface="Bahnschrift"/>
+                <a:cs typeface="Calibri"/>
+              </a:rPr>
+              <a:t>work</a:t>
+            </a:r>
+            <a:r>
+              <a:rPr lang="de-DE" dirty="0">
+                <a:solidFill>
+                  <a:schemeClr val="bg1"/>
+                </a:solidFill>
+                <a:latin typeface="Bahnschrift"/>
+                <a:cs typeface="Calibri"/>
+              </a:rPr>
+              <a:t> on, </a:t>
+            </a:r>
+            <a:r>
+              <a:rPr lang="de-DE" dirty="0" err="1">
+                <a:solidFill>
+                  <a:schemeClr val="bg1"/>
+                </a:solidFill>
+                <a:latin typeface="Bahnschrift"/>
+                <a:cs typeface="Calibri"/>
+              </a:rPr>
+              <a:t>effectively</a:t>
+            </a:r>
+            <a:r>
+              <a:rPr lang="de-DE" dirty="0">
+                <a:solidFill>
+                  <a:schemeClr val="bg1"/>
+                </a:solidFill>
+                <a:latin typeface="Bahnschrift"/>
+                <a:cs typeface="Calibri"/>
+              </a:rPr>
+              <a:t> </a:t>
+            </a:r>
+            <a:r>
+              <a:rPr lang="de-DE" dirty="0" err="1">
+                <a:solidFill>
+                  <a:schemeClr val="bg1"/>
+                </a:solidFill>
+                <a:latin typeface="Bahnschrift"/>
+                <a:cs typeface="Calibri"/>
+              </a:rPr>
+              <a:t>increasing</a:t>
+            </a:r>
+            <a:r>
+              <a:rPr lang="de-DE" dirty="0">
+                <a:solidFill>
+                  <a:schemeClr val="bg1"/>
+                </a:solidFill>
+                <a:latin typeface="Bahnschrift"/>
+                <a:cs typeface="Calibri"/>
+              </a:rPr>
+              <a:t> </a:t>
+            </a:r>
+            <a:r>
+              <a:rPr lang="de-DE" dirty="0" err="1">
+                <a:solidFill>
+                  <a:schemeClr val="bg1"/>
+                </a:solidFill>
+                <a:latin typeface="Bahnschrift"/>
+                <a:cs typeface="Calibri"/>
+              </a:rPr>
+              <a:t>grass</a:t>
+            </a:r>
+            <a:r>
+              <a:rPr lang="de-DE" dirty="0">
+                <a:solidFill>
+                  <a:schemeClr val="bg1"/>
+                </a:solidFill>
+                <a:latin typeface="Bahnschrift"/>
+                <a:cs typeface="Calibri"/>
+              </a:rPr>
+              <a:t> </a:t>
+            </a:r>
+            <a:r>
+              <a:rPr lang="de-DE" dirty="0" err="1">
+                <a:solidFill>
+                  <a:schemeClr val="bg1"/>
+                </a:solidFill>
+                <a:latin typeface="Bahnschrift"/>
+                <a:cs typeface="Calibri"/>
+              </a:rPr>
+              <a:t>density</a:t>
+            </a:r>
+            <a:endParaRPr lang="de-DE" dirty="0">
+              <a:solidFill>
+                <a:schemeClr val="bg1"/>
+              </a:solidFill>
+              <a:latin typeface="Bahnschrift"/>
+              <a:cs typeface="Calibri"/>
+            </a:endParaRPr>
+          </a:p>
+          <a:p>
+            <a:endParaRPr lang="de-DE" dirty="0">
+              <a:solidFill>
+                <a:schemeClr val="bg1"/>
+              </a:solidFill>
+              <a:latin typeface="Bahnschrift"/>
+              <a:cs typeface="Calibri"/>
+            </a:endParaRPr>
+          </a:p>
+          <a:p>
+            <a:r>
+              <a:rPr lang="de-DE" dirty="0" err="1">
+                <a:solidFill>
+                  <a:schemeClr val="bg1"/>
+                </a:solidFill>
+                <a:latin typeface="Bahnschrift"/>
+                <a:cs typeface="Calibri"/>
+              </a:rPr>
+              <a:t>Optimizations</a:t>
+            </a:r>
+            <a:r>
+              <a:rPr lang="de-DE" dirty="0">
+                <a:solidFill>
+                  <a:schemeClr val="bg1"/>
+                </a:solidFill>
+                <a:latin typeface="Bahnschrift"/>
+                <a:cs typeface="Calibri"/>
+              </a:rPr>
+              <a:t>: </a:t>
+            </a:r>
+            <a:r>
+              <a:rPr lang="de-DE" dirty="0" err="1">
+                <a:solidFill>
+                  <a:schemeClr val="bg1"/>
+                </a:solidFill>
+                <a:latin typeface="Bahnschrift"/>
+                <a:cs typeface="Calibri"/>
+              </a:rPr>
+              <a:t>Tessellation</a:t>
+            </a:r>
+            <a:r>
+              <a:rPr lang="de-DE" dirty="0">
+                <a:solidFill>
+                  <a:schemeClr val="bg1"/>
+                </a:solidFill>
+                <a:latin typeface="Bahnschrift"/>
+                <a:cs typeface="Calibri"/>
+              </a:rPr>
+              <a:t> </a:t>
+            </a:r>
+            <a:r>
+              <a:rPr lang="de-DE" dirty="0" err="1">
+                <a:solidFill>
+                  <a:schemeClr val="bg1"/>
+                </a:solidFill>
+                <a:latin typeface="Bahnschrift"/>
+                <a:cs typeface="Calibri"/>
+              </a:rPr>
+              <a:t>fractors</a:t>
+            </a:r>
+            <a:r>
+              <a:rPr lang="de-DE" dirty="0">
+                <a:solidFill>
+                  <a:schemeClr val="bg1"/>
+                </a:solidFill>
+                <a:latin typeface="Bahnschrift"/>
+                <a:cs typeface="Calibri"/>
+              </a:rPr>
+              <a:t> </a:t>
+            </a:r>
+            <a:r>
+              <a:rPr lang="de-DE" dirty="0" err="1">
+                <a:solidFill>
+                  <a:schemeClr val="bg1"/>
+                </a:solidFill>
+                <a:latin typeface="Bahnschrift"/>
+                <a:cs typeface="Calibri"/>
+              </a:rPr>
+              <a:t>decrease</a:t>
+            </a:r>
+            <a:r>
+              <a:rPr lang="de-DE" dirty="0">
+                <a:solidFill>
+                  <a:schemeClr val="bg1"/>
+                </a:solidFill>
+                <a:latin typeface="Bahnschrift"/>
+                <a:cs typeface="Calibri"/>
+              </a:rPr>
+              <a:t> </a:t>
+            </a:r>
+            <a:r>
+              <a:rPr lang="de-DE" dirty="0" err="1">
+                <a:solidFill>
+                  <a:schemeClr val="bg1"/>
+                </a:solidFill>
+                <a:latin typeface="Bahnschrift"/>
+                <a:cs typeface="Calibri"/>
+              </a:rPr>
+              <a:t>with</a:t>
+            </a:r>
+            <a:r>
+              <a:rPr lang="de-DE" dirty="0">
+                <a:solidFill>
+                  <a:schemeClr val="bg1"/>
+                </a:solidFill>
+                <a:latin typeface="Bahnschrift"/>
+                <a:cs typeface="Calibri"/>
+              </a:rPr>
+              <a:t> </a:t>
+            </a:r>
+            <a:r>
+              <a:rPr lang="de-DE" dirty="0" err="1">
+                <a:solidFill>
+                  <a:schemeClr val="bg1"/>
+                </a:solidFill>
+                <a:latin typeface="Bahnschrift"/>
+                <a:cs typeface="Calibri"/>
+              </a:rPr>
+              <a:t>distance</a:t>
+            </a:r>
+            <a:r>
+              <a:rPr lang="de-DE" dirty="0">
+                <a:solidFill>
+                  <a:schemeClr val="bg1"/>
+                </a:solidFill>
+                <a:latin typeface="Bahnschrift"/>
+                <a:cs typeface="Calibri"/>
+              </a:rPr>
+              <a:t> </a:t>
+            </a:r>
+            <a:r>
+              <a:rPr lang="de-DE" dirty="0" err="1">
+                <a:solidFill>
+                  <a:schemeClr val="bg1"/>
+                </a:solidFill>
+                <a:latin typeface="Bahnschrift"/>
+                <a:cs typeface="Calibri"/>
+              </a:rPr>
+              <a:t>to</a:t>
+            </a:r>
+            <a:r>
+              <a:rPr lang="de-DE" dirty="0">
+                <a:solidFill>
+                  <a:schemeClr val="bg1"/>
+                </a:solidFill>
+                <a:latin typeface="Bahnschrift"/>
+                <a:cs typeface="Calibri"/>
+              </a:rPr>
+              <a:t> </a:t>
+            </a:r>
+            <a:r>
+              <a:rPr lang="de-DE" dirty="0" err="1">
+                <a:solidFill>
+                  <a:schemeClr val="bg1"/>
+                </a:solidFill>
+                <a:latin typeface="Bahnschrift"/>
+                <a:cs typeface="Calibri"/>
+              </a:rPr>
+              <a:t>player</a:t>
+            </a:r>
+            <a:r>
+              <a:rPr lang="de-DE" dirty="0">
+                <a:solidFill>
+                  <a:schemeClr val="bg1"/>
+                </a:solidFill>
+                <a:latin typeface="Bahnschrift"/>
+                <a:cs typeface="Calibri"/>
+              </a:rPr>
+              <a:t>, and </a:t>
+            </a:r>
+            <a:r>
+              <a:rPr lang="de-DE" dirty="0" err="1">
+                <a:solidFill>
+                  <a:schemeClr val="bg1"/>
+                </a:solidFill>
+                <a:latin typeface="Bahnschrift"/>
+                <a:cs typeface="Calibri"/>
+              </a:rPr>
+              <a:t>input</a:t>
+            </a:r>
+            <a:r>
+              <a:rPr lang="de-DE" dirty="0">
+                <a:solidFill>
+                  <a:schemeClr val="bg1"/>
+                </a:solidFill>
+                <a:latin typeface="Bahnschrift"/>
+                <a:cs typeface="Calibri"/>
+              </a:rPr>
+              <a:t> </a:t>
+            </a:r>
+            <a:r>
+              <a:rPr lang="de-DE" dirty="0" err="1">
+                <a:solidFill>
+                  <a:schemeClr val="bg1"/>
+                </a:solidFill>
+                <a:latin typeface="Bahnschrift"/>
+                <a:cs typeface="Calibri"/>
+              </a:rPr>
+              <a:t>verticies</a:t>
+            </a:r>
+            <a:r>
+              <a:rPr lang="de-DE" dirty="0">
+                <a:solidFill>
+                  <a:schemeClr val="bg1"/>
+                </a:solidFill>
+                <a:latin typeface="Bahnschrift"/>
+                <a:cs typeface="Calibri"/>
+              </a:rPr>
+              <a:t> </a:t>
+            </a:r>
+            <a:r>
+              <a:rPr lang="de-DE" dirty="0" err="1">
+                <a:solidFill>
+                  <a:schemeClr val="bg1"/>
+                </a:solidFill>
+                <a:latin typeface="Bahnschrift"/>
+                <a:cs typeface="Calibri"/>
+              </a:rPr>
+              <a:t>are</a:t>
+            </a:r>
+            <a:r>
+              <a:rPr lang="de-DE" dirty="0">
+                <a:solidFill>
+                  <a:schemeClr val="bg1"/>
+                </a:solidFill>
+                <a:latin typeface="Bahnschrift"/>
+                <a:cs typeface="Calibri"/>
+              </a:rPr>
+              <a:t> </a:t>
+            </a:r>
+            <a:r>
+              <a:rPr lang="de-DE" dirty="0" err="1">
+                <a:solidFill>
+                  <a:schemeClr val="bg1"/>
+                </a:solidFill>
+                <a:latin typeface="Bahnschrift"/>
+                <a:cs typeface="Calibri"/>
+              </a:rPr>
+              <a:t>frustum</a:t>
+            </a:r>
+            <a:r>
+              <a:rPr lang="de-DE" dirty="0">
+                <a:solidFill>
+                  <a:schemeClr val="bg1"/>
+                </a:solidFill>
+                <a:latin typeface="Bahnschrift"/>
+                <a:cs typeface="Calibri"/>
+              </a:rPr>
+              <a:t> </a:t>
+            </a:r>
+            <a:r>
+              <a:rPr lang="de-DE" dirty="0" err="1">
+                <a:solidFill>
+                  <a:schemeClr val="bg1"/>
+                </a:solidFill>
+                <a:latin typeface="Bahnschrift"/>
+                <a:cs typeface="Calibri"/>
+              </a:rPr>
+              <a:t>culled</a:t>
+            </a:r>
+          </a:p>
+          <a:p>
+            <a:pPr marL="0" indent="0">
+              <a:buNone/>
+            </a:pPr>
+            <a:endParaRPr lang="de-DE" dirty="0">
+              <a:solidFill>
+                <a:schemeClr val="bg1"/>
+              </a:solidFill>
+              <a:latin typeface="Bahnschrift"/>
+              <a:cs typeface="Calibri"/>
+            </a:endParaRPr>
+          </a:p>
+          <a:p>
+            <a:pPr marL="0" indent="0">
+              <a:buNone/>
+            </a:pPr>
+            <a:endParaRPr lang="de-DE" dirty="0">
+              <a:solidFill>
+                <a:schemeClr val="bg1"/>
+              </a:solidFill>
+              <a:latin typeface="Bahnschrift" panose="020B0502040204020203" pitchFamily="34" charset="0"/>
+              <a:cs typeface="Calibri"/>
+            </a:endParaRPr>
+          </a:p>
+          <a:p>
+            <a:endParaRPr lang="de-DE">
+              <a:solidFill>
+                <a:schemeClr val="bg1"/>
+              </a:solidFill>
+              <a:latin typeface="Bahnschrift" panose="020B0502040204020203" pitchFamily="34" charset="0"/>
+              <a:cs typeface="Calibri"/>
+            </a:endParaRPr>
+          </a:p>
+        </p:txBody>
+      </p:sp>
+    </p:spTree>
+    <p:extLst>
+      <p:ext uri="{BB962C8B-B14F-4D97-AF65-F5344CB8AC3E}">
+        <p14:creationId xmlns:p14="http://schemas.microsoft.com/office/powerpoint/2010/main" val="3630807737"/>
+      </p:ext>
+    </p:extLst>
+  </p:cSld>
+  <p:clrMapOvr>
+    <a:masterClrMapping/>
+  </p:clrMapOvr>
+</p:sld>
+</file>
+
+<file path=ppt/slides/slide12.xml><?xml version="1.0" encoding="utf-8"?>
+<p:sld xmlns:a="http://schemas.openxmlformats.org/drawingml/2006/main" xmlns:r="http://schemas.openxmlformats.org/officeDocument/2006/relationships" xmlns:p="http://schemas.openxmlformats.org/presentationml/2006/main">
+  <p:cSld>
+    <p:spTree>
+      <p:nvGrpSpPr>
+        <p:cNvPr id="1" name=""/>
+        <p:cNvGrpSpPr/>
+        <p:nvPr/>
+      </p:nvGrpSpPr>
+      <p:grpSpPr>
+        <a:xfrm>
+          <a:off x="0" y="0"/>
+          <a:ext cx="0" cy="0"/>
+          <a:chOff x="0" y="0"/>
+          <a:chExt cx="0" cy="0"/>
+        </a:xfrm>
+      </p:grpSpPr>
+      <p:sp>
+        <p:nvSpPr>
+          <p:cNvPr id="2" name="Titel 1">
+            <a:extLst>
+              <a:ext uri="{FF2B5EF4-FFF2-40B4-BE49-F238E27FC236}">
+                <a16:creationId xmlns:a16="http://schemas.microsoft.com/office/drawing/2014/main" id="{EBD3DFD6-C5BF-479F-8946-D157F47853AA}"/>
+              </a:ext>
+            </a:extLst>
+          </p:cNvPr>
+          <p:cNvSpPr>
+            <a:spLocks noGrp="1"/>
+          </p:cNvSpPr>
+          <p:nvPr>
+            <p:ph type="title"/>
+          </p:nvPr>
+        </p:nvSpPr>
+        <p:spPr/>
         <p:txBody>
           <a:bodyPr/>
           <a:lstStyle/>
@@ -3564,166 +5391,708 @@
             <a:r>
               <a:rPr lang="de-DE" dirty="0">
                 <a:solidFill>
-                  <a:schemeClr val="bg1"/>
-                </a:solidFill>
-                <a:latin typeface="Bahnschrift" panose="020B0502040204020203" pitchFamily="34" charset="0"/>
-              </a:rPr>
-              <a:t>Luca Türk, Samuel Knöthig, Sven Lüpke</a:t>
-            </a:r>
-          </a:p>
-        </p:txBody>
-      </p:sp>
-      <p:sp>
-        <p:nvSpPr>
-          <p:cNvPr id="26" name="Rechteck 25">
-            <a:extLst>
-              <a:ext uri="{FF2B5EF4-FFF2-40B4-BE49-F238E27FC236}">
-                <a16:creationId xmlns:a16="http://schemas.microsoft.com/office/drawing/2014/main" id="{9FB4292E-D896-4715-8AFB-2E73D523CAA6}"/>
-              </a:ext>
-            </a:extLst>
-          </p:cNvPr>
-          <p:cNvSpPr>
-            <a:spLocks noChangeAspect="1"/>
-          </p:cNvSpPr>
+                  <a:schemeClr val="accent2"/>
+                </a:solidFill>
+              </a:rPr>
+              <a:t>Grass Shader – </a:t>
+            </a:r>
+            <a:r>
+              <a:rPr lang="de-DE" dirty="0" err="1">
+                <a:solidFill>
+                  <a:schemeClr val="accent2"/>
+                </a:solidFill>
+              </a:rPr>
+              <a:t>Geometry</a:t>
+            </a:r>
+            <a:endParaRPr lang="de-DE" dirty="0" err="1">
+              <a:solidFill>
+                <a:schemeClr val="accent2"/>
+              </a:solidFill>
+              <a:cs typeface="Calibri Light"/>
+            </a:endParaRPr>
+          </a:p>
+        </p:txBody>
+      </p:sp>
+      <p:pic>
+        <p:nvPicPr>
+          <p:cNvPr id="5" name="Picture 5" descr="A close up of a logo&#10;&#10;Description generated with very high confidence">
+            <a:extLst>
+              <a:ext uri="{FF2B5EF4-FFF2-40B4-BE49-F238E27FC236}">
+                <a16:creationId xmlns:a16="http://schemas.microsoft.com/office/drawing/2014/main" id="{50EC269F-655F-4AB0-8AD5-C82554237B23}"/>
+              </a:ext>
+            </a:extLst>
+          </p:cNvPr>
+          <p:cNvPicPr>
+            <a:picLocks noChangeAspect="1"/>
+          </p:cNvPicPr>
           <p:nvPr/>
-        </p:nvSpPr>
+        </p:nvPicPr>
+        <p:blipFill>
+          <a:blip r:embed="rId2"/>
+          <a:stretch>
+            <a:fillRect/>
+          </a:stretch>
+        </p:blipFill>
         <p:spPr>
           <a:xfrm>
-            <a:off x="4173263" y="2347459"/>
-            <a:ext cx="3845474" cy="2163082"/>
+            <a:off x="3507970" y="3977496"/>
+            <a:ext cx="5447370" cy="3396475"/>
+          </a:xfrm>
+          <a:prstGeom prst="rect">
+            <a:avLst/>
+          </a:prstGeom>
+        </p:spPr>
+      </p:pic>
+      <p:sp>
+        <p:nvSpPr>
+          <p:cNvPr id="4" name="TextBox 3">
+            <a:extLst>
+              <a:ext uri="{FF2B5EF4-FFF2-40B4-BE49-F238E27FC236}">
+                <a16:creationId xmlns:a16="http://schemas.microsoft.com/office/drawing/2014/main" id="{9FD9A75E-C832-4982-8C2D-B3B22A0FE6F8}"/>
+              </a:ext>
+            </a:extLst>
+          </p:cNvPr>
+          <p:cNvSpPr txBox="1"/>
+          <p:nvPr/>
+        </p:nvSpPr>
+        <p:spPr>
+          <a:xfrm>
+            <a:off x="839695" y="1683871"/>
+            <a:ext cx="10430434" cy="1815882"/>
           </a:xfrm>
           <a:prstGeom prst="rect">
             <a:avLst/>
           </a:prstGeom>
           <a:noFill/>
         </p:spPr>
-        <p:style>
-          <a:lnRef idx="2">
-            <a:schemeClr val="accent1">
-              <a:shade val="50000"/>
-            </a:schemeClr>
-          </a:lnRef>
-          <a:fillRef idx="1">
-            <a:schemeClr val="accent1"/>
-          </a:fillRef>
-          <a:effectRef idx="0">
-            <a:schemeClr val="accent1"/>
-          </a:effectRef>
-          <a:fontRef idx="minor">
-            <a:schemeClr val="lt1"/>
-          </a:fontRef>
-        </p:style>
-        <p:txBody>
-          <a:bodyPr rtlCol="0" anchor="ctr"/>
+        <p:txBody>
+          <a:bodyPr rot="0" spcFirstLastPara="0" vertOverflow="overflow" horzOverflow="overflow" vert="horz" wrap="square" lIns="91440" tIns="45720" rIns="91440" bIns="45720" numCol="1" spcCol="0" rtlCol="0" fromWordArt="0" anchor="t" anchorCtr="0" forceAA="0" compatLnSpc="1">
+            <a:prstTxWarp prst="textNoShape">
+              <a:avLst/>
+            </a:prstTxWarp>
+            <a:spAutoFit/>
+          </a:bodyPr>
           <a:lstStyle/>
           <a:p>
-            <a:pPr algn="ctr"/>
-            <a:endParaRPr lang="de-DE"/>
-          </a:p>
-        </p:txBody>
-      </p:sp>
-      <p:sp>
-        <p:nvSpPr>
-          <p:cNvPr id="27" name="Rechteck 26">
-            <a:extLst>
-              <a:ext uri="{FF2B5EF4-FFF2-40B4-BE49-F238E27FC236}">
-                <a16:creationId xmlns:a16="http://schemas.microsoft.com/office/drawing/2014/main" id="{EF863EF2-05EA-4A79-B1BC-A10C0A19D960}"/>
+            <a:r>
+              <a:rPr lang="en-US" sz="2800" dirty="0">
+                <a:solidFill>
+                  <a:schemeClr val="bg1"/>
+                </a:solidFill>
+              </a:rPr>
+              <a:t>Initially, a single grass blade was added in the </a:t>
+            </a:r>
+            <a:r>
+              <a:rPr lang="en-US" sz="2800" dirty="0" err="1">
+                <a:solidFill>
+                  <a:schemeClr val="bg1"/>
+                </a:solidFill>
+              </a:rPr>
+              <a:t>centre</a:t>
+            </a:r>
+            <a:r>
+              <a:rPr lang="en-US" sz="2800" dirty="0">
+                <a:solidFill>
+                  <a:schemeClr val="bg1"/>
+                </a:solidFill>
+              </a:rPr>
+              <a:t> of the input triangle.</a:t>
+            </a:r>
+          </a:p>
+          <a:p>
+            <a:r>
+              <a:rPr lang="en-US" sz="2800" dirty="0">
+                <a:solidFill>
+                  <a:schemeClr val="bg1"/>
+                </a:solidFill>
+                <a:cs typeface="Calibri"/>
+              </a:rPr>
+              <a:t>But, a lot of tessellation required for the dense grass look.</a:t>
+            </a:r>
+          </a:p>
+          <a:p>
+            <a:r>
+              <a:rPr lang="en-US" sz="2800" dirty="0">
+                <a:solidFill>
+                  <a:schemeClr val="bg1"/>
+                </a:solidFill>
+                <a:cs typeface="Calibri"/>
+              </a:rPr>
+              <a:t>==&gt; Add multiple blades for each triangle</a:t>
+            </a:r>
+          </a:p>
+        </p:txBody>
+      </p:sp>
+    </p:spTree>
+    <p:extLst>
+      <p:ext uri="{BB962C8B-B14F-4D97-AF65-F5344CB8AC3E}">
+        <p14:creationId xmlns:p14="http://schemas.microsoft.com/office/powerpoint/2010/main" val="421721738"/>
+      </p:ext>
+    </p:extLst>
+  </p:cSld>
+  <p:clrMapOvr>
+    <a:masterClrMapping/>
+  </p:clrMapOvr>
+</p:sld>
+</file>
+
+<file path=ppt/slides/slide13.xml><?xml version="1.0" encoding="utf-8"?>
+<p:sld xmlns:a="http://schemas.openxmlformats.org/drawingml/2006/main" xmlns:r="http://schemas.openxmlformats.org/officeDocument/2006/relationships" xmlns:p="http://schemas.openxmlformats.org/presentationml/2006/main">
+  <p:cSld>
+    <p:spTree>
+      <p:nvGrpSpPr>
+        <p:cNvPr id="1" name=""/>
+        <p:cNvGrpSpPr/>
+        <p:nvPr/>
+      </p:nvGrpSpPr>
+      <p:grpSpPr>
+        <a:xfrm>
+          <a:off x="0" y="0"/>
+          <a:ext cx="0" cy="0"/>
+          <a:chOff x="0" y="0"/>
+          <a:chExt cx="0" cy="0"/>
+        </a:xfrm>
+      </p:grpSpPr>
+      <p:sp>
+        <p:nvSpPr>
+          <p:cNvPr id="2" name="Titel 1">
+            <a:extLst>
+              <a:ext uri="{FF2B5EF4-FFF2-40B4-BE49-F238E27FC236}">
+                <a16:creationId xmlns:a16="http://schemas.microsoft.com/office/drawing/2014/main" id="{EBD3DFD6-C5BF-479F-8946-D157F47853AA}"/>
               </a:ext>
             </a:extLst>
           </p:cNvPr>
           <p:cNvSpPr>
-            <a:spLocks noChangeAspect="1"/>
+            <a:spLocks noGrp="1"/>
           </p:cNvSpPr>
+          <p:nvPr>
+            <p:ph type="title"/>
+          </p:nvPr>
+        </p:nvSpPr>
+        <p:spPr/>
+        <p:txBody>
+          <a:bodyPr/>
+          <a:lstStyle/>
+          <a:p>
+            <a:r>
+              <a:rPr lang="de-DE" dirty="0">
+                <a:solidFill>
+                  <a:schemeClr val="accent2"/>
+                </a:solidFill>
+              </a:rPr>
+              <a:t>Grass Shader – </a:t>
+            </a:r>
+            <a:r>
+              <a:rPr lang="de-DE" dirty="0" err="1">
+                <a:solidFill>
+                  <a:schemeClr val="accent2"/>
+                </a:solidFill>
+              </a:rPr>
+              <a:t>Geometry</a:t>
+            </a:r>
+            <a:endParaRPr lang="de-DE" dirty="0" err="1">
+              <a:solidFill>
+                <a:schemeClr val="accent2"/>
+              </a:solidFill>
+              <a:cs typeface="Calibri Light"/>
+            </a:endParaRPr>
+          </a:p>
+        </p:txBody>
+      </p:sp>
+      <p:pic>
+        <p:nvPicPr>
+          <p:cNvPr id="3" name="Picture 3" descr="A close up of a logo&#10;&#10;Description generated with very high confidence">
+            <a:extLst>
+              <a:ext uri="{FF2B5EF4-FFF2-40B4-BE49-F238E27FC236}">
+                <a16:creationId xmlns:a16="http://schemas.microsoft.com/office/drawing/2014/main" id="{917F7614-4302-492D-B998-6AF0808669B2}"/>
+              </a:ext>
+            </a:extLst>
+          </p:cNvPr>
+          <p:cNvPicPr>
+            <a:picLocks noChangeAspect="1"/>
+          </p:cNvPicPr>
           <p:nvPr/>
-        </p:nvSpPr>
+        </p:nvPicPr>
+        <p:blipFill>
+          <a:blip r:embed="rId2"/>
+          <a:stretch>
+            <a:fillRect/>
+          </a:stretch>
+        </p:blipFill>
         <p:spPr>
           <a:xfrm>
-            <a:off x="8018737" y="2347459"/>
-            <a:ext cx="3845474" cy="2163082"/>
+            <a:off x="4179594" y="3138239"/>
+            <a:ext cx="4304370" cy="2680939"/>
+          </a:xfrm>
+          <a:prstGeom prst="rect">
+            <a:avLst/>
+          </a:prstGeom>
+        </p:spPr>
+      </p:pic>
+      <p:sp>
+        <p:nvSpPr>
+          <p:cNvPr id="8" name="TextBox 7">
+            <a:extLst>
+              <a:ext uri="{FF2B5EF4-FFF2-40B4-BE49-F238E27FC236}">
+                <a16:creationId xmlns:a16="http://schemas.microsoft.com/office/drawing/2014/main" id="{7D8CF12B-5A86-453F-BE19-62A4FFE7E84A}"/>
+              </a:ext>
+            </a:extLst>
+          </p:cNvPr>
+          <p:cNvSpPr txBox="1"/>
+          <p:nvPr/>
+        </p:nvSpPr>
+        <p:spPr>
+          <a:xfrm>
+            <a:off x="839695" y="1683871"/>
+            <a:ext cx="10430434" cy="954107"/>
           </a:xfrm>
           <a:prstGeom prst="rect">
             <a:avLst/>
           </a:prstGeom>
           <a:noFill/>
         </p:spPr>
-        <p:style>
-          <a:lnRef idx="2">
-            <a:schemeClr val="accent1">
-              <a:shade val="50000"/>
-            </a:schemeClr>
-          </a:lnRef>
-          <a:fillRef idx="1">
-            <a:schemeClr val="accent1"/>
-          </a:fillRef>
-          <a:effectRef idx="0">
-            <a:schemeClr val="accent1"/>
-          </a:effectRef>
-          <a:fontRef idx="minor">
-            <a:schemeClr val="lt1"/>
-          </a:fontRef>
-        </p:style>
-        <p:txBody>
-          <a:bodyPr rtlCol="0" anchor="ctr"/>
+        <p:txBody>
+          <a:bodyPr rot="0" spcFirstLastPara="0" vertOverflow="overflow" horzOverflow="overflow" vert="horz" wrap="square" lIns="91440" tIns="45720" rIns="91440" bIns="45720" numCol="1" spcCol="0" rtlCol="0" fromWordArt="0" anchor="t" anchorCtr="0" forceAA="0" compatLnSpc="1">
+            <a:prstTxWarp prst="textNoShape">
+              <a:avLst/>
+            </a:prstTxWarp>
+            <a:spAutoFit/>
+          </a:bodyPr>
           <a:lstStyle/>
           <a:p>
-            <a:pPr algn="ctr"/>
-            <a:endParaRPr lang="de-DE"/>
-          </a:p>
-        </p:txBody>
-      </p:sp>
-      <p:sp>
-        <p:nvSpPr>
-          <p:cNvPr id="28" name="Rechteck 27">
-            <a:extLst>
-              <a:ext uri="{FF2B5EF4-FFF2-40B4-BE49-F238E27FC236}">
-                <a16:creationId xmlns:a16="http://schemas.microsoft.com/office/drawing/2014/main" id="{1EA2AD70-8519-4BC2-BCFC-353EFDC9FAD8}"/>
+            <a:r>
+              <a:rPr lang="en-US" sz="2800" dirty="0">
+                <a:solidFill>
+                  <a:schemeClr val="bg1"/>
+                </a:solidFill>
+                <a:cs typeface="Calibri"/>
+              </a:rPr>
+              <a:t>Grass blades are constructed out of four </a:t>
+            </a:r>
+            <a:r>
+              <a:rPr lang="en-US" sz="2800" dirty="0" err="1">
+                <a:solidFill>
+                  <a:schemeClr val="bg1"/>
+                </a:solidFill>
+                <a:cs typeface="Calibri"/>
+              </a:rPr>
+              <a:t>verticies</a:t>
+            </a:r>
+            <a:r>
+              <a:rPr lang="en-US" sz="2800" dirty="0">
+                <a:solidFill>
+                  <a:schemeClr val="bg1"/>
+                </a:solidFill>
+                <a:cs typeface="Calibri"/>
+              </a:rPr>
+              <a:t>, which allows for less pointy looking blades, by pushing down the top </a:t>
+            </a:r>
+            <a:r>
+              <a:rPr lang="en-US" sz="2800" dirty="0" err="1">
+                <a:solidFill>
+                  <a:schemeClr val="bg1"/>
+                </a:solidFill>
+                <a:cs typeface="Calibri"/>
+              </a:rPr>
+              <a:t>verticies</a:t>
+            </a:r>
+            <a:r>
+              <a:rPr lang="en-US" sz="2800" dirty="0">
+                <a:solidFill>
+                  <a:schemeClr val="bg1"/>
+                </a:solidFill>
+                <a:cs typeface="Calibri"/>
+              </a:rPr>
+              <a:t>.</a:t>
+            </a:r>
+          </a:p>
+        </p:txBody>
+      </p:sp>
+    </p:spTree>
+    <p:extLst>
+      <p:ext uri="{BB962C8B-B14F-4D97-AF65-F5344CB8AC3E}">
+        <p14:creationId xmlns:p14="http://schemas.microsoft.com/office/powerpoint/2010/main" val="922494585"/>
+      </p:ext>
+    </p:extLst>
+  </p:cSld>
+  <p:clrMapOvr>
+    <a:masterClrMapping/>
+  </p:clrMapOvr>
+</p:sld>
+</file>
+
+<file path=ppt/slides/slide14.xml><?xml version="1.0" encoding="utf-8"?>
+<p:sld xmlns:a="http://schemas.openxmlformats.org/drawingml/2006/main" xmlns:r="http://schemas.openxmlformats.org/officeDocument/2006/relationships" xmlns:p="http://schemas.openxmlformats.org/presentationml/2006/main">
+  <p:cSld>
+    <p:spTree>
+      <p:nvGrpSpPr>
+        <p:cNvPr id="1" name=""/>
+        <p:cNvGrpSpPr/>
+        <p:nvPr/>
+      </p:nvGrpSpPr>
+      <p:grpSpPr>
+        <a:xfrm>
+          <a:off x="0" y="0"/>
+          <a:ext cx="0" cy="0"/>
+          <a:chOff x="0" y="0"/>
+          <a:chExt cx="0" cy="0"/>
+        </a:xfrm>
+      </p:grpSpPr>
+      <p:sp>
+        <p:nvSpPr>
+          <p:cNvPr id="2" name="Titel 1">
+            <a:extLst>
+              <a:ext uri="{FF2B5EF4-FFF2-40B4-BE49-F238E27FC236}">
+                <a16:creationId xmlns:a16="http://schemas.microsoft.com/office/drawing/2014/main" id="{EBD3DFD6-C5BF-479F-8946-D157F47853AA}"/>
               </a:ext>
             </a:extLst>
           </p:cNvPr>
           <p:cNvSpPr>
-            <a:spLocks noChangeAspect="1"/>
+            <a:spLocks noGrp="1"/>
           </p:cNvSpPr>
+          <p:nvPr>
+            <p:ph type="title"/>
+          </p:nvPr>
+        </p:nvSpPr>
+        <p:spPr/>
+        <p:txBody>
+          <a:bodyPr/>
+          <a:lstStyle/>
+          <a:p>
+            <a:r>
+              <a:rPr lang="de-DE" dirty="0">
+                <a:solidFill>
+                  <a:schemeClr val="accent2"/>
+                </a:solidFill>
+              </a:rPr>
+              <a:t>Grass Shader – "External" </a:t>
+            </a:r>
+            <a:r>
+              <a:rPr lang="de-DE" dirty="0" err="1">
+                <a:solidFill>
+                  <a:schemeClr val="accent2"/>
+                </a:solidFill>
+              </a:rPr>
+              <a:t>Influences</a:t>
+            </a:r>
+            <a:endParaRPr lang="de-DE" dirty="0" err="1">
+              <a:solidFill>
+                <a:schemeClr val="accent2"/>
+              </a:solidFill>
+              <a:cs typeface="Calibri Light"/>
+            </a:endParaRPr>
+          </a:p>
+        </p:txBody>
+      </p:sp>
+      <p:sp>
+        <p:nvSpPr>
+          <p:cNvPr id="8" name="TextBox 7">
+            <a:extLst>
+              <a:ext uri="{FF2B5EF4-FFF2-40B4-BE49-F238E27FC236}">
+                <a16:creationId xmlns:a16="http://schemas.microsoft.com/office/drawing/2014/main" id="{7D8CF12B-5A86-453F-BE19-62A4FFE7E84A}"/>
+              </a:ext>
+            </a:extLst>
+          </p:cNvPr>
+          <p:cNvSpPr txBox="1"/>
           <p:nvPr/>
         </p:nvSpPr>
         <p:spPr>
           <a:xfrm>
-            <a:off x="327789" y="2347459"/>
-            <a:ext cx="3845474" cy="2163082"/>
+            <a:off x="839695" y="1683871"/>
+            <a:ext cx="10430434" cy="954107"/>
           </a:xfrm>
           <a:prstGeom prst="rect">
             <a:avLst/>
           </a:prstGeom>
           <a:noFill/>
         </p:spPr>
-        <p:style>
-          <a:lnRef idx="2">
-            <a:schemeClr val="accent1">
-              <a:shade val="50000"/>
-            </a:schemeClr>
-          </a:lnRef>
-          <a:fillRef idx="1">
-            <a:schemeClr val="accent1"/>
-          </a:fillRef>
-          <a:effectRef idx="0">
-            <a:schemeClr val="accent1"/>
-          </a:effectRef>
-          <a:fontRef idx="minor">
-            <a:schemeClr val="lt1"/>
-          </a:fontRef>
-        </p:style>
-        <p:txBody>
-          <a:bodyPr rtlCol="0" anchor="ctr"/>
+        <p:txBody>
+          <a:bodyPr rot="0" spcFirstLastPara="0" vertOverflow="overflow" horzOverflow="overflow" vert="horz" wrap="square" lIns="91440" tIns="45720" rIns="91440" bIns="45720" numCol="1" spcCol="0" rtlCol="0" fromWordArt="0" anchor="t" anchorCtr="0" forceAA="0" compatLnSpc="1">
+            <a:prstTxWarp prst="textNoShape">
+              <a:avLst/>
+            </a:prstTxWarp>
+            <a:spAutoFit/>
+          </a:bodyPr>
           <a:lstStyle/>
           <a:p>
-            <a:pPr algn="ctr"/>
-            <a:endParaRPr lang="de-DE"/>
-          </a:p>
-        </p:txBody>
-      </p:sp>
+            <a:r>
+              <a:rPr lang="en-US" sz="2800" dirty="0">
+                <a:solidFill>
+                  <a:schemeClr val="bg1"/>
+                </a:solidFill>
+                <a:cs typeface="Calibri"/>
+              </a:rPr>
+              <a:t>Grass Blades are influenced by wind, achieved by a displacement texture applied to the top vertex positions.</a:t>
+            </a:r>
+          </a:p>
+        </p:txBody>
+      </p:sp>
+      <p:pic>
+        <p:nvPicPr>
+          <p:cNvPr id="4" name="Picture 4" descr="A close up of a sign&#10;&#10;Description generated with high confidence">
+            <a:extLst>
+              <a:ext uri="{FF2B5EF4-FFF2-40B4-BE49-F238E27FC236}">
+                <a16:creationId xmlns:a16="http://schemas.microsoft.com/office/drawing/2014/main" id="{F947E7B2-DD5D-4BB1-B867-4327C702EC70}"/>
+              </a:ext>
+            </a:extLst>
+          </p:cNvPr>
+          <p:cNvPicPr>
+            <a:picLocks noChangeAspect="1"/>
+          </p:cNvPicPr>
+          <p:nvPr/>
+        </p:nvPicPr>
+        <p:blipFill>
+          <a:blip r:embed="rId2"/>
+          <a:stretch>
+            <a:fillRect/>
+          </a:stretch>
+        </p:blipFill>
+        <p:spPr>
+          <a:xfrm>
+            <a:off x="3367668" y="3147896"/>
+            <a:ext cx="5363737" cy="3340720"/>
+          </a:xfrm>
+          <a:prstGeom prst="rect">
+            <a:avLst/>
+          </a:prstGeom>
+        </p:spPr>
+      </p:pic>
     </p:spTree>
     <p:extLst>
       <p:ext uri="{BB962C8B-B14F-4D97-AF65-F5344CB8AC3E}">
-        <p14:creationId xmlns:p14="http://schemas.microsoft.com/office/powerpoint/2010/main" val="2284975804"/>
+        <p14:creationId xmlns:p14="http://schemas.microsoft.com/office/powerpoint/2010/main" val="615873988"/>
+      </p:ext>
+    </p:extLst>
+  </p:cSld>
+  <p:clrMapOvr>
+    <a:masterClrMapping/>
+  </p:clrMapOvr>
+</p:sld>
+</file>
+
+<file path=ppt/slides/slide15.xml><?xml version="1.0" encoding="utf-8"?>
+<p:sld xmlns:a="http://schemas.openxmlformats.org/drawingml/2006/main" xmlns:r="http://schemas.openxmlformats.org/officeDocument/2006/relationships" xmlns:p="http://schemas.openxmlformats.org/presentationml/2006/main">
+  <p:cSld>
+    <p:spTree>
+      <p:nvGrpSpPr>
+        <p:cNvPr id="1" name=""/>
+        <p:cNvGrpSpPr/>
+        <p:nvPr/>
+      </p:nvGrpSpPr>
+      <p:grpSpPr>
+        <a:xfrm>
+          <a:off x="0" y="0"/>
+          <a:ext cx="0" cy="0"/>
+          <a:chOff x="0" y="0"/>
+          <a:chExt cx="0" cy="0"/>
+        </a:xfrm>
+      </p:grpSpPr>
+      <p:sp>
+        <p:nvSpPr>
+          <p:cNvPr id="2" name="Titel 1">
+            <a:extLst>
+              <a:ext uri="{FF2B5EF4-FFF2-40B4-BE49-F238E27FC236}">
+                <a16:creationId xmlns:a16="http://schemas.microsoft.com/office/drawing/2014/main" id="{EBD3DFD6-C5BF-479F-8946-D157F47853AA}"/>
+              </a:ext>
+            </a:extLst>
+          </p:cNvPr>
+          <p:cNvSpPr>
+            <a:spLocks noGrp="1"/>
+          </p:cNvSpPr>
+          <p:nvPr>
+            <p:ph type="title"/>
+          </p:nvPr>
+        </p:nvSpPr>
+        <p:spPr/>
+        <p:txBody>
+          <a:bodyPr/>
+          <a:lstStyle/>
+          <a:p>
+            <a:r>
+              <a:rPr lang="de-DE" dirty="0">
+                <a:solidFill>
+                  <a:schemeClr val="accent2"/>
+                </a:solidFill>
+              </a:rPr>
+              <a:t>Grass Shader – "External" </a:t>
+            </a:r>
+            <a:r>
+              <a:rPr lang="de-DE" dirty="0" err="1">
+                <a:solidFill>
+                  <a:schemeClr val="accent2"/>
+                </a:solidFill>
+              </a:rPr>
+              <a:t>Influences</a:t>
+            </a:r>
+            <a:endParaRPr lang="de-DE" dirty="0" err="1">
+              <a:solidFill>
+                <a:schemeClr val="accent2"/>
+              </a:solidFill>
+              <a:cs typeface="Calibri Light"/>
+            </a:endParaRPr>
+          </a:p>
+        </p:txBody>
+      </p:sp>
+      <p:sp>
+        <p:nvSpPr>
+          <p:cNvPr id="8" name="TextBox 7">
+            <a:extLst>
+              <a:ext uri="{FF2B5EF4-FFF2-40B4-BE49-F238E27FC236}">
+                <a16:creationId xmlns:a16="http://schemas.microsoft.com/office/drawing/2014/main" id="{7D8CF12B-5A86-453F-BE19-62A4FFE7E84A}"/>
+              </a:ext>
+            </a:extLst>
+          </p:cNvPr>
+          <p:cNvSpPr txBox="1"/>
+          <p:nvPr/>
+        </p:nvSpPr>
+        <p:spPr>
+          <a:xfrm>
+            <a:off x="839695" y="1683871"/>
+            <a:ext cx="10430434" cy="954107"/>
+          </a:xfrm>
+          <a:prstGeom prst="rect">
+            <a:avLst/>
+          </a:prstGeom>
+          <a:noFill/>
+        </p:spPr>
+        <p:txBody>
+          <a:bodyPr rot="0" spcFirstLastPara="0" vertOverflow="overflow" horzOverflow="overflow" vert="horz" wrap="square" lIns="91440" tIns="45720" rIns="91440" bIns="45720" numCol="1" spcCol="0" rtlCol="0" fromWordArt="0" anchor="t" anchorCtr="0" forceAA="0" compatLnSpc="1">
+            <a:prstTxWarp prst="textNoShape">
+              <a:avLst/>
+            </a:prstTxWarp>
+            <a:spAutoFit/>
+          </a:bodyPr>
+          <a:lstStyle/>
+          <a:p>
+            <a:r>
+              <a:rPr lang="en-US" sz="2800" dirty="0">
+                <a:solidFill>
+                  <a:schemeClr val="bg1"/>
+                </a:solidFill>
+                <a:cs typeface="Calibri"/>
+              </a:rPr>
+              <a:t>Additionally grass will collide with players or other objects, and bend away. </a:t>
+            </a:r>
+            <a:endParaRPr lang="en-US" dirty="0">
+              <a:solidFill>
+                <a:schemeClr val="bg1"/>
+              </a:solidFill>
+            </a:endParaRPr>
+          </a:p>
+        </p:txBody>
+      </p:sp>
+      <p:pic>
+        <p:nvPicPr>
+          <p:cNvPr id="3" name="Picture 3" descr="A picture containing text, toy&#10;&#10;Description generated with very high confidence">
+            <a:extLst>
+              <a:ext uri="{FF2B5EF4-FFF2-40B4-BE49-F238E27FC236}">
+                <a16:creationId xmlns:a16="http://schemas.microsoft.com/office/drawing/2014/main" id="{FBDD7B79-10E8-4067-812A-1D32A6EDD9C3}"/>
+              </a:ext>
+            </a:extLst>
+          </p:cNvPr>
+          <p:cNvPicPr>
+            <a:picLocks noChangeAspect="1"/>
+          </p:cNvPicPr>
+          <p:nvPr/>
+        </p:nvPicPr>
+        <p:blipFill>
+          <a:blip r:embed="rId2"/>
+          <a:stretch>
+            <a:fillRect/>
+          </a:stretch>
+        </p:blipFill>
+        <p:spPr>
+          <a:xfrm>
+            <a:off x="2512741" y="2330140"/>
+            <a:ext cx="7157224" cy="4446548"/>
+          </a:xfrm>
+          <a:prstGeom prst="rect">
+            <a:avLst/>
+          </a:prstGeom>
+        </p:spPr>
+      </p:pic>
+    </p:spTree>
+    <p:extLst>
+      <p:ext uri="{BB962C8B-B14F-4D97-AF65-F5344CB8AC3E}">
+        <p14:creationId xmlns:p14="http://schemas.microsoft.com/office/powerpoint/2010/main" val="2861884910"/>
+      </p:ext>
+    </p:extLst>
+  </p:cSld>
+  <p:clrMapOvr>
+    <a:masterClrMapping/>
+  </p:clrMapOvr>
+</p:sld>
+</file>
+
+<file path=ppt/slides/slide16.xml><?xml version="1.0" encoding="utf-8"?>
+<p:sld xmlns:a="http://schemas.openxmlformats.org/drawingml/2006/main" xmlns:r="http://schemas.openxmlformats.org/officeDocument/2006/relationships" xmlns:p="http://schemas.openxmlformats.org/presentationml/2006/main">
+  <p:cSld>
+    <p:spTree>
+      <p:nvGrpSpPr>
+        <p:cNvPr id="1" name=""/>
+        <p:cNvGrpSpPr/>
+        <p:nvPr/>
+      </p:nvGrpSpPr>
+      <p:grpSpPr>
+        <a:xfrm>
+          <a:off x="0" y="0"/>
+          <a:ext cx="0" cy="0"/>
+          <a:chOff x="0" y="0"/>
+          <a:chExt cx="0" cy="0"/>
+        </a:xfrm>
+      </p:grpSpPr>
+      <p:sp>
+        <p:nvSpPr>
+          <p:cNvPr id="2" name="Titel 1">
+            <a:extLst>
+              <a:ext uri="{FF2B5EF4-FFF2-40B4-BE49-F238E27FC236}">
+                <a16:creationId xmlns:a16="http://schemas.microsoft.com/office/drawing/2014/main" id="{EBD3DFD6-C5BF-479F-8946-D157F47853AA}"/>
+              </a:ext>
+            </a:extLst>
+          </p:cNvPr>
+          <p:cNvSpPr>
+            <a:spLocks noGrp="1"/>
+          </p:cNvSpPr>
+          <p:nvPr>
+            <p:ph type="title"/>
+          </p:nvPr>
+        </p:nvSpPr>
+        <p:spPr/>
+        <p:txBody>
+          <a:bodyPr/>
+          <a:lstStyle/>
+          <a:p>
+            <a:r>
+              <a:rPr lang="de-DE" dirty="0">
+                <a:solidFill>
+                  <a:schemeClr val="accent2"/>
+                </a:solidFill>
+              </a:rPr>
+              <a:t>Grass </a:t>
+            </a:r>
+            <a:r>
+              <a:rPr lang="de-DE" dirty="0" err="1">
+                <a:solidFill>
+                  <a:schemeClr val="accent2"/>
+                </a:solidFill>
+              </a:rPr>
+              <a:t>Shader</a:t>
+            </a:r>
+            <a:r>
+              <a:rPr lang="de-DE" dirty="0">
+                <a:solidFill>
+                  <a:schemeClr val="accent2"/>
+                </a:solidFill>
+              </a:rPr>
+              <a:t> – Live Demo</a:t>
+            </a:r>
+          </a:p>
+        </p:txBody>
+      </p:sp>
+    </p:spTree>
+    <p:extLst>
+      <p:ext uri="{BB962C8B-B14F-4D97-AF65-F5344CB8AC3E}">
+        <p14:creationId xmlns:p14="http://schemas.microsoft.com/office/powerpoint/2010/main" val="1376111569"/>
       </p:ext>
     </p:extLst>
   </p:cSld>
@@ -3752,157 +6121,6 @@
       </p:grpSpPr>
       <p:sp>
         <p:nvSpPr>
-          <p:cNvPr id="2" name="Titel 1">
-            <a:extLst>
-              <a:ext uri="{FF2B5EF4-FFF2-40B4-BE49-F238E27FC236}">
-                <a16:creationId xmlns:a16="http://schemas.microsoft.com/office/drawing/2014/main" id="{9D645CE9-3327-429C-BD99-ADCDF59335EB}"/>
-              </a:ext>
-            </a:extLst>
-          </p:cNvPr>
-          <p:cNvSpPr>
-            <a:spLocks noGrp="1"/>
-          </p:cNvSpPr>
-          <p:nvPr>
-            <p:ph type="title"/>
-          </p:nvPr>
-        </p:nvSpPr>
-        <p:spPr/>
-        <p:txBody>
-          <a:bodyPr/>
-          <a:lstStyle/>
-          <a:p>
-            <a:r>
-              <a:rPr lang="de-DE" dirty="0" err="1">
-                <a:solidFill>
-                  <a:schemeClr val="accent2"/>
-                </a:solidFill>
-                <a:latin typeface="Bahnschrift" panose="020B0502040204020203" pitchFamily="34" charset="0"/>
-                <a:ea typeface="Source Code Pro Medium" panose="020B0509030403020204" pitchFamily="49" charset="0"/>
-              </a:rPr>
-              <a:t>Overview</a:t>
-            </a:r>
-            <a:endParaRPr lang="de-DE" dirty="0">
-              <a:solidFill>
-                <a:schemeClr val="accent2"/>
-              </a:solidFill>
-              <a:latin typeface="Bahnschrift" panose="020B0502040204020203" pitchFamily="34" charset="0"/>
-              <a:ea typeface="Source Code Pro Medium" panose="020B0509030403020204" pitchFamily="49" charset="0"/>
-            </a:endParaRPr>
-          </a:p>
-        </p:txBody>
-      </p:sp>
-      <p:sp>
-        <p:nvSpPr>
-          <p:cNvPr id="3" name="Inhaltsplatzhalter 2">
-            <a:extLst>
-              <a:ext uri="{FF2B5EF4-FFF2-40B4-BE49-F238E27FC236}">
-                <a16:creationId xmlns:a16="http://schemas.microsoft.com/office/drawing/2014/main" id="{7116FA8E-7DB3-440A-B613-3A6165D541CC}"/>
-              </a:ext>
-            </a:extLst>
-          </p:cNvPr>
-          <p:cNvSpPr>
-            <a:spLocks noGrp="1"/>
-          </p:cNvSpPr>
-          <p:nvPr>
-            <p:ph idx="1"/>
-          </p:nvPr>
-        </p:nvSpPr>
-        <p:spPr/>
-        <p:txBody>
-          <a:bodyPr/>
-          <a:lstStyle/>
-          <a:p>
-            <a:pPr>
-              <a:lnSpc>
-                <a:spcPct val="200000"/>
-              </a:lnSpc>
-            </a:pPr>
-            <a:r>
-              <a:rPr lang="de-DE">
-                <a:solidFill>
-                  <a:schemeClr val="bg1"/>
-                </a:solidFill>
-                <a:latin typeface="Bahnschrift" panose="020B0502040204020203" pitchFamily="34" charset="0"/>
-                <a:ea typeface="Source Code Pro Medium" panose="020B0509030403020204" pitchFamily="49" charset="0"/>
-              </a:rPr>
-              <a:t>Physically Based Volumetric Fog</a:t>
-            </a:r>
-          </a:p>
-          <a:p>
-            <a:pPr>
-              <a:lnSpc>
-                <a:spcPct val="200000"/>
-              </a:lnSpc>
-            </a:pPr>
-            <a:r>
-              <a:rPr lang="de-DE">
-                <a:solidFill>
-                  <a:schemeClr val="bg1"/>
-                </a:solidFill>
-                <a:latin typeface="Bahnschrift" panose="020B0502040204020203" pitchFamily="34" charset="0"/>
-                <a:ea typeface="Source Code Pro Medium" panose="020B0509030403020204" pitchFamily="49" charset="0"/>
-              </a:rPr>
-              <a:t>Grass</a:t>
-            </a:r>
-          </a:p>
-          <a:p>
-            <a:pPr>
-              <a:lnSpc>
-                <a:spcPct val="200000"/>
-              </a:lnSpc>
-            </a:pPr>
-            <a:r>
-              <a:rPr lang="de-DE">
-                <a:solidFill>
-                  <a:schemeClr val="bg1"/>
-                </a:solidFill>
-                <a:latin typeface="Bahnschrift" panose="020B0502040204020203" pitchFamily="34" charset="0"/>
-                <a:ea typeface="Source Code Pro Medium" panose="020B0509030403020204" pitchFamily="49" charset="0"/>
-              </a:rPr>
-              <a:t>BOIDs</a:t>
-            </a:r>
-            <a:endParaRPr lang="de-DE" dirty="0">
-              <a:solidFill>
-                <a:schemeClr val="bg1"/>
-              </a:solidFill>
-              <a:latin typeface="Bahnschrift" panose="020B0502040204020203" pitchFamily="34" charset="0"/>
-              <a:ea typeface="Source Code Pro Medium" panose="020B0509030403020204" pitchFamily="49" charset="0"/>
-            </a:endParaRPr>
-          </a:p>
-        </p:txBody>
-      </p:sp>
-    </p:spTree>
-    <p:extLst>
-      <p:ext uri="{BB962C8B-B14F-4D97-AF65-F5344CB8AC3E}">
-        <p14:creationId xmlns:p14="http://schemas.microsoft.com/office/powerpoint/2010/main" val="3866784294"/>
-      </p:ext>
-    </p:extLst>
-  </p:cSld>
-  <p:clrMapOvr>
-    <a:masterClrMapping/>
-  </p:clrMapOvr>
-</p:sld>
-</file>
-
-<file path=ppt/slides/slide3.xml><?xml version="1.0" encoding="utf-8"?>
-<p:sld xmlns:a="http://schemas.openxmlformats.org/drawingml/2006/main" xmlns:r="http://schemas.openxmlformats.org/officeDocument/2006/relationships" xmlns:p="http://schemas.openxmlformats.org/presentationml/2006/main">
-  <p:cSld>
-    <p:spTree>
-      <p:nvGrpSpPr>
-        <p:cNvPr id="1" name=""/>
-        <p:cNvGrpSpPr/>
-        <p:nvPr/>
-      </p:nvGrpSpPr>
-      <p:grpSpPr>
-        <a:xfrm>
-          <a:off x="0" y="0"/>
-          <a:ext cx="0" cy="0"/>
-          <a:chOff x="0" y="0"/>
-          <a:chExt cx="0" cy="0"/>
-        </a:xfrm>
-      </p:grpSpPr>
-      <p:sp>
-        <p:nvSpPr>
           <p:cNvPr id="4" name="Titel 3">
             <a:extLst>
               <a:ext uri="{FF2B5EF4-FFF2-40B4-BE49-F238E27FC236}">
@@ -3942,7 +6160,7 @@
 </p:sld>
 </file>
 
-<file path=ppt/slides/slide4.xml><?xml version="1.0" encoding="utf-8"?>
+<file path=ppt/slides/slide3.xml><?xml version="1.0" encoding="utf-8"?>
 <p:sld xmlns:a="http://schemas.openxmlformats.org/drawingml/2006/main" xmlns:r="http://schemas.openxmlformats.org/officeDocument/2006/relationships" xmlns:p="http://schemas.openxmlformats.org/presentationml/2006/main">
   <p:cSld>
     <p:spTree>
@@ -4828,7 +7046,7 @@
 </p:sld>
 </file>
 
-<file path=ppt/slides/slide5.xml><?xml version="1.0" encoding="utf-8"?>
+<file path=ppt/slides/slide4.xml><?xml version="1.0" encoding="utf-8"?>
 <p:sld xmlns:a="http://schemas.openxmlformats.org/drawingml/2006/main" xmlns:r="http://schemas.openxmlformats.org/officeDocument/2006/relationships" xmlns:p="http://schemas.openxmlformats.org/presentationml/2006/main">
   <p:cSld>
     <p:spTree>
@@ -5064,18 +7282,6 @@
             </a:r>
           </a:p>
           <a:p>
-            <a:pPr lvl="1"/>
-            <a:r>
-              <a:rPr lang="de-DE" dirty="0">
-                <a:solidFill>
-                  <a:schemeClr val="bg1"/>
-                </a:solidFill>
-                <a:latin typeface="Bahnschrift" panose="020B0502040204020203" pitchFamily="34" charset="0"/>
-              </a:rPr>
-              <a:t>240x135x96</a:t>
-            </a:r>
-          </a:p>
-          <a:p>
             <a:r>
               <a:rPr lang="de-DE" dirty="0" err="1">
                 <a:solidFill>
@@ -5259,7 +7465,7 @@
 </p:sld>
 </file>
 
-<file path=ppt/slides/slide6.xml><?xml version="1.0" encoding="utf-8"?>
+<file path=ppt/slides/slide5.xml><?xml version="1.0" encoding="utf-8"?>
 <p:sld xmlns:a="http://schemas.openxmlformats.org/drawingml/2006/main" xmlns:r="http://schemas.openxmlformats.org/officeDocument/2006/relationships" xmlns:p="http://schemas.openxmlformats.org/presentationml/2006/main">
   <p:cSld>
     <p:spTree>
@@ -6100,7 +8306,7 @@
           </a:xfrm>
           <a:prstGeom prst="bentConnector3">
             <a:avLst>
-              <a:gd name="adj1" fmla="val 2534622"/>
+              <a:gd name="adj1" fmla="val 3150000"/>
             </a:avLst>
           </a:prstGeom>
           <a:ln w="63500">
@@ -6228,6 +8434,153 @@
 </p:sld>
 </file>
 
+<file path=ppt/slides/slide6.xml><?xml version="1.0" encoding="utf-8"?>
+<p:sld xmlns:a="http://schemas.openxmlformats.org/drawingml/2006/main" xmlns:r="http://schemas.openxmlformats.org/officeDocument/2006/relationships" xmlns:p="http://schemas.openxmlformats.org/presentationml/2006/main">
+  <p:cSld>
+    <p:spTree>
+      <p:nvGrpSpPr>
+        <p:cNvPr id="1" name=""/>
+        <p:cNvGrpSpPr/>
+        <p:nvPr/>
+      </p:nvGrpSpPr>
+      <p:grpSpPr>
+        <a:xfrm>
+          <a:off x="0" y="0"/>
+          <a:ext cx="0" cy="0"/>
+          <a:chOff x="0" y="0"/>
+          <a:chExt cx="0" cy="0"/>
+        </a:xfrm>
+      </p:grpSpPr>
+      <p:sp>
+        <p:nvSpPr>
+          <p:cNvPr id="2" name="Titel 1">
+            <a:extLst>
+              <a:ext uri="{FF2B5EF4-FFF2-40B4-BE49-F238E27FC236}">
+                <a16:creationId xmlns:a16="http://schemas.microsoft.com/office/drawing/2014/main" id="{70F42F9B-A32B-4CF6-B143-869D924FC790}"/>
+              </a:ext>
+            </a:extLst>
+          </p:cNvPr>
+          <p:cNvSpPr>
+            <a:spLocks noGrp="1"/>
+          </p:cNvSpPr>
+          <p:nvPr>
+            <p:ph type="title"/>
+          </p:nvPr>
+        </p:nvSpPr>
+        <p:spPr/>
+        <p:txBody>
+          <a:bodyPr/>
+          <a:lstStyle/>
+          <a:p>
+            <a:r>
+              <a:rPr lang="de-DE" dirty="0">
+                <a:solidFill>
+                  <a:schemeClr val="accent2"/>
+                </a:solidFill>
+                <a:latin typeface="Bahnschrift" panose="020B0502040204020203" pitchFamily="34" charset="0"/>
+              </a:rPr>
+              <a:t>Dithering</a:t>
+            </a:r>
+            <a:r>
+              <a:rPr lang="de-DE" dirty="0"/>
+              <a:t> (30 sec)</a:t>
+            </a:r>
+          </a:p>
+        </p:txBody>
+      </p:sp>
+      <p:sp>
+        <p:nvSpPr>
+          <p:cNvPr id="3" name="Inhaltsplatzhalter 2">
+            <a:extLst>
+              <a:ext uri="{FF2B5EF4-FFF2-40B4-BE49-F238E27FC236}">
+                <a16:creationId xmlns:a16="http://schemas.microsoft.com/office/drawing/2014/main" id="{B80DFE3B-89CF-4F1E-A075-3C288695DC66}"/>
+              </a:ext>
+            </a:extLst>
+          </p:cNvPr>
+          <p:cNvSpPr>
+            <a:spLocks noGrp="1"/>
+          </p:cNvSpPr>
+          <p:nvPr>
+            <p:ph idx="1"/>
+          </p:nvPr>
+        </p:nvSpPr>
+        <p:spPr/>
+        <p:txBody>
+          <a:bodyPr/>
+          <a:lstStyle/>
+          <a:p>
+            <a:r>
+              <a:rPr lang="de-DE" dirty="0"/>
+              <a:t>Blue </a:t>
+            </a:r>
+            <a:r>
+              <a:rPr lang="de-DE" dirty="0" err="1"/>
+              <a:t>noise</a:t>
+            </a:r>
+            <a:endParaRPr lang="de-DE" dirty="0"/>
+          </a:p>
+          <a:p>
+            <a:r>
+              <a:rPr lang="de-DE" dirty="0"/>
+              <a:t>Offset </a:t>
+            </a:r>
+            <a:r>
+              <a:rPr lang="de-DE" dirty="0" err="1"/>
+              <a:t>depth</a:t>
+            </a:r>
+            <a:endParaRPr lang="de-DE" dirty="0"/>
+          </a:p>
+          <a:p>
+            <a:r>
+              <a:rPr lang="de-DE" dirty="0" err="1"/>
+              <a:t>Better</a:t>
+            </a:r>
+            <a:r>
+              <a:rPr lang="de-DE" dirty="0"/>
+              <a:t> sample </a:t>
+            </a:r>
+            <a:r>
+              <a:rPr lang="de-DE" dirty="0" err="1"/>
+              <a:t>distribution</a:t>
+            </a:r>
+            <a:endParaRPr lang="de-DE" dirty="0"/>
+          </a:p>
+          <a:p>
+            <a:endParaRPr lang="de-DE" dirty="0"/>
+          </a:p>
+          <a:p>
+            <a:r>
+              <a:rPr lang="de-DE" dirty="0" err="1"/>
+              <a:t>Dithered</a:t>
+            </a:r>
+            <a:r>
+              <a:rPr lang="de-DE" dirty="0"/>
+              <a:t> </a:t>
+            </a:r>
+            <a:r>
+              <a:rPr lang="de-DE" dirty="0" err="1"/>
+              <a:t>sampling</a:t>
+            </a:r>
+            <a:r>
+              <a:rPr lang="de-DE" dirty="0"/>
+              <a:t> -&gt; TAA</a:t>
+            </a:r>
+          </a:p>
+        </p:txBody>
+      </p:sp>
+    </p:spTree>
+    <p:extLst>
+      <p:ext uri="{BB962C8B-B14F-4D97-AF65-F5344CB8AC3E}">
+        <p14:creationId xmlns:p14="http://schemas.microsoft.com/office/powerpoint/2010/main" val="3654735454"/>
+      </p:ext>
+    </p:extLst>
+  </p:cSld>
+  <p:clrMapOvr>
+    <a:masterClrMapping/>
+  </p:clrMapOvr>
+</p:sld>
+</file>
+
 <file path=ppt/slides/slide7.xml><?xml version="1.0" encoding="utf-8"?>
 <p:sld xmlns:a="http://schemas.openxmlformats.org/drawingml/2006/main" xmlns:r="http://schemas.openxmlformats.org/officeDocument/2006/relationships" xmlns:p="http://schemas.openxmlformats.org/presentationml/2006/main">
   <p:cSld>
@@ -6250,7 +8603,7 @@
           <p:cNvPr id="2" name="Titel 1">
             <a:extLst>
               <a:ext uri="{FF2B5EF4-FFF2-40B4-BE49-F238E27FC236}">
-                <a16:creationId xmlns:a16="http://schemas.microsoft.com/office/drawing/2014/main" id="{70F42F9B-A32B-4CF6-B143-869D924FC790}"/>
+                <a16:creationId xmlns:a16="http://schemas.microsoft.com/office/drawing/2014/main" id="{9F0D4089-10E1-4F23-AAB2-E6BD34B51F1A}"/>
               </a:ext>
             </a:extLst>
           </p:cNvPr>
@@ -6267,17 +8620,12 @@
           <a:lstStyle/>
           <a:p>
             <a:r>
-              <a:rPr lang="de-DE" dirty="0">
-                <a:solidFill>
-                  <a:schemeClr val="accent2"/>
-                </a:solidFill>
-                <a:latin typeface="Bahnschrift" panose="020B0502040204020203" pitchFamily="34" charset="0"/>
-              </a:rPr>
-              <a:t>Dithering</a:t>
+              <a:rPr lang="de-DE" dirty="0" err="1"/>
+              <a:t>Atmosphere</a:t>
             </a:r>
             <a:r>
               <a:rPr lang="de-DE" dirty="0"/>
-              <a:t> (30 sec)</a:t>
+              <a:t> Rendering</a:t>
             </a:r>
           </a:p>
         </p:txBody>
@@ -6287,7 +8635,7 @@
           <p:cNvPr id="3" name="Inhaltsplatzhalter 2">
             <a:extLst>
               <a:ext uri="{FF2B5EF4-FFF2-40B4-BE49-F238E27FC236}">
-                <a16:creationId xmlns:a16="http://schemas.microsoft.com/office/drawing/2014/main" id="{B80DFE3B-89CF-4F1E-A075-3C288695DC66}"/>
+                <a16:creationId xmlns:a16="http://schemas.microsoft.com/office/drawing/2014/main" id="{28AF142C-3A29-4786-BCCE-B505B4BED13B}"/>
               </a:ext>
             </a:extLst>
           </p:cNvPr>
@@ -6303,69 +8651,14 @@
           <a:bodyPr/>
           <a:lstStyle/>
           <a:p>
-            <a:r>
-              <a:rPr lang="de-DE" dirty="0"/>
-              <a:t>Blue </a:t>
-            </a:r>
-            <a:r>
-              <a:rPr lang="de-DE" dirty="0" err="1"/>
-              <a:t>noise</a:t>
-            </a:r>
             <a:endParaRPr lang="de-DE" dirty="0"/>
-          </a:p>
-          <a:p>
-            <a:r>
-              <a:rPr lang="de-DE" dirty="0"/>
-              <a:t>Offset </a:t>
-            </a:r>
-            <a:r>
-              <a:rPr lang="de-DE" dirty="0" err="1"/>
-              <a:t>depth</a:t>
-            </a:r>
-            <a:endParaRPr lang="de-DE" dirty="0"/>
-          </a:p>
-          <a:p>
-            <a:r>
-              <a:rPr lang="de-DE" dirty="0" err="1"/>
-              <a:t>Better</a:t>
-            </a:r>
-            <a:r>
-              <a:rPr lang="de-DE" dirty="0"/>
-              <a:t> sample </a:t>
-            </a:r>
-            <a:r>
-              <a:rPr lang="de-DE" dirty="0" err="1"/>
-              <a:t>distribution</a:t>
-            </a:r>
-            <a:endParaRPr lang="de-DE" dirty="0"/>
-          </a:p>
-          <a:p>
-            <a:endParaRPr lang="de-DE" dirty="0"/>
-          </a:p>
-          <a:p>
-            <a:r>
-              <a:rPr lang="de-DE" dirty="0" err="1"/>
-              <a:t>Dithered</a:t>
-            </a:r>
-            <a:r>
-              <a:rPr lang="de-DE" dirty="0"/>
-              <a:t> </a:t>
-            </a:r>
-            <a:r>
-              <a:rPr lang="de-DE" dirty="0" err="1"/>
-              <a:t>sampling</a:t>
-            </a:r>
-            <a:r>
-              <a:rPr lang="de-DE" dirty="0"/>
-              <a:t> -&gt; TAA</a:t>
-            </a:r>
           </a:p>
         </p:txBody>
       </p:sp>
     </p:spTree>
     <p:extLst>
       <p:ext uri="{BB962C8B-B14F-4D97-AF65-F5344CB8AC3E}">
-        <p14:creationId xmlns:p14="http://schemas.microsoft.com/office/powerpoint/2010/main" val="3654735454"/>
+        <p14:creationId xmlns:p14="http://schemas.microsoft.com/office/powerpoint/2010/main" val="918164183"/>
       </p:ext>
     </p:extLst>
   </p:cSld>
@@ -6397,7 +8690,7 @@
           <p:cNvPr id="2" name="Titel 1">
             <a:extLst>
               <a:ext uri="{FF2B5EF4-FFF2-40B4-BE49-F238E27FC236}">
-                <a16:creationId xmlns:a16="http://schemas.microsoft.com/office/drawing/2014/main" id="{9F0D4089-10E1-4F23-AAB2-E6BD34B51F1A}"/>
+                <a16:creationId xmlns:a16="http://schemas.microsoft.com/office/drawing/2014/main" id="{EBD3DFD6-C5BF-479F-8946-D157F47853AA}"/>
               </a:ext>
             </a:extLst>
           </p:cNvPr>
@@ -6414,45 +8707,16 @@
           <a:lstStyle/>
           <a:p>
             <a:r>
-              <a:rPr lang="de-DE" dirty="0" err="1"/>
-              <a:t>Atmosphere</a:t>
-            </a:r>
-            <a:r>
               <a:rPr lang="de-DE" dirty="0"/>
-              <a:t> Rendering</a:t>
-            </a:r>
-          </a:p>
-        </p:txBody>
-      </p:sp>
-      <p:sp>
-        <p:nvSpPr>
-          <p:cNvPr id="3" name="Inhaltsplatzhalter 2">
-            <a:extLst>
-              <a:ext uri="{FF2B5EF4-FFF2-40B4-BE49-F238E27FC236}">
-                <a16:creationId xmlns:a16="http://schemas.microsoft.com/office/drawing/2014/main" id="{28AF142C-3A29-4786-BCCE-B505B4BED13B}"/>
-              </a:ext>
-            </a:extLst>
-          </p:cNvPr>
-          <p:cNvSpPr>
-            <a:spLocks noGrp="1"/>
-          </p:cNvSpPr>
-          <p:nvPr>
-            <p:ph idx="1"/>
-          </p:nvPr>
-        </p:nvSpPr>
-        <p:spPr/>
-        <p:txBody>
-          <a:bodyPr/>
-          <a:lstStyle/>
-          <a:p>
-            <a:endParaRPr lang="de-DE" dirty="0"/>
+              <a:t>Performance</a:t>
+            </a:r>
           </a:p>
         </p:txBody>
       </p:sp>
     </p:spTree>
     <p:extLst>
       <p:ext uri="{BB962C8B-B14F-4D97-AF65-F5344CB8AC3E}">
-        <p14:creationId xmlns:p14="http://schemas.microsoft.com/office/powerpoint/2010/main" val="918164183"/>
+        <p14:creationId xmlns:p14="http://schemas.microsoft.com/office/powerpoint/2010/main" val="963216593"/>
       </p:ext>
     </p:extLst>
   </p:cSld>
@@ -6495,22 +8759,61 @@
             <p:ph type="title"/>
           </p:nvPr>
         </p:nvSpPr>
-        <p:spPr/>
+        <p:spPr>
+          <a:xfrm>
+            <a:off x="123092" y="-1"/>
+            <a:ext cx="10515600" cy="1325563"/>
+          </a:xfrm>
+        </p:spPr>
         <p:txBody>
           <a:bodyPr/>
           <a:lstStyle/>
           <a:p>
             <a:r>
-              <a:rPr lang="de-DE" dirty="0"/>
-              <a:t>Performance</a:t>
-            </a:r>
-          </a:p>
-        </p:txBody>
-      </p:sp>
+              <a:rPr lang="de-DE" dirty="0">
+                <a:solidFill>
+                  <a:schemeClr val="accent2"/>
+                </a:solidFill>
+              </a:rPr>
+              <a:t>Vegetation</a:t>
+            </a:r>
+          </a:p>
+        </p:txBody>
+      </p:sp>
+      <p:pic>
+        <p:nvPicPr>
+          <p:cNvPr id="5" name="Grafik 4"/>
+          <p:cNvPicPr>
+            <a:picLocks noChangeAspect="1"/>
+          </p:cNvPicPr>
+          <p:nvPr/>
+        </p:nvPicPr>
+        <p:blipFill>
+          <a:blip r:embed="rId2">
+            <a:extLst>
+              <a:ext uri="{28A0092B-C50C-407E-A947-70E740481C1C}">
+                <a14:useLocalDpi xmlns:a14="http://schemas.microsoft.com/office/drawing/2010/main" val="0"/>
+              </a:ext>
+            </a:extLst>
+          </a:blip>
+          <a:stretch>
+            <a:fillRect/>
+          </a:stretch>
+        </p:blipFill>
+        <p:spPr>
+          <a:xfrm>
+            <a:off x="2883877" y="-1"/>
+            <a:ext cx="9308123" cy="6859417"/>
+          </a:xfrm>
+          <a:prstGeom prst="rect">
+            <a:avLst/>
+          </a:prstGeom>
+        </p:spPr>
+      </p:pic>
     </p:spTree>
     <p:extLst>
       <p:ext uri="{BB962C8B-B14F-4D97-AF65-F5344CB8AC3E}">
-        <p14:creationId xmlns:p14="http://schemas.microsoft.com/office/powerpoint/2010/main" val="963216593"/>
+        <p14:creationId xmlns:p14="http://schemas.microsoft.com/office/powerpoint/2010/main" val="768098241"/>
       </p:ext>
     </p:extLst>
   </p:cSld>

--- a/Presentation.pptx
+++ b/Presentation.pptx
@@ -11,16 +11,14 @@
     <p:sldId id="263" r:id="rId5"/>
     <p:sldId id="260" r:id="rId6"/>
     <p:sldId id="261" r:id="rId7"/>
-    <p:sldId id="264" r:id="rId8"/>
-    <p:sldId id="262" r:id="rId9"/>
-    <p:sldId id="265" r:id="rId10"/>
-    <p:sldId id="266" r:id="rId11"/>
-    <p:sldId id="267" r:id="rId12"/>
-    <p:sldId id="271" r:id="rId13"/>
-    <p:sldId id="270" r:id="rId14"/>
-    <p:sldId id="272" r:id="rId15"/>
-    <p:sldId id="274" r:id="rId16"/>
-    <p:sldId id="269" r:id="rId17"/>
+    <p:sldId id="269" r:id="rId8"/>
+    <p:sldId id="265" r:id="rId9"/>
+    <p:sldId id="266" r:id="rId10"/>
+    <p:sldId id="267" r:id="rId11"/>
+    <p:sldId id="271" r:id="rId12"/>
+    <p:sldId id="270" r:id="rId13"/>
+    <p:sldId id="272" r:id="rId14"/>
+    <p:sldId id="274" r:id="rId15"/>
   </p:sldIdLst>
   <p:sldSz cx="12192000" cy="6858000"/>
   <p:notesSz cx="6858000" cy="9144000"/>
@@ -2979,7 +2977,7 @@
           <a:lstStyle/>
           <a:p>
             <a:r>
-              <a:rPr lang="de-DE"/>
+              <a:rPr lang="de-DE" dirty="0"/>
               <a:t>Mastertitelformat bearbeiten</a:t>
             </a:r>
           </a:p>
@@ -3018,35 +3016,35 @@
           <a:p>
             <a:pPr lvl="0"/>
             <a:r>
-              <a:rPr lang="de-DE"/>
+              <a:rPr lang="de-DE" dirty="0"/>
               <a:t>Mastertextformat bearbeiten</a:t>
             </a:r>
           </a:p>
           <a:p>
             <a:pPr lvl="1"/>
             <a:r>
-              <a:rPr lang="de-DE"/>
+              <a:rPr lang="de-DE" dirty="0"/>
               <a:t>Zweite Ebene</a:t>
             </a:r>
           </a:p>
           <a:p>
             <a:pPr lvl="2"/>
             <a:r>
-              <a:rPr lang="de-DE"/>
+              <a:rPr lang="de-DE" dirty="0"/>
               <a:t>Dritte Ebene</a:t>
             </a:r>
           </a:p>
           <a:p>
             <a:pPr lvl="3"/>
             <a:r>
-              <a:rPr lang="de-DE"/>
+              <a:rPr lang="de-DE" dirty="0"/>
               <a:t>Vierte Ebene</a:t>
             </a:r>
           </a:p>
           <a:p>
             <a:pPr lvl="4"/>
             <a:r>
-              <a:rPr lang="de-DE"/>
+              <a:rPr lang="de-DE" dirty="0"/>
               <a:t>Fünfte Ebene</a:t>
             </a:r>
           </a:p>
@@ -3087,15 +3085,17 @@
                     <a:tint val="75000"/>
                   </a:schemeClr>
                 </a:solidFill>
+                <a:latin typeface="Bahnschrift" panose="020B0502040204020203" pitchFamily="34" charset="0"/>
               </a:defRPr>
             </a:lvl1pPr>
           </a:lstStyle>
           <a:p>
             <a:fld id="{541B350F-977A-45F1-9D02-725BAD40C7D3}" type="datetimeFigureOut">
               <a:rPr lang="de-DE" smtClean="0"/>
+              <a:pPr/>
               <a:t>30.01.2020</a:t>
             </a:fld>
-            <a:endParaRPr lang="de-DE"/>
+            <a:endParaRPr lang="de-DE" dirty="0"/>
           </a:p>
         </p:txBody>
       </p:sp>
@@ -3134,11 +3134,12 @@
                     <a:tint val="75000"/>
                   </a:schemeClr>
                 </a:solidFill>
+                <a:latin typeface="Bahnschrift" panose="020B0502040204020203" pitchFamily="34" charset="0"/>
               </a:defRPr>
             </a:lvl1pPr>
           </a:lstStyle>
           <a:p>
-            <a:endParaRPr lang="de-DE"/>
+            <a:endParaRPr lang="de-DE" dirty="0"/>
           </a:p>
         </p:txBody>
       </p:sp>
@@ -3177,15 +3178,17 @@
                     <a:tint val="75000"/>
                   </a:schemeClr>
                 </a:solidFill>
+                <a:latin typeface="Bahnschrift" panose="020B0502040204020203" pitchFamily="34" charset="0"/>
               </a:defRPr>
             </a:lvl1pPr>
           </a:lstStyle>
           <a:p>
             <a:fld id="{148BDE2D-142E-472F-A6CA-F315753F3C38}" type="slidenum">
               <a:rPr lang="de-DE" smtClean="0"/>
+              <a:pPr/>
               <a:t>‹Nr.›</a:t>
             </a:fld>
-            <a:endParaRPr lang="de-DE"/>
+            <a:endParaRPr lang="de-DE" dirty="0"/>
           </a:p>
         </p:txBody>
       </p:sp>
@@ -3225,7 +3228,7 @@
           <a:solidFill>
             <a:schemeClr val="tx1"/>
           </a:solidFill>
-          <a:latin typeface="+mj-lt"/>
+          <a:latin typeface="Bahnschrift" panose="020B0502040204020203" pitchFamily="34" charset="0"/>
           <a:ea typeface="+mj-ea"/>
           <a:cs typeface="+mj-cs"/>
         </a:defRPr>
@@ -3245,7 +3248,7 @@
           <a:solidFill>
             <a:schemeClr val="tx1"/>
           </a:solidFill>
-          <a:latin typeface="+mn-lt"/>
+          <a:latin typeface="Bahnschrift" panose="020B0502040204020203" pitchFamily="34" charset="0"/>
           <a:ea typeface="+mn-ea"/>
           <a:cs typeface="+mn-cs"/>
         </a:defRPr>
@@ -3263,7 +3266,7 @@
           <a:solidFill>
             <a:schemeClr val="tx1"/>
           </a:solidFill>
-          <a:latin typeface="+mn-lt"/>
+          <a:latin typeface="Bahnschrift" panose="020B0502040204020203" pitchFamily="34" charset="0"/>
           <a:ea typeface="+mn-ea"/>
           <a:cs typeface="+mn-cs"/>
         </a:defRPr>
@@ -3281,7 +3284,7 @@
           <a:solidFill>
             <a:schemeClr val="tx1"/>
           </a:solidFill>
-          <a:latin typeface="+mn-lt"/>
+          <a:latin typeface="Bahnschrift" panose="020B0502040204020203" pitchFamily="34" charset="0"/>
           <a:ea typeface="+mn-ea"/>
           <a:cs typeface="+mn-cs"/>
         </a:defRPr>
@@ -3299,7 +3302,7 @@
           <a:solidFill>
             <a:schemeClr val="tx1"/>
           </a:solidFill>
-          <a:latin typeface="+mn-lt"/>
+          <a:latin typeface="Bahnschrift" panose="020B0502040204020203" pitchFamily="34" charset="0"/>
           <a:ea typeface="+mn-ea"/>
           <a:cs typeface="+mn-cs"/>
         </a:defRPr>
@@ -3317,7 +3320,7 @@
           <a:solidFill>
             <a:schemeClr val="tx1"/>
           </a:solidFill>
-          <a:latin typeface="+mn-lt"/>
+          <a:latin typeface="Bahnschrift" panose="020B0502040204020203" pitchFamily="34" charset="0"/>
           <a:ea typeface="+mn-ea"/>
           <a:cs typeface="+mn-cs"/>
         </a:defRPr>
@@ -3896,17 +3899,33 @@
                   <a:schemeClr val="accent2"/>
                 </a:solidFill>
               </a:rPr>
-              <a:t> – General  </a:t>
+              <a:t> – </a:t>
+            </a:r>
+            <a:r>
+              <a:rPr lang="de-DE" dirty="0" err="1">
+                <a:solidFill>
+                  <a:schemeClr val="accent2"/>
+                </a:solidFill>
+              </a:rPr>
+              <a:t>Tessellation</a:t>
+            </a:r>
+            <a:r>
+              <a:rPr lang="de-DE" dirty="0">
+                <a:solidFill>
+                  <a:schemeClr val="accent2"/>
+                </a:solidFill>
+              </a:rPr>
+              <a:t>  </a:t>
             </a:r>
           </a:p>
         </p:txBody>
       </p:sp>
       <p:sp>
         <p:nvSpPr>
-          <p:cNvPr id="5" name="Inhaltsplatzhalter 2">
-            <a:extLst>
-              <a:ext uri="{FF2B5EF4-FFF2-40B4-BE49-F238E27FC236}">
-                <a16:creationId xmlns:a16="http://schemas.microsoft.com/office/drawing/2014/main" id="{00322693-9EF5-4863-AAE1-AD61ED63A6A5}"/>
+          <p:cNvPr id="4" name="Inhaltsplatzhalter 2">
+            <a:extLst>
+              <a:ext uri="{FF2B5EF4-FFF2-40B4-BE49-F238E27FC236}">
+                <a16:creationId xmlns:a16="http://schemas.microsoft.com/office/drawing/2014/main" id="{645C7290-9FF8-41E6-A73F-FA07A0C8E644}"/>
               </a:ext>
             </a:extLst>
           </p:cNvPr>
@@ -3917,7 +3936,7 @@
         </p:nvSpPr>
         <p:spPr>
           <a:xfrm>
-            <a:off x="838200" y="1825625"/>
+            <a:off x="838200" y="1803213"/>
             <a:ext cx="10515600" cy="4351338"/>
           </a:xfrm>
           <a:prstGeom prst="rect">
@@ -4097,99 +4116,10 @@
                   <a:schemeClr val="bg1"/>
                 </a:solidFill>
                 <a:latin typeface="Bahnschrift"/>
-              </a:rPr>
-              <a:t>Generate </a:t>
-            </a:r>
-            <a:r>
-              <a:rPr lang="de-DE" dirty="0" err="1">
-                <a:solidFill>
-                  <a:schemeClr val="bg1"/>
-                </a:solidFill>
-                <a:latin typeface="Bahnschrift"/>
-              </a:rPr>
-              <a:t>grass</a:t>
-            </a:r>
-            <a:r>
-              <a:rPr lang="de-DE" dirty="0">
-                <a:solidFill>
-                  <a:schemeClr val="bg1"/>
-                </a:solidFill>
-                <a:latin typeface="Bahnschrift"/>
-              </a:rPr>
-              <a:t> </a:t>
-            </a:r>
-            <a:r>
-              <a:rPr lang="de-DE" dirty="0" err="1">
-                <a:solidFill>
-                  <a:schemeClr val="bg1"/>
-                </a:solidFill>
-                <a:latin typeface="Bahnschrift"/>
-              </a:rPr>
-              <a:t>geometry</a:t>
-            </a:r>
-            <a:r>
-              <a:rPr lang="de-DE" dirty="0">
-                <a:solidFill>
-                  <a:schemeClr val="bg1"/>
-                </a:solidFill>
-                <a:latin typeface="Bahnschrift"/>
-              </a:rPr>
-              <a:t> in </a:t>
-            </a:r>
-            <a:r>
-              <a:rPr lang="de-DE" dirty="0" err="1">
-                <a:solidFill>
-                  <a:schemeClr val="bg1"/>
-                </a:solidFill>
-                <a:latin typeface="Bahnschrift"/>
-              </a:rPr>
-              <a:t>tessellation</a:t>
-            </a:r>
-            <a:r>
-              <a:rPr lang="de-DE" dirty="0">
-                <a:solidFill>
-                  <a:schemeClr val="bg1"/>
-                </a:solidFill>
-                <a:latin typeface="Bahnschrift"/>
-              </a:rPr>
-              <a:t> and </a:t>
-            </a:r>
-            <a:r>
-              <a:rPr lang="de-DE" dirty="0" err="1">
-                <a:solidFill>
-                  <a:schemeClr val="bg1"/>
-                </a:solidFill>
-                <a:latin typeface="Bahnschrift"/>
-              </a:rPr>
-              <a:t>geomety</a:t>
-            </a:r>
-            <a:r>
-              <a:rPr lang="de-DE" dirty="0">
-                <a:solidFill>
-                  <a:schemeClr val="bg1"/>
-                </a:solidFill>
-                <a:latin typeface="Bahnschrift"/>
-              </a:rPr>
-              <a:t> </a:t>
-            </a:r>
-            <a:r>
-              <a:rPr lang="de-DE" dirty="0" err="1">
-                <a:solidFill>
-                  <a:schemeClr val="bg1"/>
-                </a:solidFill>
-                <a:latin typeface="Bahnschrift"/>
-              </a:rPr>
-              <a:t>stage</a:t>
-            </a:r>
-            <a:endParaRPr lang="de-DE">
-              <a:solidFill>
-                <a:schemeClr val="bg1"/>
-              </a:solidFill>
-              <a:latin typeface="Bahnschrift"/>
-            </a:endParaRPr>
-          </a:p>
-          <a:p>
-            <a:pPr lvl="1"/>
+                <a:cs typeface="Calibri"/>
+              </a:rPr>
+              <a:t>Create additional </a:t>
+            </a:r>
             <a:r>
               <a:rPr lang="de-DE" dirty="0" err="1">
                 <a:solidFill>
@@ -4198,7 +4128,7 @@
                 <a:latin typeface="Bahnschrift"/>
                 <a:cs typeface="Calibri"/>
               </a:rPr>
-              <a:t>Allow</a:t>
+              <a:t>ground</a:t>
             </a:r>
             <a:r>
               <a:rPr lang="de-DE" dirty="0">
@@ -4218,7 +4148,7 @@
                 <a:latin typeface="Bahnschrift"/>
                 <a:cs typeface="Calibri"/>
               </a:rPr>
-              <a:t>artist</a:t>
+              <a:t>verticies</a:t>
             </a:r>
             <a:r>
               <a:rPr lang="de-DE" dirty="0">
@@ -4238,7 +4168,7 @@
                 <a:latin typeface="Bahnschrift"/>
                 <a:cs typeface="Calibri"/>
               </a:rPr>
-              <a:t>to</a:t>
+              <a:t>for</a:t>
             </a:r>
             <a:r>
               <a:rPr lang="de-DE" dirty="0">
@@ -4248,7 +4178,7 @@
                 <a:latin typeface="Bahnschrift"/>
                 <a:cs typeface="Calibri"/>
               </a:rPr>
-              <a:t> pass </a:t>
+              <a:t> </a:t>
             </a:r>
             <a:r>
               <a:rPr lang="de-DE" dirty="0" err="1">
@@ -4258,7 +4188,7 @@
                 <a:latin typeface="Bahnschrift"/>
                 <a:cs typeface="Calibri"/>
               </a:rPr>
-              <a:t>properties</a:t>
+              <a:t>geometry</a:t>
             </a:r>
             <a:r>
               <a:rPr lang="de-DE" dirty="0">
@@ -4268,7 +4198,7 @@
                 <a:latin typeface="Bahnschrift"/>
                 <a:cs typeface="Calibri"/>
               </a:rPr>
-              <a:t> such </a:t>
+              <a:t> </a:t>
             </a:r>
             <a:r>
               <a:rPr lang="de-DE" dirty="0" err="1">
@@ -4278,7 +4208,7 @@
                 <a:latin typeface="Bahnschrift"/>
                 <a:cs typeface="Calibri"/>
               </a:rPr>
-              <a:t>as</a:t>
+              <a:t>shader</a:t>
             </a:r>
             <a:r>
               <a:rPr lang="de-DE" dirty="0">
@@ -4298,7 +4228,7 @@
                 <a:latin typeface="Bahnschrift"/>
                 <a:cs typeface="Calibri"/>
               </a:rPr>
-              <a:t>height</a:t>
+              <a:t>to</a:t>
             </a:r>
             <a:r>
               <a:rPr lang="de-DE" dirty="0">
@@ -4308,7 +4238,7 @@
                 <a:latin typeface="Bahnschrift"/>
                 <a:cs typeface="Calibri"/>
               </a:rPr>
-              <a:t>, </a:t>
+              <a:t> </a:t>
             </a:r>
             <a:r>
               <a:rPr lang="de-DE" dirty="0" err="1">
@@ -4318,7 +4248,7 @@
                 <a:latin typeface="Bahnschrift"/>
                 <a:cs typeface="Calibri"/>
               </a:rPr>
-              <a:t>color</a:t>
+              <a:t>work</a:t>
             </a:r>
             <a:r>
               <a:rPr lang="de-DE" dirty="0">
@@ -4328,7 +4258,7 @@
                 <a:latin typeface="Bahnschrift"/>
                 <a:cs typeface="Calibri"/>
               </a:rPr>
-              <a:t> </a:t>
+              <a:t> on, </a:t>
             </a:r>
             <a:r>
               <a:rPr lang="de-DE" dirty="0" err="1">
@@ -4338,7 +4268,7 @@
                 <a:latin typeface="Bahnschrift"/>
                 <a:cs typeface="Calibri"/>
               </a:rPr>
-              <a:t>distribution</a:t>
+              <a:t>effectively</a:t>
             </a:r>
             <a:r>
               <a:rPr lang="de-DE" dirty="0">
@@ -4348,7 +4278,7 @@
                 <a:latin typeface="Bahnschrift"/>
                 <a:cs typeface="Calibri"/>
               </a:rPr>
-              <a:t> and wind </a:t>
+              <a:t> </a:t>
             </a:r>
             <a:r>
               <a:rPr lang="de-DE" dirty="0" err="1">
@@ -4358,7 +4288,47 @@
                 <a:latin typeface="Bahnschrift"/>
                 <a:cs typeface="Calibri"/>
               </a:rPr>
-              <a:t>displacement</a:t>
+              <a:t>increasing</a:t>
+            </a:r>
+            <a:r>
+              <a:rPr lang="de-DE" dirty="0">
+                <a:solidFill>
+                  <a:schemeClr val="bg1"/>
+                </a:solidFill>
+                <a:latin typeface="Bahnschrift"/>
+                <a:cs typeface="Calibri"/>
+              </a:rPr>
+              <a:t> </a:t>
+            </a:r>
+            <a:r>
+              <a:rPr lang="de-DE" dirty="0" err="1">
+                <a:solidFill>
+                  <a:schemeClr val="bg1"/>
+                </a:solidFill>
+                <a:latin typeface="Bahnschrift"/>
+                <a:cs typeface="Calibri"/>
+              </a:rPr>
+              <a:t>grass</a:t>
+            </a:r>
+            <a:r>
+              <a:rPr lang="de-DE" dirty="0">
+                <a:solidFill>
+                  <a:schemeClr val="bg1"/>
+                </a:solidFill>
+                <a:latin typeface="Bahnschrift"/>
+                <a:cs typeface="Calibri"/>
+              </a:rPr>
+              <a:t> </a:t>
+            </a:r>
+            <a:r>
+              <a:rPr lang="de-DE" dirty="0" err="1">
+                <a:solidFill>
+                  <a:schemeClr val="bg1"/>
+                </a:solidFill>
+                <a:latin typeface="Bahnschrift"/>
+                <a:cs typeface="Calibri"/>
+              </a:rPr>
+              <a:t>density</a:t>
             </a:r>
             <a:endParaRPr lang="de-DE" dirty="0">
               <a:solidFill>
@@ -4367,6 +4337,267 @@
               <a:latin typeface="Bahnschrift"/>
               <a:cs typeface="Calibri"/>
             </a:endParaRPr>
+          </a:p>
+          <a:p>
+            <a:endParaRPr lang="de-DE" dirty="0">
+              <a:solidFill>
+                <a:schemeClr val="bg1"/>
+              </a:solidFill>
+              <a:latin typeface="Bahnschrift"/>
+              <a:cs typeface="Calibri"/>
+            </a:endParaRPr>
+          </a:p>
+          <a:p>
+            <a:r>
+              <a:rPr lang="de-DE" dirty="0" err="1">
+                <a:solidFill>
+                  <a:schemeClr val="bg1"/>
+                </a:solidFill>
+                <a:latin typeface="Bahnschrift"/>
+                <a:cs typeface="Calibri"/>
+              </a:rPr>
+              <a:t>Optimizations</a:t>
+            </a:r>
+            <a:r>
+              <a:rPr lang="de-DE" dirty="0">
+                <a:solidFill>
+                  <a:schemeClr val="bg1"/>
+                </a:solidFill>
+                <a:latin typeface="Bahnschrift"/>
+                <a:cs typeface="Calibri"/>
+              </a:rPr>
+              <a:t>: </a:t>
+            </a:r>
+            <a:r>
+              <a:rPr lang="de-DE" dirty="0" err="1">
+                <a:solidFill>
+                  <a:schemeClr val="bg1"/>
+                </a:solidFill>
+                <a:latin typeface="Bahnschrift"/>
+                <a:cs typeface="Calibri"/>
+              </a:rPr>
+              <a:t>Tessellation</a:t>
+            </a:r>
+            <a:r>
+              <a:rPr lang="de-DE" dirty="0">
+                <a:solidFill>
+                  <a:schemeClr val="bg1"/>
+                </a:solidFill>
+                <a:latin typeface="Bahnschrift"/>
+                <a:cs typeface="Calibri"/>
+              </a:rPr>
+              <a:t> </a:t>
+            </a:r>
+            <a:r>
+              <a:rPr lang="de-DE" dirty="0" err="1">
+                <a:solidFill>
+                  <a:schemeClr val="bg1"/>
+                </a:solidFill>
+                <a:latin typeface="Bahnschrift"/>
+                <a:cs typeface="Calibri"/>
+              </a:rPr>
+              <a:t>fractors</a:t>
+            </a:r>
+            <a:r>
+              <a:rPr lang="de-DE" dirty="0">
+                <a:solidFill>
+                  <a:schemeClr val="bg1"/>
+                </a:solidFill>
+                <a:latin typeface="Bahnschrift"/>
+                <a:cs typeface="Calibri"/>
+              </a:rPr>
+              <a:t> </a:t>
+            </a:r>
+            <a:r>
+              <a:rPr lang="de-DE" dirty="0" err="1">
+                <a:solidFill>
+                  <a:schemeClr val="bg1"/>
+                </a:solidFill>
+                <a:latin typeface="Bahnschrift"/>
+                <a:cs typeface="Calibri"/>
+              </a:rPr>
+              <a:t>decrease</a:t>
+            </a:r>
+            <a:r>
+              <a:rPr lang="de-DE" dirty="0">
+                <a:solidFill>
+                  <a:schemeClr val="bg1"/>
+                </a:solidFill>
+                <a:latin typeface="Bahnschrift"/>
+                <a:cs typeface="Calibri"/>
+              </a:rPr>
+              <a:t> </a:t>
+            </a:r>
+            <a:r>
+              <a:rPr lang="de-DE" dirty="0" err="1">
+                <a:solidFill>
+                  <a:schemeClr val="bg1"/>
+                </a:solidFill>
+                <a:latin typeface="Bahnschrift"/>
+                <a:cs typeface="Calibri"/>
+              </a:rPr>
+              <a:t>with</a:t>
+            </a:r>
+            <a:r>
+              <a:rPr lang="de-DE" dirty="0">
+                <a:solidFill>
+                  <a:schemeClr val="bg1"/>
+                </a:solidFill>
+                <a:latin typeface="Bahnschrift"/>
+                <a:cs typeface="Calibri"/>
+              </a:rPr>
+              <a:t> </a:t>
+            </a:r>
+            <a:r>
+              <a:rPr lang="de-DE" dirty="0" err="1">
+                <a:solidFill>
+                  <a:schemeClr val="bg1"/>
+                </a:solidFill>
+                <a:latin typeface="Bahnschrift"/>
+                <a:cs typeface="Calibri"/>
+              </a:rPr>
+              <a:t>distance</a:t>
+            </a:r>
+            <a:r>
+              <a:rPr lang="de-DE" dirty="0">
+                <a:solidFill>
+                  <a:schemeClr val="bg1"/>
+                </a:solidFill>
+                <a:latin typeface="Bahnschrift"/>
+                <a:cs typeface="Calibri"/>
+              </a:rPr>
+              <a:t> </a:t>
+            </a:r>
+            <a:r>
+              <a:rPr lang="de-DE" dirty="0" err="1">
+                <a:solidFill>
+                  <a:schemeClr val="bg1"/>
+                </a:solidFill>
+                <a:latin typeface="Bahnschrift"/>
+                <a:cs typeface="Calibri"/>
+              </a:rPr>
+              <a:t>to</a:t>
+            </a:r>
+            <a:r>
+              <a:rPr lang="de-DE" dirty="0">
+                <a:solidFill>
+                  <a:schemeClr val="bg1"/>
+                </a:solidFill>
+                <a:latin typeface="Bahnschrift"/>
+                <a:cs typeface="Calibri"/>
+              </a:rPr>
+              <a:t> </a:t>
+            </a:r>
+            <a:r>
+              <a:rPr lang="de-DE" dirty="0" err="1">
+                <a:solidFill>
+                  <a:schemeClr val="bg1"/>
+                </a:solidFill>
+                <a:latin typeface="Bahnschrift"/>
+                <a:cs typeface="Calibri"/>
+              </a:rPr>
+              <a:t>player</a:t>
+            </a:r>
+            <a:r>
+              <a:rPr lang="de-DE" dirty="0">
+                <a:solidFill>
+                  <a:schemeClr val="bg1"/>
+                </a:solidFill>
+                <a:latin typeface="Bahnschrift"/>
+                <a:cs typeface="Calibri"/>
+              </a:rPr>
+              <a:t>, and </a:t>
+            </a:r>
+            <a:r>
+              <a:rPr lang="de-DE" dirty="0" err="1">
+                <a:solidFill>
+                  <a:schemeClr val="bg1"/>
+                </a:solidFill>
+                <a:latin typeface="Bahnschrift"/>
+                <a:cs typeface="Calibri"/>
+              </a:rPr>
+              <a:t>input</a:t>
+            </a:r>
+            <a:r>
+              <a:rPr lang="de-DE" dirty="0">
+                <a:solidFill>
+                  <a:schemeClr val="bg1"/>
+                </a:solidFill>
+                <a:latin typeface="Bahnschrift"/>
+                <a:cs typeface="Calibri"/>
+              </a:rPr>
+              <a:t> </a:t>
+            </a:r>
+            <a:r>
+              <a:rPr lang="de-DE" dirty="0" err="1">
+                <a:solidFill>
+                  <a:schemeClr val="bg1"/>
+                </a:solidFill>
+                <a:latin typeface="Bahnschrift"/>
+                <a:cs typeface="Calibri"/>
+              </a:rPr>
+              <a:t>verticies</a:t>
+            </a:r>
+            <a:r>
+              <a:rPr lang="de-DE" dirty="0">
+                <a:solidFill>
+                  <a:schemeClr val="bg1"/>
+                </a:solidFill>
+                <a:latin typeface="Bahnschrift"/>
+                <a:cs typeface="Calibri"/>
+              </a:rPr>
+              <a:t> </a:t>
+            </a:r>
+            <a:r>
+              <a:rPr lang="de-DE" dirty="0" err="1">
+                <a:solidFill>
+                  <a:schemeClr val="bg1"/>
+                </a:solidFill>
+                <a:latin typeface="Bahnschrift"/>
+                <a:cs typeface="Calibri"/>
+              </a:rPr>
+              <a:t>are</a:t>
+            </a:r>
+            <a:r>
+              <a:rPr lang="de-DE" dirty="0">
+                <a:solidFill>
+                  <a:schemeClr val="bg1"/>
+                </a:solidFill>
+                <a:latin typeface="Bahnschrift"/>
+                <a:cs typeface="Calibri"/>
+              </a:rPr>
+              <a:t> </a:t>
+            </a:r>
+            <a:r>
+              <a:rPr lang="de-DE" dirty="0" err="1">
+                <a:solidFill>
+                  <a:schemeClr val="bg1"/>
+                </a:solidFill>
+                <a:latin typeface="Bahnschrift"/>
+                <a:cs typeface="Calibri"/>
+              </a:rPr>
+              <a:t>frustum</a:t>
+            </a:r>
+            <a:r>
+              <a:rPr lang="de-DE" dirty="0">
+                <a:solidFill>
+                  <a:schemeClr val="bg1"/>
+                </a:solidFill>
+                <a:latin typeface="Bahnschrift"/>
+                <a:cs typeface="Calibri"/>
+              </a:rPr>
+              <a:t> </a:t>
+            </a:r>
+            <a:r>
+              <a:rPr lang="de-DE" dirty="0" err="1">
+                <a:solidFill>
+                  <a:schemeClr val="bg1"/>
+                </a:solidFill>
+                <a:latin typeface="Bahnschrift"/>
+                <a:cs typeface="Calibri"/>
+              </a:rPr>
+              <a:t>culled</a:t>
+            </a:r>
           </a:p>
           <a:p>
             <a:pPr marL="0" indent="0">
@@ -4381,137 +4612,10 @@
             </a:endParaRPr>
           </a:p>
           <a:p>
-            <a:r>
-              <a:rPr lang="de-DE" dirty="0" err="1">
-                <a:solidFill>
-                  <a:schemeClr val="bg1"/>
-                </a:solidFill>
-                <a:latin typeface="Bahnschrift"/>
-                <a:cs typeface="Calibri"/>
-              </a:rPr>
-              <a:t>Collide</a:t>
-            </a:r>
-            <a:r>
-              <a:rPr lang="de-DE" dirty="0">
-                <a:solidFill>
-                  <a:schemeClr val="bg1"/>
-                </a:solidFill>
-                <a:latin typeface="Bahnschrift"/>
-                <a:cs typeface="Calibri"/>
-              </a:rPr>
-              <a:t> </a:t>
-            </a:r>
-            <a:r>
-              <a:rPr lang="de-DE" dirty="0" err="1">
-                <a:solidFill>
-                  <a:schemeClr val="bg1"/>
-                </a:solidFill>
-                <a:latin typeface="Bahnschrift"/>
-                <a:cs typeface="Calibri"/>
-              </a:rPr>
-              <a:t>grass</a:t>
-            </a:r>
-            <a:r>
-              <a:rPr lang="de-DE" dirty="0">
-                <a:solidFill>
-                  <a:schemeClr val="bg1"/>
-                </a:solidFill>
-                <a:latin typeface="Bahnschrift"/>
-                <a:cs typeface="Calibri"/>
-              </a:rPr>
-              <a:t> blades </a:t>
-            </a:r>
-            <a:r>
-              <a:rPr lang="de-DE" dirty="0" err="1">
-                <a:solidFill>
-                  <a:schemeClr val="bg1"/>
-                </a:solidFill>
-                <a:latin typeface="Bahnschrift"/>
-                <a:cs typeface="Calibri"/>
-              </a:rPr>
-              <a:t>with</a:t>
-            </a:r>
-            <a:r>
-              <a:rPr lang="de-DE" dirty="0">
-                <a:solidFill>
-                  <a:schemeClr val="bg1"/>
-                </a:solidFill>
-                <a:latin typeface="Bahnschrift"/>
-                <a:cs typeface="Calibri"/>
-              </a:rPr>
-              <a:t> </a:t>
-            </a:r>
-            <a:r>
-              <a:rPr lang="de-DE" dirty="0" err="1">
-                <a:solidFill>
-                  <a:schemeClr val="bg1"/>
-                </a:solidFill>
-                <a:latin typeface="Bahnschrift"/>
-                <a:cs typeface="Calibri"/>
-              </a:rPr>
-              <a:t>player</a:t>
-            </a:r>
-            <a:r>
-              <a:rPr lang="de-DE" dirty="0">
-                <a:solidFill>
-                  <a:schemeClr val="bg1"/>
-                </a:solidFill>
-                <a:latin typeface="Bahnschrift"/>
-                <a:cs typeface="Calibri"/>
-              </a:rPr>
-              <a:t> and </a:t>
-            </a:r>
-            <a:r>
-              <a:rPr lang="de-DE" dirty="0" err="1">
-                <a:solidFill>
-                  <a:schemeClr val="bg1"/>
-                </a:solidFill>
-                <a:latin typeface="Bahnschrift"/>
-                <a:cs typeface="Calibri"/>
-              </a:rPr>
-              <a:t>other</a:t>
-            </a:r>
-            <a:r>
-              <a:rPr lang="de-DE" dirty="0">
-                <a:solidFill>
-                  <a:schemeClr val="bg1"/>
-                </a:solidFill>
-                <a:latin typeface="Bahnschrift"/>
-                <a:cs typeface="Calibri"/>
-              </a:rPr>
-              <a:t> </a:t>
-            </a:r>
-            <a:r>
-              <a:rPr lang="de-DE" dirty="0" err="1">
-                <a:solidFill>
-                  <a:schemeClr val="bg1"/>
-                </a:solidFill>
-                <a:latin typeface="Bahnschrift"/>
-                <a:cs typeface="Calibri"/>
-              </a:rPr>
-              <a:t>specified</a:t>
-            </a:r>
-            <a:r>
-              <a:rPr lang="de-DE" dirty="0">
-                <a:solidFill>
-                  <a:schemeClr val="bg1"/>
-                </a:solidFill>
-                <a:latin typeface="Bahnschrift"/>
-                <a:cs typeface="Calibri"/>
-              </a:rPr>
-              <a:t> </a:t>
-            </a:r>
-            <a:r>
-              <a:rPr lang="de-DE" dirty="0" err="1">
-                <a:solidFill>
-                  <a:schemeClr val="bg1"/>
-                </a:solidFill>
-                <a:latin typeface="Bahnschrift"/>
-                <a:cs typeface="Calibri"/>
-              </a:rPr>
-              <a:t>objects</a:t>
-            </a:r>
-            <a:endParaRPr lang="de-DE">
+            <a:pPr marL="0" indent="0">
+              <a:buNone/>
+            </a:pPr>
+            <a:endParaRPr lang="de-DE" dirty="0">
               <a:solidFill>
                 <a:schemeClr val="bg1"/>
               </a:solidFill>
@@ -4525,6 +4629,7 @@
                 <a:schemeClr val="bg1"/>
               </a:solidFill>
               <a:latin typeface="Bahnschrift" panose="020B0502040204020203" pitchFamily="34" charset="0"/>
+              <a:cs typeface="Calibri"/>
             </a:endParaRPr>
           </a:p>
         </p:txBody>
@@ -4532,7 +4637,7 @@
     </p:spTree>
     <p:extLst>
       <p:ext uri="{BB962C8B-B14F-4D97-AF65-F5344CB8AC3E}">
-        <p14:creationId xmlns:p14="http://schemas.microsoft.com/office/powerpoint/2010/main" val="75107569"/>
+        <p14:creationId xmlns:p14="http://schemas.microsoft.com/office/powerpoint/2010/main" val="3630807737"/>
       </p:ext>
     </p:extLst>
   </p:cSld>
@@ -4586,7 +4691,7 @@
                   <a:schemeClr val="accent2"/>
                 </a:solidFill>
               </a:rPr>
-              <a:t>Grass </a:t>
+              <a:t>Grass Shader – </a:t>
             </a:r>
             <a:r>
               <a:rPr lang="de-DE" dirty="0" err="1">
@@ -4594,753 +4699,136 @@
                   <a:schemeClr val="accent2"/>
                 </a:solidFill>
               </a:rPr>
-              <a:t>Shader</a:t>
-            </a:r>
-            <a:r>
-              <a:rPr lang="de-DE" dirty="0">
-                <a:solidFill>
-                  <a:schemeClr val="accent2"/>
-                </a:solidFill>
-              </a:rPr>
-              <a:t> – </a:t>
-            </a:r>
-            <a:r>
-              <a:rPr lang="de-DE" dirty="0" err="1">
-                <a:solidFill>
-                  <a:schemeClr val="accent2"/>
-                </a:solidFill>
-              </a:rPr>
-              <a:t>Tessellation</a:t>
-            </a:r>
-            <a:r>
-              <a:rPr lang="de-DE" dirty="0">
-                <a:solidFill>
-                  <a:schemeClr val="accent2"/>
-                </a:solidFill>
-              </a:rPr>
-              <a:t>  </a:t>
-            </a:r>
+              <a:t>Geometry</a:t>
+            </a:r>
+            <a:endParaRPr lang="de-DE" dirty="0" err="1">
+              <a:solidFill>
+                <a:schemeClr val="accent2"/>
+              </a:solidFill>
+              <a:cs typeface="Calibri Light"/>
+            </a:endParaRPr>
           </a:p>
         </p:txBody>
       </p:sp>
-      <p:sp>
-        <p:nvSpPr>
-          <p:cNvPr id="4" name="Inhaltsplatzhalter 2">
-            <a:extLst>
-              <a:ext uri="{FF2B5EF4-FFF2-40B4-BE49-F238E27FC236}">
-                <a16:creationId xmlns:a16="http://schemas.microsoft.com/office/drawing/2014/main" id="{645C7290-9FF8-41E6-A73F-FA07A0C8E644}"/>
-              </a:ext>
-            </a:extLst>
-          </p:cNvPr>
-          <p:cNvSpPr txBox="1">
-            <a:spLocks/>
-          </p:cNvSpPr>
+      <p:pic>
+        <p:nvPicPr>
+          <p:cNvPr id="5" name="Picture 5" descr="A close up of a logo&#10;&#10;Description generated with very high confidence">
+            <a:extLst>
+              <a:ext uri="{FF2B5EF4-FFF2-40B4-BE49-F238E27FC236}">
+                <a16:creationId xmlns:a16="http://schemas.microsoft.com/office/drawing/2014/main" id="{50EC269F-655F-4AB0-8AD5-C82554237B23}"/>
+              </a:ext>
+            </a:extLst>
+          </p:cNvPr>
+          <p:cNvPicPr>
+            <a:picLocks noChangeAspect="1"/>
+          </p:cNvPicPr>
           <p:nvPr/>
-        </p:nvSpPr>
+        </p:nvPicPr>
+        <p:blipFill>
+          <a:blip r:embed="rId2"/>
+          <a:stretch>
+            <a:fillRect/>
+          </a:stretch>
+        </p:blipFill>
         <p:spPr>
           <a:xfrm>
-            <a:off x="838200" y="1803213"/>
-            <a:ext cx="10515600" cy="4351338"/>
+            <a:off x="3507970" y="3977496"/>
+            <a:ext cx="5447370" cy="3396475"/>
           </a:xfrm>
           <a:prstGeom prst="rect">
             <a:avLst/>
           </a:prstGeom>
         </p:spPr>
+      </p:pic>
+      <p:sp>
+        <p:nvSpPr>
+          <p:cNvPr id="4" name="TextBox 3">
+            <a:extLst>
+              <a:ext uri="{FF2B5EF4-FFF2-40B4-BE49-F238E27FC236}">
+                <a16:creationId xmlns:a16="http://schemas.microsoft.com/office/drawing/2014/main" id="{9FD9A75E-C832-4982-8C2D-B3B22A0FE6F8}"/>
+              </a:ext>
+            </a:extLst>
+          </p:cNvPr>
+          <p:cNvSpPr txBox="1"/>
+          <p:nvPr/>
+        </p:nvSpPr>
+        <p:spPr>
+          <a:xfrm>
+            <a:off x="839695" y="1683871"/>
+            <a:ext cx="10430434" cy="1815882"/>
+          </a:xfrm>
+          <a:prstGeom prst="rect">
+            <a:avLst/>
+          </a:prstGeom>
+          <a:noFill/>
+        </p:spPr>
         <p:txBody>
-          <a:bodyPr anchor="t"/>
-          <a:lstStyle>
-            <a:lvl1pPr marL="228600" indent="-228600" algn="l" defTabSz="914400" rtl="0" eaLnBrk="1" latinLnBrk="0" hangingPunct="1">
-              <a:lnSpc>
-                <a:spcPct val="90000"/>
-              </a:lnSpc>
-              <a:spcBef>
-                <a:spcPts val="1000"/>
-              </a:spcBef>
-              <a:buFont typeface="Arial" panose="020B0604020202020204" pitchFamily="34" charset="0"/>
-              <a:buChar char="•"/>
-              <a:defRPr sz="2800" kern="1200">
-                <a:solidFill>
-                  <a:schemeClr val="tx1"/>
-                </a:solidFill>
-                <a:latin typeface="+mn-lt"/>
-                <a:ea typeface="+mn-ea"/>
-                <a:cs typeface="+mn-cs"/>
-              </a:defRPr>
-            </a:lvl1pPr>
-            <a:lvl2pPr marL="685800" indent="-228600" algn="l" defTabSz="914400" rtl="0" eaLnBrk="1" latinLnBrk="0" hangingPunct="1">
-              <a:lnSpc>
-                <a:spcPct val="90000"/>
-              </a:lnSpc>
-              <a:spcBef>
-                <a:spcPts val="500"/>
-              </a:spcBef>
-              <a:buFont typeface="Arial" panose="020B0604020202020204" pitchFamily="34" charset="0"/>
-              <a:buChar char="•"/>
-              <a:defRPr sz="2400" kern="1200">
-                <a:solidFill>
-                  <a:schemeClr val="tx1"/>
-                </a:solidFill>
-                <a:latin typeface="+mn-lt"/>
-                <a:ea typeface="+mn-ea"/>
-                <a:cs typeface="+mn-cs"/>
-              </a:defRPr>
-            </a:lvl2pPr>
-            <a:lvl3pPr marL="1143000" indent="-228600" algn="l" defTabSz="914400" rtl="0" eaLnBrk="1" latinLnBrk="0" hangingPunct="1">
-              <a:lnSpc>
-                <a:spcPct val="90000"/>
-              </a:lnSpc>
-              <a:spcBef>
-                <a:spcPts val="500"/>
-              </a:spcBef>
-              <a:buFont typeface="Arial" panose="020B0604020202020204" pitchFamily="34" charset="0"/>
-              <a:buChar char="•"/>
-              <a:defRPr sz="2000" kern="1200">
-                <a:solidFill>
-                  <a:schemeClr val="tx1"/>
-                </a:solidFill>
-                <a:latin typeface="+mn-lt"/>
-                <a:ea typeface="+mn-ea"/>
-                <a:cs typeface="+mn-cs"/>
-              </a:defRPr>
-            </a:lvl3pPr>
-            <a:lvl4pPr marL="1600200" indent="-228600" algn="l" defTabSz="914400" rtl="0" eaLnBrk="1" latinLnBrk="0" hangingPunct="1">
-              <a:lnSpc>
-                <a:spcPct val="90000"/>
-              </a:lnSpc>
-              <a:spcBef>
-                <a:spcPts val="500"/>
-              </a:spcBef>
-              <a:buFont typeface="Arial" panose="020B0604020202020204" pitchFamily="34" charset="0"/>
-              <a:buChar char="•"/>
-              <a:defRPr sz="1800" kern="1200">
-                <a:solidFill>
-                  <a:schemeClr val="tx1"/>
-                </a:solidFill>
-                <a:latin typeface="+mn-lt"/>
-                <a:ea typeface="+mn-ea"/>
-                <a:cs typeface="+mn-cs"/>
-              </a:defRPr>
-            </a:lvl4pPr>
-            <a:lvl5pPr marL="2057400" indent="-228600" algn="l" defTabSz="914400" rtl="0" eaLnBrk="1" latinLnBrk="0" hangingPunct="1">
-              <a:lnSpc>
-                <a:spcPct val="90000"/>
-              </a:lnSpc>
-              <a:spcBef>
-                <a:spcPts val="500"/>
-              </a:spcBef>
-              <a:buFont typeface="Arial" panose="020B0604020202020204" pitchFamily="34" charset="0"/>
-              <a:buChar char="•"/>
-              <a:defRPr sz="1800" kern="1200">
-                <a:solidFill>
-                  <a:schemeClr val="tx1"/>
-                </a:solidFill>
-                <a:latin typeface="+mn-lt"/>
-                <a:ea typeface="+mn-ea"/>
-                <a:cs typeface="+mn-cs"/>
-              </a:defRPr>
-            </a:lvl5pPr>
-            <a:lvl6pPr marL="2514600" indent="-228600" algn="l" defTabSz="914400" rtl="0" eaLnBrk="1" latinLnBrk="0" hangingPunct="1">
-              <a:lnSpc>
-                <a:spcPct val="90000"/>
-              </a:lnSpc>
-              <a:spcBef>
-                <a:spcPts val="500"/>
-              </a:spcBef>
-              <a:buFont typeface="Arial" panose="020B0604020202020204" pitchFamily="34" charset="0"/>
-              <a:buChar char="•"/>
-              <a:defRPr sz="1800" kern="1200">
-                <a:solidFill>
-                  <a:schemeClr val="tx1"/>
-                </a:solidFill>
-                <a:latin typeface="+mn-lt"/>
-                <a:ea typeface="+mn-ea"/>
-                <a:cs typeface="+mn-cs"/>
-              </a:defRPr>
-            </a:lvl6pPr>
-            <a:lvl7pPr marL="2971800" indent="-228600" algn="l" defTabSz="914400" rtl="0" eaLnBrk="1" latinLnBrk="0" hangingPunct="1">
-              <a:lnSpc>
-                <a:spcPct val="90000"/>
-              </a:lnSpc>
-              <a:spcBef>
-                <a:spcPts val="500"/>
-              </a:spcBef>
-              <a:buFont typeface="Arial" panose="020B0604020202020204" pitchFamily="34" charset="0"/>
-              <a:buChar char="•"/>
-              <a:defRPr sz="1800" kern="1200">
-                <a:solidFill>
-                  <a:schemeClr val="tx1"/>
-                </a:solidFill>
-                <a:latin typeface="+mn-lt"/>
-                <a:ea typeface="+mn-ea"/>
-                <a:cs typeface="+mn-cs"/>
-              </a:defRPr>
-            </a:lvl7pPr>
-            <a:lvl8pPr marL="3429000" indent="-228600" algn="l" defTabSz="914400" rtl="0" eaLnBrk="1" latinLnBrk="0" hangingPunct="1">
-              <a:lnSpc>
-                <a:spcPct val="90000"/>
-              </a:lnSpc>
-              <a:spcBef>
-                <a:spcPts val="500"/>
-              </a:spcBef>
-              <a:buFont typeface="Arial" panose="020B0604020202020204" pitchFamily="34" charset="0"/>
-              <a:buChar char="•"/>
-              <a:defRPr sz="1800" kern="1200">
-                <a:solidFill>
-                  <a:schemeClr val="tx1"/>
-                </a:solidFill>
-                <a:latin typeface="+mn-lt"/>
-                <a:ea typeface="+mn-ea"/>
-                <a:cs typeface="+mn-cs"/>
-              </a:defRPr>
-            </a:lvl8pPr>
-            <a:lvl9pPr marL="3886200" indent="-228600" algn="l" defTabSz="914400" rtl="0" eaLnBrk="1" latinLnBrk="0" hangingPunct="1">
-              <a:lnSpc>
-                <a:spcPct val="90000"/>
-              </a:lnSpc>
-              <a:spcBef>
-                <a:spcPts val="500"/>
-              </a:spcBef>
-              <a:buFont typeface="Arial" panose="020B0604020202020204" pitchFamily="34" charset="0"/>
-              <a:buChar char="•"/>
-              <a:defRPr sz="1800" kern="1200">
-                <a:solidFill>
-                  <a:schemeClr val="tx1"/>
-                </a:solidFill>
-                <a:latin typeface="+mn-lt"/>
-                <a:ea typeface="+mn-ea"/>
-                <a:cs typeface="+mn-cs"/>
-              </a:defRPr>
-            </a:lvl9pPr>
-          </a:lstStyle>
-          <a:p>
-            <a:r>
-              <a:rPr lang="de-DE" dirty="0">
-                <a:solidFill>
-                  <a:schemeClr val="bg1"/>
-                </a:solidFill>
-                <a:latin typeface="Bahnschrift"/>
+          <a:bodyPr rot="0" spcFirstLastPara="0" vertOverflow="overflow" horzOverflow="overflow" vert="horz" wrap="square" lIns="91440" tIns="45720" rIns="91440" bIns="45720" numCol="1" spcCol="0" rtlCol="0" fromWordArt="0" anchor="t" anchorCtr="0" forceAA="0" compatLnSpc="1">
+            <a:prstTxWarp prst="textNoShape">
+              <a:avLst/>
+            </a:prstTxWarp>
+            <a:spAutoFit/>
+          </a:bodyPr>
+          <a:lstStyle/>
+          <a:p>
+            <a:r>
+              <a:rPr lang="en-US" sz="2800" dirty="0">
+                <a:solidFill>
+                  <a:schemeClr val="bg1"/>
+                </a:solidFill>
+                <a:latin typeface="Bahnschrift" panose="020B0502040204020203" pitchFamily="34" charset="0"/>
+              </a:rPr>
+              <a:t>Initially, a single grass blade was added in the </a:t>
+            </a:r>
+            <a:r>
+              <a:rPr lang="en-US" sz="2800" dirty="0" err="1">
+                <a:solidFill>
+                  <a:schemeClr val="bg1"/>
+                </a:solidFill>
+                <a:latin typeface="Bahnschrift" panose="020B0502040204020203" pitchFamily="34" charset="0"/>
+              </a:rPr>
+              <a:t>centre</a:t>
+            </a:r>
+            <a:r>
+              <a:rPr lang="en-US" sz="2800" dirty="0">
+                <a:solidFill>
+                  <a:schemeClr val="bg1"/>
+                </a:solidFill>
+                <a:latin typeface="Bahnschrift" panose="020B0502040204020203" pitchFamily="34" charset="0"/>
+              </a:rPr>
+              <a:t> of the input triangle.</a:t>
+            </a:r>
+          </a:p>
+          <a:p>
+            <a:r>
+              <a:rPr lang="en-US" sz="2800" dirty="0">
+                <a:solidFill>
+                  <a:schemeClr val="bg1"/>
+                </a:solidFill>
+                <a:latin typeface="Bahnschrift" panose="020B0502040204020203" pitchFamily="34" charset="0"/>
                 <a:cs typeface="Calibri"/>
               </a:rPr>
-              <a:t>Create additional </a:t>
-            </a:r>
-            <a:r>
-              <a:rPr lang="de-DE" dirty="0" err="1">
-                <a:solidFill>
-                  <a:schemeClr val="bg1"/>
-                </a:solidFill>
-                <a:latin typeface="Bahnschrift"/>
+              <a:t>But, a lot of tessellation required for the dense grass look.</a:t>
+            </a:r>
+          </a:p>
+          <a:p>
+            <a:r>
+              <a:rPr lang="en-US" sz="2800" dirty="0">
+                <a:solidFill>
+                  <a:schemeClr val="bg1"/>
+                </a:solidFill>
+                <a:latin typeface="Bahnschrift" panose="020B0502040204020203" pitchFamily="34" charset="0"/>
                 <a:cs typeface="Calibri"/>
               </a:rPr>
-              <a:t>ground</a:t>
-            </a:r>
-            <a:r>
-              <a:rPr lang="de-DE" dirty="0">
-                <a:solidFill>
-                  <a:schemeClr val="bg1"/>
-                </a:solidFill>
-                <a:latin typeface="Bahnschrift"/>
-                <a:cs typeface="Calibri"/>
-              </a:rPr>
-              <a:t> </a:t>
-            </a:r>
-            <a:r>
-              <a:rPr lang="de-DE" dirty="0" err="1">
-                <a:solidFill>
-                  <a:schemeClr val="bg1"/>
-                </a:solidFill>
-                <a:latin typeface="Bahnschrift"/>
-                <a:cs typeface="Calibri"/>
-              </a:rPr>
-              <a:t>verticies</a:t>
-            </a:r>
-            <a:r>
-              <a:rPr lang="de-DE" dirty="0">
-                <a:solidFill>
-                  <a:schemeClr val="bg1"/>
-                </a:solidFill>
-                <a:latin typeface="Bahnschrift"/>
-                <a:cs typeface="Calibri"/>
-              </a:rPr>
-              <a:t> </a:t>
-            </a:r>
-            <a:r>
-              <a:rPr lang="de-DE" dirty="0" err="1">
-                <a:solidFill>
-                  <a:schemeClr val="bg1"/>
-                </a:solidFill>
-                <a:latin typeface="Bahnschrift"/>
-                <a:cs typeface="Calibri"/>
-              </a:rPr>
-              <a:t>for</a:t>
-            </a:r>
-            <a:r>
-              <a:rPr lang="de-DE" dirty="0">
-                <a:solidFill>
-                  <a:schemeClr val="bg1"/>
-                </a:solidFill>
-                <a:latin typeface="Bahnschrift"/>
-                <a:cs typeface="Calibri"/>
-              </a:rPr>
-              <a:t> </a:t>
-            </a:r>
-            <a:r>
-              <a:rPr lang="de-DE" dirty="0" err="1">
-                <a:solidFill>
-                  <a:schemeClr val="bg1"/>
-                </a:solidFill>
-                <a:latin typeface="Bahnschrift"/>
-                <a:cs typeface="Calibri"/>
-              </a:rPr>
-              <a:t>geometry</a:t>
-            </a:r>
-            <a:r>
-              <a:rPr lang="de-DE" dirty="0">
-                <a:solidFill>
-                  <a:schemeClr val="bg1"/>
-                </a:solidFill>
-                <a:latin typeface="Bahnschrift"/>
-                <a:cs typeface="Calibri"/>
-              </a:rPr>
-              <a:t> </a:t>
-            </a:r>
-            <a:r>
-              <a:rPr lang="de-DE" dirty="0" err="1">
-                <a:solidFill>
-                  <a:schemeClr val="bg1"/>
-                </a:solidFill>
-                <a:latin typeface="Bahnschrift"/>
-                <a:cs typeface="Calibri"/>
-              </a:rPr>
-              <a:t>shader</a:t>
-            </a:r>
-            <a:r>
-              <a:rPr lang="de-DE" dirty="0">
-                <a:solidFill>
-                  <a:schemeClr val="bg1"/>
-                </a:solidFill>
-                <a:latin typeface="Bahnschrift"/>
-                <a:cs typeface="Calibri"/>
-              </a:rPr>
-              <a:t> </a:t>
-            </a:r>
-            <a:r>
-              <a:rPr lang="de-DE" dirty="0" err="1">
-                <a:solidFill>
-                  <a:schemeClr val="bg1"/>
-                </a:solidFill>
-                <a:latin typeface="Bahnschrift"/>
-                <a:cs typeface="Calibri"/>
-              </a:rPr>
-              <a:t>to</a:t>
-            </a:r>
-            <a:r>
-              <a:rPr lang="de-DE" dirty="0">
-                <a:solidFill>
-                  <a:schemeClr val="bg1"/>
-                </a:solidFill>
-                <a:latin typeface="Bahnschrift"/>
-                <a:cs typeface="Calibri"/>
-              </a:rPr>
-              <a:t> </a:t>
-            </a:r>
-            <a:r>
-              <a:rPr lang="de-DE" dirty="0" err="1">
-                <a:solidFill>
-                  <a:schemeClr val="bg1"/>
-                </a:solidFill>
-                <a:latin typeface="Bahnschrift"/>
-                <a:cs typeface="Calibri"/>
-              </a:rPr>
-              <a:t>work</a:t>
-            </a:r>
-            <a:r>
-              <a:rPr lang="de-DE" dirty="0">
-                <a:solidFill>
-                  <a:schemeClr val="bg1"/>
-                </a:solidFill>
-                <a:latin typeface="Bahnschrift"/>
-                <a:cs typeface="Calibri"/>
-              </a:rPr>
-              <a:t> on, </a:t>
-            </a:r>
-            <a:r>
-              <a:rPr lang="de-DE" dirty="0" err="1">
-                <a:solidFill>
-                  <a:schemeClr val="bg1"/>
-                </a:solidFill>
-                <a:latin typeface="Bahnschrift"/>
-                <a:cs typeface="Calibri"/>
-              </a:rPr>
-              <a:t>effectively</a:t>
-            </a:r>
-            <a:r>
-              <a:rPr lang="de-DE" dirty="0">
-                <a:solidFill>
-                  <a:schemeClr val="bg1"/>
-                </a:solidFill>
-                <a:latin typeface="Bahnschrift"/>
-                <a:cs typeface="Calibri"/>
-              </a:rPr>
-              <a:t> </a:t>
-            </a:r>
-            <a:r>
-              <a:rPr lang="de-DE" dirty="0" err="1">
-                <a:solidFill>
-                  <a:schemeClr val="bg1"/>
-                </a:solidFill>
-                <a:latin typeface="Bahnschrift"/>
-                <a:cs typeface="Calibri"/>
-              </a:rPr>
-              <a:t>increasing</a:t>
-            </a:r>
-            <a:r>
-              <a:rPr lang="de-DE" dirty="0">
-                <a:solidFill>
-                  <a:schemeClr val="bg1"/>
-                </a:solidFill>
-                <a:latin typeface="Bahnschrift"/>
-                <a:cs typeface="Calibri"/>
-              </a:rPr>
-              <a:t> </a:t>
-            </a:r>
-            <a:r>
-              <a:rPr lang="de-DE" dirty="0" err="1">
-                <a:solidFill>
-                  <a:schemeClr val="bg1"/>
-                </a:solidFill>
-                <a:latin typeface="Bahnschrift"/>
-                <a:cs typeface="Calibri"/>
-              </a:rPr>
-              <a:t>grass</a:t>
-            </a:r>
-            <a:r>
-              <a:rPr lang="de-DE" dirty="0">
-                <a:solidFill>
-                  <a:schemeClr val="bg1"/>
-                </a:solidFill>
-                <a:latin typeface="Bahnschrift"/>
-                <a:cs typeface="Calibri"/>
-              </a:rPr>
-              <a:t> </a:t>
-            </a:r>
-            <a:r>
-              <a:rPr lang="de-DE" dirty="0" err="1">
-                <a:solidFill>
-                  <a:schemeClr val="bg1"/>
-                </a:solidFill>
-                <a:latin typeface="Bahnschrift"/>
-                <a:cs typeface="Calibri"/>
-              </a:rPr>
-              <a:t>density</a:t>
-            </a:r>
-            <a:endParaRPr lang="de-DE" dirty="0">
-              <a:solidFill>
-                <a:schemeClr val="bg1"/>
-              </a:solidFill>
-              <a:latin typeface="Bahnschrift"/>
-              <a:cs typeface="Calibri"/>
-            </a:endParaRPr>
-          </a:p>
-          <a:p>
-            <a:endParaRPr lang="de-DE" dirty="0">
-              <a:solidFill>
-                <a:schemeClr val="bg1"/>
-              </a:solidFill>
-              <a:latin typeface="Bahnschrift"/>
-              <a:cs typeface="Calibri"/>
-            </a:endParaRPr>
-          </a:p>
-          <a:p>
-            <a:r>
-              <a:rPr lang="de-DE" dirty="0" err="1">
-                <a:solidFill>
-                  <a:schemeClr val="bg1"/>
-                </a:solidFill>
-                <a:latin typeface="Bahnschrift"/>
-                <a:cs typeface="Calibri"/>
-              </a:rPr>
-              <a:t>Optimizations</a:t>
-            </a:r>
-            <a:r>
-              <a:rPr lang="de-DE" dirty="0">
-                <a:solidFill>
-                  <a:schemeClr val="bg1"/>
-                </a:solidFill>
-                <a:latin typeface="Bahnschrift"/>
-                <a:cs typeface="Calibri"/>
-              </a:rPr>
-              <a:t>: </a:t>
-            </a:r>
-            <a:r>
-              <a:rPr lang="de-DE" dirty="0" err="1">
-                <a:solidFill>
-                  <a:schemeClr val="bg1"/>
-                </a:solidFill>
-                <a:latin typeface="Bahnschrift"/>
-                <a:cs typeface="Calibri"/>
-              </a:rPr>
-              <a:t>Tessellation</a:t>
-            </a:r>
-            <a:r>
-              <a:rPr lang="de-DE" dirty="0">
-                <a:solidFill>
-                  <a:schemeClr val="bg1"/>
-                </a:solidFill>
-                <a:latin typeface="Bahnschrift"/>
-                <a:cs typeface="Calibri"/>
-              </a:rPr>
-              <a:t> </a:t>
-            </a:r>
-            <a:r>
-              <a:rPr lang="de-DE" dirty="0" err="1">
-                <a:solidFill>
-                  <a:schemeClr val="bg1"/>
-                </a:solidFill>
-                <a:latin typeface="Bahnschrift"/>
-                <a:cs typeface="Calibri"/>
-              </a:rPr>
-              <a:t>fractors</a:t>
-            </a:r>
-            <a:r>
-              <a:rPr lang="de-DE" dirty="0">
-                <a:solidFill>
-                  <a:schemeClr val="bg1"/>
-                </a:solidFill>
-                <a:latin typeface="Bahnschrift"/>
-                <a:cs typeface="Calibri"/>
-              </a:rPr>
-              <a:t> </a:t>
-            </a:r>
-            <a:r>
-              <a:rPr lang="de-DE" dirty="0" err="1">
-                <a:solidFill>
-                  <a:schemeClr val="bg1"/>
-                </a:solidFill>
-                <a:latin typeface="Bahnschrift"/>
-                <a:cs typeface="Calibri"/>
-              </a:rPr>
-              <a:t>decrease</a:t>
-            </a:r>
-            <a:r>
-              <a:rPr lang="de-DE" dirty="0">
-                <a:solidFill>
-                  <a:schemeClr val="bg1"/>
-                </a:solidFill>
-                <a:latin typeface="Bahnschrift"/>
-                <a:cs typeface="Calibri"/>
-              </a:rPr>
-              <a:t> </a:t>
-            </a:r>
-            <a:r>
-              <a:rPr lang="de-DE" dirty="0" err="1">
-                <a:solidFill>
-                  <a:schemeClr val="bg1"/>
-                </a:solidFill>
-                <a:latin typeface="Bahnschrift"/>
-                <a:cs typeface="Calibri"/>
-              </a:rPr>
-              <a:t>with</a:t>
-            </a:r>
-            <a:r>
-              <a:rPr lang="de-DE" dirty="0">
-                <a:solidFill>
-                  <a:schemeClr val="bg1"/>
-                </a:solidFill>
-                <a:latin typeface="Bahnschrift"/>
-                <a:cs typeface="Calibri"/>
-              </a:rPr>
-              <a:t> </a:t>
-            </a:r>
-            <a:r>
-              <a:rPr lang="de-DE" dirty="0" err="1">
-                <a:solidFill>
-                  <a:schemeClr val="bg1"/>
-                </a:solidFill>
-                <a:latin typeface="Bahnschrift"/>
-                <a:cs typeface="Calibri"/>
-              </a:rPr>
-              <a:t>distance</a:t>
-            </a:r>
-            <a:r>
-              <a:rPr lang="de-DE" dirty="0">
-                <a:solidFill>
-                  <a:schemeClr val="bg1"/>
-                </a:solidFill>
-                <a:latin typeface="Bahnschrift"/>
-                <a:cs typeface="Calibri"/>
-              </a:rPr>
-              <a:t> </a:t>
-            </a:r>
-            <a:r>
-              <a:rPr lang="de-DE" dirty="0" err="1">
-                <a:solidFill>
-                  <a:schemeClr val="bg1"/>
-                </a:solidFill>
-                <a:latin typeface="Bahnschrift"/>
-                <a:cs typeface="Calibri"/>
-              </a:rPr>
-              <a:t>to</a:t>
-            </a:r>
-            <a:r>
-              <a:rPr lang="de-DE" dirty="0">
-                <a:solidFill>
-                  <a:schemeClr val="bg1"/>
-                </a:solidFill>
-                <a:latin typeface="Bahnschrift"/>
-                <a:cs typeface="Calibri"/>
-              </a:rPr>
-              <a:t> </a:t>
-            </a:r>
-            <a:r>
-              <a:rPr lang="de-DE" dirty="0" err="1">
-                <a:solidFill>
-                  <a:schemeClr val="bg1"/>
-                </a:solidFill>
-                <a:latin typeface="Bahnschrift"/>
-                <a:cs typeface="Calibri"/>
-              </a:rPr>
-              <a:t>player</a:t>
-            </a:r>
-            <a:r>
-              <a:rPr lang="de-DE" dirty="0">
-                <a:solidFill>
-                  <a:schemeClr val="bg1"/>
-                </a:solidFill>
-                <a:latin typeface="Bahnschrift"/>
-                <a:cs typeface="Calibri"/>
-              </a:rPr>
-              <a:t>, and </a:t>
-            </a:r>
-            <a:r>
-              <a:rPr lang="de-DE" dirty="0" err="1">
-                <a:solidFill>
-                  <a:schemeClr val="bg1"/>
-                </a:solidFill>
-                <a:latin typeface="Bahnschrift"/>
-                <a:cs typeface="Calibri"/>
-              </a:rPr>
-              <a:t>input</a:t>
-            </a:r>
-            <a:r>
-              <a:rPr lang="de-DE" dirty="0">
-                <a:solidFill>
-                  <a:schemeClr val="bg1"/>
-                </a:solidFill>
-                <a:latin typeface="Bahnschrift"/>
-                <a:cs typeface="Calibri"/>
-              </a:rPr>
-              <a:t> </a:t>
-            </a:r>
-            <a:r>
-              <a:rPr lang="de-DE" dirty="0" err="1">
-                <a:solidFill>
-                  <a:schemeClr val="bg1"/>
-                </a:solidFill>
-                <a:latin typeface="Bahnschrift"/>
-                <a:cs typeface="Calibri"/>
-              </a:rPr>
-              <a:t>verticies</a:t>
-            </a:r>
-            <a:r>
-              <a:rPr lang="de-DE" dirty="0">
-                <a:solidFill>
-                  <a:schemeClr val="bg1"/>
-                </a:solidFill>
-                <a:latin typeface="Bahnschrift"/>
-                <a:cs typeface="Calibri"/>
-              </a:rPr>
-              <a:t> </a:t>
-            </a:r>
-            <a:r>
-              <a:rPr lang="de-DE" dirty="0" err="1">
-                <a:solidFill>
-                  <a:schemeClr val="bg1"/>
-                </a:solidFill>
-                <a:latin typeface="Bahnschrift"/>
-                <a:cs typeface="Calibri"/>
-              </a:rPr>
-              <a:t>are</a:t>
-            </a:r>
-            <a:r>
-              <a:rPr lang="de-DE" dirty="0">
-                <a:solidFill>
-                  <a:schemeClr val="bg1"/>
-                </a:solidFill>
-                <a:latin typeface="Bahnschrift"/>
-                <a:cs typeface="Calibri"/>
-              </a:rPr>
-              <a:t> </a:t>
-            </a:r>
-            <a:r>
-              <a:rPr lang="de-DE" dirty="0" err="1">
-                <a:solidFill>
-                  <a:schemeClr val="bg1"/>
-                </a:solidFill>
-                <a:latin typeface="Bahnschrift"/>
-                <a:cs typeface="Calibri"/>
-              </a:rPr>
-              <a:t>frustum</a:t>
-            </a:r>
-            <a:r>
-              <a:rPr lang="de-DE" dirty="0">
-                <a:solidFill>
-                  <a:schemeClr val="bg1"/>
-                </a:solidFill>
-                <a:latin typeface="Bahnschrift"/>
-                <a:cs typeface="Calibri"/>
-              </a:rPr>
-              <a:t> </a:t>
-            </a:r>
-            <a:r>
-              <a:rPr lang="de-DE" dirty="0" err="1">
-                <a:solidFill>
-                  <a:schemeClr val="bg1"/>
-                </a:solidFill>
-                <a:latin typeface="Bahnschrift"/>
-                <a:cs typeface="Calibri"/>
-              </a:rPr>
-              <a:t>culled</a:t>
-            </a:r>
-          </a:p>
-          <a:p>
-            <a:pPr marL="0" indent="0">
-              <a:buNone/>
-            </a:pPr>
-            <a:endParaRPr lang="de-DE" dirty="0">
-              <a:solidFill>
-                <a:schemeClr val="bg1"/>
-              </a:solidFill>
-              <a:latin typeface="Bahnschrift"/>
-              <a:cs typeface="Calibri"/>
-            </a:endParaRPr>
-          </a:p>
-          <a:p>
-            <a:pPr marL="0" indent="0">
-              <a:buNone/>
-            </a:pPr>
-            <a:endParaRPr lang="de-DE" dirty="0">
-              <a:solidFill>
-                <a:schemeClr val="bg1"/>
-              </a:solidFill>
-              <a:latin typeface="Bahnschrift" panose="020B0502040204020203" pitchFamily="34" charset="0"/>
-              <a:cs typeface="Calibri"/>
-            </a:endParaRPr>
-          </a:p>
-          <a:p>
-            <a:endParaRPr lang="de-DE">
-              <a:solidFill>
-                <a:schemeClr val="bg1"/>
-              </a:solidFill>
-              <a:latin typeface="Bahnschrift" panose="020B0502040204020203" pitchFamily="34" charset="0"/>
-              <a:cs typeface="Calibri"/>
-            </a:endParaRPr>
+              <a:t>==&gt; Add multiple blades for each triangle</a:t>
+            </a:r>
           </a:p>
         </p:txBody>
       </p:sp>
     </p:spTree>
     <p:extLst>
       <p:ext uri="{BB962C8B-B14F-4D97-AF65-F5344CB8AC3E}">
-        <p14:creationId xmlns:p14="http://schemas.microsoft.com/office/powerpoint/2010/main" val="3630807737"/>
+        <p14:creationId xmlns:p14="http://schemas.microsoft.com/office/powerpoint/2010/main" val="421721738"/>
       </p:ext>
     </p:extLst>
   </p:cSld>
@@ -5415,10 +4903,10 @@
       </p:sp>
       <p:pic>
         <p:nvPicPr>
-          <p:cNvPr id="5" name="Picture 5" descr="A close up of a logo&#10;&#10;Description generated with very high confidence">
-            <a:extLst>
-              <a:ext uri="{FF2B5EF4-FFF2-40B4-BE49-F238E27FC236}">
-                <a16:creationId xmlns:a16="http://schemas.microsoft.com/office/drawing/2014/main" id="{50EC269F-655F-4AB0-8AD5-C82554237B23}"/>
+          <p:cNvPr id="3" name="Picture 3" descr="A close up of a logo&#10;&#10;Description generated with very high confidence">
+            <a:extLst>
+              <a:ext uri="{FF2B5EF4-FFF2-40B4-BE49-F238E27FC236}">
+                <a16:creationId xmlns:a16="http://schemas.microsoft.com/office/drawing/2014/main" id="{917F7614-4302-492D-B998-6AF0808669B2}"/>
               </a:ext>
             </a:extLst>
           </p:cNvPr>
@@ -5435,8 +4923,8 @@
         </p:blipFill>
         <p:spPr>
           <a:xfrm>
-            <a:off x="3507970" y="3977496"/>
-            <a:ext cx="5447370" cy="3396475"/>
+            <a:off x="4179594" y="3138239"/>
+            <a:ext cx="4304370" cy="2680939"/>
           </a:xfrm>
           <a:prstGeom prst="rect">
             <a:avLst/>
@@ -5445,10 +4933,10 @@
       </p:pic>
       <p:sp>
         <p:nvSpPr>
-          <p:cNvPr id="4" name="TextBox 3">
-            <a:extLst>
-              <a:ext uri="{FF2B5EF4-FFF2-40B4-BE49-F238E27FC236}">
-                <a16:creationId xmlns:a16="http://schemas.microsoft.com/office/drawing/2014/main" id="{9FD9A75E-C832-4982-8C2D-B3B22A0FE6F8}"/>
+          <p:cNvPr id="8" name="TextBox 7">
+            <a:extLst>
+              <a:ext uri="{FF2B5EF4-FFF2-40B4-BE49-F238E27FC236}">
+                <a16:creationId xmlns:a16="http://schemas.microsoft.com/office/drawing/2014/main" id="{7D8CF12B-5A86-453F-BE19-62A4FFE7E84A}"/>
               </a:ext>
             </a:extLst>
           </p:cNvPr>
@@ -5458,7 +4946,7 @@
         <p:spPr>
           <a:xfrm>
             <a:off x="839695" y="1683871"/>
-            <a:ext cx="10430434" cy="1815882"/>
+            <a:ext cx="10430434" cy="1384995"/>
           </a:xfrm>
           <a:prstGeom prst="rect">
             <a:avLst/>
@@ -5479,46 +4967,50 @@
                 <a:solidFill>
                   <a:schemeClr val="bg1"/>
                 </a:solidFill>
-              </a:rPr>
-              <a:t>Initially, a single grass blade was added in the </a:t>
+                <a:latin typeface="Bahnschrift" panose="020B0502040204020203" pitchFamily="34" charset="0"/>
+                <a:cs typeface="Calibri"/>
+              </a:rPr>
+              <a:t>Grass blades are constructed out of four </a:t>
             </a:r>
             <a:r>
               <a:rPr lang="en-US" sz="2800" dirty="0" err="1">
                 <a:solidFill>
                   <a:schemeClr val="bg1"/>
                 </a:solidFill>
-              </a:rPr>
-              <a:t>centre</a:t>
+                <a:latin typeface="Bahnschrift" panose="020B0502040204020203" pitchFamily="34" charset="0"/>
+                <a:cs typeface="Calibri"/>
+              </a:rPr>
+              <a:t>verticies</a:t>
             </a:r>
             <a:r>
               <a:rPr lang="en-US" sz="2800" dirty="0">
                 <a:solidFill>
                   <a:schemeClr val="bg1"/>
                 </a:solidFill>
-              </a:rPr>
-              <a:t> of the input triangle.</a:t>
-            </a:r>
-          </a:p>
-          <a:p>
+                <a:latin typeface="Bahnschrift" panose="020B0502040204020203" pitchFamily="34" charset="0"/>
+                <a:cs typeface="Calibri"/>
+              </a:rPr>
+              <a:t>, which allows for less pointy looking blades, by pushing down the top </a:t>
+            </a:r>
+            <a:r>
+              <a:rPr lang="en-US" sz="2800" dirty="0" err="1">
+                <a:solidFill>
+                  <a:schemeClr val="bg1"/>
+                </a:solidFill>
+                <a:latin typeface="Bahnschrift" panose="020B0502040204020203" pitchFamily="34" charset="0"/>
+                <a:cs typeface="Calibri"/>
+              </a:rPr>
+              <a:t>verticies</a:t>
+            </a:r>
             <a:r>
               <a:rPr lang="en-US" sz="2800" dirty="0">
                 <a:solidFill>
                   <a:schemeClr val="bg1"/>
                 </a:solidFill>
+                <a:latin typeface="Bahnschrift" panose="020B0502040204020203" pitchFamily="34" charset="0"/>
                 <a:cs typeface="Calibri"/>
               </a:rPr>
-              <a:t>But, a lot of tessellation required for the dense grass look.</a:t>
-            </a:r>
-          </a:p>
-          <a:p>
-            <a:r>
-              <a:rPr lang="en-US" sz="2800" dirty="0">
-                <a:solidFill>
-                  <a:schemeClr val="bg1"/>
-                </a:solidFill>
-                <a:cs typeface="Calibri"/>
-              </a:rPr>
-              <a:t>==&gt; Add multiple blades for each triangle</a:t>
+              <a:t>.</a:t>
             </a:r>
           </a:p>
         </p:txBody>
@@ -5526,7 +5018,7 @@
     </p:spTree>
     <p:extLst>
       <p:ext uri="{BB962C8B-B14F-4D97-AF65-F5344CB8AC3E}">
-        <p14:creationId xmlns:p14="http://schemas.microsoft.com/office/powerpoint/2010/main" val="421721738"/>
+        <p14:creationId xmlns:p14="http://schemas.microsoft.com/office/powerpoint/2010/main" val="922494585"/>
       </p:ext>
     </p:extLst>
   </p:cSld>
@@ -5580,7 +5072,7 @@
                   <a:schemeClr val="accent2"/>
                 </a:solidFill>
               </a:rPr>
-              <a:t>Grass Shader – </a:t>
+              <a:t>Grass Shader – "External" </a:t>
             </a:r>
             <a:r>
               <a:rPr lang="de-DE" dirty="0" err="1">
@@ -5588,7 +5080,7 @@
                   <a:schemeClr val="accent2"/>
                 </a:solidFill>
               </a:rPr>
-              <a:t>Geometry</a:t>
+              <a:t>Influences</a:t>
             </a:r>
             <a:endParaRPr lang="de-DE" dirty="0" err="1">
               <a:solidFill>
@@ -5599,36 +5091,6 @@
           </a:p>
         </p:txBody>
       </p:sp>
-      <p:pic>
-        <p:nvPicPr>
-          <p:cNvPr id="3" name="Picture 3" descr="A close up of a logo&#10;&#10;Description generated with very high confidence">
-            <a:extLst>
-              <a:ext uri="{FF2B5EF4-FFF2-40B4-BE49-F238E27FC236}">
-                <a16:creationId xmlns:a16="http://schemas.microsoft.com/office/drawing/2014/main" id="{917F7614-4302-492D-B998-6AF0808669B2}"/>
-              </a:ext>
-            </a:extLst>
-          </p:cNvPr>
-          <p:cNvPicPr>
-            <a:picLocks noChangeAspect="1"/>
-          </p:cNvPicPr>
-          <p:nvPr/>
-        </p:nvPicPr>
-        <p:blipFill>
-          <a:blip r:embed="rId2"/>
-          <a:stretch>
-            <a:fillRect/>
-          </a:stretch>
-        </p:blipFill>
-        <p:spPr>
-          <a:xfrm>
-            <a:off x="4179594" y="3138239"/>
-            <a:ext cx="4304370" cy="2680939"/>
-          </a:xfrm>
-          <a:prstGeom prst="rect">
-            <a:avLst/>
-          </a:prstGeom>
-        </p:spPr>
-      </p:pic>
       <p:sp>
         <p:nvSpPr>
           <p:cNvPr id="8" name="TextBox 7">
@@ -5665,161 +5127,7 @@
                 <a:solidFill>
                   <a:schemeClr val="bg1"/>
                 </a:solidFill>
-                <a:cs typeface="Calibri"/>
-              </a:rPr>
-              <a:t>Grass blades are constructed out of four </a:t>
-            </a:r>
-            <a:r>
-              <a:rPr lang="en-US" sz="2800" dirty="0" err="1">
-                <a:solidFill>
-                  <a:schemeClr val="bg1"/>
-                </a:solidFill>
-                <a:cs typeface="Calibri"/>
-              </a:rPr>
-              <a:t>verticies</a:t>
-            </a:r>
-            <a:r>
-              <a:rPr lang="en-US" sz="2800" dirty="0">
-                <a:solidFill>
-                  <a:schemeClr val="bg1"/>
-                </a:solidFill>
-                <a:cs typeface="Calibri"/>
-              </a:rPr>
-              <a:t>, which allows for less pointy looking blades, by pushing down the top </a:t>
-            </a:r>
-            <a:r>
-              <a:rPr lang="en-US" sz="2800" dirty="0" err="1">
-                <a:solidFill>
-                  <a:schemeClr val="bg1"/>
-                </a:solidFill>
-                <a:cs typeface="Calibri"/>
-              </a:rPr>
-              <a:t>verticies</a:t>
-            </a:r>
-            <a:r>
-              <a:rPr lang="en-US" sz="2800" dirty="0">
-                <a:solidFill>
-                  <a:schemeClr val="bg1"/>
-                </a:solidFill>
-                <a:cs typeface="Calibri"/>
-              </a:rPr>
-              <a:t>.</a:t>
-            </a:r>
-          </a:p>
-        </p:txBody>
-      </p:sp>
-    </p:spTree>
-    <p:extLst>
-      <p:ext uri="{BB962C8B-B14F-4D97-AF65-F5344CB8AC3E}">
-        <p14:creationId xmlns:p14="http://schemas.microsoft.com/office/powerpoint/2010/main" val="922494585"/>
-      </p:ext>
-    </p:extLst>
-  </p:cSld>
-  <p:clrMapOvr>
-    <a:masterClrMapping/>
-  </p:clrMapOvr>
-</p:sld>
-</file>
-
-<file path=ppt/slides/slide14.xml><?xml version="1.0" encoding="utf-8"?>
-<p:sld xmlns:a="http://schemas.openxmlformats.org/drawingml/2006/main" xmlns:r="http://schemas.openxmlformats.org/officeDocument/2006/relationships" xmlns:p="http://schemas.openxmlformats.org/presentationml/2006/main">
-  <p:cSld>
-    <p:spTree>
-      <p:nvGrpSpPr>
-        <p:cNvPr id="1" name=""/>
-        <p:cNvGrpSpPr/>
-        <p:nvPr/>
-      </p:nvGrpSpPr>
-      <p:grpSpPr>
-        <a:xfrm>
-          <a:off x="0" y="0"/>
-          <a:ext cx="0" cy="0"/>
-          <a:chOff x="0" y="0"/>
-          <a:chExt cx="0" cy="0"/>
-        </a:xfrm>
-      </p:grpSpPr>
-      <p:sp>
-        <p:nvSpPr>
-          <p:cNvPr id="2" name="Titel 1">
-            <a:extLst>
-              <a:ext uri="{FF2B5EF4-FFF2-40B4-BE49-F238E27FC236}">
-                <a16:creationId xmlns:a16="http://schemas.microsoft.com/office/drawing/2014/main" id="{EBD3DFD6-C5BF-479F-8946-D157F47853AA}"/>
-              </a:ext>
-            </a:extLst>
-          </p:cNvPr>
-          <p:cNvSpPr>
-            <a:spLocks noGrp="1"/>
-          </p:cNvSpPr>
-          <p:nvPr>
-            <p:ph type="title"/>
-          </p:nvPr>
-        </p:nvSpPr>
-        <p:spPr/>
-        <p:txBody>
-          <a:bodyPr/>
-          <a:lstStyle/>
-          <a:p>
-            <a:r>
-              <a:rPr lang="de-DE" dirty="0">
-                <a:solidFill>
-                  <a:schemeClr val="accent2"/>
-                </a:solidFill>
-              </a:rPr>
-              <a:t>Grass Shader – "External" </a:t>
-            </a:r>
-            <a:r>
-              <a:rPr lang="de-DE" dirty="0" err="1">
-                <a:solidFill>
-                  <a:schemeClr val="accent2"/>
-                </a:solidFill>
-              </a:rPr>
-              <a:t>Influences</a:t>
-            </a:r>
-            <a:endParaRPr lang="de-DE" dirty="0" err="1">
-              <a:solidFill>
-                <a:schemeClr val="accent2"/>
-              </a:solidFill>
-              <a:cs typeface="Calibri Light"/>
-            </a:endParaRPr>
-          </a:p>
-        </p:txBody>
-      </p:sp>
-      <p:sp>
-        <p:nvSpPr>
-          <p:cNvPr id="8" name="TextBox 7">
-            <a:extLst>
-              <a:ext uri="{FF2B5EF4-FFF2-40B4-BE49-F238E27FC236}">
-                <a16:creationId xmlns:a16="http://schemas.microsoft.com/office/drawing/2014/main" id="{7D8CF12B-5A86-453F-BE19-62A4FFE7E84A}"/>
-              </a:ext>
-            </a:extLst>
-          </p:cNvPr>
-          <p:cNvSpPr txBox="1"/>
-          <p:nvPr/>
-        </p:nvSpPr>
-        <p:spPr>
-          <a:xfrm>
-            <a:off x="839695" y="1683871"/>
-            <a:ext cx="10430434" cy="954107"/>
-          </a:xfrm>
-          <a:prstGeom prst="rect">
-            <a:avLst/>
-          </a:prstGeom>
-          <a:noFill/>
-        </p:spPr>
-        <p:txBody>
-          <a:bodyPr rot="0" spcFirstLastPara="0" vertOverflow="overflow" horzOverflow="overflow" vert="horz" wrap="square" lIns="91440" tIns="45720" rIns="91440" bIns="45720" numCol="1" spcCol="0" rtlCol="0" fromWordArt="0" anchor="t" anchorCtr="0" forceAA="0" compatLnSpc="1">
-            <a:prstTxWarp prst="textNoShape">
-              <a:avLst/>
-            </a:prstTxWarp>
-            <a:spAutoFit/>
-          </a:bodyPr>
-          <a:lstStyle/>
-          <a:p>
-            <a:r>
-              <a:rPr lang="en-US" sz="2800" dirty="0">
-                <a:solidFill>
-                  <a:schemeClr val="bg1"/>
-                </a:solidFill>
+                <a:latin typeface="Bahnschrift" panose="020B0502040204020203" pitchFamily="34" charset="0"/>
                 <a:cs typeface="Calibri"/>
               </a:rPr>
               <a:t>Grass Blades are influenced by wind, achieved by a displacement texture applied to the top vertex positions.</a:t>
@@ -5870,7 +5178,7 @@
 </p:sld>
 </file>
 
-<file path=ppt/slides/slide15.xml><?xml version="1.0" encoding="utf-8"?>
+<file path=ppt/slides/slide14.xml><?xml version="1.0" encoding="utf-8"?>
 <p:sld xmlns:a="http://schemas.openxmlformats.org/drawingml/2006/main" xmlns:r="http://schemas.openxmlformats.org/officeDocument/2006/relationships" xmlns:p="http://schemas.openxmlformats.org/presentationml/2006/main">
   <p:cSld>
     <p:spTree>
@@ -5913,6 +5221,7 @@
                 <a:solidFill>
                   <a:schemeClr val="accent2"/>
                 </a:solidFill>
+                <a:latin typeface="Bahnschrift" panose="020B0502040204020203" pitchFamily="34" charset="0"/>
               </a:rPr>
               <a:t>Grass Shader – "External" </a:t>
             </a:r>
@@ -5921,8 +5230,17 @@
                 <a:solidFill>
                   <a:schemeClr val="accent2"/>
                 </a:solidFill>
-              </a:rPr>
-              <a:t>Influences</a:t>
+                <a:latin typeface="Bahnschrift" panose="020B0502040204020203" pitchFamily="34" charset="0"/>
+              </a:rPr>
+              <a:t>Influence</a:t>
+            </a:r>
+            <a:r>
+              <a:rPr lang="de-DE" dirty="0" err="1">
+                <a:solidFill>
+                  <a:schemeClr val="accent2"/>
+                </a:solidFill>
+              </a:rPr>
+              <a:t>s</a:t>
             </a:r>
             <a:endParaRPr lang="de-DE" dirty="0" err="1">
               <a:solidFill>
@@ -5969,6 +5287,7 @@
                 <a:solidFill>
                   <a:schemeClr val="bg1"/>
                 </a:solidFill>
+                <a:latin typeface="Bahnschrift" panose="020B0502040204020203" pitchFamily="34" charset="0"/>
                 <a:cs typeface="Calibri"/>
               </a:rPr>
               <a:t>Additionally grass will collide with players or other objects, and bend away. </a:t>
@@ -5977,6 +5296,7 @@
               <a:solidFill>
                 <a:schemeClr val="bg1"/>
               </a:solidFill>
+              <a:latin typeface="Bahnschrift" panose="020B0502040204020203" pitchFamily="34" charset="0"/>
             </a:endParaRPr>
           </a:p>
         </p:txBody>
@@ -6024,84 +5344,6 @@
 </p:sld>
 </file>
 
-<file path=ppt/slides/slide16.xml><?xml version="1.0" encoding="utf-8"?>
-<p:sld xmlns:a="http://schemas.openxmlformats.org/drawingml/2006/main" xmlns:r="http://schemas.openxmlformats.org/officeDocument/2006/relationships" xmlns:p="http://schemas.openxmlformats.org/presentationml/2006/main">
-  <p:cSld>
-    <p:spTree>
-      <p:nvGrpSpPr>
-        <p:cNvPr id="1" name=""/>
-        <p:cNvGrpSpPr/>
-        <p:nvPr/>
-      </p:nvGrpSpPr>
-      <p:grpSpPr>
-        <a:xfrm>
-          <a:off x="0" y="0"/>
-          <a:ext cx="0" cy="0"/>
-          <a:chOff x="0" y="0"/>
-          <a:chExt cx="0" cy="0"/>
-        </a:xfrm>
-      </p:grpSpPr>
-      <p:sp>
-        <p:nvSpPr>
-          <p:cNvPr id="2" name="Titel 1">
-            <a:extLst>
-              <a:ext uri="{FF2B5EF4-FFF2-40B4-BE49-F238E27FC236}">
-                <a16:creationId xmlns:a16="http://schemas.microsoft.com/office/drawing/2014/main" id="{EBD3DFD6-C5BF-479F-8946-D157F47853AA}"/>
-              </a:ext>
-            </a:extLst>
-          </p:cNvPr>
-          <p:cNvSpPr>
-            <a:spLocks noGrp="1"/>
-          </p:cNvSpPr>
-          <p:nvPr>
-            <p:ph type="title"/>
-          </p:nvPr>
-        </p:nvSpPr>
-        <p:spPr/>
-        <p:txBody>
-          <a:bodyPr/>
-          <a:lstStyle/>
-          <a:p>
-            <a:r>
-              <a:rPr lang="de-DE" dirty="0">
-                <a:solidFill>
-                  <a:schemeClr val="accent2"/>
-                </a:solidFill>
-              </a:rPr>
-              <a:t>Grass </a:t>
-            </a:r>
-            <a:r>
-              <a:rPr lang="de-DE" dirty="0" err="1">
-                <a:solidFill>
-                  <a:schemeClr val="accent2"/>
-                </a:solidFill>
-              </a:rPr>
-              <a:t>Shader</a:t>
-            </a:r>
-            <a:r>
-              <a:rPr lang="de-DE" dirty="0">
-                <a:solidFill>
-                  <a:schemeClr val="accent2"/>
-                </a:solidFill>
-              </a:rPr>
-              <a:t> – Live Demo</a:t>
-            </a:r>
-          </a:p>
-        </p:txBody>
-      </p:sp>
-    </p:spTree>
-    <p:extLst>
-      <p:ext uri="{BB962C8B-B14F-4D97-AF65-F5344CB8AC3E}">
-        <p14:creationId xmlns:p14="http://schemas.microsoft.com/office/powerpoint/2010/main" val="1376111569"/>
-      </p:ext>
-    </p:extLst>
-  </p:cSld>
-  <p:clrMapOvr>
-    <a:masterClrMapping/>
-  </p:clrMapOvr>
-</p:sld>
-</file>
-
 <file path=ppt/slides/slide2.xml><?xml version="1.0" encoding="utf-8"?>
 <p:sld xmlns:a="http://schemas.openxmlformats.org/drawingml/2006/main" xmlns:r="http://schemas.openxmlformats.org/officeDocument/2006/relationships" xmlns:p="http://schemas.openxmlformats.org/presentationml/2006/main">
   <p:cSld>
@@ -6135,15 +5377,120 @@
             <p:ph type="title"/>
           </p:nvPr>
         </p:nvSpPr>
-        <p:spPr/>
+        <p:spPr>
+          <a:xfrm>
+            <a:off x="838200" y="2002234"/>
+            <a:ext cx="10515600" cy="2853532"/>
+          </a:xfrm>
+        </p:spPr>
         <p:txBody>
-          <a:bodyPr/>
+          <a:bodyPr>
+            <a:normAutofit fontScale="90000"/>
+          </a:bodyPr>
           <a:lstStyle/>
           <a:p>
-            <a:r>
-              <a:rPr lang="de-DE" dirty="0"/>
-              <a:t>Fog Demo (1 min)</a:t>
-            </a:r>
+            <a:pPr algn="ctr"/>
+            <a:r>
+              <a:rPr lang="de-DE" sz="7200" dirty="0">
+                <a:solidFill>
+                  <a:schemeClr val="accent2"/>
+                </a:solidFill>
+                <a:latin typeface="Bahnschrift" panose="020B0502040204020203" pitchFamily="34" charset="0"/>
+              </a:rPr>
+              <a:t>Demo:</a:t>
+            </a:r>
+            <a:br>
+              <a:rPr lang="de-DE" sz="7200" dirty="0">
+                <a:solidFill>
+                  <a:schemeClr val="accent2"/>
+                </a:solidFill>
+                <a:latin typeface="Bahnschrift" panose="020B0502040204020203" pitchFamily="34" charset="0"/>
+              </a:rPr>
+            </a:br>
+            <a:r>
+              <a:rPr lang="de-DE" sz="7200" dirty="0" err="1">
+                <a:solidFill>
+                  <a:schemeClr val="accent2"/>
+                </a:solidFill>
+                <a:latin typeface="Bahnschrift" panose="020B0502040204020203" pitchFamily="34" charset="0"/>
+              </a:rPr>
+              <a:t>Physically</a:t>
+            </a:r>
+            <a:r>
+              <a:rPr lang="de-DE" sz="7200" dirty="0">
+                <a:solidFill>
+                  <a:schemeClr val="accent2"/>
+                </a:solidFill>
+                <a:latin typeface="Bahnschrift" panose="020B0502040204020203" pitchFamily="34" charset="0"/>
+              </a:rPr>
+              <a:t> </a:t>
+            </a:r>
+            <a:r>
+              <a:rPr lang="de-DE" sz="7200" dirty="0" err="1">
+                <a:solidFill>
+                  <a:schemeClr val="accent2"/>
+                </a:solidFill>
+                <a:latin typeface="Bahnschrift" panose="020B0502040204020203" pitchFamily="34" charset="0"/>
+              </a:rPr>
+              <a:t>Based</a:t>
+            </a:r>
+            <a:br>
+              <a:rPr lang="de-DE" sz="7200" dirty="0">
+                <a:solidFill>
+                  <a:schemeClr val="accent2"/>
+                </a:solidFill>
+                <a:latin typeface="Bahnschrift" panose="020B0502040204020203" pitchFamily="34" charset="0"/>
+              </a:rPr>
+            </a:br>
+            <a:r>
+              <a:rPr lang="de-DE" sz="7200" dirty="0" err="1">
+                <a:solidFill>
+                  <a:schemeClr val="accent2"/>
+                </a:solidFill>
+                <a:latin typeface="Bahnschrift" panose="020B0502040204020203" pitchFamily="34" charset="0"/>
+              </a:rPr>
+              <a:t>Volumetric</a:t>
+            </a:r>
+            <a:r>
+              <a:rPr lang="de-DE" sz="7200" dirty="0">
+                <a:solidFill>
+                  <a:schemeClr val="accent2"/>
+                </a:solidFill>
+                <a:latin typeface="Bahnschrift" panose="020B0502040204020203" pitchFamily="34" charset="0"/>
+              </a:rPr>
+              <a:t> Fog </a:t>
+            </a:r>
+            <a:br>
+              <a:rPr lang="de-DE" sz="7200" dirty="0">
+                <a:solidFill>
+                  <a:schemeClr val="accent2"/>
+                </a:solidFill>
+                <a:latin typeface="Bahnschrift" panose="020B0502040204020203" pitchFamily="34" charset="0"/>
+              </a:rPr>
+            </a:br>
+            <a:r>
+              <a:rPr lang="de-DE" sz="4000" dirty="0">
+                <a:solidFill>
+                  <a:schemeClr val="accent2"/>
+                </a:solidFill>
+                <a:latin typeface="Bahnschrift" panose="020B0502040204020203" pitchFamily="34" charset="0"/>
+              </a:rPr>
+              <a:t>and </a:t>
+            </a:r>
+            <a:r>
+              <a:rPr lang="de-DE" sz="4000" dirty="0" err="1">
+                <a:solidFill>
+                  <a:schemeClr val="accent2"/>
+                </a:solidFill>
+                <a:latin typeface="Bahnschrift" panose="020B0502040204020203" pitchFamily="34" charset="0"/>
+              </a:rPr>
+              <a:t>Atmosphere</a:t>
+            </a:r>
+            <a:endParaRPr lang="de-DE" sz="4000" dirty="0">
+              <a:solidFill>
+                <a:schemeClr val="accent2"/>
+              </a:solidFill>
+            </a:endParaRPr>
           </a:p>
         </p:txBody>
       </p:sp>
@@ -6229,144 +5576,6 @@
           </a:p>
         </p:txBody>
       </p:sp>
-      <p:sp>
-        <p:nvSpPr>
-          <p:cNvPr id="3" name="Inhaltsplatzhalter 2">
-            <a:extLst>
-              <a:ext uri="{FF2B5EF4-FFF2-40B4-BE49-F238E27FC236}">
-                <a16:creationId xmlns:a16="http://schemas.microsoft.com/office/drawing/2014/main" id="{542A9F02-A0F0-4965-B801-BF1B17FDD489}"/>
-              </a:ext>
-            </a:extLst>
-          </p:cNvPr>
-          <p:cNvSpPr>
-            <a:spLocks noGrp="1"/>
-          </p:cNvSpPr>
-          <p:nvPr>
-            <p:ph idx="1"/>
-          </p:nvPr>
-        </p:nvSpPr>
-        <p:spPr>
-          <a:xfrm>
-            <a:off x="7694720" y="1479697"/>
-            <a:ext cx="4497280" cy="2175669"/>
-          </a:xfrm>
-        </p:spPr>
-        <p:txBody>
-          <a:bodyPr/>
-          <a:lstStyle/>
-          <a:p>
-            <a:r>
-              <a:rPr lang="de-DE" dirty="0">
-                <a:solidFill>
-                  <a:schemeClr val="bg1"/>
-                </a:solidFill>
-                <a:latin typeface="Bahnschrift" panose="020B0502040204020203" pitchFamily="34" charset="0"/>
-              </a:rPr>
-              <a:t>Beer-Lambert-Law</a:t>
-            </a:r>
-          </a:p>
-          <a:p>
-            <a:r>
-              <a:rPr lang="de-DE" dirty="0">
-                <a:solidFill>
-                  <a:schemeClr val="bg1"/>
-                </a:solidFill>
-                <a:latin typeface="Bahnschrift" panose="020B0502040204020203" pitchFamily="34" charset="0"/>
-              </a:rPr>
-              <a:t>Phase </a:t>
-            </a:r>
-            <a:r>
-              <a:rPr lang="de-DE" dirty="0" err="1">
-                <a:solidFill>
-                  <a:schemeClr val="bg1"/>
-                </a:solidFill>
-                <a:latin typeface="Bahnschrift" panose="020B0502040204020203" pitchFamily="34" charset="0"/>
-              </a:rPr>
-              <a:t>function</a:t>
-            </a:r>
-            <a:r>
-              <a:rPr lang="de-DE" dirty="0">
-                <a:solidFill>
-                  <a:schemeClr val="bg1"/>
-                </a:solidFill>
-                <a:latin typeface="Bahnschrift" panose="020B0502040204020203" pitchFamily="34" charset="0"/>
-              </a:rPr>
-              <a:t> </a:t>
-            </a:r>
-          </a:p>
-          <a:p>
-            <a:r>
-              <a:rPr lang="de-DE" dirty="0" err="1">
-                <a:solidFill>
-                  <a:schemeClr val="bg1"/>
-                </a:solidFill>
-                <a:latin typeface="Bahnschrift" panose="020B0502040204020203" pitchFamily="34" charset="0"/>
-              </a:rPr>
-              <a:t>Might</a:t>
-            </a:r>
-            <a:r>
-              <a:rPr lang="de-DE" dirty="0">
-                <a:solidFill>
-                  <a:schemeClr val="bg1"/>
-                </a:solidFill>
-                <a:latin typeface="Bahnschrift" panose="020B0502040204020203" pitchFamily="34" charset="0"/>
-              </a:rPr>
-              <a:t> </a:t>
-            </a:r>
-            <a:r>
-              <a:rPr lang="de-DE" dirty="0" err="1">
-                <a:solidFill>
-                  <a:schemeClr val="bg1"/>
-                </a:solidFill>
-                <a:latin typeface="Bahnschrift" panose="020B0502040204020203" pitchFamily="34" charset="0"/>
-              </a:rPr>
-              <a:t>be</a:t>
-            </a:r>
-            <a:r>
-              <a:rPr lang="de-DE" dirty="0">
-                <a:solidFill>
-                  <a:schemeClr val="bg1"/>
-                </a:solidFill>
-                <a:latin typeface="Bahnschrift" panose="020B0502040204020203" pitchFamily="34" charset="0"/>
-              </a:rPr>
-              <a:t> </a:t>
-            </a:r>
-            <a:r>
-              <a:rPr lang="de-DE" dirty="0" err="1">
-                <a:solidFill>
-                  <a:schemeClr val="bg1"/>
-                </a:solidFill>
-                <a:latin typeface="Bahnschrift" panose="020B0502040204020203" pitchFamily="34" charset="0"/>
-              </a:rPr>
-              <a:t>wavelength</a:t>
-            </a:r>
-            <a:r>
-              <a:rPr lang="de-DE" dirty="0">
-                <a:solidFill>
-                  <a:schemeClr val="bg1"/>
-                </a:solidFill>
-                <a:latin typeface="Bahnschrift" panose="020B0502040204020203" pitchFamily="34" charset="0"/>
-              </a:rPr>
-              <a:t> </a:t>
-            </a:r>
-            <a:r>
-              <a:rPr lang="de-DE" dirty="0" err="1">
-                <a:solidFill>
-                  <a:schemeClr val="bg1"/>
-                </a:solidFill>
-                <a:latin typeface="Bahnschrift" panose="020B0502040204020203" pitchFamily="34" charset="0"/>
-              </a:rPr>
-              <a:t>dependent</a:t>
-            </a:r>
-            <a:endParaRPr lang="de-DE" dirty="0">
-              <a:solidFill>
-                <a:schemeClr val="bg1"/>
-              </a:solidFill>
-              <a:latin typeface="Bahnschrift" panose="020B0502040204020203" pitchFamily="34" charset="0"/>
-            </a:endParaRPr>
-          </a:p>
-        </p:txBody>
-      </p:sp>
       <p:pic>
         <p:nvPicPr>
           <p:cNvPr id="7" name="Grafik 6" descr="Ein Bild, das Uhr enthält.&#10;&#10;Automatisch generierte Beschreibung">
@@ -6395,16 +5604,16 @@
         </p:blipFill>
         <p:spPr>
           <a:xfrm>
-            <a:off x="838200" y="1479697"/>
-            <a:ext cx="6670197" cy="2521596"/>
+            <a:off x="2243821" y="1643332"/>
+            <a:ext cx="7704357" cy="2912549"/>
           </a:xfrm>
           <a:prstGeom prst="rect">
             <a:avLst/>
           </a:prstGeom>
         </p:spPr>
       </p:pic>
-      <mc:AlternateContent xmlns:mc="http://schemas.openxmlformats.org/markup-compatibility/2006" xmlns:a14="http://schemas.microsoft.com/office/drawing/2010/main">
-        <mc:Choice Requires="a14">
+      <mc:AlternateContent xmlns:mc="http://schemas.openxmlformats.org/markup-compatibility/2006">
+        <mc:Choice xmlns:a14="http://schemas.microsoft.com/office/drawing/2010/main" Requires="a14">
           <p:sp>
             <p:nvSpPr>
               <p:cNvPr id="9" name="Textfeld 8">
@@ -6419,7 +5628,7 @@
             </p:nvSpPr>
             <p:spPr>
               <a:xfrm>
-                <a:off x="435007" y="4381492"/>
+                <a:off x="636603" y="4858231"/>
                 <a:ext cx="10918793" cy="996811"/>
               </a:xfrm>
               <a:prstGeom prst="rect">
@@ -6988,7 +6197,7 @@
             </p:txBody>
           </p:sp>
         </mc:Choice>
-        <mc:Fallback xmlns="">
+        <mc:Fallback>
           <p:sp>
             <p:nvSpPr>
               <p:cNvPr id="9" name="Textfeld 8">
@@ -7005,7 +6214,7 @@
             </p:nvSpPr>
             <p:spPr>
               <a:xfrm>
-                <a:off x="435007" y="4381492"/>
+                <a:off x="636603" y="4858231"/>
                 <a:ext cx="10918793" cy="996811"/>
               </a:xfrm>
               <a:prstGeom prst="rect">
@@ -7093,10 +6302,7 @@
               </a:rPr>
               <a:t>Implementation</a:t>
             </a:r>
-            <a:r>
-              <a:rPr lang="de-DE" dirty="0"/>
-              <a:t> (1 min)</a:t>
-            </a:r>
+            <a:endParaRPr lang="de-DE" dirty="0"/>
           </a:p>
         </p:txBody>
       </p:sp>
@@ -7116,9 +6322,16 @@
             <p:ph idx="1"/>
           </p:nvPr>
         </p:nvSpPr>
-        <p:spPr/>
+        <p:spPr>
+          <a:xfrm>
+            <a:off x="838200" y="1600200"/>
+            <a:ext cx="10515600" cy="5019431"/>
+          </a:xfrm>
+        </p:spPr>
         <p:txBody>
-          <a:bodyPr/>
+          <a:bodyPr>
+            <a:normAutofit/>
+          </a:bodyPr>
           <a:lstStyle/>
           <a:p>
             <a:r>
@@ -7164,168 +6377,7 @@
                 </a:solidFill>
                 <a:latin typeface="Bahnschrift" panose="020B0502040204020203" pitchFamily="34" charset="0"/>
               </a:rPr>
-              <a:t>voxel</a:t>
-            </a:r>
-            <a:r>
-              <a:rPr lang="de-DE" dirty="0">
-                <a:solidFill>
-                  <a:schemeClr val="bg1"/>
-                </a:solidFill>
-                <a:latin typeface="Bahnschrift" panose="020B0502040204020203" pitchFamily="34" charset="0"/>
-              </a:rPr>
-              <a:t> </a:t>
-            </a:r>
-            <a:r>
-              <a:rPr lang="de-DE" dirty="0" err="1">
-                <a:solidFill>
-                  <a:schemeClr val="bg1"/>
-                </a:solidFill>
-                <a:latin typeface="Bahnschrift" panose="020B0502040204020203" pitchFamily="34" charset="0"/>
-              </a:rPr>
-              <a:t>grid</a:t>
-            </a:r>
-            <a:r>
-              <a:rPr lang="de-DE" dirty="0">
-                <a:solidFill>
-                  <a:schemeClr val="bg1"/>
-                </a:solidFill>
-                <a:latin typeface="Bahnschrift" panose="020B0502040204020203" pitchFamily="34" charset="0"/>
-              </a:rPr>
-              <a:t> (3d </a:t>
-            </a:r>
-            <a:r>
-              <a:rPr lang="de-DE" dirty="0" err="1">
-                <a:solidFill>
-                  <a:schemeClr val="bg1"/>
-                </a:solidFill>
-                <a:latin typeface="Bahnschrift" panose="020B0502040204020203" pitchFamily="34" charset="0"/>
-              </a:rPr>
-              <a:t>texture</a:t>
-            </a:r>
-            <a:r>
-              <a:rPr lang="de-DE" dirty="0">
-                <a:solidFill>
-                  <a:schemeClr val="bg1"/>
-                </a:solidFill>
-                <a:latin typeface="Bahnschrift" panose="020B0502040204020203" pitchFamily="34" charset="0"/>
-              </a:rPr>
-              <a:t>)</a:t>
-            </a:r>
-          </a:p>
-          <a:p>
-            <a:pPr lvl="1"/>
-            <a:r>
-              <a:rPr lang="de-DE" dirty="0">
-                <a:solidFill>
-                  <a:schemeClr val="bg1"/>
-                </a:solidFill>
-                <a:latin typeface="Bahnschrift" panose="020B0502040204020203" pitchFamily="34" charset="0"/>
-              </a:rPr>
-              <a:t>In-</a:t>
-            </a:r>
-            <a:r>
-              <a:rPr lang="de-DE" dirty="0" err="1">
-                <a:solidFill>
-                  <a:schemeClr val="bg1"/>
-                </a:solidFill>
-                <a:latin typeface="Bahnschrift" panose="020B0502040204020203" pitchFamily="34" charset="0"/>
-              </a:rPr>
-              <a:t>scattering</a:t>
-            </a:r>
-            <a:r>
-              <a:rPr lang="de-DE" dirty="0">
-                <a:solidFill>
-                  <a:schemeClr val="bg1"/>
-                </a:solidFill>
-                <a:latin typeface="Bahnschrift" panose="020B0502040204020203" pitchFamily="34" charset="0"/>
-              </a:rPr>
-              <a:t> in RGB</a:t>
-            </a:r>
-          </a:p>
-          <a:p>
-            <a:pPr lvl="1"/>
-            <a:r>
-              <a:rPr lang="de-DE" dirty="0" err="1">
-                <a:solidFill>
-                  <a:schemeClr val="bg1"/>
-                </a:solidFill>
-                <a:latin typeface="Bahnschrift" panose="020B0502040204020203" pitchFamily="34" charset="0"/>
-              </a:rPr>
-              <a:t>Scattering</a:t>
-            </a:r>
-            <a:r>
-              <a:rPr lang="de-DE" dirty="0">
-                <a:solidFill>
-                  <a:schemeClr val="bg1"/>
-                </a:solidFill>
-                <a:latin typeface="Bahnschrift" panose="020B0502040204020203" pitchFamily="34" charset="0"/>
-              </a:rPr>
-              <a:t> </a:t>
-            </a:r>
-            <a:r>
-              <a:rPr lang="de-DE" dirty="0" err="1">
-                <a:solidFill>
-                  <a:schemeClr val="bg1"/>
-                </a:solidFill>
-                <a:latin typeface="Bahnschrift" panose="020B0502040204020203" pitchFamily="34" charset="0"/>
-              </a:rPr>
-              <a:t>coefficient</a:t>
-            </a:r>
-            <a:r>
-              <a:rPr lang="de-DE" dirty="0">
-                <a:solidFill>
-                  <a:schemeClr val="bg1"/>
-                </a:solidFill>
-                <a:latin typeface="Bahnschrift" panose="020B0502040204020203" pitchFamily="34" charset="0"/>
-              </a:rPr>
-              <a:t> in Alpha</a:t>
-            </a:r>
-          </a:p>
-          <a:p>
-            <a:r>
-              <a:rPr lang="de-DE" dirty="0" err="1">
-                <a:solidFill>
-                  <a:schemeClr val="bg1"/>
-                </a:solidFill>
-                <a:latin typeface="Bahnschrift" panose="020B0502040204020203" pitchFamily="34" charset="0"/>
-              </a:rPr>
-              <a:t>Exponential</a:t>
-            </a:r>
-            <a:r>
-              <a:rPr lang="de-DE" dirty="0">
-                <a:solidFill>
-                  <a:schemeClr val="bg1"/>
-                </a:solidFill>
-                <a:latin typeface="Bahnschrift" panose="020B0502040204020203" pitchFamily="34" charset="0"/>
-              </a:rPr>
-              <a:t> </a:t>
-            </a:r>
-            <a:r>
-              <a:rPr lang="de-DE" dirty="0" err="1">
-                <a:solidFill>
-                  <a:schemeClr val="bg1"/>
-                </a:solidFill>
-                <a:latin typeface="Bahnschrift" panose="020B0502040204020203" pitchFamily="34" charset="0"/>
-              </a:rPr>
-              <a:t>depth</a:t>
-            </a:r>
-            <a:r>
-              <a:rPr lang="de-DE" dirty="0">
-                <a:solidFill>
-                  <a:schemeClr val="bg1"/>
-                </a:solidFill>
-                <a:latin typeface="Bahnschrift" panose="020B0502040204020203" pitchFamily="34" charset="0"/>
-              </a:rPr>
-              <a:t> </a:t>
-            </a:r>
-            <a:r>
-              <a:rPr lang="de-DE" dirty="0" err="1">
-                <a:solidFill>
-                  <a:schemeClr val="bg1"/>
-                </a:solidFill>
-                <a:latin typeface="Bahnschrift" panose="020B0502040204020203" pitchFamily="34" charset="0"/>
-              </a:rPr>
-              <a:t>distribution</a:t>
+              <a:t>volume</a:t>
             </a:r>
             <a:endParaRPr lang="de-DE" dirty="0">
               <a:solidFill>
@@ -7335,23 +6387,53 @@
             </a:endParaRPr>
           </a:p>
           <a:p>
-            <a:r>
-              <a:rPr lang="de-DE" dirty="0">
-                <a:solidFill>
-                  <a:schemeClr val="bg1"/>
-                </a:solidFill>
-                <a:latin typeface="Bahnschrift" panose="020B0502040204020203" pitchFamily="34" charset="0"/>
-              </a:rPr>
-              <a:t>3 </a:t>
-            </a:r>
-            <a:r>
-              <a:rPr lang="de-DE" dirty="0" err="1">
-                <a:solidFill>
-                  <a:schemeClr val="bg1"/>
-                </a:solidFill>
-                <a:latin typeface="Bahnschrift" panose="020B0502040204020203" pitchFamily="34" charset="0"/>
-              </a:rPr>
-              <a:t>compute</a:t>
+            <a:pPr lvl="1"/>
+            <a:r>
+              <a:rPr lang="de-DE" dirty="0">
+                <a:solidFill>
+                  <a:schemeClr val="bg1"/>
+                </a:solidFill>
+              </a:rPr>
+              <a:t>240x135x96</a:t>
+            </a:r>
+          </a:p>
+          <a:p>
+            <a:pPr lvl="1"/>
+            <a:r>
+              <a:rPr lang="de-DE" dirty="0">
+                <a:solidFill>
+                  <a:schemeClr val="bg1"/>
+                </a:solidFill>
+              </a:rPr>
+              <a:t>In-</a:t>
+            </a:r>
+            <a:r>
+              <a:rPr lang="de-DE" dirty="0" err="1">
+                <a:solidFill>
+                  <a:schemeClr val="bg1"/>
+                </a:solidFill>
+              </a:rPr>
+              <a:t>scattering</a:t>
+            </a:r>
+            <a:r>
+              <a:rPr lang="de-DE" dirty="0">
+                <a:solidFill>
+                  <a:schemeClr val="bg1"/>
+                </a:solidFill>
+              </a:rPr>
+              <a:t> in RGB</a:t>
+            </a:r>
+          </a:p>
+          <a:p>
+            <a:pPr lvl="1"/>
+            <a:r>
+              <a:rPr lang="de-DE" dirty="0" err="1">
+                <a:solidFill>
+                  <a:schemeClr val="bg1"/>
+                </a:solidFill>
+                <a:latin typeface="Bahnschrift" panose="020B0502040204020203" pitchFamily="34" charset="0"/>
+              </a:rPr>
+              <a:t>Scattering</a:t>
             </a:r>
             <a:r>
               <a:rPr lang="de-DE" dirty="0">
@@ -7369,25 +6451,27 @@
                 </a:solidFill>
                 <a:latin typeface="Bahnschrift" panose="020B0502040204020203" pitchFamily="34" charset="0"/>
               </a:rPr>
-              <a:t>passes</a:t>
-            </a:r>
-            <a:r>
-              <a:rPr lang="de-DE" dirty="0">
-                <a:solidFill>
-                  <a:schemeClr val="bg1"/>
-                </a:solidFill>
-                <a:latin typeface="Bahnschrift" panose="020B0502040204020203" pitchFamily="34" charset="0"/>
-              </a:rPr>
-              <a:t>, </a:t>
-            </a:r>
-            <a:r>
-              <a:rPr lang="de-DE" dirty="0" err="1">
-                <a:solidFill>
-                  <a:schemeClr val="bg1"/>
-                </a:solidFill>
-                <a:latin typeface="Bahnschrift" panose="020B0502040204020203" pitchFamily="34" charset="0"/>
-              </a:rPr>
-              <a:t>apply</a:t>
+              <a:t>coefficient</a:t>
+            </a:r>
+            <a:r>
+              <a:rPr lang="de-DE" dirty="0">
+                <a:solidFill>
+                  <a:schemeClr val="bg1"/>
+                </a:solidFill>
+                <a:latin typeface="Bahnschrift" panose="020B0502040204020203" pitchFamily="34" charset="0"/>
+              </a:rPr>
+              <a:t> in Alpha</a:t>
+            </a:r>
+          </a:p>
+          <a:p>
+            <a:r>
+              <a:rPr lang="de-DE" dirty="0" err="1">
+                <a:solidFill>
+                  <a:schemeClr val="bg1"/>
+                </a:solidFill>
+                <a:latin typeface="Bahnschrift" panose="020B0502040204020203" pitchFamily="34" charset="0"/>
+              </a:rPr>
+              <a:t>Exponential</a:t>
             </a:r>
             <a:r>
               <a:rPr lang="de-DE" dirty="0">
@@ -7405,25 +6489,7 @@
                 </a:solidFill>
                 <a:latin typeface="Bahnschrift" panose="020B0502040204020203" pitchFamily="34" charset="0"/>
               </a:rPr>
-              <a:t>fog</a:t>
-            </a:r>
-            <a:r>
-              <a:rPr lang="de-DE" dirty="0">
-                <a:solidFill>
-                  <a:schemeClr val="bg1"/>
-                </a:solidFill>
-                <a:latin typeface="Bahnschrift" panose="020B0502040204020203" pitchFamily="34" charset="0"/>
-              </a:rPr>
-              <a:t> in </a:t>
-            </a:r>
-            <a:r>
-              <a:rPr lang="de-DE" dirty="0" err="1">
-                <a:solidFill>
-                  <a:schemeClr val="bg1"/>
-                </a:solidFill>
-                <a:latin typeface="Bahnschrift" panose="020B0502040204020203" pitchFamily="34" charset="0"/>
-              </a:rPr>
-              <a:t>pixel</a:t>
+              <a:t>depth</a:t>
             </a:r>
             <a:r>
               <a:rPr lang="de-DE" dirty="0">
@@ -7441,7 +6507,7 @@
                 </a:solidFill>
                 <a:latin typeface="Bahnschrift" panose="020B0502040204020203" pitchFamily="34" charset="0"/>
               </a:rPr>
-              <a:t>shader</a:t>
+              <a:t>distribution</a:t>
             </a:r>
             <a:endParaRPr lang="de-DE" dirty="0">
               <a:solidFill>
@@ -7450,8 +6516,387 @@
               <a:latin typeface="Bahnschrift" panose="020B0502040204020203" pitchFamily="34" charset="0"/>
             </a:endParaRPr>
           </a:p>
+          <a:p>
+            <a:r>
+              <a:rPr lang="de-DE" dirty="0">
+                <a:solidFill>
+                  <a:schemeClr val="bg1"/>
+                </a:solidFill>
+                <a:latin typeface="Bahnschrift" panose="020B0502040204020203" pitchFamily="34" charset="0"/>
+              </a:rPr>
+              <a:t>Covers </a:t>
+            </a:r>
+            <a:r>
+              <a:rPr lang="de-DE" dirty="0" err="1">
+                <a:solidFill>
+                  <a:schemeClr val="bg1"/>
+                </a:solidFill>
+                <a:latin typeface="Bahnschrift" panose="020B0502040204020203" pitchFamily="34" charset="0"/>
+              </a:rPr>
+              <a:t>scene</a:t>
+            </a:r>
+            <a:r>
+              <a:rPr lang="de-DE" dirty="0">
+                <a:solidFill>
+                  <a:schemeClr val="bg1"/>
+                </a:solidFill>
+                <a:latin typeface="Bahnschrift" panose="020B0502040204020203" pitchFamily="34" charset="0"/>
+              </a:rPr>
+              <a:t> </a:t>
+            </a:r>
+            <a:r>
+              <a:rPr lang="de-DE" dirty="0" err="1">
+                <a:solidFill>
+                  <a:schemeClr val="bg1"/>
+                </a:solidFill>
+              </a:rPr>
+              <a:t>up</a:t>
+            </a:r>
+            <a:r>
+              <a:rPr lang="de-DE" dirty="0">
+                <a:solidFill>
+                  <a:schemeClr val="bg1"/>
+                </a:solidFill>
+              </a:rPr>
+              <a:t> </a:t>
+            </a:r>
+            <a:r>
+              <a:rPr lang="de-DE" dirty="0" err="1">
+                <a:solidFill>
+                  <a:schemeClr val="bg1"/>
+                </a:solidFill>
+              </a:rPr>
+              <a:t>to</a:t>
+            </a:r>
+            <a:r>
+              <a:rPr lang="de-DE" dirty="0">
+                <a:solidFill>
+                  <a:schemeClr val="bg1"/>
+                </a:solidFill>
+              </a:rPr>
+              <a:t> 900 </a:t>
+            </a:r>
+            <a:r>
+              <a:rPr lang="de-DE" dirty="0" err="1">
+                <a:solidFill>
+                  <a:schemeClr val="bg1"/>
+                </a:solidFill>
+              </a:rPr>
+              <a:t>units</a:t>
+            </a:r>
+            <a:r>
+              <a:rPr lang="de-DE" dirty="0">
+                <a:solidFill>
+                  <a:schemeClr val="bg1"/>
+                </a:solidFill>
+              </a:rPr>
+              <a:t> </a:t>
+            </a:r>
+            <a:r>
+              <a:rPr lang="de-DE" dirty="0" err="1">
+                <a:solidFill>
+                  <a:schemeClr val="bg1"/>
+                </a:solidFill>
+              </a:rPr>
+              <a:t>from</a:t>
+            </a:r>
+            <a:r>
+              <a:rPr lang="de-DE" dirty="0">
+                <a:solidFill>
+                  <a:schemeClr val="bg1"/>
+                </a:solidFill>
+              </a:rPr>
+              <a:t> </a:t>
+            </a:r>
+            <a:r>
+              <a:rPr lang="de-DE" dirty="0" err="1">
+                <a:solidFill>
+                  <a:schemeClr val="bg1"/>
+                </a:solidFill>
+              </a:rPr>
+              <a:t>camera</a:t>
+            </a:r>
+            <a:endParaRPr lang="de-DE" dirty="0">
+              <a:solidFill>
+                <a:schemeClr val="bg1"/>
+              </a:solidFill>
+              <a:latin typeface="Bahnschrift" panose="020B0502040204020203" pitchFamily="34" charset="0"/>
+            </a:endParaRPr>
+          </a:p>
+          <a:p>
+            <a:r>
+              <a:rPr lang="de-DE" dirty="0">
+                <a:solidFill>
+                  <a:schemeClr val="bg1"/>
+                </a:solidFill>
+                <a:latin typeface="Bahnschrift" panose="020B0502040204020203" pitchFamily="34" charset="0"/>
+              </a:rPr>
+              <a:t>3 </a:t>
+            </a:r>
+            <a:r>
+              <a:rPr lang="de-DE" dirty="0" err="1">
+                <a:solidFill>
+                  <a:schemeClr val="bg1"/>
+                </a:solidFill>
+                <a:latin typeface="Bahnschrift" panose="020B0502040204020203" pitchFamily="34" charset="0"/>
+              </a:rPr>
+              <a:t>passes</a:t>
+            </a:r>
+            <a:r>
+              <a:rPr lang="de-DE" dirty="0">
+                <a:solidFill>
+                  <a:schemeClr val="bg1"/>
+                </a:solidFill>
+                <a:latin typeface="Bahnschrift" panose="020B0502040204020203" pitchFamily="34" charset="0"/>
+              </a:rPr>
+              <a:t>:</a:t>
+            </a:r>
+          </a:p>
+          <a:p>
+            <a:pPr lvl="1"/>
+            <a:r>
+              <a:rPr lang="de-DE" dirty="0" err="1">
+                <a:solidFill>
+                  <a:schemeClr val="bg1"/>
+                </a:solidFill>
+                <a:latin typeface="Bahnschrift" panose="020B0502040204020203" pitchFamily="34" charset="0"/>
+              </a:rPr>
+              <a:t>Compute</a:t>
+            </a:r>
+            <a:r>
+              <a:rPr lang="de-DE" dirty="0">
+                <a:solidFill>
+                  <a:schemeClr val="bg1"/>
+                </a:solidFill>
+                <a:latin typeface="Bahnschrift" panose="020B0502040204020203" pitchFamily="34" charset="0"/>
+              </a:rPr>
+              <a:t> </a:t>
+            </a:r>
+            <a:r>
+              <a:rPr lang="de-DE" dirty="0" err="1">
+                <a:solidFill>
+                  <a:schemeClr val="bg1"/>
+                </a:solidFill>
+                <a:latin typeface="Bahnschrift" panose="020B0502040204020203" pitchFamily="34" charset="0"/>
+              </a:rPr>
+              <a:t>density</a:t>
+            </a:r>
+            <a:r>
+              <a:rPr lang="de-DE" dirty="0">
+                <a:solidFill>
+                  <a:schemeClr val="bg1"/>
+                </a:solidFill>
+                <a:latin typeface="Bahnschrift" panose="020B0502040204020203" pitchFamily="34" charset="0"/>
+              </a:rPr>
+              <a:t> and </a:t>
+            </a:r>
+            <a:r>
+              <a:rPr lang="de-DE" dirty="0" err="1">
+                <a:solidFill>
+                  <a:schemeClr val="bg1"/>
+                </a:solidFill>
+                <a:latin typeface="Bahnschrift" panose="020B0502040204020203" pitchFamily="34" charset="0"/>
+              </a:rPr>
+              <a:t>lighting</a:t>
+            </a:r>
+            <a:r>
+              <a:rPr lang="de-DE" dirty="0">
+                <a:solidFill>
+                  <a:schemeClr val="bg1"/>
+                </a:solidFill>
+                <a:latin typeface="Bahnschrift" panose="020B0502040204020203" pitchFamily="34" charset="0"/>
+              </a:rPr>
+              <a:t> at </a:t>
+            </a:r>
+            <a:r>
+              <a:rPr lang="de-DE" dirty="0" err="1">
+                <a:solidFill>
+                  <a:schemeClr val="bg1"/>
+                </a:solidFill>
+                <a:latin typeface="Bahnschrift" panose="020B0502040204020203" pitchFamily="34" charset="0"/>
+              </a:rPr>
+              <a:t>each</a:t>
+            </a:r>
+            <a:r>
+              <a:rPr lang="de-DE" dirty="0">
+                <a:solidFill>
+                  <a:schemeClr val="bg1"/>
+                </a:solidFill>
+                <a:latin typeface="Bahnschrift" panose="020B0502040204020203" pitchFamily="34" charset="0"/>
+              </a:rPr>
+              <a:t> sample </a:t>
+            </a:r>
+            <a:r>
+              <a:rPr lang="de-DE" dirty="0" err="1">
+                <a:solidFill>
+                  <a:schemeClr val="bg1"/>
+                </a:solidFill>
+                <a:latin typeface="Bahnschrift" panose="020B0502040204020203" pitchFamily="34" charset="0"/>
+              </a:rPr>
+              <a:t>position</a:t>
+            </a:r>
+            <a:r>
+              <a:rPr lang="de-DE" dirty="0">
+                <a:solidFill>
+                  <a:schemeClr val="bg1"/>
+                </a:solidFill>
+                <a:latin typeface="Bahnschrift" panose="020B0502040204020203" pitchFamily="34" charset="0"/>
+              </a:rPr>
+              <a:t> (</a:t>
+            </a:r>
+            <a:r>
+              <a:rPr lang="de-DE" dirty="0" err="1">
+                <a:solidFill>
+                  <a:schemeClr val="bg1"/>
+                </a:solidFill>
+                <a:latin typeface="Bahnschrift" panose="020B0502040204020203" pitchFamily="34" charset="0"/>
+              </a:rPr>
+              <a:t>Compute</a:t>
+            </a:r>
+            <a:r>
+              <a:rPr lang="de-DE" dirty="0">
+                <a:solidFill>
+                  <a:schemeClr val="bg1"/>
+                </a:solidFill>
+                <a:latin typeface="Bahnschrift" panose="020B0502040204020203" pitchFamily="34" charset="0"/>
+              </a:rPr>
+              <a:t> Shader)</a:t>
+            </a:r>
+          </a:p>
+          <a:p>
+            <a:pPr lvl="1"/>
+            <a:r>
+              <a:rPr lang="de-DE" dirty="0" err="1">
+                <a:solidFill>
+                  <a:schemeClr val="bg1"/>
+                </a:solidFill>
+                <a:latin typeface="Bahnschrift" panose="020B0502040204020203" pitchFamily="34" charset="0"/>
+              </a:rPr>
+              <a:t>Raymarch</a:t>
+            </a:r>
+            <a:r>
+              <a:rPr lang="de-DE" dirty="0">
+                <a:solidFill>
+                  <a:schemeClr val="bg1"/>
+                </a:solidFill>
+                <a:latin typeface="Bahnschrift" panose="020B0502040204020203" pitchFamily="34" charset="0"/>
+              </a:rPr>
+              <a:t> (</a:t>
+            </a:r>
+            <a:r>
+              <a:rPr lang="de-DE" dirty="0" err="1">
+                <a:solidFill>
+                  <a:schemeClr val="bg1"/>
+                </a:solidFill>
+                <a:latin typeface="Bahnschrift" panose="020B0502040204020203" pitchFamily="34" charset="0"/>
+              </a:rPr>
+              <a:t>Compute</a:t>
+            </a:r>
+            <a:r>
+              <a:rPr lang="de-DE" dirty="0">
+                <a:solidFill>
+                  <a:schemeClr val="bg1"/>
+                </a:solidFill>
+                <a:latin typeface="Bahnschrift" panose="020B0502040204020203" pitchFamily="34" charset="0"/>
+              </a:rPr>
+              <a:t> Shader)</a:t>
+            </a:r>
+          </a:p>
+          <a:p>
+            <a:pPr lvl="1"/>
+            <a:r>
+              <a:rPr lang="de-DE" dirty="0" err="1">
+                <a:solidFill>
+                  <a:schemeClr val="bg1"/>
+                </a:solidFill>
+                <a:latin typeface="Bahnschrift" panose="020B0502040204020203" pitchFamily="34" charset="0"/>
+              </a:rPr>
+              <a:t>Apply</a:t>
+            </a:r>
+            <a:r>
+              <a:rPr lang="de-DE" dirty="0">
+                <a:solidFill>
+                  <a:schemeClr val="bg1"/>
+                </a:solidFill>
+                <a:latin typeface="Bahnschrift" panose="020B0502040204020203" pitchFamily="34" charset="0"/>
+              </a:rPr>
+              <a:t> </a:t>
+            </a:r>
+            <a:r>
+              <a:rPr lang="de-DE" dirty="0" err="1">
+                <a:solidFill>
+                  <a:schemeClr val="bg1"/>
+                </a:solidFill>
+                <a:latin typeface="Bahnschrift" panose="020B0502040204020203" pitchFamily="34" charset="0"/>
+              </a:rPr>
+              <a:t>to</a:t>
+            </a:r>
+            <a:r>
+              <a:rPr lang="de-DE" dirty="0">
+                <a:solidFill>
+                  <a:schemeClr val="bg1"/>
+                </a:solidFill>
+                <a:latin typeface="Bahnschrift" panose="020B0502040204020203" pitchFamily="34" charset="0"/>
+              </a:rPr>
+              <a:t> </a:t>
+            </a:r>
+            <a:r>
+              <a:rPr lang="de-DE" dirty="0" err="1">
+                <a:solidFill>
+                  <a:schemeClr val="bg1"/>
+                </a:solidFill>
+                <a:latin typeface="Bahnschrift" panose="020B0502040204020203" pitchFamily="34" charset="0"/>
+              </a:rPr>
+              <a:t>scene</a:t>
+            </a:r>
+            <a:r>
+              <a:rPr lang="de-DE" dirty="0">
+                <a:solidFill>
+                  <a:schemeClr val="bg1"/>
+                </a:solidFill>
+                <a:latin typeface="Bahnschrift" panose="020B0502040204020203" pitchFamily="34" charset="0"/>
+              </a:rPr>
+              <a:t> (Pixel Shader)</a:t>
+            </a:r>
+          </a:p>
         </p:txBody>
       </p:sp>
+      <p:pic>
+        <p:nvPicPr>
+          <p:cNvPr id="5" name="Grafik 4" descr="Ein Bild, das Spiel enthält.&#10;&#10;Automatisch generierte Beschreibung">
+            <a:extLst>
+              <a:ext uri="{FF2B5EF4-FFF2-40B4-BE49-F238E27FC236}">
+                <a16:creationId xmlns:a16="http://schemas.microsoft.com/office/drawing/2014/main" id="{0AE71C89-2B86-4AD9-81CE-920DD2CB488D}"/>
+              </a:ext>
+            </a:extLst>
+          </p:cNvPr>
+          <p:cNvPicPr>
+            <a:picLocks noChangeAspect="1"/>
+          </p:cNvPicPr>
+          <p:nvPr/>
+        </p:nvPicPr>
+        <p:blipFill>
+          <a:blip r:embed="rId2">
+            <a:extLst>
+              <a:ext uri="{28A0092B-C50C-407E-A947-70E740481C1C}">
+                <a14:useLocalDpi xmlns:a14="http://schemas.microsoft.com/office/drawing/2010/main" val="0"/>
+              </a:ext>
+            </a:extLst>
+          </a:blip>
+          <a:stretch>
+            <a:fillRect/>
+          </a:stretch>
+        </p:blipFill>
+        <p:spPr>
+          <a:xfrm rot="5400000">
+            <a:off x="5342797" y="303023"/>
+            <a:ext cx="7694083" cy="4327922"/>
+          </a:xfrm>
+          <a:prstGeom prst="rect">
+            <a:avLst/>
+          </a:prstGeom>
+        </p:spPr>
+      </p:pic>
     </p:spTree>
     <p:extLst>
       <p:ext uri="{BB962C8B-B14F-4D97-AF65-F5344CB8AC3E}">
@@ -7733,7 +7178,69 @@
                 </a:solidFill>
                 <a:latin typeface="Bahnschrift" panose="020B0502040204020203" pitchFamily="34" charset="0"/>
               </a:rPr>
-              <a:t>Halton</a:t>
+              <a:t>Jitter</a:t>
+            </a:r>
+            <a:r>
+              <a:rPr lang="de-DE" dirty="0">
+                <a:solidFill>
+                  <a:schemeClr val="bg1"/>
+                </a:solidFill>
+                <a:latin typeface="Bahnschrift" panose="020B0502040204020203" pitchFamily="34" charset="0"/>
+              </a:rPr>
+              <a:t> sample </a:t>
+            </a:r>
+            <a:r>
+              <a:rPr lang="de-DE" dirty="0" err="1">
+                <a:solidFill>
+                  <a:schemeClr val="bg1"/>
+                </a:solidFill>
+                <a:latin typeface="Bahnschrift" panose="020B0502040204020203" pitchFamily="34" charset="0"/>
+              </a:rPr>
+              <a:t>positions</a:t>
+            </a:r>
+            <a:r>
+              <a:rPr lang="de-DE" dirty="0">
+                <a:solidFill>
+                  <a:schemeClr val="bg1"/>
+                </a:solidFill>
+                <a:latin typeface="Bahnschrift" panose="020B0502040204020203" pitchFamily="34" charset="0"/>
+              </a:rPr>
+              <a:t> </a:t>
+            </a:r>
+            <a:r>
+              <a:rPr lang="de-DE" dirty="0" err="1">
+                <a:solidFill>
+                  <a:schemeClr val="bg1"/>
+                </a:solidFill>
+                <a:latin typeface="Bahnschrift" panose="020B0502040204020203" pitchFamily="34" charset="0"/>
+              </a:rPr>
+              <a:t>using</a:t>
+            </a:r>
+            <a:r>
+              <a:rPr lang="de-DE" dirty="0">
+                <a:solidFill>
+                  <a:schemeClr val="bg1"/>
+                </a:solidFill>
+                <a:latin typeface="Bahnschrift" panose="020B0502040204020203" pitchFamily="34" charset="0"/>
+              </a:rPr>
+              <a:t> </a:t>
+            </a:r>
+            <a:r>
+              <a:rPr lang="de-DE" dirty="0" err="1">
+                <a:solidFill>
+                  <a:schemeClr val="bg1"/>
+                </a:solidFill>
+              </a:rPr>
+              <a:t>H</a:t>
+            </a:r>
+            <a:r>
+              <a:rPr lang="de-DE" dirty="0" err="1">
+                <a:solidFill>
+                  <a:schemeClr val="bg1"/>
+                </a:solidFill>
+                <a:latin typeface="Bahnschrift" panose="020B0502040204020203" pitchFamily="34" charset="0"/>
+              </a:rPr>
+              <a:t>alton</a:t>
             </a:r>
             <a:r>
               <a:rPr lang="de-DE" dirty="0">
@@ -7865,7 +7372,7 @@
         </p:nvSpPr>
         <p:spPr>
           <a:xfrm>
-            <a:off x="1518815" y="3238500"/>
+            <a:off x="1151492" y="3136900"/>
             <a:ext cx="2530137" cy="914400"/>
           </a:xfrm>
           <a:prstGeom prst="roundRect">
@@ -7916,6 +7423,7 @@
                     </a:schemeClr>
                   </a:outerShdw>
                 </a:effectLst>
+                <a:latin typeface="Bahnschrift" panose="020B0502040204020203" pitchFamily="34" charset="0"/>
               </a:rPr>
               <a:t>Compute</a:t>
             </a:r>
@@ -7932,6 +7440,7 @@
                     </a:schemeClr>
                   </a:outerShdw>
                 </a:effectLst>
+                <a:latin typeface="Bahnschrift" panose="020B0502040204020203" pitchFamily="34" charset="0"/>
               </a:rPr>
               <a:t> Density and </a:t>
             </a:r>
@@ -7948,6 +7457,7 @@
                     </a:schemeClr>
                   </a:outerShdw>
                 </a:effectLst>
+                <a:latin typeface="Bahnschrift" panose="020B0502040204020203" pitchFamily="34" charset="0"/>
               </a:rPr>
               <a:t>Lighting</a:t>
             </a:r>
@@ -7963,6 +7473,7 @@
                   </a:schemeClr>
                 </a:outerShdw>
               </a:effectLst>
+              <a:latin typeface="Bahnschrift" panose="020B0502040204020203" pitchFamily="34" charset="0"/>
             </a:endParaRPr>
           </a:p>
         </p:txBody>
@@ -7981,7 +7492,7 @@
         </p:nvSpPr>
         <p:spPr>
           <a:xfrm>
-            <a:off x="5171239" y="3238500"/>
+            <a:off x="4803916" y="3136900"/>
             <a:ext cx="2530137" cy="914400"/>
           </a:xfrm>
           <a:prstGeom prst="roundRect">
@@ -8032,6 +7543,7 @@
                     </a:schemeClr>
                   </a:outerShdw>
                 </a:effectLst>
+                <a:latin typeface="Bahnschrift" panose="020B0502040204020203" pitchFamily="34" charset="0"/>
               </a:rPr>
               <a:t>Average and </a:t>
             </a:r>
@@ -8048,6 +7560,7 @@
                     </a:schemeClr>
                   </a:outerShdw>
                 </a:effectLst>
+                <a:latin typeface="Bahnschrift" panose="020B0502040204020203" pitchFamily="34" charset="0"/>
               </a:rPr>
               <a:t>clamp</a:t>
             </a:r>
@@ -8063,6 +7576,7 @@
                   </a:schemeClr>
                 </a:outerShdw>
               </a:effectLst>
+              <a:latin typeface="Bahnschrift" panose="020B0502040204020203" pitchFamily="34" charset="0"/>
             </a:endParaRPr>
           </a:p>
         </p:txBody>
@@ -8085,7 +7599,7 @@
         </p:nvCxnSpPr>
         <p:spPr>
           <a:xfrm>
-            <a:off x="4048952" y="3695700"/>
+            <a:off x="3681629" y="3594100"/>
             <a:ext cx="1122287" cy="0"/>
           </a:xfrm>
           <a:prstGeom prst="straightConnector1">
@@ -8124,7 +7638,7 @@
         </p:nvSpPr>
         <p:spPr>
           <a:xfrm>
-            <a:off x="8823663" y="1957388"/>
+            <a:off x="8456340" y="2147888"/>
             <a:ext cx="2530137" cy="914400"/>
           </a:xfrm>
           <a:prstGeom prst="roundRect">
@@ -8175,6 +7689,7 @@
                     </a:schemeClr>
                   </a:outerShdw>
                 </a:effectLst>
+                <a:latin typeface="Bahnschrift" panose="020B0502040204020203" pitchFamily="34" charset="0"/>
               </a:rPr>
               <a:t>Raymarch</a:t>
             </a:r>
@@ -8190,6 +7705,7 @@
                   </a:schemeClr>
                 </a:outerShdw>
               </a:effectLst>
+              <a:latin typeface="Bahnschrift" panose="020B0502040204020203" pitchFamily="34" charset="0"/>
             </a:endParaRPr>
           </a:p>
         </p:txBody>
@@ -8208,7 +7724,7 @@
         </p:nvSpPr>
         <p:spPr>
           <a:xfrm>
-            <a:off x="8823663" y="3238500"/>
+            <a:off x="8456340" y="3267442"/>
             <a:ext cx="2530137" cy="914400"/>
           </a:xfrm>
           <a:prstGeom prst="roundRect">
@@ -8300,13 +7816,13 @@
           <p:nvPr/>
         </p:nvCxnSpPr>
         <p:spPr>
-          <a:xfrm rot="5400000">
-            <a:off x="8262520" y="2326688"/>
-            <a:ext cx="12700" cy="3652424"/>
+          <a:xfrm rot="5400000" flipH="1">
+            <a:off x="7829926" y="2290359"/>
+            <a:ext cx="130542" cy="3652424"/>
           </a:xfrm>
           <a:prstGeom prst="bentConnector3">
             <a:avLst>
-              <a:gd name="adj1" fmla="val 3150000"/>
+              <a:gd name="adj1" fmla="val -175116"/>
             </a:avLst>
           </a:prstGeom>
           <a:ln w="63500">
@@ -8342,14 +7858,12 @@
           </p:cNvPr>
           <p:cNvCxnSpPr>
             <a:cxnSpLocks/>
-            <a:stCxn id="5" idx="3"/>
-            <a:endCxn id="11" idx="1"/>
           </p:cNvCxnSpPr>
           <p:nvPr/>
         </p:nvCxnSpPr>
         <p:spPr>
           <a:xfrm>
-            <a:off x="7701376" y="3695700"/>
+            <a:off x="7334053" y="3724642"/>
             <a:ext cx="1122287" cy="0"/>
           </a:xfrm>
           <a:prstGeom prst="straightConnector1">
@@ -8391,8 +7905,8 @@
         </p:nvCxnSpPr>
         <p:spPr>
           <a:xfrm flipV="1">
-            <a:off x="7701376" y="2414588"/>
-            <a:ext cx="1122287" cy="1109662"/>
+            <a:off x="7334053" y="2605088"/>
+            <a:ext cx="1122287" cy="837406"/>
           </a:xfrm>
           <a:prstGeom prst="bentConnector3">
             <a:avLst>
@@ -8421,6 +7935,116 @@
           </a:fontRef>
         </p:style>
       </p:cxnSp>
+      <p:sp>
+        <p:nvSpPr>
+          <p:cNvPr id="14" name="Rechteck 13">
+            <a:extLst>
+              <a:ext uri="{FF2B5EF4-FFF2-40B4-BE49-F238E27FC236}">
+                <a16:creationId xmlns:a16="http://schemas.microsoft.com/office/drawing/2014/main" id="{581BB973-ED0B-4173-A789-8BB8E5F3951E}"/>
+              </a:ext>
+            </a:extLst>
+          </p:cNvPr>
+          <p:cNvSpPr/>
+          <p:nvPr/>
+        </p:nvSpPr>
+        <p:spPr>
+          <a:xfrm>
+            <a:off x="3906708" y="3281180"/>
+            <a:ext cx="562463" cy="295639"/>
+          </a:xfrm>
+          <a:prstGeom prst="rect">
+            <a:avLst/>
+          </a:prstGeom>
+          <a:noFill/>
+          <a:ln>
+            <a:noFill/>
+          </a:ln>
+        </p:spPr>
+        <p:style>
+          <a:lnRef idx="2">
+            <a:schemeClr val="accent1">
+              <a:shade val="50000"/>
+            </a:schemeClr>
+          </a:lnRef>
+          <a:fillRef idx="1">
+            <a:schemeClr val="accent1"/>
+          </a:fillRef>
+          <a:effectRef idx="0">
+            <a:schemeClr val="accent1"/>
+          </a:effectRef>
+          <a:fontRef idx="minor">
+            <a:schemeClr val="lt1"/>
+          </a:fontRef>
+        </p:style>
+        <p:txBody>
+          <a:bodyPr rtlCol="0" anchor="ctr"/>
+          <a:lstStyle/>
+          <a:p>
+            <a:pPr algn="ctr"/>
+            <a:r>
+              <a:rPr lang="de-DE" dirty="0">
+                <a:latin typeface="Bahnschrift" panose="020B0502040204020203" pitchFamily="34" charset="0"/>
+              </a:rPr>
+              <a:t>8%</a:t>
+            </a:r>
+          </a:p>
+        </p:txBody>
+      </p:sp>
+      <p:sp>
+        <p:nvSpPr>
+          <p:cNvPr id="18" name="Rechteck 17">
+            <a:extLst>
+              <a:ext uri="{FF2B5EF4-FFF2-40B4-BE49-F238E27FC236}">
+                <a16:creationId xmlns:a16="http://schemas.microsoft.com/office/drawing/2014/main" id="{CD8B6AFB-B6C4-4C33-98E9-478598190FD5}"/>
+              </a:ext>
+            </a:extLst>
+          </p:cNvPr>
+          <p:cNvSpPr/>
+          <p:nvPr/>
+        </p:nvSpPr>
+        <p:spPr>
+          <a:xfrm>
+            <a:off x="7334054" y="4051300"/>
+            <a:ext cx="981272" cy="322871"/>
+          </a:xfrm>
+          <a:prstGeom prst="rect">
+            <a:avLst/>
+          </a:prstGeom>
+          <a:noFill/>
+          <a:ln>
+            <a:noFill/>
+          </a:ln>
+        </p:spPr>
+        <p:style>
+          <a:lnRef idx="2">
+            <a:schemeClr val="accent1">
+              <a:shade val="50000"/>
+            </a:schemeClr>
+          </a:lnRef>
+          <a:fillRef idx="1">
+            <a:schemeClr val="accent1"/>
+          </a:fillRef>
+          <a:effectRef idx="0">
+            <a:schemeClr val="accent1"/>
+          </a:effectRef>
+          <a:fontRef idx="minor">
+            <a:schemeClr val="lt1"/>
+          </a:fontRef>
+        </p:style>
+        <p:txBody>
+          <a:bodyPr rtlCol="0" anchor="ctr"/>
+          <a:lstStyle/>
+          <a:p>
+            <a:pPr algn="ctr"/>
+            <a:r>
+              <a:rPr lang="de-DE" dirty="0">
+                <a:latin typeface="Bahnschrift" panose="020B0502040204020203" pitchFamily="34" charset="0"/>
+              </a:rPr>
+              <a:t>92%</a:t>
+            </a:r>
+          </a:p>
+        </p:txBody>
+      </p:sp>
     </p:spTree>
     <p:extLst>
       <p:ext uri="{BB962C8B-B14F-4D97-AF65-F5344CB8AC3E}">
@@ -8481,10 +8105,7 @@
               </a:rPr>
               <a:t>Dithering</a:t>
             </a:r>
-            <a:r>
-              <a:rPr lang="de-DE" dirty="0"/>
-              <a:t> (30 sec)</a:t>
-            </a:r>
+            <a:endParaRPr lang="de-DE" dirty="0"/>
           </a:p>
         </p:txBody>
       </p:sp>
@@ -8506,68 +8127,333 @@
         </p:nvSpPr>
         <p:spPr/>
         <p:txBody>
-          <a:bodyPr/>
+          <a:bodyPr>
+            <a:normAutofit lnSpcReduction="10000"/>
+          </a:bodyPr>
           <a:lstStyle/>
           <a:p>
             <a:r>
-              <a:rPr lang="de-DE" dirty="0"/>
-              <a:t>Blue </a:t>
-            </a:r>
-            <a:r>
-              <a:rPr lang="de-DE" dirty="0" err="1"/>
+              <a:rPr lang="de-DE" dirty="0">
+                <a:solidFill>
+                  <a:schemeClr val="bg1"/>
+                </a:solidFill>
+                <a:latin typeface="Bahnschrift" panose="020B0502040204020203" pitchFamily="34" charset="0"/>
+              </a:rPr>
+              <a:t>Offset sample </a:t>
+            </a:r>
+            <a:r>
+              <a:rPr lang="de-DE" dirty="0" err="1">
+                <a:solidFill>
+                  <a:schemeClr val="bg1"/>
+                </a:solidFill>
+                <a:latin typeface="Bahnschrift" panose="020B0502040204020203" pitchFamily="34" charset="0"/>
+              </a:rPr>
+              <a:t>depth</a:t>
+            </a:r>
+            <a:r>
+              <a:rPr lang="de-DE" dirty="0">
+                <a:solidFill>
+                  <a:schemeClr val="bg1"/>
+                </a:solidFill>
+                <a:latin typeface="Bahnschrift" panose="020B0502040204020203" pitchFamily="34" charset="0"/>
+              </a:rPr>
+              <a:t> </a:t>
+            </a:r>
+            <a:r>
+              <a:rPr lang="de-DE" dirty="0" err="1">
+                <a:solidFill>
+                  <a:schemeClr val="bg1"/>
+                </a:solidFill>
+                <a:latin typeface="Bahnschrift" panose="020B0502040204020203" pitchFamily="34" charset="0"/>
+              </a:rPr>
+              <a:t>using</a:t>
+            </a:r>
+            <a:r>
+              <a:rPr lang="de-DE" dirty="0">
+                <a:solidFill>
+                  <a:schemeClr val="bg1"/>
+                </a:solidFill>
+                <a:latin typeface="Bahnschrift" panose="020B0502040204020203" pitchFamily="34" charset="0"/>
+              </a:rPr>
+              <a:t> </a:t>
+            </a:r>
+            <a:r>
+              <a:rPr lang="de-DE" dirty="0" err="1">
+                <a:solidFill>
+                  <a:schemeClr val="bg1"/>
+                </a:solidFill>
+                <a:latin typeface="Bahnschrift" panose="020B0502040204020203" pitchFamily="34" charset="0"/>
+              </a:rPr>
+              <a:t>blue</a:t>
+            </a:r>
+            <a:r>
+              <a:rPr lang="de-DE" dirty="0">
+                <a:solidFill>
+                  <a:schemeClr val="bg1"/>
+                </a:solidFill>
+                <a:latin typeface="Bahnschrift" panose="020B0502040204020203" pitchFamily="34" charset="0"/>
+              </a:rPr>
+              <a:t> </a:t>
+            </a:r>
+            <a:r>
+              <a:rPr lang="de-DE" dirty="0" err="1">
+                <a:solidFill>
+                  <a:schemeClr val="bg1"/>
+                </a:solidFill>
+                <a:latin typeface="Bahnschrift" panose="020B0502040204020203" pitchFamily="34" charset="0"/>
+              </a:rPr>
               <a:t>noise</a:t>
             </a:r>
+            <a:endParaRPr lang="de-DE" dirty="0">
+              <a:solidFill>
+                <a:schemeClr val="bg1"/>
+              </a:solidFill>
+              <a:latin typeface="Bahnschrift" panose="020B0502040204020203" pitchFamily="34" charset="0"/>
+            </a:endParaRPr>
+          </a:p>
+          <a:p>
+            <a:pPr marL="457200" lvl="1" indent="0">
+              <a:buNone/>
+            </a:pPr>
+            <a:r>
+              <a:rPr lang="de-DE" dirty="0">
+                <a:solidFill>
+                  <a:schemeClr val="bg1"/>
+                </a:solidFill>
+                <a:latin typeface="Bahnschrift" panose="020B0502040204020203" pitchFamily="34" charset="0"/>
+                <a:sym typeface="Wingdings" panose="05000000000000000000" pitchFamily="2" charset="2"/>
+              </a:rPr>
+              <a:t> </a:t>
+            </a:r>
+            <a:r>
+              <a:rPr lang="de-DE" dirty="0" err="1">
+                <a:solidFill>
+                  <a:schemeClr val="bg1"/>
+                </a:solidFill>
+                <a:latin typeface="Bahnschrift" panose="020B0502040204020203" pitchFamily="34" charset="0"/>
+              </a:rPr>
+              <a:t>Better</a:t>
+            </a:r>
+            <a:r>
+              <a:rPr lang="de-DE" dirty="0">
+                <a:solidFill>
+                  <a:schemeClr val="bg1"/>
+                </a:solidFill>
+                <a:latin typeface="Bahnschrift" panose="020B0502040204020203" pitchFamily="34" charset="0"/>
+              </a:rPr>
+              <a:t> sample </a:t>
+            </a:r>
+            <a:r>
+              <a:rPr lang="de-DE" dirty="0" err="1">
+                <a:solidFill>
+                  <a:schemeClr val="bg1"/>
+                </a:solidFill>
+                <a:latin typeface="Bahnschrift" panose="020B0502040204020203" pitchFamily="34" charset="0"/>
+              </a:rPr>
+              <a:t>distribution</a:t>
+            </a:r>
+            <a:endParaRPr lang="de-DE" dirty="0">
+              <a:solidFill>
+                <a:schemeClr val="bg1"/>
+              </a:solidFill>
+              <a:latin typeface="Bahnschrift" panose="020B0502040204020203" pitchFamily="34" charset="0"/>
+            </a:endParaRPr>
+          </a:p>
+          <a:p>
             <a:endParaRPr lang="de-DE" dirty="0"/>
           </a:p>
           <a:p>
-            <a:r>
-              <a:rPr lang="de-DE" dirty="0"/>
-              <a:t>Offset </a:t>
-            </a:r>
-            <a:r>
-              <a:rPr lang="de-DE" dirty="0" err="1"/>
-              <a:t>depth</a:t>
-            </a:r>
             <a:endParaRPr lang="de-DE" dirty="0"/>
           </a:p>
           <a:p>
-            <a:r>
-              <a:rPr lang="de-DE" dirty="0" err="1"/>
-              <a:t>Better</a:t>
-            </a:r>
-            <a:r>
-              <a:rPr lang="de-DE" dirty="0"/>
-              <a:t> sample </a:t>
-            </a:r>
-            <a:r>
-              <a:rPr lang="de-DE" dirty="0" err="1"/>
-              <a:t>distribution</a:t>
-            </a:r>
             <a:endParaRPr lang="de-DE" dirty="0"/>
           </a:p>
           <a:p>
             <a:endParaRPr lang="de-DE" dirty="0"/>
           </a:p>
           <a:p>
-            <a:r>
-              <a:rPr lang="de-DE" dirty="0" err="1"/>
+            <a:endParaRPr lang="de-DE" dirty="0">
+              <a:solidFill>
+                <a:schemeClr val="bg1"/>
+              </a:solidFill>
+              <a:latin typeface="Bahnschrift" panose="020B0502040204020203" pitchFamily="34" charset="0"/>
+            </a:endParaRPr>
+          </a:p>
+          <a:p>
+            <a:endParaRPr lang="de-DE" dirty="0">
+              <a:solidFill>
+                <a:schemeClr val="bg1"/>
+              </a:solidFill>
+              <a:latin typeface="Bahnschrift" panose="020B0502040204020203" pitchFamily="34" charset="0"/>
+            </a:endParaRPr>
+          </a:p>
+          <a:p>
+            <a:r>
+              <a:rPr lang="de-DE" dirty="0" err="1">
+                <a:solidFill>
+                  <a:schemeClr val="bg1"/>
+                </a:solidFill>
+                <a:latin typeface="Bahnschrift" panose="020B0502040204020203" pitchFamily="34" charset="0"/>
+              </a:rPr>
               <a:t>Dithered</a:t>
             </a:r>
             <a:r>
-              <a:rPr lang="de-DE" dirty="0"/>
+              <a:rPr lang="de-DE" dirty="0">
+                <a:solidFill>
+                  <a:schemeClr val="bg1"/>
+                </a:solidFill>
+                <a:latin typeface="Bahnschrift" panose="020B0502040204020203" pitchFamily="34" charset="0"/>
+              </a:rPr>
               <a:t> </a:t>
             </a:r>
             <a:r>
-              <a:rPr lang="de-DE" dirty="0" err="1"/>
+              <a:rPr lang="de-DE" dirty="0" err="1">
+                <a:solidFill>
+                  <a:schemeClr val="bg1"/>
+                </a:solidFill>
+                <a:latin typeface="Bahnschrift" panose="020B0502040204020203" pitchFamily="34" charset="0"/>
+              </a:rPr>
               <a:t>sampling</a:t>
             </a:r>
             <a:r>
-              <a:rPr lang="de-DE" dirty="0"/>
-              <a:t> -&gt; TAA</a:t>
+              <a:rPr lang="de-DE" dirty="0">
+                <a:solidFill>
+                  <a:schemeClr val="bg1"/>
+                </a:solidFill>
+                <a:latin typeface="Bahnschrift" panose="020B0502040204020203" pitchFamily="34" charset="0"/>
+              </a:rPr>
+              <a:t> </a:t>
+            </a:r>
+            <a:r>
+              <a:rPr lang="de-DE" dirty="0">
+                <a:solidFill>
+                  <a:schemeClr val="bg1"/>
+                </a:solidFill>
+                <a:latin typeface="Bahnschrift" panose="020B0502040204020203" pitchFamily="34" charset="0"/>
+                <a:sym typeface="Wingdings" panose="05000000000000000000" pitchFamily="2" charset="2"/>
+              </a:rPr>
+              <a:t></a:t>
+            </a:r>
+            <a:r>
+              <a:rPr lang="de-DE" dirty="0">
+                <a:solidFill>
+                  <a:schemeClr val="bg1"/>
+                </a:solidFill>
+                <a:latin typeface="Bahnschrift" panose="020B0502040204020203" pitchFamily="34" charset="0"/>
+              </a:rPr>
+              <a:t> </a:t>
+            </a:r>
+            <a:r>
+              <a:rPr lang="de-DE" dirty="0" err="1">
+                <a:solidFill>
+                  <a:schemeClr val="bg1"/>
+                </a:solidFill>
+                <a:latin typeface="Bahnschrift" panose="020B0502040204020203" pitchFamily="34" charset="0"/>
+              </a:rPr>
+              <a:t>smoothed</a:t>
+            </a:r>
+            <a:r>
+              <a:rPr lang="de-DE" dirty="0">
+                <a:solidFill>
+                  <a:schemeClr val="bg1"/>
+                </a:solidFill>
+                <a:latin typeface="Bahnschrift" panose="020B0502040204020203" pitchFamily="34" charset="0"/>
+              </a:rPr>
+              <a:t> </a:t>
+            </a:r>
+            <a:r>
+              <a:rPr lang="de-DE" dirty="0" err="1">
+                <a:solidFill>
+                  <a:schemeClr val="bg1"/>
+                </a:solidFill>
+                <a:latin typeface="Bahnschrift" panose="020B0502040204020203" pitchFamily="34" charset="0"/>
+              </a:rPr>
+              <a:t>by</a:t>
+            </a:r>
+            <a:r>
+              <a:rPr lang="de-DE" dirty="0">
+                <a:solidFill>
+                  <a:schemeClr val="bg1"/>
+                </a:solidFill>
+                <a:latin typeface="Bahnschrift" panose="020B0502040204020203" pitchFamily="34" charset="0"/>
+              </a:rPr>
+              <a:t> TAA</a:t>
             </a:r>
           </a:p>
         </p:txBody>
       </p:sp>
+      <p:pic>
+        <p:nvPicPr>
+          <p:cNvPr id="7" name="Grafik 6" descr="Ein Bild, das Läufer enthält.&#10;&#10;Automatisch generierte Beschreibung">
+            <a:extLst>
+              <a:ext uri="{FF2B5EF4-FFF2-40B4-BE49-F238E27FC236}">
+                <a16:creationId xmlns:a16="http://schemas.microsoft.com/office/drawing/2014/main" id="{72120429-A73A-4503-85AF-0B549909CD57}"/>
+              </a:ext>
+            </a:extLst>
+          </p:cNvPr>
+          <p:cNvPicPr>
+            <a:picLocks noChangeAspect="1"/>
+          </p:cNvPicPr>
+          <p:nvPr/>
+        </p:nvPicPr>
+        <p:blipFill>
+          <a:blip r:embed="rId2">
+            <a:extLst>
+              <a:ext uri="{28A0092B-C50C-407E-A947-70E740481C1C}">
+                <a14:useLocalDpi xmlns:a14="http://schemas.microsoft.com/office/drawing/2010/main" val="0"/>
+              </a:ext>
+            </a:extLst>
+          </a:blip>
+          <a:stretch>
+            <a:fillRect/>
+          </a:stretch>
+        </p:blipFill>
+        <p:spPr>
+          <a:xfrm>
+            <a:off x="8915400" y="2627750"/>
+            <a:ext cx="2438400" cy="2438400"/>
+          </a:xfrm>
+          <a:prstGeom prst="rect">
+            <a:avLst/>
+          </a:prstGeom>
+        </p:spPr>
+      </p:pic>
+      <p:pic>
+        <p:nvPicPr>
+          <p:cNvPr id="9" name="Grafik 8">
+            <a:extLst>
+              <a:ext uri="{FF2B5EF4-FFF2-40B4-BE49-F238E27FC236}">
+                <a16:creationId xmlns:a16="http://schemas.microsoft.com/office/drawing/2014/main" id="{4CD0D215-8321-4ED7-A85E-56EEADBB195A}"/>
+              </a:ext>
+            </a:extLst>
+          </p:cNvPr>
+          <p:cNvPicPr>
+            <a:picLocks noChangeAspect="1"/>
+          </p:cNvPicPr>
+          <p:nvPr/>
+        </p:nvPicPr>
+        <p:blipFill>
+          <a:blip r:embed="rId3">
+            <a:extLst>
+              <a:ext uri="{28A0092B-C50C-407E-A947-70E740481C1C}">
+                <a14:useLocalDpi xmlns:a14="http://schemas.microsoft.com/office/drawing/2010/main" val="0"/>
+              </a:ext>
+            </a:extLst>
+          </a:blip>
+          <a:stretch>
+            <a:fillRect/>
+          </a:stretch>
+        </p:blipFill>
+        <p:spPr>
+          <a:xfrm>
+            <a:off x="1244600" y="2694936"/>
+            <a:ext cx="6813062" cy="2304029"/>
+          </a:xfrm>
+          <a:prstGeom prst="rect">
+            <a:avLst/>
+          </a:prstGeom>
+        </p:spPr>
+      </p:pic>
     </p:spTree>
     <p:extLst>
       <p:ext uri="{BB962C8B-B14F-4D97-AF65-F5344CB8AC3E}">
@@ -8603,7 +8489,7 @@
           <p:cNvPr id="2" name="Titel 1">
             <a:extLst>
               <a:ext uri="{FF2B5EF4-FFF2-40B4-BE49-F238E27FC236}">
-                <a16:creationId xmlns:a16="http://schemas.microsoft.com/office/drawing/2014/main" id="{9F0D4089-10E1-4F23-AAB2-E6BD34B51F1A}"/>
+                <a16:creationId xmlns:a16="http://schemas.microsoft.com/office/drawing/2014/main" id="{EBD3DFD6-C5BF-479F-8946-D157F47853AA}"/>
               </a:ext>
             </a:extLst>
           </p:cNvPr>
@@ -8620,45 +8506,36 @@
           <a:lstStyle/>
           <a:p>
             <a:r>
-              <a:rPr lang="de-DE" dirty="0" err="1"/>
-              <a:t>Atmosphere</a:t>
-            </a:r>
-            <a:r>
-              <a:rPr lang="de-DE" dirty="0"/>
-              <a:t> Rendering</a:t>
-            </a:r>
-          </a:p>
-        </p:txBody>
-      </p:sp>
-      <p:sp>
-        <p:nvSpPr>
-          <p:cNvPr id="3" name="Inhaltsplatzhalter 2">
-            <a:extLst>
-              <a:ext uri="{FF2B5EF4-FFF2-40B4-BE49-F238E27FC236}">
-                <a16:creationId xmlns:a16="http://schemas.microsoft.com/office/drawing/2014/main" id="{28AF142C-3A29-4786-BCCE-B505B4BED13B}"/>
-              </a:ext>
-            </a:extLst>
-          </p:cNvPr>
-          <p:cNvSpPr>
-            <a:spLocks noGrp="1"/>
-          </p:cNvSpPr>
-          <p:nvPr>
-            <p:ph idx="1"/>
-          </p:nvPr>
-        </p:nvSpPr>
-        <p:spPr/>
-        <p:txBody>
-          <a:bodyPr/>
-          <a:lstStyle/>
-          <a:p>
-            <a:endParaRPr lang="de-DE" dirty="0"/>
+              <a:rPr lang="de-DE" dirty="0">
+                <a:solidFill>
+                  <a:schemeClr val="accent2"/>
+                </a:solidFill>
+              </a:rPr>
+              <a:t>Grass </a:t>
+            </a:r>
+            <a:r>
+              <a:rPr lang="de-DE" dirty="0" err="1">
+                <a:solidFill>
+                  <a:schemeClr val="accent2"/>
+                </a:solidFill>
+              </a:rPr>
+              <a:t>Shader</a:t>
+            </a:r>
+            <a:r>
+              <a:rPr lang="de-DE" dirty="0">
+                <a:solidFill>
+                  <a:schemeClr val="accent2"/>
+                </a:solidFill>
+              </a:rPr>
+              <a:t> – Live Demo</a:t>
+            </a:r>
           </a:p>
         </p:txBody>
       </p:sp>
     </p:spTree>
     <p:extLst>
       <p:ext uri="{BB962C8B-B14F-4D97-AF65-F5344CB8AC3E}">
-        <p14:creationId xmlns:p14="http://schemas.microsoft.com/office/powerpoint/2010/main" val="918164183"/>
+        <p14:creationId xmlns:p14="http://schemas.microsoft.com/office/powerpoint/2010/main" val="1376111569"/>
       </p:ext>
     </p:extLst>
   </p:cSld>
@@ -8701,22 +8578,61 @@
             <p:ph type="title"/>
           </p:nvPr>
         </p:nvSpPr>
-        <p:spPr/>
+        <p:spPr>
+          <a:xfrm>
+            <a:off x="123092" y="-1"/>
+            <a:ext cx="10515600" cy="1325563"/>
+          </a:xfrm>
+        </p:spPr>
         <p:txBody>
           <a:bodyPr/>
           <a:lstStyle/>
           <a:p>
             <a:r>
-              <a:rPr lang="de-DE" dirty="0"/>
-              <a:t>Performance</a:t>
+              <a:rPr lang="de-DE" dirty="0">
+                <a:solidFill>
+                  <a:schemeClr val="accent2"/>
+                </a:solidFill>
+              </a:rPr>
+              <a:t>Vegetation</a:t>
             </a:r>
           </a:p>
         </p:txBody>
       </p:sp>
+      <p:pic>
+        <p:nvPicPr>
+          <p:cNvPr id="5" name="Grafik 4"/>
+          <p:cNvPicPr>
+            <a:picLocks noChangeAspect="1"/>
+          </p:cNvPicPr>
+          <p:nvPr/>
+        </p:nvPicPr>
+        <p:blipFill>
+          <a:blip r:embed="rId2">
+            <a:extLst>
+              <a:ext uri="{28A0092B-C50C-407E-A947-70E740481C1C}">
+                <a14:useLocalDpi xmlns:a14="http://schemas.microsoft.com/office/drawing/2010/main" val="0"/>
+              </a:ext>
+            </a:extLst>
+          </a:blip>
+          <a:stretch>
+            <a:fillRect/>
+          </a:stretch>
+        </p:blipFill>
+        <p:spPr>
+          <a:xfrm>
+            <a:off x="2883877" y="-1"/>
+            <a:ext cx="9308123" cy="6859417"/>
+          </a:xfrm>
+          <a:prstGeom prst="rect">
+            <a:avLst/>
+          </a:prstGeom>
+        </p:spPr>
+      </p:pic>
     </p:spTree>
     <p:extLst>
       <p:ext uri="{BB962C8B-B14F-4D97-AF65-F5344CB8AC3E}">
-        <p14:creationId xmlns:p14="http://schemas.microsoft.com/office/powerpoint/2010/main" val="963216593"/>
+        <p14:creationId xmlns:p14="http://schemas.microsoft.com/office/powerpoint/2010/main" val="768098241"/>
       </p:ext>
     </p:extLst>
   </p:cSld>
@@ -8759,12 +8675,7 @@
             <p:ph type="title"/>
           </p:nvPr>
         </p:nvSpPr>
-        <p:spPr>
-          <a:xfrm>
-            <a:off x="123092" y="-1"/>
-            <a:ext cx="10515600" cy="1325563"/>
-          </a:xfrm>
-        </p:spPr>
+        <p:spPr/>
         <p:txBody>
           <a:bodyPr/>
           <a:lstStyle/>
@@ -8775,45 +8686,659 @@
                   <a:schemeClr val="accent2"/>
                 </a:solidFill>
               </a:rPr>
-              <a:t>Vegetation</a:t>
+              <a:t>Grass </a:t>
+            </a:r>
+            <a:r>
+              <a:rPr lang="de-DE" dirty="0" err="1">
+                <a:solidFill>
+                  <a:schemeClr val="accent2"/>
+                </a:solidFill>
+              </a:rPr>
+              <a:t>Shader</a:t>
+            </a:r>
+            <a:r>
+              <a:rPr lang="de-DE" dirty="0">
+                <a:solidFill>
+                  <a:schemeClr val="accent2"/>
+                </a:solidFill>
+              </a:rPr>
+              <a:t> – General  </a:t>
             </a:r>
           </a:p>
         </p:txBody>
       </p:sp>
-      <p:pic>
-        <p:nvPicPr>
-          <p:cNvPr id="5" name="Grafik 4"/>
-          <p:cNvPicPr>
-            <a:picLocks noChangeAspect="1"/>
-          </p:cNvPicPr>
+      <p:sp>
+        <p:nvSpPr>
+          <p:cNvPr id="5" name="Inhaltsplatzhalter 2">
+            <a:extLst>
+              <a:ext uri="{FF2B5EF4-FFF2-40B4-BE49-F238E27FC236}">
+                <a16:creationId xmlns:a16="http://schemas.microsoft.com/office/drawing/2014/main" id="{00322693-9EF5-4863-AAE1-AD61ED63A6A5}"/>
+              </a:ext>
+            </a:extLst>
+          </p:cNvPr>
+          <p:cNvSpPr txBox="1">
+            <a:spLocks/>
+          </p:cNvSpPr>
           <p:nvPr/>
-        </p:nvPicPr>
-        <p:blipFill>
-          <a:blip r:embed="rId2">
-            <a:extLst>
-              <a:ext uri="{28A0092B-C50C-407E-A947-70E740481C1C}">
-                <a14:useLocalDpi xmlns:a14="http://schemas.microsoft.com/office/drawing/2010/main" val="0"/>
-              </a:ext>
-            </a:extLst>
-          </a:blip>
-          <a:stretch>
-            <a:fillRect/>
-          </a:stretch>
-        </p:blipFill>
+        </p:nvSpPr>
         <p:spPr>
           <a:xfrm>
-            <a:off x="2883877" y="-1"/>
-            <a:ext cx="9308123" cy="6859417"/>
+            <a:off x="838200" y="1825625"/>
+            <a:ext cx="10515600" cy="4351338"/>
           </a:xfrm>
           <a:prstGeom prst="rect">
             <a:avLst/>
           </a:prstGeom>
         </p:spPr>
-      </p:pic>
+        <p:txBody>
+          <a:bodyPr anchor="t"/>
+          <a:lstStyle>
+            <a:lvl1pPr marL="228600" indent="-228600" algn="l" defTabSz="914400" rtl="0" eaLnBrk="1" latinLnBrk="0" hangingPunct="1">
+              <a:lnSpc>
+                <a:spcPct val="90000"/>
+              </a:lnSpc>
+              <a:spcBef>
+                <a:spcPts val="1000"/>
+              </a:spcBef>
+              <a:buFont typeface="Arial" panose="020B0604020202020204" pitchFamily="34" charset="0"/>
+              <a:buChar char="•"/>
+              <a:defRPr sz="2800" kern="1200">
+                <a:solidFill>
+                  <a:schemeClr val="tx1"/>
+                </a:solidFill>
+                <a:latin typeface="+mn-lt"/>
+                <a:ea typeface="+mn-ea"/>
+                <a:cs typeface="+mn-cs"/>
+              </a:defRPr>
+            </a:lvl1pPr>
+            <a:lvl2pPr marL="685800" indent="-228600" algn="l" defTabSz="914400" rtl="0" eaLnBrk="1" latinLnBrk="0" hangingPunct="1">
+              <a:lnSpc>
+                <a:spcPct val="90000"/>
+              </a:lnSpc>
+              <a:spcBef>
+                <a:spcPts val="500"/>
+              </a:spcBef>
+              <a:buFont typeface="Arial" panose="020B0604020202020204" pitchFamily="34" charset="0"/>
+              <a:buChar char="•"/>
+              <a:defRPr sz="2400" kern="1200">
+                <a:solidFill>
+                  <a:schemeClr val="tx1"/>
+                </a:solidFill>
+                <a:latin typeface="+mn-lt"/>
+                <a:ea typeface="+mn-ea"/>
+                <a:cs typeface="+mn-cs"/>
+              </a:defRPr>
+            </a:lvl2pPr>
+            <a:lvl3pPr marL="1143000" indent="-228600" algn="l" defTabSz="914400" rtl="0" eaLnBrk="1" latinLnBrk="0" hangingPunct="1">
+              <a:lnSpc>
+                <a:spcPct val="90000"/>
+              </a:lnSpc>
+              <a:spcBef>
+                <a:spcPts val="500"/>
+              </a:spcBef>
+              <a:buFont typeface="Arial" panose="020B0604020202020204" pitchFamily="34" charset="0"/>
+              <a:buChar char="•"/>
+              <a:defRPr sz="2000" kern="1200">
+                <a:solidFill>
+                  <a:schemeClr val="tx1"/>
+                </a:solidFill>
+                <a:latin typeface="+mn-lt"/>
+                <a:ea typeface="+mn-ea"/>
+                <a:cs typeface="+mn-cs"/>
+              </a:defRPr>
+            </a:lvl3pPr>
+            <a:lvl4pPr marL="1600200" indent="-228600" algn="l" defTabSz="914400" rtl="0" eaLnBrk="1" latinLnBrk="0" hangingPunct="1">
+              <a:lnSpc>
+                <a:spcPct val="90000"/>
+              </a:lnSpc>
+              <a:spcBef>
+                <a:spcPts val="500"/>
+              </a:spcBef>
+              <a:buFont typeface="Arial" panose="020B0604020202020204" pitchFamily="34" charset="0"/>
+              <a:buChar char="•"/>
+              <a:defRPr sz="1800" kern="1200">
+                <a:solidFill>
+                  <a:schemeClr val="tx1"/>
+                </a:solidFill>
+                <a:latin typeface="+mn-lt"/>
+                <a:ea typeface="+mn-ea"/>
+                <a:cs typeface="+mn-cs"/>
+              </a:defRPr>
+            </a:lvl4pPr>
+            <a:lvl5pPr marL="2057400" indent="-228600" algn="l" defTabSz="914400" rtl="0" eaLnBrk="1" latinLnBrk="0" hangingPunct="1">
+              <a:lnSpc>
+                <a:spcPct val="90000"/>
+              </a:lnSpc>
+              <a:spcBef>
+                <a:spcPts val="500"/>
+              </a:spcBef>
+              <a:buFont typeface="Arial" panose="020B0604020202020204" pitchFamily="34" charset="0"/>
+              <a:buChar char="•"/>
+              <a:defRPr sz="1800" kern="1200">
+                <a:solidFill>
+                  <a:schemeClr val="tx1"/>
+                </a:solidFill>
+                <a:latin typeface="+mn-lt"/>
+                <a:ea typeface="+mn-ea"/>
+                <a:cs typeface="+mn-cs"/>
+              </a:defRPr>
+            </a:lvl5pPr>
+            <a:lvl6pPr marL="2514600" indent="-228600" algn="l" defTabSz="914400" rtl="0" eaLnBrk="1" latinLnBrk="0" hangingPunct="1">
+              <a:lnSpc>
+                <a:spcPct val="90000"/>
+              </a:lnSpc>
+              <a:spcBef>
+                <a:spcPts val="500"/>
+              </a:spcBef>
+              <a:buFont typeface="Arial" panose="020B0604020202020204" pitchFamily="34" charset="0"/>
+              <a:buChar char="•"/>
+              <a:defRPr sz="1800" kern="1200">
+                <a:solidFill>
+                  <a:schemeClr val="tx1"/>
+                </a:solidFill>
+                <a:latin typeface="+mn-lt"/>
+                <a:ea typeface="+mn-ea"/>
+                <a:cs typeface="+mn-cs"/>
+              </a:defRPr>
+            </a:lvl6pPr>
+            <a:lvl7pPr marL="2971800" indent="-228600" algn="l" defTabSz="914400" rtl="0" eaLnBrk="1" latinLnBrk="0" hangingPunct="1">
+              <a:lnSpc>
+                <a:spcPct val="90000"/>
+              </a:lnSpc>
+              <a:spcBef>
+                <a:spcPts val="500"/>
+              </a:spcBef>
+              <a:buFont typeface="Arial" panose="020B0604020202020204" pitchFamily="34" charset="0"/>
+              <a:buChar char="•"/>
+              <a:defRPr sz="1800" kern="1200">
+                <a:solidFill>
+                  <a:schemeClr val="tx1"/>
+                </a:solidFill>
+                <a:latin typeface="+mn-lt"/>
+                <a:ea typeface="+mn-ea"/>
+                <a:cs typeface="+mn-cs"/>
+              </a:defRPr>
+            </a:lvl7pPr>
+            <a:lvl8pPr marL="3429000" indent="-228600" algn="l" defTabSz="914400" rtl="0" eaLnBrk="1" latinLnBrk="0" hangingPunct="1">
+              <a:lnSpc>
+                <a:spcPct val="90000"/>
+              </a:lnSpc>
+              <a:spcBef>
+                <a:spcPts val="500"/>
+              </a:spcBef>
+              <a:buFont typeface="Arial" panose="020B0604020202020204" pitchFamily="34" charset="0"/>
+              <a:buChar char="•"/>
+              <a:defRPr sz="1800" kern="1200">
+                <a:solidFill>
+                  <a:schemeClr val="tx1"/>
+                </a:solidFill>
+                <a:latin typeface="+mn-lt"/>
+                <a:ea typeface="+mn-ea"/>
+                <a:cs typeface="+mn-cs"/>
+              </a:defRPr>
+            </a:lvl8pPr>
+            <a:lvl9pPr marL="3886200" indent="-228600" algn="l" defTabSz="914400" rtl="0" eaLnBrk="1" latinLnBrk="0" hangingPunct="1">
+              <a:lnSpc>
+                <a:spcPct val="90000"/>
+              </a:lnSpc>
+              <a:spcBef>
+                <a:spcPts val="500"/>
+              </a:spcBef>
+              <a:buFont typeface="Arial" panose="020B0604020202020204" pitchFamily="34" charset="0"/>
+              <a:buChar char="•"/>
+              <a:defRPr sz="1800" kern="1200">
+                <a:solidFill>
+                  <a:schemeClr val="tx1"/>
+                </a:solidFill>
+                <a:latin typeface="+mn-lt"/>
+                <a:ea typeface="+mn-ea"/>
+                <a:cs typeface="+mn-cs"/>
+              </a:defRPr>
+            </a:lvl9pPr>
+          </a:lstStyle>
+          <a:p>
+            <a:r>
+              <a:rPr lang="de-DE" dirty="0">
+                <a:solidFill>
+                  <a:schemeClr val="bg1"/>
+                </a:solidFill>
+                <a:latin typeface="Bahnschrift"/>
+              </a:rPr>
+              <a:t>Generate </a:t>
+            </a:r>
+            <a:r>
+              <a:rPr lang="de-DE" dirty="0" err="1">
+                <a:solidFill>
+                  <a:schemeClr val="bg1"/>
+                </a:solidFill>
+                <a:latin typeface="Bahnschrift"/>
+              </a:rPr>
+              <a:t>grass</a:t>
+            </a:r>
+            <a:r>
+              <a:rPr lang="de-DE" dirty="0">
+                <a:solidFill>
+                  <a:schemeClr val="bg1"/>
+                </a:solidFill>
+                <a:latin typeface="Bahnschrift"/>
+              </a:rPr>
+              <a:t> </a:t>
+            </a:r>
+            <a:r>
+              <a:rPr lang="de-DE" dirty="0" err="1">
+                <a:solidFill>
+                  <a:schemeClr val="bg1"/>
+                </a:solidFill>
+                <a:latin typeface="Bahnschrift"/>
+              </a:rPr>
+              <a:t>geometry</a:t>
+            </a:r>
+            <a:r>
+              <a:rPr lang="de-DE" dirty="0">
+                <a:solidFill>
+                  <a:schemeClr val="bg1"/>
+                </a:solidFill>
+                <a:latin typeface="Bahnschrift"/>
+              </a:rPr>
+              <a:t> in </a:t>
+            </a:r>
+            <a:r>
+              <a:rPr lang="de-DE" dirty="0" err="1">
+                <a:solidFill>
+                  <a:schemeClr val="bg1"/>
+                </a:solidFill>
+                <a:latin typeface="Bahnschrift"/>
+              </a:rPr>
+              <a:t>tessellation</a:t>
+            </a:r>
+            <a:r>
+              <a:rPr lang="de-DE" dirty="0">
+                <a:solidFill>
+                  <a:schemeClr val="bg1"/>
+                </a:solidFill>
+                <a:latin typeface="Bahnschrift"/>
+              </a:rPr>
+              <a:t> and </a:t>
+            </a:r>
+            <a:r>
+              <a:rPr lang="de-DE" dirty="0" err="1">
+                <a:solidFill>
+                  <a:schemeClr val="bg1"/>
+                </a:solidFill>
+                <a:latin typeface="Bahnschrift"/>
+              </a:rPr>
+              <a:t>geomety</a:t>
+            </a:r>
+            <a:r>
+              <a:rPr lang="de-DE" dirty="0">
+                <a:solidFill>
+                  <a:schemeClr val="bg1"/>
+                </a:solidFill>
+                <a:latin typeface="Bahnschrift"/>
+              </a:rPr>
+              <a:t> </a:t>
+            </a:r>
+            <a:r>
+              <a:rPr lang="de-DE" dirty="0" err="1">
+                <a:solidFill>
+                  <a:schemeClr val="bg1"/>
+                </a:solidFill>
+                <a:latin typeface="Bahnschrift"/>
+              </a:rPr>
+              <a:t>stage</a:t>
+            </a:r>
+            <a:endParaRPr lang="de-DE" dirty="0">
+              <a:solidFill>
+                <a:schemeClr val="bg1"/>
+              </a:solidFill>
+              <a:latin typeface="Bahnschrift"/>
+            </a:endParaRPr>
+          </a:p>
+          <a:p>
+            <a:pPr lvl="1"/>
+            <a:r>
+              <a:rPr lang="de-DE" dirty="0" err="1">
+                <a:solidFill>
+                  <a:schemeClr val="bg1"/>
+                </a:solidFill>
+                <a:latin typeface="Bahnschrift"/>
+                <a:cs typeface="Calibri"/>
+              </a:rPr>
+              <a:t>Allow</a:t>
+            </a:r>
+            <a:r>
+              <a:rPr lang="de-DE" dirty="0">
+                <a:solidFill>
+                  <a:schemeClr val="bg1"/>
+                </a:solidFill>
+                <a:latin typeface="Bahnschrift"/>
+                <a:cs typeface="Calibri"/>
+              </a:rPr>
+              <a:t> </a:t>
+            </a:r>
+            <a:r>
+              <a:rPr lang="de-DE" dirty="0" err="1">
+                <a:solidFill>
+                  <a:schemeClr val="bg1"/>
+                </a:solidFill>
+                <a:latin typeface="Bahnschrift"/>
+                <a:cs typeface="Calibri"/>
+              </a:rPr>
+              <a:t>artist</a:t>
+            </a:r>
+            <a:r>
+              <a:rPr lang="de-DE" dirty="0">
+                <a:solidFill>
+                  <a:schemeClr val="bg1"/>
+                </a:solidFill>
+                <a:latin typeface="Bahnschrift"/>
+                <a:cs typeface="Calibri"/>
+              </a:rPr>
+              <a:t> </a:t>
+            </a:r>
+            <a:r>
+              <a:rPr lang="de-DE" dirty="0" err="1">
+                <a:solidFill>
+                  <a:schemeClr val="bg1"/>
+                </a:solidFill>
+                <a:latin typeface="Bahnschrift"/>
+                <a:cs typeface="Calibri"/>
+              </a:rPr>
+              <a:t>to</a:t>
+            </a:r>
+            <a:r>
+              <a:rPr lang="de-DE" dirty="0">
+                <a:solidFill>
+                  <a:schemeClr val="bg1"/>
+                </a:solidFill>
+                <a:latin typeface="Bahnschrift"/>
+                <a:cs typeface="Calibri"/>
+              </a:rPr>
+              <a:t> pass </a:t>
+            </a:r>
+            <a:r>
+              <a:rPr lang="de-DE" dirty="0" err="1">
+                <a:solidFill>
+                  <a:schemeClr val="bg1"/>
+                </a:solidFill>
+                <a:latin typeface="Bahnschrift"/>
+                <a:cs typeface="Calibri"/>
+              </a:rPr>
+              <a:t>properties</a:t>
+            </a:r>
+            <a:r>
+              <a:rPr lang="de-DE" dirty="0">
+                <a:solidFill>
+                  <a:schemeClr val="bg1"/>
+                </a:solidFill>
+                <a:latin typeface="Bahnschrift"/>
+                <a:cs typeface="Calibri"/>
+              </a:rPr>
+              <a:t> such </a:t>
+            </a:r>
+            <a:r>
+              <a:rPr lang="de-DE" dirty="0" err="1">
+                <a:solidFill>
+                  <a:schemeClr val="bg1"/>
+                </a:solidFill>
+                <a:latin typeface="Bahnschrift"/>
+                <a:cs typeface="Calibri"/>
+              </a:rPr>
+              <a:t>as</a:t>
+            </a:r>
+            <a:r>
+              <a:rPr lang="de-DE" dirty="0">
+                <a:solidFill>
+                  <a:schemeClr val="bg1"/>
+                </a:solidFill>
+                <a:latin typeface="Bahnschrift"/>
+                <a:cs typeface="Calibri"/>
+              </a:rPr>
+              <a:t> </a:t>
+            </a:r>
+            <a:r>
+              <a:rPr lang="de-DE" dirty="0" err="1">
+                <a:solidFill>
+                  <a:schemeClr val="bg1"/>
+                </a:solidFill>
+                <a:latin typeface="Bahnschrift"/>
+                <a:cs typeface="Calibri"/>
+              </a:rPr>
+              <a:t>height</a:t>
+            </a:r>
+            <a:r>
+              <a:rPr lang="de-DE" dirty="0">
+                <a:solidFill>
+                  <a:schemeClr val="bg1"/>
+                </a:solidFill>
+                <a:latin typeface="Bahnschrift"/>
+                <a:cs typeface="Calibri"/>
+              </a:rPr>
+              <a:t>, </a:t>
+            </a:r>
+            <a:r>
+              <a:rPr lang="de-DE" dirty="0" err="1">
+                <a:solidFill>
+                  <a:schemeClr val="bg1"/>
+                </a:solidFill>
+                <a:latin typeface="Bahnschrift"/>
+                <a:cs typeface="Calibri"/>
+              </a:rPr>
+              <a:t>color</a:t>
+            </a:r>
+            <a:r>
+              <a:rPr lang="de-DE" dirty="0">
+                <a:solidFill>
+                  <a:schemeClr val="bg1"/>
+                </a:solidFill>
+                <a:latin typeface="Bahnschrift"/>
+                <a:cs typeface="Calibri"/>
+              </a:rPr>
+              <a:t> </a:t>
+            </a:r>
+            <a:r>
+              <a:rPr lang="de-DE" dirty="0" err="1">
+                <a:solidFill>
+                  <a:schemeClr val="bg1"/>
+                </a:solidFill>
+                <a:latin typeface="Bahnschrift"/>
+                <a:cs typeface="Calibri"/>
+              </a:rPr>
+              <a:t>distribution</a:t>
+            </a:r>
+            <a:r>
+              <a:rPr lang="de-DE" dirty="0">
+                <a:solidFill>
+                  <a:schemeClr val="bg1"/>
+                </a:solidFill>
+                <a:latin typeface="Bahnschrift"/>
+                <a:cs typeface="Calibri"/>
+              </a:rPr>
+              <a:t> and wind </a:t>
+            </a:r>
+            <a:r>
+              <a:rPr lang="de-DE" dirty="0" err="1">
+                <a:solidFill>
+                  <a:schemeClr val="bg1"/>
+                </a:solidFill>
+                <a:latin typeface="Bahnschrift"/>
+                <a:cs typeface="Calibri"/>
+              </a:rPr>
+              <a:t>displacement</a:t>
+            </a:r>
+            <a:endParaRPr lang="de-DE" dirty="0">
+              <a:solidFill>
+                <a:schemeClr val="bg1"/>
+              </a:solidFill>
+              <a:latin typeface="Bahnschrift"/>
+              <a:cs typeface="Calibri"/>
+            </a:endParaRPr>
+          </a:p>
+          <a:p>
+            <a:pPr marL="0" indent="0">
+              <a:buNone/>
+            </a:pPr>
+            <a:endParaRPr lang="de-DE" dirty="0">
+              <a:solidFill>
+                <a:schemeClr val="bg1"/>
+              </a:solidFill>
+              <a:latin typeface="Bahnschrift"/>
+              <a:cs typeface="Calibri"/>
+            </a:endParaRPr>
+          </a:p>
+          <a:p>
+            <a:r>
+              <a:rPr lang="de-DE" dirty="0" err="1">
+                <a:solidFill>
+                  <a:schemeClr val="bg1"/>
+                </a:solidFill>
+                <a:latin typeface="Bahnschrift"/>
+                <a:cs typeface="Calibri"/>
+              </a:rPr>
+              <a:t>Collide</a:t>
+            </a:r>
+            <a:r>
+              <a:rPr lang="de-DE" dirty="0">
+                <a:solidFill>
+                  <a:schemeClr val="bg1"/>
+                </a:solidFill>
+                <a:latin typeface="Bahnschrift"/>
+                <a:cs typeface="Calibri"/>
+              </a:rPr>
+              <a:t> </a:t>
+            </a:r>
+            <a:r>
+              <a:rPr lang="de-DE" dirty="0" err="1">
+                <a:solidFill>
+                  <a:schemeClr val="bg1"/>
+                </a:solidFill>
+                <a:latin typeface="Bahnschrift"/>
+                <a:cs typeface="Calibri"/>
+              </a:rPr>
+              <a:t>grass</a:t>
+            </a:r>
+            <a:r>
+              <a:rPr lang="de-DE" dirty="0">
+                <a:solidFill>
+                  <a:schemeClr val="bg1"/>
+                </a:solidFill>
+                <a:latin typeface="Bahnschrift"/>
+                <a:cs typeface="Calibri"/>
+              </a:rPr>
+              <a:t> blades </a:t>
+            </a:r>
+            <a:r>
+              <a:rPr lang="de-DE" dirty="0" err="1">
+                <a:solidFill>
+                  <a:schemeClr val="bg1"/>
+                </a:solidFill>
+                <a:latin typeface="Bahnschrift"/>
+                <a:cs typeface="Calibri"/>
+              </a:rPr>
+              <a:t>with</a:t>
+            </a:r>
+            <a:r>
+              <a:rPr lang="de-DE" dirty="0">
+                <a:solidFill>
+                  <a:schemeClr val="bg1"/>
+                </a:solidFill>
+                <a:latin typeface="Bahnschrift"/>
+                <a:cs typeface="Calibri"/>
+              </a:rPr>
+              <a:t> </a:t>
+            </a:r>
+            <a:r>
+              <a:rPr lang="de-DE" dirty="0" err="1">
+                <a:solidFill>
+                  <a:schemeClr val="bg1"/>
+                </a:solidFill>
+                <a:latin typeface="Bahnschrift"/>
+                <a:cs typeface="Calibri"/>
+              </a:rPr>
+              <a:t>player</a:t>
+            </a:r>
+            <a:r>
+              <a:rPr lang="de-DE" dirty="0">
+                <a:solidFill>
+                  <a:schemeClr val="bg1"/>
+                </a:solidFill>
+                <a:latin typeface="Bahnschrift"/>
+                <a:cs typeface="Calibri"/>
+              </a:rPr>
+              <a:t> and </a:t>
+            </a:r>
+            <a:r>
+              <a:rPr lang="de-DE" dirty="0" err="1">
+                <a:solidFill>
+                  <a:schemeClr val="bg1"/>
+                </a:solidFill>
+                <a:latin typeface="Bahnschrift"/>
+                <a:cs typeface="Calibri"/>
+              </a:rPr>
+              <a:t>other</a:t>
+            </a:r>
+            <a:r>
+              <a:rPr lang="de-DE" dirty="0">
+                <a:solidFill>
+                  <a:schemeClr val="bg1"/>
+                </a:solidFill>
+                <a:latin typeface="Bahnschrift"/>
+                <a:cs typeface="Calibri"/>
+              </a:rPr>
+              <a:t> </a:t>
+            </a:r>
+            <a:r>
+              <a:rPr lang="de-DE" dirty="0" err="1">
+                <a:solidFill>
+                  <a:schemeClr val="bg1"/>
+                </a:solidFill>
+                <a:latin typeface="Bahnschrift"/>
+                <a:cs typeface="Calibri"/>
+              </a:rPr>
+              <a:t>specified</a:t>
+            </a:r>
+            <a:r>
+              <a:rPr lang="de-DE" dirty="0">
+                <a:solidFill>
+                  <a:schemeClr val="bg1"/>
+                </a:solidFill>
+                <a:latin typeface="Bahnschrift"/>
+                <a:cs typeface="Calibri"/>
+              </a:rPr>
+              <a:t> </a:t>
+            </a:r>
+            <a:r>
+              <a:rPr lang="de-DE" dirty="0" err="1">
+                <a:solidFill>
+                  <a:schemeClr val="bg1"/>
+                </a:solidFill>
+                <a:latin typeface="Bahnschrift"/>
+                <a:cs typeface="Calibri"/>
+              </a:rPr>
+              <a:t>objects</a:t>
+            </a:r>
+            <a:endParaRPr lang="de-DE" dirty="0">
+              <a:solidFill>
+                <a:schemeClr val="bg1"/>
+              </a:solidFill>
+              <a:latin typeface="Bahnschrift" panose="020B0502040204020203" pitchFamily="34" charset="0"/>
+              <a:cs typeface="Calibri"/>
+            </a:endParaRPr>
+          </a:p>
+          <a:p>
+            <a:endParaRPr lang="de-DE" dirty="0">
+              <a:solidFill>
+                <a:schemeClr val="bg1"/>
+              </a:solidFill>
+              <a:latin typeface="Bahnschrift" panose="020B0502040204020203" pitchFamily="34" charset="0"/>
+            </a:endParaRPr>
+          </a:p>
+        </p:txBody>
+      </p:sp>
     </p:spTree>
     <p:extLst>
       <p:ext uri="{BB962C8B-B14F-4D97-AF65-F5344CB8AC3E}">
-        <p14:creationId xmlns:p14="http://schemas.microsoft.com/office/powerpoint/2010/main" val="768098241"/>
+        <p14:creationId xmlns:p14="http://schemas.microsoft.com/office/powerpoint/2010/main" val="75107569"/>
       </p:ext>
     </p:extLst>
   </p:cSld>

--- a/Presentation.pptx
+++ b/Presentation.pptx
@@ -19,6 +19,7 @@
     <p:sldId id="270" r:id="rId13"/>
     <p:sldId id="272" r:id="rId14"/>
     <p:sldId id="274" r:id="rId15"/>
+    <p:sldId id="275" r:id="rId16"/>
   </p:sldIdLst>
   <p:sldSz cx="12192000" cy="6858000"/>
   <p:notesSz cx="6858000" cy="9144000"/>
@@ -5344,6 +5345,699 @@
 </p:sld>
 </file>
 
+<file path=ppt/slides/slide15.xml><?xml version="1.0" encoding="utf-8"?>
+<p:sld xmlns:a="http://schemas.openxmlformats.org/drawingml/2006/main" xmlns:r="http://schemas.openxmlformats.org/officeDocument/2006/relationships" xmlns:p="http://schemas.openxmlformats.org/presentationml/2006/main">
+  <p:cSld>
+    <p:spTree>
+      <p:nvGrpSpPr>
+        <p:cNvPr id="1" name=""/>
+        <p:cNvGrpSpPr/>
+        <p:nvPr/>
+      </p:nvGrpSpPr>
+      <p:grpSpPr>
+        <a:xfrm>
+          <a:off x="0" y="0"/>
+          <a:ext cx="0" cy="0"/>
+          <a:chOff x="0" y="0"/>
+          <a:chExt cx="0" cy="0"/>
+        </a:xfrm>
+      </p:grpSpPr>
+      <p:sp>
+        <p:nvSpPr>
+          <p:cNvPr id="2" name="Titel 1">
+            <a:extLst>
+              <a:ext uri="{FF2B5EF4-FFF2-40B4-BE49-F238E27FC236}">
+                <a16:creationId xmlns:a16="http://schemas.microsoft.com/office/drawing/2014/main" id="{A7A96DE9-D8B1-4E96-953E-C215CE94B32B}"/>
+              </a:ext>
+            </a:extLst>
+          </p:cNvPr>
+          <p:cNvSpPr>
+            <a:spLocks noGrp="1"/>
+          </p:cNvSpPr>
+          <p:nvPr>
+            <p:ph type="title"/>
+          </p:nvPr>
+        </p:nvSpPr>
+        <p:spPr/>
+        <p:txBody>
+          <a:bodyPr/>
+          <a:lstStyle/>
+          <a:p>
+            <a:r>
+              <a:rPr lang="de-DE" dirty="0">
+                <a:solidFill>
+                  <a:schemeClr val="accent2"/>
+                </a:solidFill>
+              </a:rPr>
+              <a:t>References</a:t>
+            </a:r>
+            <a:endParaRPr lang="de-DE" dirty="0"/>
+          </a:p>
+        </p:txBody>
+      </p:sp>
+      <p:sp>
+        <p:nvSpPr>
+          <p:cNvPr id="3" name="Inhaltsplatzhalter 2">
+            <a:extLst>
+              <a:ext uri="{FF2B5EF4-FFF2-40B4-BE49-F238E27FC236}">
+                <a16:creationId xmlns:a16="http://schemas.microsoft.com/office/drawing/2014/main" id="{3ECE1529-3E27-4B73-89F7-B1B2789ED135}"/>
+              </a:ext>
+            </a:extLst>
+          </p:cNvPr>
+          <p:cNvSpPr>
+            <a:spLocks noGrp="1"/>
+          </p:cNvSpPr>
+          <p:nvPr>
+            <p:ph idx="1"/>
+          </p:nvPr>
+        </p:nvSpPr>
+        <p:spPr/>
+        <p:txBody>
+          <a:bodyPr>
+            <a:normAutofit/>
+          </a:bodyPr>
+          <a:lstStyle/>
+          <a:p>
+            <a:r>
+              <a:rPr lang="de-DE" sz="1400" dirty="0">
+                <a:solidFill>
+                  <a:schemeClr val="bg1"/>
+                </a:solidFill>
+              </a:rPr>
+              <a:t>B. </a:t>
+            </a:r>
+            <a:r>
+              <a:rPr lang="de-DE" sz="1400" dirty="0" err="1">
+                <a:solidFill>
+                  <a:schemeClr val="bg1"/>
+                </a:solidFill>
+              </a:rPr>
+              <a:t>Wronski</a:t>
+            </a:r>
+            <a:r>
+              <a:rPr lang="de-DE" sz="1400" dirty="0">
+                <a:solidFill>
+                  <a:schemeClr val="bg1"/>
+                </a:solidFill>
+              </a:rPr>
+              <a:t>: </a:t>
+            </a:r>
+            <a:r>
+              <a:rPr lang="de-DE" sz="1400" dirty="0" err="1">
+                <a:solidFill>
+                  <a:schemeClr val="bg1"/>
+                </a:solidFill>
+              </a:rPr>
+              <a:t>Volumetric</a:t>
+            </a:r>
+            <a:r>
+              <a:rPr lang="de-DE" sz="1400" dirty="0">
+                <a:solidFill>
+                  <a:schemeClr val="bg1"/>
+                </a:solidFill>
+              </a:rPr>
+              <a:t> Fog: Unified </a:t>
+            </a:r>
+            <a:r>
+              <a:rPr lang="de-DE" sz="1400" dirty="0" err="1">
+                <a:solidFill>
+                  <a:schemeClr val="bg1"/>
+                </a:solidFill>
+              </a:rPr>
+              <a:t>compute</a:t>
+            </a:r>
+            <a:r>
+              <a:rPr lang="de-DE" sz="1400" dirty="0">
+                <a:solidFill>
+                  <a:schemeClr val="bg1"/>
+                </a:solidFill>
+              </a:rPr>
+              <a:t> </a:t>
+            </a:r>
+            <a:r>
+              <a:rPr lang="de-DE" sz="1400" dirty="0" err="1">
+                <a:solidFill>
+                  <a:schemeClr val="bg1"/>
+                </a:solidFill>
+              </a:rPr>
+              <a:t>shader</a:t>
+            </a:r>
+            <a:r>
+              <a:rPr lang="de-DE" sz="1400" dirty="0">
+                <a:solidFill>
+                  <a:schemeClr val="bg1"/>
+                </a:solidFill>
+              </a:rPr>
+              <a:t> </a:t>
+            </a:r>
+            <a:r>
+              <a:rPr lang="de-DE" sz="1400" dirty="0" err="1">
+                <a:solidFill>
+                  <a:schemeClr val="bg1"/>
+                </a:solidFill>
+              </a:rPr>
+              <a:t>based</a:t>
+            </a:r>
+            <a:r>
+              <a:rPr lang="de-DE" sz="1400" dirty="0">
+                <a:solidFill>
+                  <a:schemeClr val="bg1"/>
+                </a:solidFill>
+              </a:rPr>
+              <a:t> </a:t>
+            </a:r>
+            <a:r>
+              <a:rPr lang="de-DE" sz="1400" dirty="0" err="1">
+                <a:solidFill>
+                  <a:schemeClr val="bg1"/>
+                </a:solidFill>
+              </a:rPr>
+              <a:t>solution</a:t>
+            </a:r>
+            <a:r>
+              <a:rPr lang="de-DE" sz="1400" dirty="0">
+                <a:solidFill>
+                  <a:schemeClr val="bg1"/>
+                </a:solidFill>
+              </a:rPr>
+              <a:t> </a:t>
+            </a:r>
+            <a:r>
+              <a:rPr lang="de-DE" sz="1400" dirty="0" err="1">
+                <a:solidFill>
+                  <a:schemeClr val="bg1"/>
+                </a:solidFill>
+              </a:rPr>
+              <a:t>to</a:t>
+            </a:r>
+            <a:r>
+              <a:rPr lang="de-DE" sz="1400" dirty="0">
+                <a:solidFill>
+                  <a:schemeClr val="bg1"/>
+                </a:solidFill>
+              </a:rPr>
+              <a:t> </a:t>
+            </a:r>
+            <a:r>
+              <a:rPr lang="de-DE" sz="1400" dirty="0" err="1">
+                <a:solidFill>
+                  <a:schemeClr val="bg1"/>
+                </a:solidFill>
+              </a:rPr>
+              <a:t>atmospheric</a:t>
+            </a:r>
+            <a:r>
+              <a:rPr lang="de-DE" sz="1400" dirty="0">
+                <a:solidFill>
+                  <a:schemeClr val="bg1"/>
+                </a:solidFill>
+              </a:rPr>
+              <a:t> </a:t>
+            </a:r>
+            <a:r>
+              <a:rPr lang="de-DE" sz="1400" dirty="0" err="1">
+                <a:solidFill>
+                  <a:schemeClr val="bg1"/>
+                </a:solidFill>
+              </a:rPr>
+              <a:t>scattering</a:t>
+            </a:r>
+            <a:r>
+              <a:rPr lang="de-DE" sz="1400" dirty="0">
+                <a:solidFill>
+                  <a:schemeClr val="bg1"/>
+                </a:solidFill>
+              </a:rPr>
+              <a:t>, SIGGRAPH 2014</a:t>
+            </a:r>
+          </a:p>
+          <a:p>
+            <a:r>
+              <a:rPr lang="de-DE" sz="1400" dirty="0">
+                <a:solidFill>
+                  <a:schemeClr val="bg1"/>
+                </a:solidFill>
+              </a:rPr>
+              <a:t>S. </a:t>
+            </a:r>
+            <a:r>
+              <a:rPr lang="de-DE" sz="1400" dirty="0" err="1">
+                <a:solidFill>
+                  <a:schemeClr val="bg1"/>
+                </a:solidFill>
+              </a:rPr>
+              <a:t>Hillaire</a:t>
+            </a:r>
+            <a:r>
+              <a:rPr lang="de-DE" sz="1400" dirty="0">
+                <a:solidFill>
+                  <a:schemeClr val="bg1"/>
+                </a:solidFill>
+              </a:rPr>
+              <a:t>: </a:t>
+            </a:r>
+            <a:r>
+              <a:rPr lang="de-DE" sz="1400" dirty="0" err="1">
+                <a:solidFill>
+                  <a:schemeClr val="bg1"/>
+                </a:solidFill>
+              </a:rPr>
+              <a:t>Physically</a:t>
+            </a:r>
+            <a:r>
+              <a:rPr lang="de-DE" sz="1400" dirty="0">
+                <a:solidFill>
+                  <a:schemeClr val="bg1"/>
+                </a:solidFill>
+              </a:rPr>
+              <a:t> </a:t>
+            </a:r>
+            <a:r>
+              <a:rPr lang="de-DE" sz="1400" dirty="0" err="1">
+                <a:solidFill>
+                  <a:schemeClr val="bg1"/>
+                </a:solidFill>
+              </a:rPr>
+              <a:t>Based</a:t>
+            </a:r>
+            <a:r>
+              <a:rPr lang="de-DE" sz="1400" dirty="0">
+                <a:solidFill>
+                  <a:schemeClr val="bg1"/>
+                </a:solidFill>
+              </a:rPr>
+              <a:t> and Unified </a:t>
+            </a:r>
+            <a:r>
+              <a:rPr lang="de-DE" sz="1400" dirty="0" err="1">
+                <a:solidFill>
+                  <a:schemeClr val="bg1"/>
+                </a:solidFill>
+              </a:rPr>
+              <a:t>Volumetric</a:t>
+            </a:r>
+            <a:r>
+              <a:rPr lang="de-DE" sz="1400" dirty="0">
+                <a:solidFill>
+                  <a:schemeClr val="bg1"/>
+                </a:solidFill>
+              </a:rPr>
+              <a:t> Rendering in </a:t>
+            </a:r>
+            <a:r>
+              <a:rPr lang="de-DE" sz="1400" dirty="0" err="1">
+                <a:solidFill>
+                  <a:schemeClr val="bg1"/>
+                </a:solidFill>
+              </a:rPr>
+              <a:t>Frostbite</a:t>
+            </a:r>
+            <a:r>
+              <a:rPr lang="de-DE" sz="1400" dirty="0">
+                <a:solidFill>
+                  <a:schemeClr val="bg1"/>
+                </a:solidFill>
+              </a:rPr>
+              <a:t>, SIGGRAPH 2015</a:t>
+            </a:r>
+          </a:p>
+          <a:p>
+            <a:r>
+              <a:rPr lang="de-DE" sz="1400" dirty="0">
+                <a:solidFill>
+                  <a:schemeClr val="bg1"/>
+                </a:solidFill>
+              </a:rPr>
+              <a:t>F. Bauer: </a:t>
+            </a:r>
+            <a:r>
+              <a:rPr lang="en-US" sz="1400" dirty="0">
+                <a:solidFill>
+                  <a:schemeClr val="bg1"/>
+                </a:solidFill>
+              </a:rPr>
+              <a:t>Creating the Atmospheric World of Red Dead Redemption 2: A Complete and Integrated Solution, SIGGRAPH 2019</a:t>
+            </a:r>
+            <a:endParaRPr lang="de-DE" sz="1400" dirty="0">
+              <a:solidFill>
+                <a:schemeClr val="bg1"/>
+              </a:solidFill>
+            </a:endParaRPr>
+          </a:p>
+          <a:p>
+            <a:r>
+              <a:rPr lang="de-DE" sz="1400" dirty="0">
+                <a:solidFill>
+                  <a:schemeClr val="bg1"/>
+                </a:solidFill>
+              </a:rPr>
+              <a:t>T. </a:t>
+            </a:r>
+            <a:r>
+              <a:rPr lang="de-DE" sz="1400" dirty="0" err="1">
+                <a:solidFill>
+                  <a:schemeClr val="bg1"/>
+                </a:solidFill>
+              </a:rPr>
+              <a:t>Akenine</a:t>
+            </a:r>
+            <a:r>
+              <a:rPr lang="de-DE" sz="1400" dirty="0">
+                <a:solidFill>
+                  <a:schemeClr val="bg1"/>
+                </a:solidFill>
+              </a:rPr>
+              <a:t>-Möller, E. Haines, N. Hoffman, A. </a:t>
+            </a:r>
+            <a:r>
+              <a:rPr lang="de-DE" sz="1400" dirty="0" err="1">
+                <a:solidFill>
+                  <a:schemeClr val="bg1"/>
+                </a:solidFill>
+              </a:rPr>
+              <a:t>Pesce</a:t>
+            </a:r>
+            <a:r>
+              <a:rPr lang="de-DE" sz="1400" dirty="0">
+                <a:solidFill>
+                  <a:schemeClr val="bg1"/>
+                </a:solidFill>
+              </a:rPr>
+              <a:t>, M. </a:t>
+            </a:r>
+            <a:r>
+              <a:rPr lang="de-DE" sz="1400" dirty="0" err="1">
+                <a:solidFill>
+                  <a:schemeClr val="bg1"/>
+                </a:solidFill>
+              </a:rPr>
+              <a:t>Iwanicki</a:t>
+            </a:r>
+            <a:r>
+              <a:rPr lang="de-DE" sz="1400" dirty="0">
+                <a:solidFill>
+                  <a:schemeClr val="bg1"/>
+                </a:solidFill>
+              </a:rPr>
+              <a:t>, S. </a:t>
+            </a:r>
+            <a:r>
+              <a:rPr lang="de-DE" sz="1400" dirty="0" err="1">
+                <a:solidFill>
+                  <a:schemeClr val="bg1"/>
+                </a:solidFill>
+              </a:rPr>
+              <a:t>Hillaire</a:t>
+            </a:r>
+            <a:r>
+              <a:rPr lang="de-DE" sz="1400" dirty="0">
+                <a:solidFill>
+                  <a:schemeClr val="bg1"/>
+                </a:solidFill>
+              </a:rPr>
+              <a:t>, Real-Time Rendering, </a:t>
+            </a:r>
+            <a:r>
+              <a:rPr lang="de-DE" sz="1400" dirty="0" err="1">
+                <a:solidFill>
+                  <a:schemeClr val="bg1"/>
+                </a:solidFill>
+              </a:rPr>
+              <a:t>Fourth</a:t>
+            </a:r>
+            <a:r>
+              <a:rPr lang="de-DE" sz="1400" dirty="0">
+                <a:solidFill>
+                  <a:schemeClr val="bg1"/>
+                </a:solidFill>
+              </a:rPr>
+              <a:t> Edition, CRC Press 2018</a:t>
+            </a:r>
+          </a:p>
+          <a:p>
+            <a:r>
+              <a:rPr lang="de-DE" sz="1400" dirty="0">
+                <a:solidFill>
+                  <a:schemeClr val="bg1"/>
+                </a:solidFill>
+              </a:rPr>
+              <a:t>S. </a:t>
+            </a:r>
+            <a:r>
+              <a:rPr lang="de-DE" sz="1400" dirty="0" err="1">
+                <a:solidFill>
+                  <a:schemeClr val="bg1"/>
+                </a:solidFill>
+              </a:rPr>
+              <a:t>Hillaire</a:t>
+            </a:r>
+            <a:r>
+              <a:rPr lang="de-DE" sz="1400" dirty="0">
+                <a:solidFill>
+                  <a:schemeClr val="bg1"/>
+                </a:solidFill>
+              </a:rPr>
+              <a:t>: </a:t>
+            </a:r>
+            <a:r>
+              <a:rPr lang="de-DE" sz="1400" dirty="0" err="1">
+                <a:solidFill>
+                  <a:schemeClr val="bg1"/>
+                </a:solidFill>
+              </a:rPr>
+              <a:t>Physically</a:t>
+            </a:r>
+            <a:r>
+              <a:rPr lang="de-DE" sz="1400" dirty="0">
+                <a:solidFill>
+                  <a:schemeClr val="bg1"/>
+                </a:solidFill>
+              </a:rPr>
+              <a:t> </a:t>
+            </a:r>
+            <a:r>
+              <a:rPr lang="de-DE" sz="1400" dirty="0" err="1">
+                <a:solidFill>
+                  <a:schemeClr val="bg1"/>
+                </a:solidFill>
+              </a:rPr>
+              <a:t>Based</a:t>
+            </a:r>
+            <a:r>
+              <a:rPr lang="de-DE" sz="1400" dirty="0">
+                <a:solidFill>
+                  <a:schemeClr val="bg1"/>
+                </a:solidFill>
+              </a:rPr>
+              <a:t> Sky, </a:t>
+            </a:r>
+            <a:r>
+              <a:rPr lang="de-DE" sz="1400" dirty="0" err="1">
+                <a:solidFill>
+                  <a:schemeClr val="bg1"/>
+                </a:solidFill>
+              </a:rPr>
+              <a:t>Atmosphere</a:t>
+            </a:r>
+            <a:r>
+              <a:rPr lang="de-DE" sz="1400" dirty="0">
+                <a:solidFill>
+                  <a:schemeClr val="bg1"/>
+                </a:solidFill>
+              </a:rPr>
+              <a:t> and Cloud Rendering in </a:t>
+            </a:r>
+            <a:r>
+              <a:rPr lang="de-DE" sz="1400" dirty="0" err="1">
+                <a:solidFill>
+                  <a:schemeClr val="bg1"/>
+                </a:solidFill>
+              </a:rPr>
+              <a:t>Frostbite</a:t>
+            </a:r>
+            <a:r>
+              <a:rPr lang="de-DE" sz="1400" dirty="0">
+                <a:solidFill>
+                  <a:schemeClr val="bg1"/>
+                </a:solidFill>
+              </a:rPr>
+              <a:t>, SIGGRAPH 2016</a:t>
+            </a:r>
+          </a:p>
+          <a:p>
+            <a:r>
+              <a:rPr lang="de-DE" sz="1400" dirty="0">
+                <a:solidFill>
+                  <a:schemeClr val="bg1"/>
+                </a:solidFill>
+              </a:rPr>
+              <a:t>B. Karis: High Quality Temporal Supersampling, SIGGRAPH 2014</a:t>
+            </a:r>
+          </a:p>
+          <a:p>
+            <a:r>
+              <a:rPr lang="de-DE" sz="1400" dirty="0">
+                <a:solidFill>
+                  <a:schemeClr val="bg1"/>
+                </a:solidFill>
+              </a:rPr>
+              <a:t>M. </a:t>
+            </a:r>
+            <a:r>
+              <a:rPr lang="de-DE" sz="1400" dirty="0" err="1">
+                <a:solidFill>
+                  <a:schemeClr val="bg1"/>
+                </a:solidFill>
+              </a:rPr>
+              <a:t>Salvi</a:t>
+            </a:r>
+            <a:r>
+              <a:rPr lang="de-DE" sz="1400" dirty="0">
+                <a:solidFill>
+                  <a:schemeClr val="bg1"/>
+                </a:solidFill>
+              </a:rPr>
+              <a:t>: An </a:t>
+            </a:r>
+            <a:r>
+              <a:rPr lang="de-DE" sz="1400" dirty="0" err="1">
+                <a:solidFill>
+                  <a:schemeClr val="bg1"/>
+                </a:solidFill>
+              </a:rPr>
+              <a:t>Excursion</a:t>
+            </a:r>
+            <a:r>
+              <a:rPr lang="de-DE" sz="1400" dirty="0">
+                <a:solidFill>
+                  <a:schemeClr val="bg1"/>
+                </a:solidFill>
+              </a:rPr>
+              <a:t> in Temporal Supersampling, GDC16</a:t>
+            </a:r>
+          </a:p>
+          <a:p>
+            <a:r>
+              <a:rPr lang="de-DE" sz="1400" dirty="0">
+                <a:solidFill>
+                  <a:schemeClr val="bg1"/>
+                </a:solidFill>
+              </a:rPr>
+              <a:t>J. Jimenez: </a:t>
+            </a:r>
+            <a:r>
+              <a:rPr lang="de-DE" sz="1400" dirty="0" err="1">
+                <a:solidFill>
+                  <a:schemeClr val="bg1"/>
+                </a:solidFill>
+              </a:rPr>
+              <a:t>Filmic</a:t>
+            </a:r>
+            <a:r>
+              <a:rPr lang="de-DE" sz="1400" dirty="0">
+                <a:solidFill>
+                  <a:schemeClr val="bg1"/>
+                </a:solidFill>
+              </a:rPr>
+              <a:t> SMAA, Sharp Morphological and Temporal Antialiasing, SIGGRAPH 2016</a:t>
+            </a:r>
+          </a:p>
+          <a:p>
+            <a:r>
+              <a:rPr lang="de-DE" sz="1400" dirty="0">
+                <a:solidFill>
+                  <a:schemeClr val="bg1"/>
+                </a:solidFill>
+              </a:rPr>
+              <a:t>T. Sousa, J. </a:t>
+            </a:r>
+            <a:r>
+              <a:rPr lang="de-DE" sz="1400" dirty="0" err="1">
+                <a:solidFill>
+                  <a:schemeClr val="bg1"/>
+                </a:solidFill>
+              </a:rPr>
+              <a:t>Geffroy</a:t>
+            </a:r>
+            <a:r>
+              <a:rPr lang="de-DE" sz="1400" dirty="0">
+                <a:solidFill>
+                  <a:schemeClr val="bg1"/>
+                </a:solidFill>
+              </a:rPr>
+              <a:t>: The Devil </a:t>
+            </a:r>
+            <a:r>
+              <a:rPr lang="de-DE" sz="1400" dirty="0" err="1">
+                <a:solidFill>
+                  <a:schemeClr val="bg1"/>
+                </a:solidFill>
+              </a:rPr>
+              <a:t>is</a:t>
+            </a:r>
+            <a:r>
+              <a:rPr lang="de-DE" sz="1400" dirty="0">
+                <a:solidFill>
+                  <a:schemeClr val="bg1"/>
+                </a:solidFill>
+              </a:rPr>
+              <a:t> in </a:t>
+            </a:r>
+            <a:r>
+              <a:rPr lang="de-DE" sz="1400" dirty="0" err="1">
+                <a:solidFill>
+                  <a:schemeClr val="bg1"/>
+                </a:solidFill>
+              </a:rPr>
+              <a:t>the</a:t>
+            </a:r>
+            <a:r>
+              <a:rPr lang="de-DE" sz="1400" dirty="0">
+                <a:solidFill>
+                  <a:schemeClr val="bg1"/>
+                </a:solidFill>
+              </a:rPr>
+              <a:t> Details: </a:t>
+            </a:r>
+            <a:r>
+              <a:rPr lang="de-DE" sz="1400" dirty="0" err="1">
+                <a:solidFill>
+                  <a:schemeClr val="bg1"/>
+                </a:solidFill>
+              </a:rPr>
+              <a:t>idTech</a:t>
+            </a:r>
+            <a:r>
+              <a:rPr lang="de-DE" sz="1400" dirty="0">
+                <a:solidFill>
+                  <a:schemeClr val="bg1"/>
+                </a:solidFill>
+              </a:rPr>
+              <a:t> 666, SIGGRAPH 2016</a:t>
+            </a:r>
+          </a:p>
+          <a:p>
+            <a:endParaRPr lang="de-DE" sz="1600" dirty="0">
+              <a:solidFill>
+                <a:schemeClr val="bg1"/>
+              </a:solidFill>
+            </a:endParaRPr>
+          </a:p>
+        </p:txBody>
+      </p:sp>
+    </p:spTree>
+    <p:extLst>
+      <p:ext uri="{BB962C8B-B14F-4D97-AF65-F5344CB8AC3E}">
+        <p14:creationId xmlns:p14="http://schemas.microsoft.com/office/powerpoint/2010/main" val="2683829629"/>
+      </p:ext>
+    </p:extLst>
+  </p:cSld>
+  <p:clrMapOvr>
+    <a:masterClrMapping/>
+  </p:clrMapOvr>
+</p:sld>
+</file>
+
 <file path=ppt/slides/slide2.xml><?xml version="1.0" encoding="utf-8"?>
 <p:sld xmlns:a="http://schemas.openxmlformats.org/drawingml/2006/main" xmlns:r="http://schemas.openxmlformats.org/officeDocument/2006/relationships" xmlns:p="http://schemas.openxmlformats.org/presentationml/2006/main">
   <p:cSld>
@@ -5612,8 +6306,8 @@
           </a:prstGeom>
         </p:spPr>
       </p:pic>
-      <mc:AlternateContent xmlns:mc="http://schemas.openxmlformats.org/markup-compatibility/2006">
-        <mc:Choice xmlns:a14="http://schemas.microsoft.com/office/drawing/2010/main" Requires="a14">
+      <mc:AlternateContent xmlns:mc="http://schemas.openxmlformats.org/markup-compatibility/2006" xmlns:a14="http://schemas.microsoft.com/office/drawing/2010/main">
+        <mc:Choice Requires="a14">
           <p:sp>
             <p:nvSpPr>
               <p:cNvPr id="9" name="Textfeld 8">
@@ -6197,7 +6891,7 @@
             </p:txBody>
           </p:sp>
         </mc:Choice>
-        <mc:Fallback>
+        <mc:Fallback xmlns="">
           <p:sp>
             <p:nvSpPr>
               <p:cNvPr id="9" name="Textfeld 8">

--- a/Presentation.pptx
+++ b/Presentation.pptx
@@ -8,18 +8,19 @@
     <p:sldId id="256" r:id="rId2"/>
     <p:sldId id="258" r:id="rId3"/>
     <p:sldId id="259" r:id="rId4"/>
-    <p:sldId id="263" r:id="rId5"/>
-    <p:sldId id="260" r:id="rId6"/>
-    <p:sldId id="261" r:id="rId7"/>
-    <p:sldId id="269" r:id="rId8"/>
-    <p:sldId id="265" r:id="rId9"/>
-    <p:sldId id="266" r:id="rId10"/>
-    <p:sldId id="267" r:id="rId11"/>
-    <p:sldId id="271" r:id="rId12"/>
-    <p:sldId id="270" r:id="rId13"/>
-    <p:sldId id="272" r:id="rId14"/>
-    <p:sldId id="274" r:id="rId15"/>
-    <p:sldId id="275" r:id="rId16"/>
+    <p:sldId id="276" r:id="rId5"/>
+    <p:sldId id="263" r:id="rId6"/>
+    <p:sldId id="260" r:id="rId7"/>
+    <p:sldId id="261" r:id="rId8"/>
+    <p:sldId id="269" r:id="rId9"/>
+    <p:sldId id="265" r:id="rId10"/>
+    <p:sldId id="266" r:id="rId11"/>
+    <p:sldId id="267" r:id="rId12"/>
+    <p:sldId id="271" r:id="rId13"/>
+    <p:sldId id="270" r:id="rId14"/>
+    <p:sldId id="272" r:id="rId15"/>
+    <p:sldId id="274" r:id="rId16"/>
+    <p:sldId id="275" r:id="rId17"/>
   </p:sldIdLst>
   <p:sldSz cx="12192000" cy="6858000"/>
   <p:notesSz cx="6858000" cy="9144000"/>
@@ -281,7 +282,7 @@
           <a:p>
             <a:fld id="{541B350F-977A-45F1-9D02-725BAD40C7D3}" type="datetimeFigureOut">
               <a:rPr lang="de-DE" smtClean="0"/>
-              <a:t>30.01.2020</a:t>
+              <a:t>31.01.2020</a:t>
             </a:fld>
             <a:endParaRPr lang="de-DE"/>
           </a:p>
@@ -569,7 +570,7 @@
           <a:p>
             <a:fld id="{541B350F-977A-45F1-9D02-725BAD40C7D3}" type="datetimeFigureOut">
               <a:rPr lang="de-DE" smtClean="0"/>
-              <a:t>30.01.2020</a:t>
+              <a:t>31.01.2020</a:t>
             </a:fld>
             <a:endParaRPr lang="de-DE"/>
           </a:p>
@@ -767,7 +768,7 @@
           <a:p>
             <a:fld id="{541B350F-977A-45F1-9D02-725BAD40C7D3}" type="datetimeFigureOut">
               <a:rPr lang="de-DE" smtClean="0"/>
-              <a:t>30.01.2020</a:t>
+              <a:t>31.01.2020</a:t>
             </a:fld>
             <a:endParaRPr lang="de-DE"/>
           </a:p>
@@ -975,7 +976,7 @@
           <a:p>
             <a:fld id="{541B350F-977A-45F1-9D02-725BAD40C7D3}" type="datetimeFigureOut">
               <a:rPr lang="de-DE" smtClean="0"/>
-              <a:t>30.01.2020</a:t>
+              <a:t>31.01.2020</a:t>
             </a:fld>
             <a:endParaRPr lang="de-DE"/>
           </a:p>
@@ -1116,7 +1117,7 @@
           <a:p>
             <a:fld id="{541B350F-977A-45F1-9D02-725BAD40C7D3}" type="datetimeFigureOut">
               <a:rPr lang="de-DE" smtClean="0"/>
-              <a:t>30.01.2020</a:t>
+              <a:t>31.01.2020</a:t>
             </a:fld>
             <a:endParaRPr lang="de-DE"/>
           </a:p>
@@ -1314,7 +1315,7 @@
           <a:p>
             <a:fld id="{541B350F-977A-45F1-9D02-725BAD40C7D3}" type="datetimeFigureOut">
               <a:rPr lang="de-DE" smtClean="0"/>
-              <a:t>30.01.2020</a:t>
+              <a:t>31.01.2020</a:t>
             </a:fld>
             <a:endParaRPr lang="de-DE"/>
           </a:p>
@@ -1589,7 +1590,7 @@
           <a:p>
             <a:fld id="{541B350F-977A-45F1-9D02-725BAD40C7D3}" type="datetimeFigureOut">
               <a:rPr lang="de-DE" smtClean="0"/>
-              <a:t>30.01.2020</a:t>
+              <a:t>31.01.2020</a:t>
             </a:fld>
             <a:endParaRPr lang="de-DE"/>
           </a:p>
@@ -1854,7 +1855,7 @@
           <a:p>
             <a:fld id="{541B350F-977A-45F1-9D02-725BAD40C7D3}" type="datetimeFigureOut">
               <a:rPr lang="de-DE" smtClean="0"/>
-              <a:t>30.01.2020</a:t>
+              <a:t>31.01.2020</a:t>
             </a:fld>
             <a:endParaRPr lang="de-DE"/>
           </a:p>
@@ -2266,7 +2267,7 @@
           <a:p>
             <a:fld id="{541B350F-977A-45F1-9D02-725BAD40C7D3}" type="datetimeFigureOut">
               <a:rPr lang="de-DE" smtClean="0"/>
-              <a:t>30.01.2020</a:t>
+              <a:t>31.01.2020</a:t>
             </a:fld>
             <a:endParaRPr lang="de-DE"/>
           </a:p>
@@ -2407,7 +2408,7 @@
           <a:p>
             <a:fld id="{541B350F-977A-45F1-9D02-725BAD40C7D3}" type="datetimeFigureOut">
               <a:rPr lang="de-DE" smtClean="0"/>
-              <a:t>30.01.2020</a:t>
+              <a:t>31.01.2020</a:t>
             </a:fld>
             <a:endParaRPr lang="de-DE"/>
           </a:p>
@@ -2520,7 +2521,7 @@
           <a:p>
             <a:fld id="{541B350F-977A-45F1-9D02-725BAD40C7D3}" type="datetimeFigureOut">
               <a:rPr lang="de-DE" smtClean="0"/>
-              <a:t>30.01.2020</a:t>
+              <a:t>31.01.2020</a:t>
             </a:fld>
             <a:endParaRPr lang="de-DE"/>
           </a:p>
@@ -2831,7 +2832,7 @@
           <a:p>
             <a:fld id="{541B350F-977A-45F1-9D02-725BAD40C7D3}" type="datetimeFigureOut">
               <a:rPr lang="de-DE" smtClean="0"/>
-              <a:t>30.01.2020</a:t>
+              <a:t>31.01.2020</a:t>
             </a:fld>
             <a:endParaRPr lang="de-DE"/>
           </a:p>
@@ -3094,7 +3095,7 @@
             <a:fld id="{541B350F-977A-45F1-9D02-725BAD40C7D3}" type="datetimeFigureOut">
               <a:rPr lang="de-DE" smtClean="0"/>
               <a:pPr/>
-              <a:t>30.01.2020</a:t>
+              <a:t>31.01.2020</a:t>
             </a:fld>
             <a:endParaRPr lang="de-DE" dirty="0"/>
           </a:p>
@@ -3900,33 +3901,17 @@
                   <a:schemeClr val="accent2"/>
                 </a:solidFill>
               </a:rPr>
-              <a:t> – </a:t>
-            </a:r>
-            <a:r>
-              <a:rPr lang="de-DE" dirty="0" err="1">
-                <a:solidFill>
-                  <a:schemeClr val="accent2"/>
-                </a:solidFill>
-              </a:rPr>
-              <a:t>Tessellation</a:t>
-            </a:r>
-            <a:r>
-              <a:rPr lang="de-DE" dirty="0">
-                <a:solidFill>
-                  <a:schemeClr val="accent2"/>
-                </a:solidFill>
-              </a:rPr>
-              <a:t>  </a:t>
+              <a:t> – General  </a:t>
             </a:r>
           </a:p>
         </p:txBody>
       </p:sp>
       <p:sp>
         <p:nvSpPr>
-          <p:cNvPr id="4" name="Inhaltsplatzhalter 2">
-            <a:extLst>
-              <a:ext uri="{FF2B5EF4-FFF2-40B4-BE49-F238E27FC236}">
-                <a16:creationId xmlns:a16="http://schemas.microsoft.com/office/drawing/2014/main" id="{645C7290-9FF8-41E6-A73F-FA07A0C8E644}"/>
+          <p:cNvPr id="5" name="Inhaltsplatzhalter 2">
+            <a:extLst>
+              <a:ext uri="{FF2B5EF4-FFF2-40B4-BE49-F238E27FC236}">
+                <a16:creationId xmlns:a16="http://schemas.microsoft.com/office/drawing/2014/main" id="{00322693-9EF5-4863-AAE1-AD61ED63A6A5}"/>
               </a:ext>
             </a:extLst>
           </p:cNvPr>
@@ -3937,7 +3922,7 @@
         </p:nvSpPr>
         <p:spPr>
           <a:xfrm>
-            <a:off x="838200" y="1803213"/>
+            <a:off x="838200" y="1825625"/>
             <a:ext cx="10515600" cy="4351338"/>
           </a:xfrm>
           <a:prstGeom prst="rect">
@@ -4117,10 +4102,99 @@
                   <a:schemeClr val="bg1"/>
                 </a:solidFill>
                 <a:latin typeface="Bahnschrift"/>
-                <a:cs typeface="Calibri"/>
-              </a:rPr>
-              <a:t>Create additional </a:t>
-            </a:r>
+              </a:rPr>
+              <a:t>Generate </a:t>
+            </a:r>
+            <a:r>
+              <a:rPr lang="de-DE" dirty="0" err="1">
+                <a:solidFill>
+                  <a:schemeClr val="bg1"/>
+                </a:solidFill>
+                <a:latin typeface="Bahnschrift"/>
+              </a:rPr>
+              <a:t>grass</a:t>
+            </a:r>
+            <a:r>
+              <a:rPr lang="de-DE" dirty="0">
+                <a:solidFill>
+                  <a:schemeClr val="bg1"/>
+                </a:solidFill>
+                <a:latin typeface="Bahnschrift"/>
+              </a:rPr>
+              <a:t> </a:t>
+            </a:r>
+            <a:r>
+              <a:rPr lang="de-DE" dirty="0" err="1">
+                <a:solidFill>
+                  <a:schemeClr val="bg1"/>
+                </a:solidFill>
+                <a:latin typeface="Bahnschrift"/>
+              </a:rPr>
+              <a:t>geometry</a:t>
+            </a:r>
+            <a:r>
+              <a:rPr lang="de-DE" dirty="0">
+                <a:solidFill>
+                  <a:schemeClr val="bg1"/>
+                </a:solidFill>
+                <a:latin typeface="Bahnschrift"/>
+              </a:rPr>
+              <a:t> in </a:t>
+            </a:r>
+            <a:r>
+              <a:rPr lang="de-DE" dirty="0" err="1">
+                <a:solidFill>
+                  <a:schemeClr val="bg1"/>
+                </a:solidFill>
+                <a:latin typeface="Bahnschrift"/>
+              </a:rPr>
+              <a:t>tessellation</a:t>
+            </a:r>
+            <a:r>
+              <a:rPr lang="de-DE" dirty="0">
+                <a:solidFill>
+                  <a:schemeClr val="bg1"/>
+                </a:solidFill>
+                <a:latin typeface="Bahnschrift"/>
+              </a:rPr>
+              <a:t> and </a:t>
+            </a:r>
+            <a:r>
+              <a:rPr lang="de-DE" dirty="0" err="1">
+                <a:solidFill>
+                  <a:schemeClr val="bg1"/>
+                </a:solidFill>
+                <a:latin typeface="Bahnschrift"/>
+              </a:rPr>
+              <a:t>geomety</a:t>
+            </a:r>
+            <a:r>
+              <a:rPr lang="de-DE" dirty="0">
+                <a:solidFill>
+                  <a:schemeClr val="bg1"/>
+                </a:solidFill>
+                <a:latin typeface="Bahnschrift"/>
+              </a:rPr>
+              <a:t> </a:t>
+            </a:r>
+            <a:r>
+              <a:rPr lang="de-DE" dirty="0" err="1">
+                <a:solidFill>
+                  <a:schemeClr val="bg1"/>
+                </a:solidFill>
+                <a:latin typeface="Bahnschrift"/>
+              </a:rPr>
+              <a:t>stage</a:t>
+            </a:r>
+            <a:endParaRPr lang="de-DE" dirty="0">
+              <a:solidFill>
+                <a:schemeClr val="bg1"/>
+              </a:solidFill>
+              <a:latin typeface="Bahnschrift"/>
+            </a:endParaRPr>
+          </a:p>
+          <a:p>
+            <a:pPr lvl="1"/>
             <a:r>
               <a:rPr lang="de-DE" dirty="0" err="1">
                 <a:solidFill>
@@ -4129,7 +4203,7 @@
                 <a:latin typeface="Bahnschrift"/>
                 <a:cs typeface="Calibri"/>
               </a:rPr>
-              <a:t>ground</a:t>
+              <a:t>Allow</a:t>
             </a:r>
             <a:r>
               <a:rPr lang="de-DE" dirty="0">
@@ -4149,7 +4223,7 @@
                 <a:latin typeface="Bahnschrift"/>
                 <a:cs typeface="Calibri"/>
               </a:rPr>
-              <a:t>verticies</a:t>
+              <a:t>artist</a:t>
             </a:r>
             <a:r>
               <a:rPr lang="de-DE" dirty="0">
@@ -4169,7 +4243,7 @@
                 <a:latin typeface="Bahnschrift"/>
                 <a:cs typeface="Calibri"/>
               </a:rPr>
-              <a:t>for</a:t>
+              <a:t>to</a:t>
             </a:r>
             <a:r>
               <a:rPr lang="de-DE" dirty="0">
@@ -4179,7 +4253,7 @@
                 <a:latin typeface="Bahnschrift"/>
                 <a:cs typeface="Calibri"/>
               </a:rPr>
-              <a:t> </a:t>
+              <a:t> pass </a:t>
             </a:r>
             <a:r>
               <a:rPr lang="de-DE" dirty="0" err="1">
@@ -4189,7 +4263,7 @@
                 <a:latin typeface="Bahnschrift"/>
                 <a:cs typeface="Calibri"/>
               </a:rPr>
-              <a:t>geometry</a:t>
+              <a:t>properties</a:t>
             </a:r>
             <a:r>
               <a:rPr lang="de-DE" dirty="0">
@@ -4199,7 +4273,7 @@
                 <a:latin typeface="Bahnschrift"/>
                 <a:cs typeface="Calibri"/>
               </a:rPr>
-              <a:t> </a:t>
+              <a:t> such </a:t>
             </a:r>
             <a:r>
               <a:rPr lang="de-DE" dirty="0" err="1">
@@ -4209,7 +4283,7 @@
                 <a:latin typeface="Bahnschrift"/>
                 <a:cs typeface="Calibri"/>
               </a:rPr>
-              <a:t>shader</a:t>
+              <a:t>as</a:t>
             </a:r>
             <a:r>
               <a:rPr lang="de-DE" dirty="0">
@@ -4229,7 +4303,7 @@
                 <a:latin typeface="Bahnschrift"/>
                 <a:cs typeface="Calibri"/>
               </a:rPr>
-              <a:t>to</a:t>
+              <a:t>height</a:t>
             </a:r>
             <a:r>
               <a:rPr lang="de-DE" dirty="0">
@@ -4239,7 +4313,7 @@
                 <a:latin typeface="Bahnschrift"/>
                 <a:cs typeface="Calibri"/>
               </a:rPr>
-              <a:t> </a:t>
+              <a:t>, </a:t>
             </a:r>
             <a:r>
               <a:rPr lang="de-DE" dirty="0" err="1">
@@ -4249,7 +4323,7 @@
                 <a:latin typeface="Bahnschrift"/>
                 <a:cs typeface="Calibri"/>
               </a:rPr>
-              <a:t>work</a:t>
+              <a:t>color</a:t>
             </a:r>
             <a:r>
               <a:rPr lang="de-DE" dirty="0">
@@ -4259,7 +4333,7 @@
                 <a:latin typeface="Bahnschrift"/>
                 <a:cs typeface="Calibri"/>
               </a:rPr>
-              <a:t> on, </a:t>
+              <a:t> </a:t>
             </a:r>
             <a:r>
               <a:rPr lang="de-DE" dirty="0" err="1">
@@ -4269,7 +4343,7 @@
                 <a:latin typeface="Bahnschrift"/>
                 <a:cs typeface="Calibri"/>
               </a:rPr>
-              <a:t>effectively</a:t>
+              <a:t>distribution</a:t>
             </a:r>
             <a:r>
               <a:rPr lang="de-DE" dirty="0">
@@ -4279,7 +4353,7 @@
                 <a:latin typeface="Bahnschrift"/>
                 <a:cs typeface="Calibri"/>
               </a:rPr>
-              <a:t> </a:t>
+              <a:t> and wind </a:t>
             </a:r>
             <a:r>
               <a:rPr lang="de-DE" dirty="0" err="1">
@@ -4289,47 +4363,7 @@
                 <a:latin typeface="Bahnschrift"/>
                 <a:cs typeface="Calibri"/>
               </a:rPr>
-              <a:t>increasing</a:t>
-            </a:r>
-            <a:r>
-              <a:rPr lang="de-DE" dirty="0">
-                <a:solidFill>
-                  <a:schemeClr val="bg1"/>
-                </a:solidFill>
-                <a:latin typeface="Bahnschrift"/>
-                <a:cs typeface="Calibri"/>
-              </a:rPr>
-              <a:t> </a:t>
-            </a:r>
-            <a:r>
-              <a:rPr lang="de-DE" dirty="0" err="1">
-                <a:solidFill>
-                  <a:schemeClr val="bg1"/>
-                </a:solidFill>
-                <a:latin typeface="Bahnschrift"/>
-                <a:cs typeface="Calibri"/>
-              </a:rPr>
-              <a:t>grass</a:t>
-            </a:r>
-            <a:r>
-              <a:rPr lang="de-DE" dirty="0">
-                <a:solidFill>
-                  <a:schemeClr val="bg1"/>
-                </a:solidFill>
-                <a:latin typeface="Bahnschrift"/>
-                <a:cs typeface="Calibri"/>
-              </a:rPr>
-              <a:t> </a:t>
-            </a:r>
-            <a:r>
-              <a:rPr lang="de-DE" dirty="0" err="1">
-                <a:solidFill>
-                  <a:schemeClr val="bg1"/>
-                </a:solidFill>
-                <a:latin typeface="Bahnschrift"/>
-                <a:cs typeface="Calibri"/>
-              </a:rPr>
-              <a:t>density</a:t>
+              <a:t>displacement</a:t>
             </a:r>
             <a:endParaRPr lang="de-DE" dirty="0">
               <a:solidFill>
@@ -4338,267 +4372,6 @@
               <a:latin typeface="Bahnschrift"/>
               <a:cs typeface="Calibri"/>
             </a:endParaRPr>
-          </a:p>
-          <a:p>
-            <a:endParaRPr lang="de-DE" dirty="0">
-              <a:solidFill>
-                <a:schemeClr val="bg1"/>
-              </a:solidFill>
-              <a:latin typeface="Bahnschrift"/>
-              <a:cs typeface="Calibri"/>
-            </a:endParaRPr>
-          </a:p>
-          <a:p>
-            <a:r>
-              <a:rPr lang="de-DE" dirty="0" err="1">
-                <a:solidFill>
-                  <a:schemeClr val="bg1"/>
-                </a:solidFill>
-                <a:latin typeface="Bahnschrift"/>
-                <a:cs typeface="Calibri"/>
-              </a:rPr>
-              <a:t>Optimizations</a:t>
-            </a:r>
-            <a:r>
-              <a:rPr lang="de-DE" dirty="0">
-                <a:solidFill>
-                  <a:schemeClr val="bg1"/>
-                </a:solidFill>
-                <a:latin typeface="Bahnschrift"/>
-                <a:cs typeface="Calibri"/>
-              </a:rPr>
-              <a:t>: </a:t>
-            </a:r>
-            <a:r>
-              <a:rPr lang="de-DE" dirty="0" err="1">
-                <a:solidFill>
-                  <a:schemeClr val="bg1"/>
-                </a:solidFill>
-                <a:latin typeface="Bahnschrift"/>
-                <a:cs typeface="Calibri"/>
-              </a:rPr>
-              <a:t>Tessellation</a:t>
-            </a:r>
-            <a:r>
-              <a:rPr lang="de-DE" dirty="0">
-                <a:solidFill>
-                  <a:schemeClr val="bg1"/>
-                </a:solidFill>
-                <a:latin typeface="Bahnschrift"/>
-                <a:cs typeface="Calibri"/>
-              </a:rPr>
-              <a:t> </a:t>
-            </a:r>
-            <a:r>
-              <a:rPr lang="de-DE" dirty="0" err="1">
-                <a:solidFill>
-                  <a:schemeClr val="bg1"/>
-                </a:solidFill>
-                <a:latin typeface="Bahnschrift"/>
-                <a:cs typeface="Calibri"/>
-              </a:rPr>
-              <a:t>fractors</a:t>
-            </a:r>
-            <a:r>
-              <a:rPr lang="de-DE" dirty="0">
-                <a:solidFill>
-                  <a:schemeClr val="bg1"/>
-                </a:solidFill>
-                <a:latin typeface="Bahnschrift"/>
-                <a:cs typeface="Calibri"/>
-              </a:rPr>
-              <a:t> </a:t>
-            </a:r>
-            <a:r>
-              <a:rPr lang="de-DE" dirty="0" err="1">
-                <a:solidFill>
-                  <a:schemeClr val="bg1"/>
-                </a:solidFill>
-                <a:latin typeface="Bahnschrift"/>
-                <a:cs typeface="Calibri"/>
-              </a:rPr>
-              <a:t>decrease</a:t>
-            </a:r>
-            <a:r>
-              <a:rPr lang="de-DE" dirty="0">
-                <a:solidFill>
-                  <a:schemeClr val="bg1"/>
-                </a:solidFill>
-                <a:latin typeface="Bahnschrift"/>
-                <a:cs typeface="Calibri"/>
-              </a:rPr>
-              <a:t> </a:t>
-            </a:r>
-            <a:r>
-              <a:rPr lang="de-DE" dirty="0" err="1">
-                <a:solidFill>
-                  <a:schemeClr val="bg1"/>
-                </a:solidFill>
-                <a:latin typeface="Bahnschrift"/>
-                <a:cs typeface="Calibri"/>
-              </a:rPr>
-              <a:t>with</a:t>
-            </a:r>
-            <a:r>
-              <a:rPr lang="de-DE" dirty="0">
-                <a:solidFill>
-                  <a:schemeClr val="bg1"/>
-                </a:solidFill>
-                <a:latin typeface="Bahnschrift"/>
-                <a:cs typeface="Calibri"/>
-              </a:rPr>
-              <a:t> </a:t>
-            </a:r>
-            <a:r>
-              <a:rPr lang="de-DE" dirty="0" err="1">
-                <a:solidFill>
-                  <a:schemeClr val="bg1"/>
-                </a:solidFill>
-                <a:latin typeface="Bahnschrift"/>
-                <a:cs typeface="Calibri"/>
-              </a:rPr>
-              <a:t>distance</a:t>
-            </a:r>
-            <a:r>
-              <a:rPr lang="de-DE" dirty="0">
-                <a:solidFill>
-                  <a:schemeClr val="bg1"/>
-                </a:solidFill>
-                <a:latin typeface="Bahnschrift"/>
-                <a:cs typeface="Calibri"/>
-              </a:rPr>
-              <a:t> </a:t>
-            </a:r>
-            <a:r>
-              <a:rPr lang="de-DE" dirty="0" err="1">
-                <a:solidFill>
-                  <a:schemeClr val="bg1"/>
-                </a:solidFill>
-                <a:latin typeface="Bahnschrift"/>
-                <a:cs typeface="Calibri"/>
-              </a:rPr>
-              <a:t>to</a:t>
-            </a:r>
-            <a:r>
-              <a:rPr lang="de-DE" dirty="0">
-                <a:solidFill>
-                  <a:schemeClr val="bg1"/>
-                </a:solidFill>
-                <a:latin typeface="Bahnschrift"/>
-                <a:cs typeface="Calibri"/>
-              </a:rPr>
-              <a:t> </a:t>
-            </a:r>
-            <a:r>
-              <a:rPr lang="de-DE" dirty="0" err="1">
-                <a:solidFill>
-                  <a:schemeClr val="bg1"/>
-                </a:solidFill>
-                <a:latin typeface="Bahnschrift"/>
-                <a:cs typeface="Calibri"/>
-              </a:rPr>
-              <a:t>player</a:t>
-            </a:r>
-            <a:r>
-              <a:rPr lang="de-DE" dirty="0">
-                <a:solidFill>
-                  <a:schemeClr val="bg1"/>
-                </a:solidFill>
-                <a:latin typeface="Bahnschrift"/>
-                <a:cs typeface="Calibri"/>
-              </a:rPr>
-              <a:t>, and </a:t>
-            </a:r>
-            <a:r>
-              <a:rPr lang="de-DE" dirty="0" err="1">
-                <a:solidFill>
-                  <a:schemeClr val="bg1"/>
-                </a:solidFill>
-                <a:latin typeface="Bahnschrift"/>
-                <a:cs typeface="Calibri"/>
-              </a:rPr>
-              <a:t>input</a:t>
-            </a:r>
-            <a:r>
-              <a:rPr lang="de-DE" dirty="0">
-                <a:solidFill>
-                  <a:schemeClr val="bg1"/>
-                </a:solidFill>
-                <a:latin typeface="Bahnschrift"/>
-                <a:cs typeface="Calibri"/>
-              </a:rPr>
-              <a:t> </a:t>
-            </a:r>
-            <a:r>
-              <a:rPr lang="de-DE" dirty="0" err="1">
-                <a:solidFill>
-                  <a:schemeClr val="bg1"/>
-                </a:solidFill>
-                <a:latin typeface="Bahnschrift"/>
-                <a:cs typeface="Calibri"/>
-              </a:rPr>
-              <a:t>verticies</a:t>
-            </a:r>
-            <a:r>
-              <a:rPr lang="de-DE" dirty="0">
-                <a:solidFill>
-                  <a:schemeClr val="bg1"/>
-                </a:solidFill>
-                <a:latin typeface="Bahnschrift"/>
-                <a:cs typeface="Calibri"/>
-              </a:rPr>
-              <a:t> </a:t>
-            </a:r>
-            <a:r>
-              <a:rPr lang="de-DE" dirty="0" err="1">
-                <a:solidFill>
-                  <a:schemeClr val="bg1"/>
-                </a:solidFill>
-                <a:latin typeface="Bahnschrift"/>
-                <a:cs typeface="Calibri"/>
-              </a:rPr>
-              <a:t>are</a:t>
-            </a:r>
-            <a:r>
-              <a:rPr lang="de-DE" dirty="0">
-                <a:solidFill>
-                  <a:schemeClr val="bg1"/>
-                </a:solidFill>
-                <a:latin typeface="Bahnschrift"/>
-                <a:cs typeface="Calibri"/>
-              </a:rPr>
-              <a:t> </a:t>
-            </a:r>
-            <a:r>
-              <a:rPr lang="de-DE" dirty="0" err="1">
-                <a:solidFill>
-                  <a:schemeClr val="bg1"/>
-                </a:solidFill>
-                <a:latin typeface="Bahnschrift"/>
-                <a:cs typeface="Calibri"/>
-              </a:rPr>
-              <a:t>frustum</a:t>
-            </a:r>
-            <a:r>
-              <a:rPr lang="de-DE" dirty="0">
-                <a:solidFill>
-                  <a:schemeClr val="bg1"/>
-                </a:solidFill>
-                <a:latin typeface="Bahnschrift"/>
-                <a:cs typeface="Calibri"/>
-              </a:rPr>
-              <a:t> </a:t>
-            </a:r>
-            <a:r>
-              <a:rPr lang="de-DE" dirty="0" err="1">
-                <a:solidFill>
-                  <a:schemeClr val="bg1"/>
-                </a:solidFill>
-                <a:latin typeface="Bahnschrift"/>
-                <a:cs typeface="Calibri"/>
-              </a:rPr>
-              <a:t>culled</a:t>
-            </a:r>
           </a:p>
           <a:p>
             <a:pPr marL="0" indent="0">
@@ -4613,9 +4386,136 @@
             </a:endParaRPr>
           </a:p>
           <a:p>
-            <a:pPr marL="0" indent="0">
-              <a:buNone/>
-            </a:pPr>
+            <a:r>
+              <a:rPr lang="de-DE" dirty="0" err="1">
+                <a:solidFill>
+                  <a:schemeClr val="bg1"/>
+                </a:solidFill>
+                <a:latin typeface="Bahnschrift"/>
+                <a:cs typeface="Calibri"/>
+              </a:rPr>
+              <a:t>Collide</a:t>
+            </a:r>
+            <a:r>
+              <a:rPr lang="de-DE" dirty="0">
+                <a:solidFill>
+                  <a:schemeClr val="bg1"/>
+                </a:solidFill>
+                <a:latin typeface="Bahnschrift"/>
+                <a:cs typeface="Calibri"/>
+              </a:rPr>
+              <a:t> </a:t>
+            </a:r>
+            <a:r>
+              <a:rPr lang="de-DE" dirty="0" err="1">
+                <a:solidFill>
+                  <a:schemeClr val="bg1"/>
+                </a:solidFill>
+                <a:latin typeface="Bahnschrift"/>
+                <a:cs typeface="Calibri"/>
+              </a:rPr>
+              <a:t>grass</a:t>
+            </a:r>
+            <a:r>
+              <a:rPr lang="de-DE" dirty="0">
+                <a:solidFill>
+                  <a:schemeClr val="bg1"/>
+                </a:solidFill>
+                <a:latin typeface="Bahnschrift"/>
+                <a:cs typeface="Calibri"/>
+              </a:rPr>
+              <a:t> blades </a:t>
+            </a:r>
+            <a:r>
+              <a:rPr lang="de-DE" dirty="0" err="1">
+                <a:solidFill>
+                  <a:schemeClr val="bg1"/>
+                </a:solidFill>
+                <a:latin typeface="Bahnschrift"/>
+                <a:cs typeface="Calibri"/>
+              </a:rPr>
+              <a:t>with</a:t>
+            </a:r>
+            <a:r>
+              <a:rPr lang="de-DE" dirty="0">
+                <a:solidFill>
+                  <a:schemeClr val="bg1"/>
+                </a:solidFill>
+                <a:latin typeface="Bahnschrift"/>
+                <a:cs typeface="Calibri"/>
+              </a:rPr>
+              <a:t> </a:t>
+            </a:r>
+            <a:r>
+              <a:rPr lang="de-DE" dirty="0" err="1">
+                <a:solidFill>
+                  <a:schemeClr val="bg1"/>
+                </a:solidFill>
+                <a:latin typeface="Bahnschrift"/>
+                <a:cs typeface="Calibri"/>
+              </a:rPr>
+              <a:t>player</a:t>
+            </a:r>
+            <a:r>
+              <a:rPr lang="de-DE" dirty="0">
+                <a:solidFill>
+                  <a:schemeClr val="bg1"/>
+                </a:solidFill>
+                <a:latin typeface="Bahnschrift"/>
+                <a:cs typeface="Calibri"/>
+              </a:rPr>
+              <a:t> and </a:t>
+            </a:r>
+            <a:r>
+              <a:rPr lang="de-DE" dirty="0" err="1">
+                <a:solidFill>
+                  <a:schemeClr val="bg1"/>
+                </a:solidFill>
+                <a:latin typeface="Bahnschrift"/>
+                <a:cs typeface="Calibri"/>
+              </a:rPr>
+              <a:t>other</a:t>
+            </a:r>
+            <a:r>
+              <a:rPr lang="de-DE" dirty="0">
+                <a:solidFill>
+                  <a:schemeClr val="bg1"/>
+                </a:solidFill>
+                <a:latin typeface="Bahnschrift"/>
+                <a:cs typeface="Calibri"/>
+              </a:rPr>
+              <a:t> </a:t>
+            </a:r>
+            <a:r>
+              <a:rPr lang="de-DE" dirty="0" err="1">
+                <a:solidFill>
+                  <a:schemeClr val="bg1"/>
+                </a:solidFill>
+                <a:latin typeface="Bahnschrift"/>
+                <a:cs typeface="Calibri"/>
+              </a:rPr>
+              <a:t>specified</a:t>
+            </a:r>
+            <a:r>
+              <a:rPr lang="de-DE" dirty="0">
+                <a:solidFill>
+                  <a:schemeClr val="bg1"/>
+                </a:solidFill>
+                <a:latin typeface="Bahnschrift"/>
+                <a:cs typeface="Calibri"/>
+              </a:rPr>
+              <a:t> </a:t>
+            </a:r>
+            <a:r>
+              <a:rPr lang="de-DE" dirty="0" err="1">
+                <a:solidFill>
+                  <a:schemeClr val="bg1"/>
+                </a:solidFill>
+                <a:latin typeface="Bahnschrift"/>
+                <a:cs typeface="Calibri"/>
+              </a:rPr>
+              <a:t>objects</a:t>
+            </a:r>
             <a:endParaRPr lang="de-DE" dirty="0">
               <a:solidFill>
                 <a:schemeClr val="bg1"/>
@@ -4630,7 +4530,6 @@
                 <a:schemeClr val="bg1"/>
               </a:solidFill>
               <a:latin typeface="Bahnschrift" panose="020B0502040204020203" pitchFamily="34" charset="0"/>
-              <a:cs typeface="Calibri"/>
             </a:endParaRPr>
           </a:p>
         </p:txBody>
@@ -4638,7 +4537,7 @@
     </p:spTree>
     <p:extLst>
       <p:ext uri="{BB962C8B-B14F-4D97-AF65-F5344CB8AC3E}">
-        <p14:creationId xmlns:p14="http://schemas.microsoft.com/office/powerpoint/2010/main" val="3630807737"/>
+        <p14:creationId xmlns:p14="http://schemas.microsoft.com/office/powerpoint/2010/main" val="75107569"/>
       </p:ext>
     </p:extLst>
   </p:cSld>
@@ -4692,7 +4591,7 @@
                   <a:schemeClr val="accent2"/>
                 </a:solidFill>
               </a:rPr>
-              <a:t>Grass Shader – </a:t>
+              <a:t>Grass </a:t>
             </a:r>
             <a:r>
               <a:rPr lang="de-DE" dirty="0" err="1">
@@ -4700,136 +4599,753 @@
                   <a:schemeClr val="accent2"/>
                 </a:solidFill>
               </a:rPr>
-              <a:t>Geometry</a:t>
-            </a:r>
-            <a:endParaRPr lang="de-DE" dirty="0" err="1">
-              <a:solidFill>
-                <a:schemeClr val="accent2"/>
-              </a:solidFill>
-              <a:cs typeface="Calibri Light"/>
-            </a:endParaRPr>
+              <a:t>Shader</a:t>
+            </a:r>
+            <a:r>
+              <a:rPr lang="de-DE" dirty="0">
+                <a:solidFill>
+                  <a:schemeClr val="accent2"/>
+                </a:solidFill>
+              </a:rPr>
+              <a:t> – </a:t>
+            </a:r>
+            <a:r>
+              <a:rPr lang="de-DE" dirty="0" err="1">
+                <a:solidFill>
+                  <a:schemeClr val="accent2"/>
+                </a:solidFill>
+              </a:rPr>
+              <a:t>Tessellation</a:t>
+            </a:r>
+            <a:r>
+              <a:rPr lang="de-DE" dirty="0">
+                <a:solidFill>
+                  <a:schemeClr val="accent2"/>
+                </a:solidFill>
+              </a:rPr>
+              <a:t>  </a:t>
+            </a:r>
           </a:p>
         </p:txBody>
       </p:sp>
-      <p:pic>
-        <p:nvPicPr>
-          <p:cNvPr id="5" name="Picture 5" descr="A close up of a logo&#10;&#10;Description generated with very high confidence">
-            <a:extLst>
-              <a:ext uri="{FF2B5EF4-FFF2-40B4-BE49-F238E27FC236}">
-                <a16:creationId xmlns:a16="http://schemas.microsoft.com/office/drawing/2014/main" id="{50EC269F-655F-4AB0-8AD5-C82554237B23}"/>
-              </a:ext>
-            </a:extLst>
-          </p:cNvPr>
-          <p:cNvPicPr>
-            <a:picLocks noChangeAspect="1"/>
-          </p:cNvPicPr>
+      <p:sp>
+        <p:nvSpPr>
+          <p:cNvPr id="4" name="Inhaltsplatzhalter 2">
+            <a:extLst>
+              <a:ext uri="{FF2B5EF4-FFF2-40B4-BE49-F238E27FC236}">
+                <a16:creationId xmlns:a16="http://schemas.microsoft.com/office/drawing/2014/main" id="{645C7290-9FF8-41E6-A73F-FA07A0C8E644}"/>
+              </a:ext>
+            </a:extLst>
+          </p:cNvPr>
+          <p:cNvSpPr txBox="1">
+            <a:spLocks/>
+          </p:cNvSpPr>
           <p:nvPr/>
-        </p:nvPicPr>
-        <p:blipFill>
-          <a:blip r:embed="rId2"/>
-          <a:stretch>
-            <a:fillRect/>
-          </a:stretch>
-        </p:blipFill>
+        </p:nvSpPr>
         <p:spPr>
           <a:xfrm>
-            <a:off x="3507970" y="3977496"/>
-            <a:ext cx="5447370" cy="3396475"/>
+            <a:off x="838200" y="1803213"/>
+            <a:ext cx="10515600" cy="4351338"/>
           </a:xfrm>
           <a:prstGeom prst="rect">
             <a:avLst/>
           </a:prstGeom>
         </p:spPr>
-      </p:pic>
-      <p:sp>
-        <p:nvSpPr>
-          <p:cNvPr id="4" name="TextBox 3">
-            <a:extLst>
-              <a:ext uri="{FF2B5EF4-FFF2-40B4-BE49-F238E27FC236}">
-                <a16:creationId xmlns:a16="http://schemas.microsoft.com/office/drawing/2014/main" id="{9FD9A75E-C832-4982-8C2D-B3B22A0FE6F8}"/>
-              </a:ext>
-            </a:extLst>
-          </p:cNvPr>
-          <p:cNvSpPr txBox="1"/>
-          <p:nvPr/>
-        </p:nvSpPr>
-        <p:spPr>
-          <a:xfrm>
-            <a:off x="839695" y="1683871"/>
-            <a:ext cx="10430434" cy="1815882"/>
-          </a:xfrm>
-          <a:prstGeom prst="rect">
-            <a:avLst/>
-          </a:prstGeom>
-          <a:noFill/>
-        </p:spPr>
         <p:txBody>
-          <a:bodyPr rot="0" spcFirstLastPara="0" vertOverflow="overflow" horzOverflow="overflow" vert="horz" wrap="square" lIns="91440" tIns="45720" rIns="91440" bIns="45720" numCol="1" spcCol="0" rtlCol="0" fromWordArt="0" anchor="t" anchorCtr="0" forceAA="0" compatLnSpc="1">
-            <a:prstTxWarp prst="textNoShape">
-              <a:avLst/>
-            </a:prstTxWarp>
-            <a:spAutoFit/>
-          </a:bodyPr>
-          <a:lstStyle/>
-          <a:p>
-            <a:r>
-              <a:rPr lang="en-US" sz="2800" dirty="0">
-                <a:solidFill>
-                  <a:schemeClr val="bg1"/>
-                </a:solidFill>
-                <a:latin typeface="Bahnschrift" panose="020B0502040204020203" pitchFamily="34" charset="0"/>
-              </a:rPr>
-              <a:t>Initially, a single grass blade was added in the </a:t>
-            </a:r>
-            <a:r>
-              <a:rPr lang="en-US" sz="2800" dirty="0" err="1">
-                <a:solidFill>
-                  <a:schemeClr val="bg1"/>
-                </a:solidFill>
-                <a:latin typeface="Bahnschrift" panose="020B0502040204020203" pitchFamily="34" charset="0"/>
-              </a:rPr>
-              <a:t>centre</a:t>
-            </a:r>
-            <a:r>
-              <a:rPr lang="en-US" sz="2800" dirty="0">
-                <a:solidFill>
-                  <a:schemeClr val="bg1"/>
-                </a:solidFill>
-                <a:latin typeface="Bahnschrift" panose="020B0502040204020203" pitchFamily="34" charset="0"/>
-              </a:rPr>
-              <a:t> of the input triangle.</a:t>
-            </a:r>
-          </a:p>
-          <a:p>
-            <a:r>
-              <a:rPr lang="en-US" sz="2800" dirty="0">
-                <a:solidFill>
-                  <a:schemeClr val="bg1"/>
-                </a:solidFill>
-                <a:latin typeface="Bahnschrift" panose="020B0502040204020203" pitchFamily="34" charset="0"/>
+          <a:bodyPr anchor="t"/>
+          <a:lstStyle>
+            <a:lvl1pPr marL="228600" indent="-228600" algn="l" defTabSz="914400" rtl="0" eaLnBrk="1" latinLnBrk="0" hangingPunct="1">
+              <a:lnSpc>
+                <a:spcPct val="90000"/>
+              </a:lnSpc>
+              <a:spcBef>
+                <a:spcPts val="1000"/>
+              </a:spcBef>
+              <a:buFont typeface="Arial" panose="020B0604020202020204" pitchFamily="34" charset="0"/>
+              <a:buChar char="•"/>
+              <a:defRPr sz="2800" kern="1200">
+                <a:solidFill>
+                  <a:schemeClr val="tx1"/>
+                </a:solidFill>
+                <a:latin typeface="+mn-lt"/>
+                <a:ea typeface="+mn-ea"/>
+                <a:cs typeface="+mn-cs"/>
+              </a:defRPr>
+            </a:lvl1pPr>
+            <a:lvl2pPr marL="685800" indent="-228600" algn="l" defTabSz="914400" rtl="0" eaLnBrk="1" latinLnBrk="0" hangingPunct="1">
+              <a:lnSpc>
+                <a:spcPct val="90000"/>
+              </a:lnSpc>
+              <a:spcBef>
+                <a:spcPts val="500"/>
+              </a:spcBef>
+              <a:buFont typeface="Arial" panose="020B0604020202020204" pitchFamily="34" charset="0"/>
+              <a:buChar char="•"/>
+              <a:defRPr sz="2400" kern="1200">
+                <a:solidFill>
+                  <a:schemeClr val="tx1"/>
+                </a:solidFill>
+                <a:latin typeface="+mn-lt"/>
+                <a:ea typeface="+mn-ea"/>
+                <a:cs typeface="+mn-cs"/>
+              </a:defRPr>
+            </a:lvl2pPr>
+            <a:lvl3pPr marL="1143000" indent="-228600" algn="l" defTabSz="914400" rtl="0" eaLnBrk="1" latinLnBrk="0" hangingPunct="1">
+              <a:lnSpc>
+                <a:spcPct val="90000"/>
+              </a:lnSpc>
+              <a:spcBef>
+                <a:spcPts val="500"/>
+              </a:spcBef>
+              <a:buFont typeface="Arial" panose="020B0604020202020204" pitchFamily="34" charset="0"/>
+              <a:buChar char="•"/>
+              <a:defRPr sz="2000" kern="1200">
+                <a:solidFill>
+                  <a:schemeClr val="tx1"/>
+                </a:solidFill>
+                <a:latin typeface="+mn-lt"/>
+                <a:ea typeface="+mn-ea"/>
+                <a:cs typeface="+mn-cs"/>
+              </a:defRPr>
+            </a:lvl3pPr>
+            <a:lvl4pPr marL="1600200" indent="-228600" algn="l" defTabSz="914400" rtl="0" eaLnBrk="1" latinLnBrk="0" hangingPunct="1">
+              <a:lnSpc>
+                <a:spcPct val="90000"/>
+              </a:lnSpc>
+              <a:spcBef>
+                <a:spcPts val="500"/>
+              </a:spcBef>
+              <a:buFont typeface="Arial" panose="020B0604020202020204" pitchFamily="34" charset="0"/>
+              <a:buChar char="•"/>
+              <a:defRPr sz="1800" kern="1200">
+                <a:solidFill>
+                  <a:schemeClr val="tx1"/>
+                </a:solidFill>
+                <a:latin typeface="+mn-lt"/>
+                <a:ea typeface="+mn-ea"/>
+                <a:cs typeface="+mn-cs"/>
+              </a:defRPr>
+            </a:lvl4pPr>
+            <a:lvl5pPr marL="2057400" indent="-228600" algn="l" defTabSz="914400" rtl="0" eaLnBrk="1" latinLnBrk="0" hangingPunct="1">
+              <a:lnSpc>
+                <a:spcPct val="90000"/>
+              </a:lnSpc>
+              <a:spcBef>
+                <a:spcPts val="500"/>
+              </a:spcBef>
+              <a:buFont typeface="Arial" panose="020B0604020202020204" pitchFamily="34" charset="0"/>
+              <a:buChar char="•"/>
+              <a:defRPr sz="1800" kern="1200">
+                <a:solidFill>
+                  <a:schemeClr val="tx1"/>
+                </a:solidFill>
+                <a:latin typeface="+mn-lt"/>
+                <a:ea typeface="+mn-ea"/>
+                <a:cs typeface="+mn-cs"/>
+              </a:defRPr>
+            </a:lvl5pPr>
+            <a:lvl6pPr marL="2514600" indent="-228600" algn="l" defTabSz="914400" rtl="0" eaLnBrk="1" latinLnBrk="0" hangingPunct="1">
+              <a:lnSpc>
+                <a:spcPct val="90000"/>
+              </a:lnSpc>
+              <a:spcBef>
+                <a:spcPts val="500"/>
+              </a:spcBef>
+              <a:buFont typeface="Arial" panose="020B0604020202020204" pitchFamily="34" charset="0"/>
+              <a:buChar char="•"/>
+              <a:defRPr sz="1800" kern="1200">
+                <a:solidFill>
+                  <a:schemeClr val="tx1"/>
+                </a:solidFill>
+                <a:latin typeface="+mn-lt"/>
+                <a:ea typeface="+mn-ea"/>
+                <a:cs typeface="+mn-cs"/>
+              </a:defRPr>
+            </a:lvl6pPr>
+            <a:lvl7pPr marL="2971800" indent="-228600" algn="l" defTabSz="914400" rtl="0" eaLnBrk="1" latinLnBrk="0" hangingPunct="1">
+              <a:lnSpc>
+                <a:spcPct val="90000"/>
+              </a:lnSpc>
+              <a:spcBef>
+                <a:spcPts val="500"/>
+              </a:spcBef>
+              <a:buFont typeface="Arial" panose="020B0604020202020204" pitchFamily="34" charset="0"/>
+              <a:buChar char="•"/>
+              <a:defRPr sz="1800" kern="1200">
+                <a:solidFill>
+                  <a:schemeClr val="tx1"/>
+                </a:solidFill>
+                <a:latin typeface="+mn-lt"/>
+                <a:ea typeface="+mn-ea"/>
+                <a:cs typeface="+mn-cs"/>
+              </a:defRPr>
+            </a:lvl7pPr>
+            <a:lvl8pPr marL="3429000" indent="-228600" algn="l" defTabSz="914400" rtl="0" eaLnBrk="1" latinLnBrk="0" hangingPunct="1">
+              <a:lnSpc>
+                <a:spcPct val="90000"/>
+              </a:lnSpc>
+              <a:spcBef>
+                <a:spcPts val="500"/>
+              </a:spcBef>
+              <a:buFont typeface="Arial" panose="020B0604020202020204" pitchFamily="34" charset="0"/>
+              <a:buChar char="•"/>
+              <a:defRPr sz="1800" kern="1200">
+                <a:solidFill>
+                  <a:schemeClr val="tx1"/>
+                </a:solidFill>
+                <a:latin typeface="+mn-lt"/>
+                <a:ea typeface="+mn-ea"/>
+                <a:cs typeface="+mn-cs"/>
+              </a:defRPr>
+            </a:lvl8pPr>
+            <a:lvl9pPr marL="3886200" indent="-228600" algn="l" defTabSz="914400" rtl="0" eaLnBrk="1" latinLnBrk="0" hangingPunct="1">
+              <a:lnSpc>
+                <a:spcPct val="90000"/>
+              </a:lnSpc>
+              <a:spcBef>
+                <a:spcPts val="500"/>
+              </a:spcBef>
+              <a:buFont typeface="Arial" panose="020B0604020202020204" pitchFamily="34" charset="0"/>
+              <a:buChar char="•"/>
+              <a:defRPr sz="1800" kern="1200">
+                <a:solidFill>
+                  <a:schemeClr val="tx1"/>
+                </a:solidFill>
+                <a:latin typeface="+mn-lt"/>
+                <a:ea typeface="+mn-ea"/>
+                <a:cs typeface="+mn-cs"/>
+              </a:defRPr>
+            </a:lvl9pPr>
+          </a:lstStyle>
+          <a:p>
+            <a:r>
+              <a:rPr lang="de-DE" dirty="0">
+                <a:solidFill>
+                  <a:schemeClr val="bg1"/>
+                </a:solidFill>
+                <a:latin typeface="Bahnschrift"/>
                 <a:cs typeface="Calibri"/>
               </a:rPr>
-              <a:t>But, a lot of tessellation required for the dense grass look.</a:t>
-            </a:r>
-          </a:p>
-          <a:p>
-            <a:r>
-              <a:rPr lang="en-US" sz="2800" dirty="0">
-                <a:solidFill>
-                  <a:schemeClr val="bg1"/>
-                </a:solidFill>
-                <a:latin typeface="Bahnschrift" panose="020B0502040204020203" pitchFamily="34" charset="0"/>
+              <a:t>Create additional </a:t>
+            </a:r>
+            <a:r>
+              <a:rPr lang="de-DE" dirty="0" err="1">
+                <a:solidFill>
+                  <a:schemeClr val="bg1"/>
+                </a:solidFill>
+                <a:latin typeface="Bahnschrift"/>
                 <a:cs typeface="Calibri"/>
               </a:rPr>
-              <a:t>==&gt; Add multiple blades for each triangle</a:t>
-            </a:r>
+              <a:t>ground</a:t>
+            </a:r>
+            <a:r>
+              <a:rPr lang="de-DE" dirty="0">
+                <a:solidFill>
+                  <a:schemeClr val="bg1"/>
+                </a:solidFill>
+                <a:latin typeface="Bahnschrift"/>
+                <a:cs typeface="Calibri"/>
+              </a:rPr>
+              <a:t> </a:t>
+            </a:r>
+            <a:r>
+              <a:rPr lang="de-DE" dirty="0" err="1">
+                <a:solidFill>
+                  <a:schemeClr val="bg1"/>
+                </a:solidFill>
+                <a:latin typeface="Bahnschrift"/>
+                <a:cs typeface="Calibri"/>
+              </a:rPr>
+              <a:t>verticies</a:t>
+            </a:r>
+            <a:r>
+              <a:rPr lang="de-DE" dirty="0">
+                <a:solidFill>
+                  <a:schemeClr val="bg1"/>
+                </a:solidFill>
+                <a:latin typeface="Bahnschrift"/>
+                <a:cs typeface="Calibri"/>
+              </a:rPr>
+              <a:t> </a:t>
+            </a:r>
+            <a:r>
+              <a:rPr lang="de-DE" dirty="0" err="1">
+                <a:solidFill>
+                  <a:schemeClr val="bg1"/>
+                </a:solidFill>
+                <a:latin typeface="Bahnschrift"/>
+                <a:cs typeface="Calibri"/>
+              </a:rPr>
+              <a:t>for</a:t>
+            </a:r>
+            <a:r>
+              <a:rPr lang="de-DE" dirty="0">
+                <a:solidFill>
+                  <a:schemeClr val="bg1"/>
+                </a:solidFill>
+                <a:latin typeface="Bahnschrift"/>
+                <a:cs typeface="Calibri"/>
+              </a:rPr>
+              <a:t> </a:t>
+            </a:r>
+            <a:r>
+              <a:rPr lang="de-DE" dirty="0" err="1">
+                <a:solidFill>
+                  <a:schemeClr val="bg1"/>
+                </a:solidFill>
+                <a:latin typeface="Bahnschrift"/>
+                <a:cs typeface="Calibri"/>
+              </a:rPr>
+              <a:t>geometry</a:t>
+            </a:r>
+            <a:r>
+              <a:rPr lang="de-DE" dirty="0">
+                <a:solidFill>
+                  <a:schemeClr val="bg1"/>
+                </a:solidFill>
+                <a:latin typeface="Bahnschrift"/>
+                <a:cs typeface="Calibri"/>
+              </a:rPr>
+              <a:t> </a:t>
+            </a:r>
+            <a:r>
+              <a:rPr lang="de-DE" dirty="0" err="1">
+                <a:solidFill>
+                  <a:schemeClr val="bg1"/>
+                </a:solidFill>
+                <a:latin typeface="Bahnschrift"/>
+                <a:cs typeface="Calibri"/>
+              </a:rPr>
+              <a:t>shader</a:t>
+            </a:r>
+            <a:r>
+              <a:rPr lang="de-DE" dirty="0">
+                <a:solidFill>
+                  <a:schemeClr val="bg1"/>
+                </a:solidFill>
+                <a:latin typeface="Bahnschrift"/>
+                <a:cs typeface="Calibri"/>
+              </a:rPr>
+              <a:t> </a:t>
+            </a:r>
+            <a:r>
+              <a:rPr lang="de-DE" dirty="0" err="1">
+                <a:solidFill>
+                  <a:schemeClr val="bg1"/>
+                </a:solidFill>
+                <a:latin typeface="Bahnschrift"/>
+                <a:cs typeface="Calibri"/>
+              </a:rPr>
+              <a:t>to</a:t>
+            </a:r>
+            <a:r>
+              <a:rPr lang="de-DE" dirty="0">
+                <a:solidFill>
+                  <a:schemeClr val="bg1"/>
+                </a:solidFill>
+                <a:latin typeface="Bahnschrift"/>
+                <a:cs typeface="Calibri"/>
+              </a:rPr>
+              <a:t> </a:t>
+            </a:r>
+            <a:r>
+              <a:rPr lang="de-DE" dirty="0" err="1">
+                <a:solidFill>
+                  <a:schemeClr val="bg1"/>
+                </a:solidFill>
+                <a:latin typeface="Bahnschrift"/>
+                <a:cs typeface="Calibri"/>
+              </a:rPr>
+              <a:t>work</a:t>
+            </a:r>
+            <a:r>
+              <a:rPr lang="de-DE" dirty="0">
+                <a:solidFill>
+                  <a:schemeClr val="bg1"/>
+                </a:solidFill>
+                <a:latin typeface="Bahnschrift"/>
+                <a:cs typeface="Calibri"/>
+              </a:rPr>
+              <a:t> on, </a:t>
+            </a:r>
+            <a:r>
+              <a:rPr lang="de-DE" dirty="0" err="1">
+                <a:solidFill>
+                  <a:schemeClr val="bg1"/>
+                </a:solidFill>
+                <a:latin typeface="Bahnschrift"/>
+                <a:cs typeface="Calibri"/>
+              </a:rPr>
+              <a:t>effectively</a:t>
+            </a:r>
+            <a:r>
+              <a:rPr lang="de-DE" dirty="0">
+                <a:solidFill>
+                  <a:schemeClr val="bg1"/>
+                </a:solidFill>
+                <a:latin typeface="Bahnschrift"/>
+                <a:cs typeface="Calibri"/>
+              </a:rPr>
+              <a:t> </a:t>
+            </a:r>
+            <a:r>
+              <a:rPr lang="de-DE" dirty="0" err="1">
+                <a:solidFill>
+                  <a:schemeClr val="bg1"/>
+                </a:solidFill>
+                <a:latin typeface="Bahnschrift"/>
+                <a:cs typeface="Calibri"/>
+              </a:rPr>
+              <a:t>increasing</a:t>
+            </a:r>
+            <a:r>
+              <a:rPr lang="de-DE" dirty="0">
+                <a:solidFill>
+                  <a:schemeClr val="bg1"/>
+                </a:solidFill>
+                <a:latin typeface="Bahnschrift"/>
+                <a:cs typeface="Calibri"/>
+              </a:rPr>
+              <a:t> </a:t>
+            </a:r>
+            <a:r>
+              <a:rPr lang="de-DE" dirty="0" err="1">
+                <a:solidFill>
+                  <a:schemeClr val="bg1"/>
+                </a:solidFill>
+                <a:latin typeface="Bahnschrift"/>
+                <a:cs typeface="Calibri"/>
+              </a:rPr>
+              <a:t>grass</a:t>
+            </a:r>
+            <a:r>
+              <a:rPr lang="de-DE" dirty="0">
+                <a:solidFill>
+                  <a:schemeClr val="bg1"/>
+                </a:solidFill>
+                <a:latin typeface="Bahnschrift"/>
+                <a:cs typeface="Calibri"/>
+              </a:rPr>
+              <a:t> </a:t>
+            </a:r>
+            <a:r>
+              <a:rPr lang="de-DE" dirty="0" err="1">
+                <a:solidFill>
+                  <a:schemeClr val="bg1"/>
+                </a:solidFill>
+                <a:latin typeface="Bahnschrift"/>
+                <a:cs typeface="Calibri"/>
+              </a:rPr>
+              <a:t>density</a:t>
+            </a:r>
+            <a:endParaRPr lang="de-DE" dirty="0">
+              <a:solidFill>
+                <a:schemeClr val="bg1"/>
+              </a:solidFill>
+              <a:latin typeface="Bahnschrift"/>
+              <a:cs typeface="Calibri"/>
+            </a:endParaRPr>
+          </a:p>
+          <a:p>
+            <a:endParaRPr lang="de-DE" dirty="0">
+              <a:solidFill>
+                <a:schemeClr val="bg1"/>
+              </a:solidFill>
+              <a:latin typeface="Bahnschrift"/>
+              <a:cs typeface="Calibri"/>
+            </a:endParaRPr>
+          </a:p>
+          <a:p>
+            <a:r>
+              <a:rPr lang="de-DE" dirty="0" err="1">
+                <a:solidFill>
+                  <a:schemeClr val="bg1"/>
+                </a:solidFill>
+                <a:latin typeface="Bahnschrift"/>
+                <a:cs typeface="Calibri"/>
+              </a:rPr>
+              <a:t>Optimizations</a:t>
+            </a:r>
+            <a:r>
+              <a:rPr lang="de-DE" dirty="0">
+                <a:solidFill>
+                  <a:schemeClr val="bg1"/>
+                </a:solidFill>
+                <a:latin typeface="Bahnschrift"/>
+                <a:cs typeface="Calibri"/>
+              </a:rPr>
+              <a:t>: </a:t>
+            </a:r>
+            <a:r>
+              <a:rPr lang="de-DE" dirty="0" err="1">
+                <a:solidFill>
+                  <a:schemeClr val="bg1"/>
+                </a:solidFill>
+                <a:latin typeface="Bahnschrift"/>
+                <a:cs typeface="Calibri"/>
+              </a:rPr>
+              <a:t>Tessellation</a:t>
+            </a:r>
+            <a:r>
+              <a:rPr lang="de-DE" dirty="0">
+                <a:solidFill>
+                  <a:schemeClr val="bg1"/>
+                </a:solidFill>
+                <a:latin typeface="Bahnschrift"/>
+                <a:cs typeface="Calibri"/>
+              </a:rPr>
+              <a:t> </a:t>
+            </a:r>
+            <a:r>
+              <a:rPr lang="de-DE" dirty="0" err="1">
+                <a:solidFill>
+                  <a:schemeClr val="bg1"/>
+                </a:solidFill>
+                <a:latin typeface="Bahnschrift"/>
+                <a:cs typeface="Calibri"/>
+              </a:rPr>
+              <a:t>fractors</a:t>
+            </a:r>
+            <a:r>
+              <a:rPr lang="de-DE" dirty="0">
+                <a:solidFill>
+                  <a:schemeClr val="bg1"/>
+                </a:solidFill>
+                <a:latin typeface="Bahnschrift"/>
+                <a:cs typeface="Calibri"/>
+              </a:rPr>
+              <a:t> </a:t>
+            </a:r>
+            <a:r>
+              <a:rPr lang="de-DE" dirty="0" err="1">
+                <a:solidFill>
+                  <a:schemeClr val="bg1"/>
+                </a:solidFill>
+                <a:latin typeface="Bahnschrift"/>
+                <a:cs typeface="Calibri"/>
+              </a:rPr>
+              <a:t>decrease</a:t>
+            </a:r>
+            <a:r>
+              <a:rPr lang="de-DE" dirty="0">
+                <a:solidFill>
+                  <a:schemeClr val="bg1"/>
+                </a:solidFill>
+                <a:latin typeface="Bahnschrift"/>
+                <a:cs typeface="Calibri"/>
+              </a:rPr>
+              <a:t> </a:t>
+            </a:r>
+            <a:r>
+              <a:rPr lang="de-DE" dirty="0" err="1">
+                <a:solidFill>
+                  <a:schemeClr val="bg1"/>
+                </a:solidFill>
+                <a:latin typeface="Bahnschrift"/>
+                <a:cs typeface="Calibri"/>
+              </a:rPr>
+              <a:t>with</a:t>
+            </a:r>
+            <a:r>
+              <a:rPr lang="de-DE" dirty="0">
+                <a:solidFill>
+                  <a:schemeClr val="bg1"/>
+                </a:solidFill>
+                <a:latin typeface="Bahnschrift"/>
+                <a:cs typeface="Calibri"/>
+              </a:rPr>
+              <a:t> </a:t>
+            </a:r>
+            <a:r>
+              <a:rPr lang="de-DE" dirty="0" err="1">
+                <a:solidFill>
+                  <a:schemeClr val="bg1"/>
+                </a:solidFill>
+                <a:latin typeface="Bahnschrift"/>
+                <a:cs typeface="Calibri"/>
+              </a:rPr>
+              <a:t>distance</a:t>
+            </a:r>
+            <a:r>
+              <a:rPr lang="de-DE" dirty="0">
+                <a:solidFill>
+                  <a:schemeClr val="bg1"/>
+                </a:solidFill>
+                <a:latin typeface="Bahnschrift"/>
+                <a:cs typeface="Calibri"/>
+              </a:rPr>
+              <a:t> </a:t>
+            </a:r>
+            <a:r>
+              <a:rPr lang="de-DE" dirty="0" err="1">
+                <a:solidFill>
+                  <a:schemeClr val="bg1"/>
+                </a:solidFill>
+                <a:latin typeface="Bahnschrift"/>
+                <a:cs typeface="Calibri"/>
+              </a:rPr>
+              <a:t>to</a:t>
+            </a:r>
+            <a:r>
+              <a:rPr lang="de-DE" dirty="0">
+                <a:solidFill>
+                  <a:schemeClr val="bg1"/>
+                </a:solidFill>
+                <a:latin typeface="Bahnschrift"/>
+                <a:cs typeface="Calibri"/>
+              </a:rPr>
+              <a:t> </a:t>
+            </a:r>
+            <a:r>
+              <a:rPr lang="de-DE" dirty="0" err="1">
+                <a:solidFill>
+                  <a:schemeClr val="bg1"/>
+                </a:solidFill>
+                <a:latin typeface="Bahnschrift"/>
+                <a:cs typeface="Calibri"/>
+              </a:rPr>
+              <a:t>player</a:t>
+            </a:r>
+            <a:r>
+              <a:rPr lang="de-DE" dirty="0">
+                <a:solidFill>
+                  <a:schemeClr val="bg1"/>
+                </a:solidFill>
+                <a:latin typeface="Bahnschrift"/>
+                <a:cs typeface="Calibri"/>
+              </a:rPr>
+              <a:t>, and </a:t>
+            </a:r>
+            <a:r>
+              <a:rPr lang="de-DE" dirty="0" err="1">
+                <a:solidFill>
+                  <a:schemeClr val="bg1"/>
+                </a:solidFill>
+                <a:latin typeface="Bahnschrift"/>
+                <a:cs typeface="Calibri"/>
+              </a:rPr>
+              <a:t>input</a:t>
+            </a:r>
+            <a:r>
+              <a:rPr lang="de-DE" dirty="0">
+                <a:solidFill>
+                  <a:schemeClr val="bg1"/>
+                </a:solidFill>
+                <a:latin typeface="Bahnschrift"/>
+                <a:cs typeface="Calibri"/>
+              </a:rPr>
+              <a:t> </a:t>
+            </a:r>
+            <a:r>
+              <a:rPr lang="de-DE" dirty="0" err="1">
+                <a:solidFill>
+                  <a:schemeClr val="bg1"/>
+                </a:solidFill>
+                <a:latin typeface="Bahnschrift"/>
+                <a:cs typeface="Calibri"/>
+              </a:rPr>
+              <a:t>verticies</a:t>
+            </a:r>
+            <a:r>
+              <a:rPr lang="de-DE" dirty="0">
+                <a:solidFill>
+                  <a:schemeClr val="bg1"/>
+                </a:solidFill>
+                <a:latin typeface="Bahnschrift"/>
+                <a:cs typeface="Calibri"/>
+              </a:rPr>
+              <a:t> </a:t>
+            </a:r>
+            <a:r>
+              <a:rPr lang="de-DE" dirty="0" err="1">
+                <a:solidFill>
+                  <a:schemeClr val="bg1"/>
+                </a:solidFill>
+                <a:latin typeface="Bahnschrift"/>
+                <a:cs typeface="Calibri"/>
+              </a:rPr>
+              <a:t>are</a:t>
+            </a:r>
+            <a:r>
+              <a:rPr lang="de-DE" dirty="0">
+                <a:solidFill>
+                  <a:schemeClr val="bg1"/>
+                </a:solidFill>
+                <a:latin typeface="Bahnschrift"/>
+                <a:cs typeface="Calibri"/>
+              </a:rPr>
+              <a:t> </a:t>
+            </a:r>
+            <a:r>
+              <a:rPr lang="de-DE" dirty="0" err="1">
+                <a:solidFill>
+                  <a:schemeClr val="bg1"/>
+                </a:solidFill>
+                <a:latin typeface="Bahnschrift"/>
+                <a:cs typeface="Calibri"/>
+              </a:rPr>
+              <a:t>frustum</a:t>
+            </a:r>
+            <a:r>
+              <a:rPr lang="de-DE" dirty="0">
+                <a:solidFill>
+                  <a:schemeClr val="bg1"/>
+                </a:solidFill>
+                <a:latin typeface="Bahnschrift"/>
+                <a:cs typeface="Calibri"/>
+              </a:rPr>
+              <a:t> </a:t>
+            </a:r>
+            <a:r>
+              <a:rPr lang="de-DE" dirty="0" err="1">
+                <a:solidFill>
+                  <a:schemeClr val="bg1"/>
+                </a:solidFill>
+                <a:latin typeface="Bahnschrift"/>
+                <a:cs typeface="Calibri"/>
+              </a:rPr>
+              <a:t>culled</a:t>
+            </a:r>
+          </a:p>
+          <a:p>
+            <a:pPr marL="0" indent="0">
+              <a:buNone/>
+            </a:pPr>
+            <a:endParaRPr lang="de-DE" dirty="0">
+              <a:solidFill>
+                <a:schemeClr val="bg1"/>
+              </a:solidFill>
+              <a:latin typeface="Bahnschrift"/>
+              <a:cs typeface="Calibri"/>
+            </a:endParaRPr>
+          </a:p>
+          <a:p>
+            <a:pPr marL="0" indent="0">
+              <a:buNone/>
+            </a:pPr>
+            <a:endParaRPr lang="de-DE" dirty="0">
+              <a:solidFill>
+                <a:schemeClr val="bg1"/>
+              </a:solidFill>
+              <a:latin typeface="Bahnschrift" panose="020B0502040204020203" pitchFamily="34" charset="0"/>
+              <a:cs typeface="Calibri"/>
+            </a:endParaRPr>
+          </a:p>
+          <a:p>
+            <a:endParaRPr lang="de-DE" dirty="0">
+              <a:solidFill>
+                <a:schemeClr val="bg1"/>
+              </a:solidFill>
+              <a:latin typeface="Bahnschrift" panose="020B0502040204020203" pitchFamily="34" charset="0"/>
+              <a:cs typeface="Calibri"/>
+            </a:endParaRPr>
           </a:p>
         </p:txBody>
       </p:sp>
     </p:spTree>
     <p:extLst>
       <p:ext uri="{BB962C8B-B14F-4D97-AF65-F5344CB8AC3E}">
-        <p14:creationId xmlns:p14="http://schemas.microsoft.com/office/powerpoint/2010/main" val="421721738"/>
+        <p14:creationId xmlns:p14="http://schemas.microsoft.com/office/powerpoint/2010/main" val="3630807737"/>
       </p:ext>
     </p:extLst>
   </p:cSld>
@@ -4904,6 +5420,197 @@
       </p:sp>
       <p:pic>
         <p:nvPicPr>
+          <p:cNvPr id="5" name="Picture 5" descr="A close up of a logo&#10;&#10;Description generated with very high confidence">
+            <a:extLst>
+              <a:ext uri="{FF2B5EF4-FFF2-40B4-BE49-F238E27FC236}">
+                <a16:creationId xmlns:a16="http://schemas.microsoft.com/office/drawing/2014/main" id="{50EC269F-655F-4AB0-8AD5-C82554237B23}"/>
+              </a:ext>
+            </a:extLst>
+          </p:cNvPr>
+          <p:cNvPicPr>
+            <a:picLocks noChangeAspect="1"/>
+          </p:cNvPicPr>
+          <p:nvPr/>
+        </p:nvPicPr>
+        <p:blipFill>
+          <a:blip r:embed="rId2"/>
+          <a:stretch>
+            <a:fillRect/>
+          </a:stretch>
+        </p:blipFill>
+        <p:spPr>
+          <a:xfrm>
+            <a:off x="3507970" y="3977496"/>
+            <a:ext cx="5447370" cy="3396475"/>
+          </a:xfrm>
+          <a:prstGeom prst="rect">
+            <a:avLst/>
+          </a:prstGeom>
+        </p:spPr>
+      </p:pic>
+      <p:sp>
+        <p:nvSpPr>
+          <p:cNvPr id="4" name="TextBox 3">
+            <a:extLst>
+              <a:ext uri="{FF2B5EF4-FFF2-40B4-BE49-F238E27FC236}">
+                <a16:creationId xmlns:a16="http://schemas.microsoft.com/office/drawing/2014/main" id="{9FD9A75E-C832-4982-8C2D-B3B22A0FE6F8}"/>
+              </a:ext>
+            </a:extLst>
+          </p:cNvPr>
+          <p:cNvSpPr txBox="1"/>
+          <p:nvPr/>
+        </p:nvSpPr>
+        <p:spPr>
+          <a:xfrm>
+            <a:off x="839695" y="1683871"/>
+            <a:ext cx="10430434" cy="1815882"/>
+          </a:xfrm>
+          <a:prstGeom prst="rect">
+            <a:avLst/>
+          </a:prstGeom>
+          <a:noFill/>
+        </p:spPr>
+        <p:txBody>
+          <a:bodyPr rot="0" spcFirstLastPara="0" vertOverflow="overflow" horzOverflow="overflow" vert="horz" wrap="square" lIns="91440" tIns="45720" rIns="91440" bIns="45720" numCol="1" spcCol="0" rtlCol="0" fromWordArt="0" anchor="t" anchorCtr="0" forceAA="0" compatLnSpc="1">
+            <a:prstTxWarp prst="textNoShape">
+              <a:avLst/>
+            </a:prstTxWarp>
+            <a:spAutoFit/>
+          </a:bodyPr>
+          <a:lstStyle/>
+          <a:p>
+            <a:r>
+              <a:rPr lang="en-US" sz="2800" dirty="0">
+                <a:solidFill>
+                  <a:schemeClr val="bg1"/>
+                </a:solidFill>
+                <a:latin typeface="Bahnschrift" panose="020B0502040204020203" pitchFamily="34" charset="0"/>
+              </a:rPr>
+              <a:t>Initially, a single grass blade was added in the </a:t>
+            </a:r>
+            <a:r>
+              <a:rPr lang="en-US" sz="2800" dirty="0" err="1">
+                <a:solidFill>
+                  <a:schemeClr val="bg1"/>
+                </a:solidFill>
+                <a:latin typeface="Bahnschrift" panose="020B0502040204020203" pitchFamily="34" charset="0"/>
+              </a:rPr>
+              <a:t>centre</a:t>
+            </a:r>
+            <a:r>
+              <a:rPr lang="en-US" sz="2800" dirty="0">
+                <a:solidFill>
+                  <a:schemeClr val="bg1"/>
+                </a:solidFill>
+                <a:latin typeface="Bahnschrift" panose="020B0502040204020203" pitchFamily="34" charset="0"/>
+              </a:rPr>
+              <a:t> of the input triangle.</a:t>
+            </a:r>
+          </a:p>
+          <a:p>
+            <a:r>
+              <a:rPr lang="en-US" sz="2800" dirty="0">
+                <a:solidFill>
+                  <a:schemeClr val="bg1"/>
+                </a:solidFill>
+                <a:latin typeface="Bahnschrift" panose="020B0502040204020203" pitchFamily="34" charset="0"/>
+                <a:cs typeface="Calibri"/>
+              </a:rPr>
+              <a:t>But, a lot of tessellation required for the dense grass look.</a:t>
+            </a:r>
+          </a:p>
+          <a:p>
+            <a:r>
+              <a:rPr lang="en-US" sz="2800" dirty="0">
+                <a:solidFill>
+                  <a:schemeClr val="bg1"/>
+                </a:solidFill>
+                <a:latin typeface="Bahnschrift" panose="020B0502040204020203" pitchFamily="34" charset="0"/>
+                <a:cs typeface="Calibri"/>
+              </a:rPr>
+              <a:t>==&gt; Add multiple blades for each triangle</a:t>
+            </a:r>
+          </a:p>
+        </p:txBody>
+      </p:sp>
+    </p:spTree>
+    <p:extLst>
+      <p:ext uri="{BB962C8B-B14F-4D97-AF65-F5344CB8AC3E}">
+        <p14:creationId xmlns:p14="http://schemas.microsoft.com/office/powerpoint/2010/main" val="421721738"/>
+      </p:ext>
+    </p:extLst>
+  </p:cSld>
+  <p:clrMapOvr>
+    <a:masterClrMapping/>
+  </p:clrMapOvr>
+</p:sld>
+</file>
+
+<file path=ppt/slides/slide13.xml><?xml version="1.0" encoding="utf-8"?>
+<p:sld xmlns:a="http://schemas.openxmlformats.org/drawingml/2006/main" xmlns:r="http://schemas.openxmlformats.org/officeDocument/2006/relationships" xmlns:p="http://schemas.openxmlformats.org/presentationml/2006/main">
+  <p:cSld>
+    <p:spTree>
+      <p:nvGrpSpPr>
+        <p:cNvPr id="1" name=""/>
+        <p:cNvGrpSpPr/>
+        <p:nvPr/>
+      </p:nvGrpSpPr>
+      <p:grpSpPr>
+        <a:xfrm>
+          <a:off x="0" y="0"/>
+          <a:ext cx="0" cy="0"/>
+          <a:chOff x="0" y="0"/>
+          <a:chExt cx="0" cy="0"/>
+        </a:xfrm>
+      </p:grpSpPr>
+      <p:sp>
+        <p:nvSpPr>
+          <p:cNvPr id="2" name="Titel 1">
+            <a:extLst>
+              <a:ext uri="{FF2B5EF4-FFF2-40B4-BE49-F238E27FC236}">
+                <a16:creationId xmlns:a16="http://schemas.microsoft.com/office/drawing/2014/main" id="{EBD3DFD6-C5BF-479F-8946-D157F47853AA}"/>
+              </a:ext>
+            </a:extLst>
+          </p:cNvPr>
+          <p:cNvSpPr>
+            <a:spLocks noGrp="1"/>
+          </p:cNvSpPr>
+          <p:nvPr>
+            <p:ph type="title"/>
+          </p:nvPr>
+        </p:nvSpPr>
+        <p:spPr/>
+        <p:txBody>
+          <a:bodyPr/>
+          <a:lstStyle/>
+          <a:p>
+            <a:r>
+              <a:rPr lang="de-DE" dirty="0">
+                <a:solidFill>
+                  <a:schemeClr val="accent2"/>
+                </a:solidFill>
+              </a:rPr>
+              <a:t>Grass Shader – </a:t>
+            </a:r>
+            <a:r>
+              <a:rPr lang="de-DE" dirty="0" err="1">
+                <a:solidFill>
+                  <a:schemeClr val="accent2"/>
+                </a:solidFill>
+              </a:rPr>
+              <a:t>Geometry</a:t>
+            </a:r>
+            <a:endParaRPr lang="de-DE" dirty="0" err="1">
+              <a:solidFill>
+                <a:schemeClr val="accent2"/>
+              </a:solidFill>
+              <a:cs typeface="Calibri Light"/>
+            </a:endParaRPr>
+          </a:p>
+        </p:txBody>
+      </p:sp>
+      <p:pic>
+        <p:nvPicPr>
           <p:cNvPr id="3" name="Picture 3" descr="A close up of a logo&#10;&#10;Description generated with very high confidence">
             <a:extLst>
               <a:ext uri="{FF2B5EF4-FFF2-40B4-BE49-F238E27FC236}">
@@ -5029,7 +5736,7 @@
 </p:sld>
 </file>
 
-<file path=ppt/slides/slide13.xml><?xml version="1.0" encoding="utf-8"?>
+<file path=ppt/slides/slide14.xml><?xml version="1.0" encoding="utf-8"?>
 <p:sld xmlns:a="http://schemas.openxmlformats.org/drawingml/2006/main" xmlns:r="http://schemas.openxmlformats.org/officeDocument/2006/relationships" xmlns:p="http://schemas.openxmlformats.org/presentationml/2006/main">
   <p:cSld>
     <p:spTree>
@@ -5179,7 +5886,7 @@
 </p:sld>
 </file>
 
-<file path=ppt/slides/slide14.xml><?xml version="1.0" encoding="utf-8"?>
+<file path=ppt/slides/slide15.xml><?xml version="1.0" encoding="utf-8"?>
 <p:sld xmlns:a="http://schemas.openxmlformats.org/drawingml/2006/main" xmlns:r="http://schemas.openxmlformats.org/officeDocument/2006/relationships" xmlns:p="http://schemas.openxmlformats.org/presentationml/2006/main">
   <p:cSld>
     <p:spTree>
@@ -5345,7 +6052,7 @@
 </p:sld>
 </file>
 
-<file path=ppt/slides/slide15.xml><?xml version="1.0" encoding="utf-8"?>
+<file path=ppt/slides/slide16.xml><?xml version="1.0" encoding="utf-8"?>
 <p:sld xmlns:a="http://schemas.openxmlformats.org/drawingml/2006/main" xmlns:r="http://schemas.openxmlformats.org/officeDocument/2006/relationships" xmlns:p="http://schemas.openxmlformats.org/presentationml/2006/main">
   <p:cSld>
     <p:spTree>
@@ -6202,6 +6909,124 @@
 </file>
 
 <file path=ppt/slides/slide3.xml><?xml version="1.0" encoding="utf-8"?>
+<p:sld xmlns:a="http://schemas.openxmlformats.org/drawingml/2006/main" xmlns:r="http://schemas.openxmlformats.org/officeDocument/2006/relationships" xmlns:p="http://schemas.openxmlformats.org/presentationml/2006/main">
+  <p:cSld>
+    <p:spTree>
+      <p:nvGrpSpPr>
+        <p:cNvPr id="1" name=""/>
+        <p:cNvGrpSpPr/>
+        <p:nvPr/>
+      </p:nvGrpSpPr>
+      <p:grpSpPr>
+        <a:xfrm>
+          <a:off x="0" y="0"/>
+          <a:ext cx="0" cy="0"/>
+          <a:chOff x="0" y="0"/>
+          <a:chExt cx="0" cy="0"/>
+        </a:xfrm>
+      </p:grpSpPr>
+      <p:sp>
+        <p:nvSpPr>
+          <p:cNvPr id="2" name="Titel 1">
+            <a:extLst>
+              <a:ext uri="{FF2B5EF4-FFF2-40B4-BE49-F238E27FC236}">
+                <a16:creationId xmlns:a16="http://schemas.microsoft.com/office/drawing/2014/main" id="{5EBE8130-6A78-4E46-8D69-D5F39E5F51DF}"/>
+              </a:ext>
+            </a:extLst>
+          </p:cNvPr>
+          <p:cNvSpPr>
+            <a:spLocks noGrp="1"/>
+          </p:cNvSpPr>
+          <p:nvPr>
+            <p:ph type="title"/>
+          </p:nvPr>
+        </p:nvSpPr>
+        <p:spPr/>
+        <p:txBody>
+          <a:bodyPr/>
+          <a:lstStyle/>
+          <a:p>
+            <a:r>
+              <a:rPr lang="de-DE" dirty="0">
+                <a:solidFill>
+                  <a:schemeClr val="accent2"/>
+                </a:solidFill>
+                <a:latin typeface="Bahnschrift" panose="020B0502040204020203" pitchFamily="34" charset="0"/>
+              </a:rPr>
+              <a:t>Light </a:t>
+            </a:r>
+            <a:r>
+              <a:rPr lang="de-DE" dirty="0" err="1">
+                <a:solidFill>
+                  <a:schemeClr val="accent2"/>
+                </a:solidFill>
+                <a:latin typeface="Bahnschrift" panose="020B0502040204020203" pitchFamily="34" charset="0"/>
+              </a:rPr>
+              <a:t>Scattering</a:t>
+            </a:r>
+            <a:r>
+              <a:rPr lang="de-DE" dirty="0">
+                <a:solidFill>
+                  <a:schemeClr val="accent2"/>
+                </a:solidFill>
+                <a:latin typeface="Bahnschrift" panose="020B0502040204020203" pitchFamily="34" charset="0"/>
+              </a:rPr>
+              <a:t> Theory</a:t>
+            </a:r>
+            <a:endParaRPr lang="de-DE" dirty="0"/>
+          </a:p>
+        </p:txBody>
+      </p:sp>
+      <p:pic>
+        <p:nvPicPr>
+          <p:cNvPr id="7" name="Grafik 6" descr="Ein Bild, das Uhr enthält.&#10;&#10;Automatisch generierte Beschreibung">
+            <a:extLst>
+              <a:ext uri="{FF2B5EF4-FFF2-40B4-BE49-F238E27FC236}">
+                <a16:creationId xmlns:a16="http://schemas.microsoft.com/office/drawing/2014/main" id="{989CE3CD-C0A9-4576-A8C5-27A13F1E5B90}"/>
+              </a:ext>
+            </a:extLst>
+          </p:cNvPr>
+          <p:cNvPicPr>
+            <a:picLocks noChangeAspect="1"/>
+          </p:cNvPicPr>
+          <p:nvPr/>
+        </p:nvPicPr>
+        <p:blipFill>
+          <a:blip r:embed="rId2">
+            <a:extLst>
+              <a:ext uri="{28A0092B-C50C-407E-A947-70E740481C1C}">
+                <a14:useLocalDpi xmlns:a14="http://schemas.microsoft.com/office/drawing/2010/main" val="0"/>
+              </a:ext>
+            </a:extLst>
+          </a:blip>
+          <a:stretch>
+            <a:fillRect/>
+          </a:stretch>
+        </p:blipFill>
+        <p:spPr>
+          <a:xfrm>
+            <a:off x="2243821" y="1643332"/>
+            <a:ext cx="7704357" cy="2912549"/>
+          </a:xfrm>
+          <a:prstGeom prst="rect">
+            <a:avLst/>
+          </a:prstGeom>
+        </p:spPr>
+      </p:pic>
+    </p:spTree>
+    <p:extLst>
+      <p:ext uri="{BB962C8B-B14F-4D97-AF65-F5344CB8AC3E}">
+        <p14:creationId xmlns:p14="http://schemas.microsoft.com/office/powerpoint/2010/main" val="3587689367"/>
+      </p:ext>
+    </p:extLst>
+  </p:cSld>
+  <p:clrMapOvr>
+    <a:masterClrMapping/>
+  </p:clrMapOvr>
+</p:sld>
+</file>
+
+<file path=ppt/slides/slide4.xml><?xml version="1.0" encoding="utf-8"?>
 <p:sld xmlns:a="http://schemas.openxmlformats.org/drawingml/2006/main" xmlns:r="http://schemas.openxmlformats.org/officeDocument/2006/relationships" xmlns:p="http://schemas.openxmlformats.org/presentationml/2006/main">
   <p:cSld>
     <p:spTree>
@@ -6939,662 +7764,7 @@
     </p:spTree>
     <p:extLst>
       <p:ext uri="{BB962C8B-B14F-4D97-AF65-F5344CB8AC3E}">
-        <p14:creationId xmlns:p14="http://schemas.microsoft.com/office/powerpoint/2010/main" val="3587689367"/>
-      </p:ext>
-    </p:extLst>
-  </p:cSld>
-  <p:clrMapOvr>
-    <a:masterClrMapping/>
-  </p:clrMapOvr>
-</p:sld>
-</file>
-
-<file path=ppt/slides/slide4.xml><?xml version="1.0" encoding="utf-8"?>
-<p:sld xmlns:a="http://schemas.openxmlformats.org/drawingml/2006/main" xmlns:r="http://schemas.openxmlformats.org/officeDocument/2006/relationships" xmlns:p="http://schemas.openxmlformats.org/presentationml/2006/main">
-  <p:cSld>
-    <p:spTree>
-      <p:nvGrpSpPr>
-        <p:cNvPr id="1" name=""/>
-        <p:cNvGrpSpPr/>
-        <p:nvPr/>
-      </p:nvGrpSpPr>
-      <p:grpSpPr>
-        <a:xfrm>
-          <a:off x="0" y="0"/>
-          <a:ext cx="0" cy="0"/>
-          <a:chOff x="0" y="0"/>
-          <a:chExt cx="0" cy="0"/>
-        </a:xfrm>
-      </p:grpSpPr>
-      <p:sp>
-        <p:nvSpPr>
-          <p:cNvPr id="2" name="Titel 1">
-            <a:extLst>
-              <a:ext uri="{FF2B5EF4-FFF2-40B4-BE49-F238E27FC236}">
-                <a16:creationId xmlns:a16="http://schemas.microsoft.com/office/drawing/2014/main" id="{02B42A0C-1B0E-40CF-8826-F5BA4C033383}"/>
-              </a:ext>
-            </a:extLst>
-          </p:cNvPr>
-          <p:cNvSpPr>
-            <a:spLocks noGrp="1"/>
-          </p:cNvSpPr>
-          <p:nvPr>
-            <p:ph type="title"/>
-          </p:nvPr>
-        </p:nvSpPr>
-        <p:spPr/>
-        <p:txBody>
-          <a:bodyPr/>
-          <a:lstStyle/>
-          <a:p>
-            <a:r>
-              <a:rPr lang="de-DE" dirty="0">
-                <a:solidFill>
-                  <a:schemeClr val="accent2"/>
-                </a:solidFill>
-                <a:latin typeface="Bahnschrift" panose="020B0502040204020203" pitchFamily="34" charset="0"/>
-              </a:rPr>
-              <a:t>Implementation</a:t>
-            </a:r>
-            <a:endParaRPr lang="de-DE" dirty="0"/>
-          </a:p>
-        </p:txBody>
-      </p:sp>
-      <p:sp>
-        <p:nvSpPr>
-          <p:cNvPr id="3" name="Inhaltsplatzhalter 2">
-            <a:extLst>
-              <a:ext uri="{FF2B5EF4-FFF2-40B4-BE49-F238E27FC236}">
-                <a16:creationId xmlns:a16="http://schemas.microsoft.com/office/drawing/2014/main" id="{8774A1F4-D50E-4785-AA8B-35FD776F3660}"/>
-              </a:ext>
-            </a:extLst>
-          </p:cNvPr>
-          <p:cNvSpPr>
-            <a:spLocks noGrp="1"/>
-          </p:cNvSpPr>
-          <p:nvPr>
-            <p:ph idx="1"/>
-          </p:nvPr>
-        </p:nvSpPr>
-        <p:spPr>
-          <a:xfrm>
-            <a:off x="838200" y="1600200"/>
-            <a:ext cx="10515600" cy="5019431"/>
-          </a:xfrm>
-        </p:spPr>
-        <p:txBody>
-          <a:bodyPr>
-            <a:normAutofit/>
-          </a:bodyPr>
-          <a:lstStyle/>
-          <a:p>
-            <a:r>
-              <a:rPr lang="de-DE" dirty="0" err="1">
-                <a:solidFill>
-                  <a:schemeClr val="bg1"/>
-                </a:solidFill>
-                <a:latin typeface="Bahnschrift" panose="020B0502040204020203" pitchFamily="34" charset="0"/>
-              </a:rPr>
-              <a:t>Frustum</a:t>
-            </a:r>
-            <a:r>
-              <a:rPr lang="de-DE" dirty="0">
-                <a:solidFill>
-                  <a:schemeClr val="bg1"/>
-                </a:solidFill>
-                <a:latin typeface="Bahnschrift" panose="020B0502040204020203" pitchFamily="34" charset="0"/>
-              </a:rPr>
-              <a:t> </a:t>
-            </a:r>
-            <a:r>
-              <a:rPr lang="de-DE" dirty="0" err="1">
-                <a:solidFill>
-                  <a:schemeClr val="bg1"/>
-                </a:solidFill>
-                <a:latin typeface="Bahnschrift" panose="020B0502040204020203" pitchFamily="34" charset="0"/>
-              </a:rPr>
-              <a:t>oriented</a:t>
-            </a:r>
-            <a:r>
-              <a:rPr lang="de-DE" dirty="0">
-                <a:solidFill>
-                  <a:schemeClr val="bg1"/>
-                </a:solidFill>
-                <a:latin typeface="Bahnschrift" panose="020B0502040204020203" pitchFamily="34" charset="0"/>
-              </a:rPr>
-              <a:t> </a:t>
-            </a:r>
-            <a:r>
-              <a:rPr lang="de-DE" dirty="0" err="1">
-                <a:solidFill>
-                  <a:schemeClr val="bg1"/>
-                </a:solidFill>
-                <a:latin typeface="Bahnschrift" panose="020B0502040204020203" pitchFamily="34" charset="0"/>
-              </a:rPr>
-              <a:t>volume</a:t>
-            </a:r>
-            <a:endParaRPr lang="de-DE" dirty="0">
-              <a:solidFill>
-                <a:schemeClr val="bg1"/>
-              </a:solidFill>
-              <a:latin typeface="Bahnschrift" panose="020B0502040204020203" pitchFamily="34" charset="0"/>
-            </a:endParaRPr>
-          </a:p>
-          <a:p>
-            <a:pPr lvl="1"/>
-            <a:r>
-              <a:rPr lang="de-DE" dirty="0">
-                <a:solidFill>
-                  <a:schemeClr val="bg1"/>
-                </a:solidFill>
-              </a:rPr>
-              <a:t>240x135x96</a:t>
-            </a:r>
-          </a:p>
-          <a:p>
-            <a:pPr lvl="1"/>
-            <a:r>
-              <a:rPr lang="de-DE" dirty="0">
-                <a:solidFill>
-                  <a:schemeClr val="bg1"/>
-                </a:solidFill>
-              </a:rPr>
-              <a:t>In-</a:t>
-            </a:r>
-            <a:r>
-              <a:rPr lang="de-DE" dirty="0" err="1">
-                <a:solidFill>
-                  <a:schemeClr val="bg1"/>
-                </a:solidFill>
-              </a:rPr>
-              <a:t>scattering</a:t>
-            </a:r>
-            <a:r>
-              <a:rPr lang="de-DE" dirty="0">
-                <a:solidFill>
-                  <a:schemeClr val="bg1"/>
-                </a:solidFill>
-              </a:rPr>
-              <a:t> in RGB</a:t>
-            </a:r>
-          </a:p>
-          <a:p>
-            <a:pPr lvl="1"/>
-            <a:r>
-              <a:rPr lang="de-DE" dirty="0" err="1">
-                <a:solidFill>
-                  <a:schemeClr val="bg1"/>
-                </a:solidFill>
-                <a:latin typeface="Bahnschrift" panose="020B0502040204020203" pitchFamily="34" charset="0"/>
-              </a:rPr>
-              <a:t>Scattering</a:t>
-            </a:r>
-            <a:r>
-              <a:rPr lang="de-DE" dirty="0">
-                <a:solidFill>
-                  <a:schemeClr val="bg1"/>
-                </a:solidFill>
-                <a:latin typeface="Bahnschrift" panose="020B0502040204020203" pitchFamily="34" charset="0"/>
-              </a:rPr>
-              <a:t> </a:t>
-            </a:r>
-            <a:r>
-              <a:rPr lang="de-DE" dirty="0" err="1">
-                <a:solidFill>
-                  <a:schemeClr val="bg1"/>
-                </a:solidFill>
-                <a:latin typeface="Bahnschrift" panose="020B0502040204020203" pitchFamily="34" charset="0"/>
-              </a:rPr>
-              <a:t>coefficient</a:t>
-            </a:r>
-            <a:r>
-              <a:rPr lang="de-DE" dirty="0">
-                <a:solidFill>
-                  <a:schemeClr val="bg1"/>
-                </a:solidFill>
-                <a:latin typeface="Bahnschrift" panose="020B0502040204020203" pitchFamily="34" charset="0"/>
-              </a:rPr>
-              <a:t> in Alpha</a:t>
-            </a:r>
-          </a:p>
-          <a:p>
-            <a:r>
-              <a:rPr lang="de-DE" dirty="0" err="1">
-                <a:solidFill>
-                  <a:schemeClr val="bg1"/>
-                </a:solidFill>
-                <a:latin typeface="Bahnschrift" panose="020B0502040204020203" pitchFamily="34" charset="0"/>
-              </a:rPr>
-              <a:t>Exponential</a:t>
-            </a:r>
-            <a:r>
-              <a:rPr lang="de-DE" dirty="0">
-                <a:solidFill>
-                  <a:schemeClr val="bg1"/>
-                </a:solidFill>
-                <a:latin typeface="Bahnschrift" panose="020B0502040204020203" pitchFamily="34" charset="0"/>
-              </a:rPr>
-              <a:t> </a:t>
-            </a:r>
-            <a:r>
-              <a:rPr lang="de-DE" dirty="0" err="1">
-                <a:solidFill>
-                  <a:schemeClr val="bg1"/>
-                </a:solidFill>
-                <a:latin typeface="Bahnschrift" panose="020B0502040204020203" pitchFamily="34" charset="0"/>
-              </a:rPr>
-              <a:t>depth</a:t>
-            </a:r>
-            <a:r>
-              <a:rPr lang="de-DE" dirty="0">
-                <a:solidFill>
-                  <a:schemeClr val="bg1"/>
-                </a:solidFill>
-                <a:latin typeface="Bahnschrift" panose="020B0502040204020203" pitchFamily="34" charset="0"/>
-              </a:rPr>
-              <a:t> </a:t>
-            </a:r>
-            <a:r>
-              <a:rPr lang="de-DE" dirty="0" err="1">
-                <a:solidFill>
-                  <a:schemeClr val="bg1"/>
-                </a:solidFill>
-                <a:latin typeface="Bahnschrift" panose="020B0502040204020203" pitchFamily="34" charset="0"/>
-              </a:rPr>
-              <a:t>distribution</a:t>
-            </a:r>
-            <a:endParaRPr lang="de-DE" dirty="0">
-              <a:solidFill>
-                <a:schemeClr val="bg1"/>
-              </a:solidFill>
-              <a:latin typeface="Bahnschrift" panose="020B0502040204020203" pitchFamily="34" charset="0"/>
-            </a:endParaRPr>
-          </a:p>
-          <a:p>
-            <a:r>
-              <a:rPr lang="de-DE" dirty="0">
-                <a:solidFill>
-                  <a:schemeClr val="bg1"/>
-                </a:solidFill>
-                <a:latin typeface="Bahnschrift" panose="020B0502040204020203" pitchFamily="34" charset="0"/>
-              </a:rPr>
-              <a:t>Covers </a:t>
-            </a:r>
-            <a:r>
-              <a:rPr lang="de-DE" dirty="0" err="1">
-                <a:solidFill>
-                  <a:schemeClr val="bg1"/>
-                </a:solidFill>
-                <a:latin typeface="Bahnschrift" panose="020B0502040204020203" pitchFamily="34" charset="0"/>
-              </a:rPr>
-              <a:t>scene</a:t>
-            </a:r>
-            <a:r>
-              <a:rPr lang="de-DE" dirty="0">
-                <a:solidFill>
-                  <a:schemeClr val="bg1"/>
-                </a:solidFill>
-                <a:latin typeface="Bahnschrift" panose="020B0502040204020203" pitchFamily="34" charset="0"/>
-              </a:rPr>
-              <a:t> </a:t>
-            </a:r>
-            <a:r>
-              <a:rPr lang="de-DE" dirty="0" err="1">
-                <a:solidFill>
-                  <a:schemeClr val="bg1"/>
-                </a:solidFill>
-              </a:rPr>
-              <a:t>up</a:t>
-            </a:r>
-            <a:r>
-              <a:rPr lang="de-DE" dirty="0">
-                <a:solidFill>
-                  <a:schemeClr val="bg1"/>
-                </a:solidFill>
-              </a:rPr>
-              <a:t> </a:t>
-            </a:r>
-            <a:r>
-              <a:rPr lang="de-DE" dirty="0" err="1">
-                <a:solidFill>
-                  <a:schemeClr val="bg1"/>
-                </a:solidFill>
-              </a:rPr>
-              <a:t>to</a:t>
-            </a:r>
-            <a:r>
-              <a:rPr lang="de-DE" dirty="0">
-                <a:solidFill>
-                  <a:schemeClr val="bg1"/>
-                </a:solidFill>
-              </a:rPr>
-              <a:t> 900 </a:t>
-            </a:r>
-            <a:r>
-              <a:rPr lang="de-DE" dirty="0" err="1">
-                <a:solidFill>
-                  <a:schemeClr val="bg1"/>
-                </a:solidFill>
-              </a:rPr>
-              <a:t>units</a:t>
-            </a:r>
-            <a:r>
-              <a:rPr lang="de-DE" dirty="0">
-                <a:solidFill>
-                  <a:schemeClr val="bg1"/>
-                </a:solidFill>
-              </a:rPr>
-              <a:t> </a:t>
-            </a:r>
-            <a:r>
-              <a:rPr lang="de-DE" dirty="0" err="1">
-                <a:solidFill>
-                  <a:schemeClr val="bg1"/>
-                </a:solidFill>
-              </a:rPr>
-              <a:t>from</a:t>
-            </a:r>
-            <a:r>
-              <a:rPr lang="de-DE" dirty="0">
-                <a:solidFill>
-                  <a:schemeClr val="bg1"/>
-                </a:solidFill>
-              </a:rPr>
-              <a:t> </a:t>
-            </a:r>
-            <a:r>
-              <a:rPr lang="de-DE" dirty="0" err="1">
-                <a:solidFill>
-                  <a:schemeClr val="bg1"/>
-                </a:solidFill>
-              </a:rPr>
-              <a:t>camera</a:t>
-            </a:r>
-            <a:endParaRPr lang="de-DE" dirty="0">
-              <a:solidFill>
-                <a:schemeClr val="bg1"/>
-              </a:solidFill>
-              <a:latin typeface="Bahnschrift" panose="020B0502040204020203" pitchFamily="34" charset="0"/>
-            </a:endParaRPr>
-          </a:p>
-          <a:p>
-            <a:r>
-              <a:rPr lang="de-DE" dirty="0">
-                <a:solidFill>
-                  <a:schemeClr val="bg1"/>
-                </a:solidFill>
-                <a:latin typeface="Bahnschrift" panose="020B0502040204020203" pitchFamily="34" charset="0"/>
-              </a:rPr>
-              <a:t>3 </a:t>
-            </a:r>
-            <a:r>
-              <a:rPr lang="de-DE" dirty="0" err="1">
-                <a:solidFill>
-                  <a:schemeClr val="bg1"/>
-                </a:solidFill>
-                <a:latin typeface="Bahnschrift" panose="020B0502040204020203" pitchFamily="34" charset="0"/>
-              </a:rPr>
-              <a:t>passes</a:t>
-            </a:r>
-            <a:r>
-              <a:rPr lang="de-DE" dirty="0">
-                <a:solidFill>
-                  <a:schemeClr val="bg1"/>
-                </a:solidFill>
-                <a:latin typeface="Bahnschrift" panose="020B0502040204020203" pitchFamily="34" charset="0"/>
-              </a:rPr>
-              <a:t>:</a:t>
-            </a:r>
-          </a:p>
-          <a:p>
-            <a:pPr lvl="1"/>
-            <a:r>
-              <a:rPr lang="de-DE" dirty="0" err="1">
-                <a:solidFill>
-                  <a:schemeClr val="bg1"/>
-                </a:solidFill>
-                <a:latin typeface="Bahnschrift" panose="020B0502040204020203" pitchFamily="34" charset="0"/>
-              </a:rPr>
-              <a:t>Compute</a:t>
-            </a:r>
-            <a:r>
-              <a:rPr lang="de-DE" dirty="0">
-                <a:solidFill>
-                  <a:schemeClr val="bg1"/>
-                </a:solidFill>
-                <a:latin typeface="Bahnschrift" panose="020B0502040204020203" pitchFamily="34" charset="0"/>
-              </a:rPr>
-              <a:t> </a:t>
-            </a:r>
-            <a:r>
-              <a:rPr lang="de-DE" dirty="0" err="1">
-                <a:solidFill>
-                  <a:schemeClr val="bg1"/>
-                </a:solidFill>
-                <a:latin typeface="Bahnschrift" panose="020B0502040204020203" pitchFamily="34" charset="0"/>
-              </a:rPr>
-              <a:t>density</a:t>
-            </a:r>
-            <a:r>
-              <a:rPr lang="de-DE" dirty="0">
-                <a:solidFill>
-                  <a:schemeClr val="bg1"/>
-                </a:solidFill>
-                <a:latin typeface="Bahnschrift" panose="020B0502040204020203" pitchFamily="34" charset="0"/>
-              </a:rPr>
-              <a:t> and </a:t>
-            </a:r>
-            <a:r>
-              <a:rPr lang="de-DE" dirty="0" err="1">
-                <a:solidFill>
-                  <a:schemeClr val="bg1"/>
-                </a:solidFill>
-                <a:latin typeface="Bahnschrift" panose="020B0502040204020203" pitchFamily="34" charset="0"/>
-              </a:rPr>
-              <a:t>lighting</a:t>
-            </a:r>
-            <a:r>
-              <a:rPr lang="de-DE" dirty="0">
-                <a:solidFill>
-                  <a:schemeClr val="bg1"/>
-                </a:solidFill>
-                <a:latin typeface="Bahnschrift" panose="020B0502040204020203" pitchFamily="34" charset="0"/>
-              </a:rPr>
-              <a:t> at </a:t>
-            </a:r>
-            <a:r>
-              <a:rPr lang="de-DE" dirty="0" err="1">
-                <a:solidFill>
-                  <a:schemeClr val="bg1"/>
-                </a:solidFill>
-                <a:latin typeface="Bahnschrift" panose="020B0502040204020203" pitchFamily="34" charset="0"/>
-              </a:rPr>
-              <a:t>each</a:t>
-            </a:r>
-            <a:r>
-              <a:rPr lang="de-DE" dirty="0">
-                <a:solidFill>
-                  <a:schemeClr val="bg1"/>
-                </a:solidFill>
-                <a:latin typeface="Bahnschrift" panose="020B0502040204020203" pitchFamily="34" charset="0"/>
-              </a:rPr>
-              <a:t> sample </a:t>
-            </a:r>
-            <a:r>
-              <a:rPr lang="de-DE" dirty="0" err="1">
-                <a:solidFill>
-                  <a:schemeClr val="bg1"/>
-                </a:solidFill>
-                <a:latin typeface="Bahnschrift" panose="020B0502040204020203" pitchFamily="34" charset="0"/>
-              </a:rPr>
-              <a:t>position</a:t>
-            </a:r>
-            <a:r>
-              <a:rPr lang="de-DE" dirty="0">
-                <a:solidFill>
-                  <a:schemeClr val="bg1"/>
-                </a:solidFill>
-                <a:latin typeface="Bahnschrift" panose="020B0502040204020203" pitchFamily="34" charset="0"/>
-              </a:rPr>
-              <a:t> (</a:t>
-            </a:r>
-            <a:r>
-              <a:rPr lang="de-DE" dirty="0" err="1">
-                <a:solidFill>
-                  <a:schemeClr val="bg1"/>
-                </a:solidFill>
-                <a:latin typeface="Bahnschrift" panose="020B0502040204020203" pitchFamily="34" charset="0"/>
-              </a:rPr>
-              <a:t>Compute</a:t>
-            </a:r>
-            <a:r>
-              <a:rPr lang="de-DE" dirty="0">
-                <a:solidFill>
-                  <a:schemeClr val="bg1"/>
-                </a:solidFill>
-                <a:latin typeface="Bahnschrift" panose="020B0502040204020203" pitchFamily="34" charset="0"/>
-              </a:rPr>
-              <a:t> Shader)</a:t>
-            </a:r>
-          </a:p>
-          <a:p>
-            <a:pPr lvl="1"/>
-            <a:r>
-              <a:rPr lang="de-DE" dirty="0" err="1">
-                <a:solidFill>
-                  <a:schemeClr val="bg1"/>
-                </a:solidFill>
-                <a:latin typeface="Bahnschrift" panose="020B0502040204020203" pitchFamily="34" charset="0"/>
-              </a:rPr>
-              <a:t>Raymarch</a:t>
-            </a:r>
-            <a:r>
-              <a:rPr lang="de-DE" dirty="0">
-                <a:solidFill>
-                  <a:schemeClr val="bg1"/>
-                </a:solidFill>
-                <a:latin typeface="Bahnschrift" panose="020B0502040204020203" pitchFamily="34" charset="0"/>
-              </a:rPr>
-              <a:t> (</a:t>
-            </a:r>
-            <a:r>
-              <a:rPr lang="de-DE" dirty="0" err="1">
-                <a:solidFill>
-                  <a:schemeClr val="bg1"/>
-                </a:solidFill>
-                <a:latin typeface="Bahnschrift" panose="020B0502040204020203" pitchFamily="34" charset="0"/>
-              </a:rPr>
-              <a:t>Compute</a:t>
-            </a:r>
-            <a:r>
-              <a:rPr lang="de-DE" dirty="0">
-                <a:solidFill>
-                  <a:schemeClr val="bg1"/>
-                </a:solidFill>
-                <a:latin typeface="Bahnschrift" panose="020B0502040204020203" pitchFamily="34" charset="0"/>
-              </a:rPr>
-              <a:t> Shader)</a:t>
-            </a:r>
-          </a:p>
-          <a:p>
-            <a:pPr lvl="1"/>
-            <a:r>
-              <a:rPr lang="de-DE" dirty="0" err="1">
-                <a:solidFill>
-                  <a:schemeClr val="bg1"/>
-                </a:solidFill>
-                <a:latin typeface="Bahnschrift" panose="020B0502040204020203" pitchFamily="34" charset="0"/>
-              </a:rPr>
-              <a:t>Apply</a:t>
-            </a:r>
-            <a:r>
-              <a:rPr lang="de-DE" dirty="0">
-                <a:solidFill>
-                  <a:schemeClr val="bg1"/>
-                </a:solidFill>
-                <a:latin typeface="Bahnschrift" panose="020B0502040204020203" pitchFamily="34" charset="0"/>
-              </a:rPr>
-              <a:t> </a:t>
-            </a:r>
-            <a:r>
-              <a:rPr lang="de-DE" dirty="0" err="1">
-                <a:solidFill>
-                  <a:schemeClr val="bg1"/>
-                </a:solidFill>
-                <a:latin typeface="Bahnschrift" panose="020B0502040204020203" pitchFamily="34" charset="0"/>
-              </a:rPr>
-              <a:t>to</a:t>
-            </a:r>
-            <a:r>
-              <a:rPr lang="de-DE" dirty="0">
-                <a:solidFill>
-                  <a:schemeClr val="bg1"/>
-                </a:solidFill>
-                <a:latin typeface="Bahnschrift" panose="020B0502040204020203" pitchFamily="34" charset="0"/>
-              </a:rPr>
-              <a:t> </a:t>
-            </a:r>
-            <a:r>
-              <a:rPr lang="de-DE" dirty="0" err="1">
-                <a:solidFill>
-                  <a:schemeClr val="bg1"/>
-                </a:solidFill>
-                <a:latin typeface="Bahnschrift" panose="020B0502040204020203" pitchFamily="34" charset="0"/>
-              </a:rPr>
-              <a:t>scene</a:t>
-            </a:r>
-            <a:r>
-              <a:rPr lang="de-DE" dirty="0">
-                <a:solidFill>
-                  <a:schemeClr val="bg1"/>
-                </a:solidFill>
-                <a:latin typeface="Bahnschrift" panose="020B0502040204020203" pitchFamily="34" charset="0"/>
-              </a:rPr>
-              <a:t> (Pixel Shader)</a:t>
-            </a:r>
-          </a:p>
-        </p:txBody>
-      </p:sp>
-      <p:pic>
-        <p:nvPicPr>
-          <p:cNvPr id="5" name="Grafik 4" descr="Ein Bild, das Spiel enthält.&#10;&#10;Automatisch generierte Beschreibung">
-            <a:extLst>
-              <a:ext uri="{FF2B5EF4-FFF2-40B4-BE49-F238E27FC236}">
-                <a16:creationId xmlns:a16="http://schemas.microsoft.com/office/drawing/2014/main" id="{0AE71C89-2B86-4AD9-81CE-920DD2CB488D}"/>
-              </a:ext>
-            </a:extLst>
-          </p:cNvPr>
-          <p:cNvPicPr>
-            <a:picLocks noChangeAspect="1"/>
-          </p:cNvPicPr>
-          <p:nvPr/>
-        </p:nvPicPr>
-        <p:blipFill>
-          <a:blip r:embed="rId2">
-            <a:extLst>
-              <a:ext uri="{28A0092B-C50C-407E-A947-70E740481C1C}">
-                <a14:useLocalDpi xmlns:a14="http://schemas.microsoft.com/office/drawing/2010/main" val="0"/>
-              </a:ext>
-            </a:extLst>
-          </a:blip>
-          <a:stretch>
-            <a:fillRect/>
-          </a:stretch>
-        </p:blipFill>
-        <p:spPr>
-          <a:xfrm rot="5400000">
-            <a:off x="5342797" y="303023"/>
-            <a:ext cx="7694083" cy="4327922"/>
-          </a:xfrm>
-          <a:prstGeom prst="rect">
-            <a:avLst/>
-          </a:prstGeom>
-        </p:spPr>
-      </p:pic>
-    </p:spTree>
-    <p:extLst>
-      <p:ext uri="{BB962C8B-B14F-4D97-AF65-F5344CB8AC3E}">
-        <p14:creationId xmlns:p14="http://schemas.microsoft.com/office/powerpoint/2010/main" val="3016180167"/>
+        <p14:creationId xmlns:p14="http://schemas.microsoft.com/office/powerpoint/2010/main" val="2968724710"/>
       </p:ext>
     </p:extLst>
   </p:cSld>
@@ -7626,6 +7796,661 @@
           <p:cNvPr id="2" name="Titel 1">
             <a:extLst>
               <a:ext uri="{FF2B5EF4-FFF2-40B4-BE49-F238E27FC236}">
+                <a16:creationId xmlns:a16="http://schemas.microsoft.com/office/drawing/2014/main" id="{02B42A0C-1B0E-40CF-8826-F5BA4C033383}"/>
+              </a:ext>
+            </a:extLst>
+          </p:cNvPr>
+          <p:cNvSpPr>
+            <a:spLocks noGrp="1"/>
+          </p:cNvSpPr>
+          <p:nvPr>
+            <p:ph type="title"/>
+          </p:nvPr>
+        </p:nvSpPr>
+        <p:spPr/>
+        <p:txBody>
+          <a:bodyPr/>
+          <a:lstStyle/>
+          <a:p>
+            <a:r>
+              <a:rPr lang="de-DE" dirty="0">
+                <a:solidFill>
+                  <a:schemeClr val="accent2"/>
+                </a:solidFill>
+                <a:latin typeface="Bahnschrift" panose="020B0502040204020203" pitchFamily="34" charset="0"/>
+              </a:rPr>
+              <a:t>Implementation</a:t>
+            </a:r>
+            <a:endParaRPr lang="de-DE" dirty="0"/>
+          </a:p>
+        </p:txBody>
+      </p:sp>
+      <p:sp>
+        <p:nvSpPr>
+          <p:cNvPr id="3" name="Inhaltsplatzhalter 2">
+            <a:extLst>
+              <a:ext uri="{FF2B5EF4-FFF2-40B4-BE49-F238E27FC236}">
+                <a16:creationId xmlns:a16="http://schemas.microsoft.com/office/drawing/2014/main" id="{8774A1F4-D50E-4785-AA8B-35FD776F3660}"/>
+              </a:ext>
+            </a:extLst>
+          </p:cNvPr>
+          <p:cNvSpPr>
+            <a:spLocks noGrp="1"/>
+          </p:cNvSpPr>
+          <p:nvPr>
+            <p:ph idx="1"/>
+          </p:nvPr>
+        </p:nvSpPr>
+        <p:spPr>
+          <a:xfrm>
+            <a:off x="838200" y="1600200"/>
+            <a:ext cx="10515600" cy="5019431"/>
+          </a:xfrm>
+        </p:spPr>
+        <p:txBody>
+          <a:bodyPr>
+            <a:normAutofit/>
+          </a:bodyPr>
+          <a:lstStyle/>
+          <a:p>
+            <a:r>
+              <a:rPr lang="de-DE" dirty="0" err="1">
+                <a:solidFill>
+                  <a:schemeClr val="bg1"/>
+                </a:solidFill>
+                <a:latin typeface="Bahnschrift" panose="020B0502040204020203" pitchFamily="34" charset="0"/>
+              </a:rPr>
+              <a:t>Frustum</a:t>
+            </a:r>
+            <a:r>
+              <a:rPr lang="de-DE" dirty="0">
+                <a:solidFill>
+                  <a:schemeClr val="bg1"/>
+                </a:solidFill>
+                <a:latin typeface="Bahnschrift" panose="020B0502040204020203" pitchFamily="34" charset="0"/>
+              </a:rPr>
+              <a:t> </a:t>
+            </a:r>
+            <a:r>
+              <a:rPr lang="de-DE" dirty="0" err="1">
+                <a:solidFill>
+                  <a:schemeClr val="bg1"/>
+                </a:solidFill>
+                <a:latin typeface="Bahnschrift" panose="020B0502040204020203" pitchFamily="34" charset="0"/>
+              </a:rPr>
+              <a:t>oriented</a:t>
+            </a:r>
+            <a:r>
+              <a:rPr lang="de-DE" dirty="0">
+                <a:solidFill>
+                  <a:schemeClr val="bg1"/>
+                </a:solidFill>
+                <a:latin typeface="Bahnschrift" panose="020B0502040204020203" pitchFamily="34" charset="0"/>
+              </a:rPr>
+              <a:t> </a:t>
+            </a:r>
+            <a:r>
+              <a:rPr lang="de-DE" dirty="0" err="1">
+                <a:solidFill>
+                  <a:schemeClr val="bg1"/>
+                </a:solidFill>
+                <a:latin typeface="Bahnschrift" panose="020B0502040204020203" pitchFamily="34" charset="0"/>
+              </a:rPr>
+              <a:t>volume</a:t>
+            </a:r>
+            <a:endParaRPr lang="de-DE" dirty="0">
+              <a:solidFill>
+                <a:schemeClr val="bg1"/>
+              </a:solidFill>
+              <a:latin typeface="Bahnschrift" panose="020B0502040204020203" pitchFamily="34" charset="0"/>
+            </a:endParaRPr>
+          </a:p>
+          <a:p>
+            <a:pPr lvl="1"/>
+            <a:r>
+              <a:rPr lang="de-DE" dirty="0">
+                <a:solidFill>
+                  <a:schemeClr val="bg1"/>
+                </a:solidFill>
+              </a:rPr>
+              <a:t>240x135x96</a:t>
+            </a:r>
+          </a:p>
+          <a:p>
+            <a:pPr lvl="1"/>
+            <a:r>
+              <a:rPr lang="de-DE" dirty="0">
+                <a:solidFill>
+                  <a:schemeClr val="bg1"/>
+                </a:solidFill>
+              </a:rPr>
+              <a:t>In-</a:t>
+            </a:r>
+            <a:r>
+              <a:rPr lang="de-DE" dirty="0" err="1">
+                <a:solidFill>
+                  <a:schemeClr val="bg1"/>
+                </a:solidFill>
+              </a:rPr>
+              <a:t>scattering</a:t>
+            </a:r>
+            <a:r>
+              <a:rPr lang="de-DE" dirty="0">
+                <a:solidFill>
+                  <a:schemeClr val="bg1"/>
+                </a:solidFill>
+              </a:rPr>
+              <a:t> in RGB</a:t>
+            </a:r>
+          </a:p>
+          <a:p>
+            <a:pPr lvl="1"/>
+            <a:r>
+              <a:rPr lang="de-DE" dirty="0" err="1">
+                <a:solidFill>
+                  <a:schemeClr val="bg1"/>
+                </a:solidFill>
+                <a:latin typeface="Bahnschrift" panose="020B0502040204020203" pitchFamily="34" charset="0"/>
+              </a:rPr>
+              <a:t>Scattering</a:t>
+            </a:r>
+            <a:r>
+              <a:rPr lang="de-DE" dirty="0">
+                <a:solidFill>
+                  <a:schemeClr val="bg1"/>
+                </a:solidFill>
+                <a:latin typeface="Bahnschrift" panose="020B0502040204020203" pitchFamily="34" charset="0"/>
+              </a:rPr>
+              <a:t> </a:t>
+            </a:r>
+            <a:r>
+              <a:rPr lang="de-DE" dirty="0" err="1">
+                <a:solidFill>
+                  <a:schemeClr val="bg1"/>
+                </a:solidFill>
+                <a:latin typeface="Bahnschrift" panose="020B0502040204020203" pitchFamily="34" charset="0"/>
+              </a:rPr>
+              <a:t>coefficient</a:t>
+            </a:r>
+            <a:r>
+              <a:rPr lang="de-DE" dirty="0">
+                <a:solidFill>
+                  <a:schemeClr val="bg1"/>
+                </a:solidFill>
+                <a:latin typeface="Bahnschrift" panose="020B0502040204020203" pitchFamily="34" charset="0"/>
+              </a:rPr>
+              <a:t> in Alpha</a:t>
+            </a:r>
+          </a:p>
+          <a:p>
+            <a:r>
+              <a:rPr lang="de-DE" dirty="0" err="1">
+                <a:solidFill>
+                  <a:schemeClr val="bg1"/>
+                </a:solidFill>
+                <a:latin typeface="Bahnschrift" panose="020B0502040204020203" pitchFamily="34" charset="0"/>
+              </a:rPr>
+              <a:t>Exponential</a:t>
+            </a:r>
+            <a:r>
+              <a:rPr lang="de-DE" dirty="0">
+                <a:solidFill>
+                  <a:schemeClr val="bg1"/>
+                </a:solidFill>
+                <a:latin typeface="Bahnschrift" panose="020B0502040204020203" pitchFamily="34" charset="0"/>
+              </a:rPr>
+              <a:t> </a:t>
+            </a:r>
+            <a:r>
+              <a:rPr lang="de-DE" dirty="0" err="1">
+                <a:solidFill>
+                  <a:schemeClr val="bg1"/>
+                </a:solidFill>
+                <a:latin typeface="Bahnschrift" panose="020B0502040204020203" pitchFamily="34" charset="0"/>
+              </a:rPr>
+              <a:t>depth</a:t>
+            </a:r>
+            <a:r>
+              <a:rPr lang="de-DE" dirty="0">
+                <a:solidFill>
+                  <a:schemeClr val="bg1"/>
+                </a:solidFill>
+                <a:latin typeface="Bahnschrift" panose="020B0502040204020203" pitchFamily="34" charset="0"/>
+              </a:rPr>
+              <a:t> </a:t>
+            </a:r>
+            <a:r>
+              <a:rPr lang="de-DE" dirty="0" err="1">
+                <a:solidFill>
+                  <a:schemeClr val="bg1"/>
+                </a:solidFill>
+                <a:latin typeface="Bahnschrift" panose="020B0502040204020203" pitchFamily="34" charset="0"/>
+              </a:rPr>
+              <a:t>distribution</a:t>
+            </a:r>
+            <a:endParaRPr lang="de-DE" dirty="0">
+              <a:solidFill>
+                <a:schemeClr val="bg1"/>
+              </a:solidFill>
+              <a:latin typeface="Bahnschrift" panose="020B0502040204020203" pitchFamily="34" charset="0"/>
+            </a:endParaRPr>
+          </a:p>
+          <a:p>
+            <a:r>
+              <a:rPr lang="de-DE" dirty="0">
+                <a:solidFill>
+                  <a:schemeClr val="bg1"/>
+                </a:solidFill>
+                <a:latin typeface="Bahnschrift" panose="020B0502040204020203" pitchFamily="34" charset="0"/>
+              </a:rPr>
+              <a:t>Covers </a:t>
+            </a:r>
+            <a:r>
+              <a:rPr lang="de-DE" dirty="0" err="1">
+                <a:solidFill>
+                  <a:schemeClr val="bg1"/>
+                </a:solidFill>
+                <a:latin typeface="Bahnschrift" panose="020B0502040204020203" pitchFamily="34" charset="0"/>
+              </a:rPr>
+              <a:t>scene</a:t>
+            </a:r>
+            <a:r>
+              <a:rPr lang="de-DE" dirty="0">
+                <a:solidFill>
+                  <a:schemeClr val="bg1"/>
+                </a:solidFill>
+                <a:latin typeface="Bahnschrift" panose="020B0502040204020203" pitchFamily="34" charset="0"/>
+              </a:rPr>
+              <a:t> </a:t>
+            </a:r>
+            <a:r>
+              <a:rPr lang="de-DE" dirty="0" err="1">
+                <a:solidFill>
+                  <a:schemeClr val="bg1"/>
+                </a:solidFill>
+              </a:rPr>
+              <a:t>up</a:t>
+            </a:r>
+            <a:r>
+              <a:rPr lang="de-DE" dirty="0">
+                <a:solidFill>
+                  <a:schemeClr val="bg1"/>
+                </a:solidFill>
+              </a:rPr>
+              <a:t> </a:t>
+            </a:r>
+            <a:r>
+              <a:rPr lang="de-DE" dirty="0" err="1">
+                <a:solidFill>
+                  <a:schemeClr val="bg1"/>
+                </a:solidFill>
+              </a:rPr>
+              <a:t>to</a:t>
+            </a:r>
+            <a:r>
+              <a:rPr lang="de-DE" dirty="0">
+                <a:solidFill>
+                  <a:schemeClr val="bg1"/>
+                </a:solidFill>
+              </a:rPr>
+              <a:t> 900 </a:t>
+            </a:r>
+            <a:r>
+              <a:rPr lang="de-DE" dirty="0" err="1">
+                <a:solidFill>
+                  <a:schemeClr val="bg1"/>
+                </a:solidFill>
+              </a:rPr>
+              <a:t>units</a:t>
+            </a:r>
+            <a:r>
+              <a:rPr lang="de-DE" dirty="0">
+                <a:solidFill>
+                  <a:schemeClr val="bg1"/>
+                </a:solidFill>
+              </a:rPr>
+              <a:t> </a:t>
+            </a:r>
+            <a:r>
+              <a:rPr lang="de-DE" dirty="0" err="1">
+                <a:solidFill>
+                  <a:schemeClr val="bg1"/>
+                </a:solidFill>
+              </a:rPr>
+              <a:t>from</a:t>
+            </a:r>
+            <a:r>
+              <a:rPr lang="de-DE" dirty="0">
+                <a:solidFill>
+                  <a:schemeClr val="bg1"/>
+                </a:solidFill>
+              </a:rPr>
+              <a:t> </a:t>
+            </a:r>
+            <a:r>
+              <a:rPr lang="de-DE" dirty="0" err="1">
+                <a:solidFill>
+                  <a:schemeClr val="bg1"/>
+                </a:solidFill>
+              </a:rPr>
+              <a:t>camera</a:t>
+            </a:r>
+            <a:endParaRPr lang="de-DE" dirty="0">
+              <a:solidFill>
+                <a:schemeClr val="bg1"/>
+              </a:solidFill>
+              <a:latin typeface="Bahnschrift" panose="020B0502040204020203" pitchFamily="34" charset="0"/>
+            </a:endParaRPr>
+          </a:p>
+          <a:p>
+            <a:r>
+              <a:rPr lang="de-DE" dirty="0">
+                <a:solidFill>
+                  <a:schemeClr val="bg1"/>
+                </a:solidFill>
+                <a:latin typeface="Bahnschrift" panose="020B0502040204020203" pitchFamily="34" charset="0"/>
+              </a:rPr>
+              <a:t>3 </a:t>
+            </a:r>
+            <a:r>
+              <a:rPr lang="de-DE" dirty="0" err="1">
+                <a:solidFill>
+                  <a:schemeClr val="bg1"/>
+                </a:solidFill>
+                <a:latin typeface="Bahnschrift" panose="020B0502040204020203" pitchFamily="34" charset="0"/>
+              </a:rPr>
+              <a:t>passes</a:t>
+            </a:r>
+            <a:r>
+              <a:rPr lang="de-DE" dirty="0">
+                <a:solidFill>
+                  <a:schemeClr val="bg1"/>
+                </a:solidFill>
+                <a:latin typeface="Bahnschrift" panose="020B0502040204020203" pitchFamily="34" charset="0"/>
+              </a:rPr>
+              <a:t>:</a:t>
+            </a:r>
+          </a:p>
+          <a:p>
+            <a:pPr lvl="1"/>
+            <a:r>
+              <a:rPr lang="de-DE" dirty="0" err="1">
+                <a:solidFill>
+                  <a:schemeClr val="bg1"/>
+                </a:solidFill>
+                <a:latin typeface="Bahnschrift" panose="020B0502040204020203" pitchFamily="34" charset="0"/>
+              </a:rPr>
+              <a:t>Compute</a:t>
+            </a:r>
+            <a:r>
+              <a:rPr lang="de-DE" dirty="0">
+                <a:solidFill>
+                  <a:schemeClr val="bg1"/>
+                </a:solidFill>
+                <a:latin typeface="Bahnschrift" panose="020B0502040204020203" pitchFamily="34" charset="0"/>
+              </a:rPr>
+              <a:t> </a:t>
+            </a:r>
+            <a:r>
+              <a:rPr lang="de-DE" dirty="0" err="1">
+                <a:solidFill>
+                  <a:schemeClr val="bg1"/>
+                </a:solidFill>
+                <a:latin typeface="Bahnschrift" panose="020B0502040204020203" pitchFamily="34" charset="0"/>
+              </a:rPr>
+              <a:t>density</a:t>
+            </a:r>
+            <a:r>
+              <a:rPr lang="de-DE" dirty="0">
+                <a:solidFill>
+                  <a:schemeClr val="bg1"/>
+                </a:solidFill>
+                <a:latin typeface="Bahnschrift" panose="020B0502040204020203" pitchFamily="34" charset="0"/>
+              </a:rPr>
+              <a:t> and </a:t>
+            </a:r>
+            <a:r>
+              <a:rPr lang="de-DE" dirty="0" err="1">
+                <a:solidFill>
+                  <a:schemeClr val="bg1"/>
+                </a:solidFill>
+                <a:latin typeface="Bahnschrift" panose="020B0502040204020203" pitchFamily="34" charset="0"/>
+              </a:rPr>
+              <a:t>lighting</a:t>
+            </a:r>
+            <a:r>
+              <a:rPr lang="de-DE" dirty="0">
+                <a:solidFill>
+                  <a:schemeClr val="bg1"/>
+                </a:solidFill>
+                <a:latin typeface="Bahnschrift" panose="020B0502040204020203" pitchFamily="34" charset="0"/>
+              </a:rPr>
+              <a:t> at </a:t>
+            </a:r>
+            <a:r>
+              <a:rPr lang="de-DE" dirty="0" err="1">
+                <a:solidFill>
+                  <a:schemeClr val="bg1"/>
+                </a:solidFill>
+                <a:latin typeface="Bahnschrift" panose="020B0502040204020203" pitchFamily="34" charset="0"/>
+              </a:rPr>
+              <a:t>each</a:t>
+            </a:r>
+            <a:r>
+              <a:rPr lang="de-DE" dirty="0">
+                <a:solidFill>
+                  <a:schemeClr val="bg1"/>
+                </a:solidFill>
+                <a:latin typeface="Bahnschrift" panose="020B0502040204020203" pitchFamily="34" charset="0"/>
+              </a:rPr>
+              <a:t> sample </a:t>
+            </a:r>
+            <a:r>
+              <a:rPr lang="de-DE" dirty="0" err="1">
+                <a:solidFill>
+                  <a:schemeClr val="bg1"/>
+                </a:solidFill>
+                <a:latin typeface="Bahnschrift" panose="020B0502040204020203" pitchFamily="34" charset="0"/>
+              </a:rPr>
+              <a:t>position</a:t>
+            </a:r>
+            <a:r>
+              <a:rPr lang="de-DE" dirty="0">
+                <a:solidFill>
+                  <a:schemeClr val="bg1"/>
+                </a:solidFill>
+                <a:latin typeface="Bahnschrift" panose="020B0502040204020203" pitchFamily="34" charset="0"/>
+              </a:rPr>
+              <a:t> (</a:t>
+            </a:r>
+            <a:r>
+              <a:rPr lang="de-DE" dirty="0" err="1">
+                <a:solidFill>
+                  <a:schemeClr val="bg1"/>
+                </a:solidFill>
+                <a:latin typeface="Bahnschrift" panose="020B0502040204020203" pitchFamily="34" charset="0"/>
+              </a:rPr>
+              <a:t>Compute</a:t>
+            </a:r>
+            <a:r>
+              <a:rPr lang="de-DE" dirty="0">
+                <a:solidFill>
+                  <a:schemeClr val="bg1"/>
+                </a:solidFill>
+                <a:latin typeface="Bahnschrift" panose="020B0502040204020203" pitchFamily="34" charset="0"/>
+              </a:rPr>
+              <a:t> Shader)</a:t>
+            </a:r>
+          </a:p>
+          <a:p>
+            <a:pPr lvl="1"/>
+            <a:r>
+              <a:rPr lang="de-DE" dirty="0" err="1">
+                <a:solidFill>
+                  <a:schemeClr val="bg1"/>
+                </a:solidFill>
+                <a:latin typeface="Bahnschrift" panose="020B0502040204020203" pitchFamily="34" charset="0"/>
+              </a:rPr>
+              <a:t>Raymarch</a:t>
+            </a:r>
+            <a:r>
+              <a:rPr lang="de-DE" dirty="0">
+                <a:solidFill>
+                  <a:schemeClr val="bg1"/>
+                </a:solidFill>
+                <a:latin typeface="Bahnschrift" panose="020B0502040204020203" pitchFamily="34" charset="0"/>
+              </a:rPr>
+              <a:t> (</a:t>
+            </a:r>
+            <a:r>
+              <a:rPr lang="de-DE" dirty="0" err="1">
+                <a:solidFill>
+                  <a:schemeClr val="bg1"/>
+                </a:solidFill>
+                <a:latin typeface="Bahnschrift" panose="020B0502040204020203" pitchFamily="34" charset="0"/>
+              </a:rPr>
+              <a:t>Compute</a:t>
+            </a:r>
+            <a:r>
+              <a:rPr lang="de-DE" dirty="0">
+                <a:solidFill>
+                  <a:schemeClr val="bg1"/>
+                </a:solidFill>
+                <a:latin typeface="Bahnschrift" panose="020B0502040204020203" pitchFamily="34" charset="0"/>
+              </a:rPr>
+              <a:t> Shader)</a:t>
+            </a:r>
+          </a:p>
+          <a:p>
+            <a:pPr lvl="1"/>
+            <a:r>
+              <a:rPr lang="de-DE" dirty="0" err="1">
+                <a:solidFill>
+                  <a:schemeClr val="bg1"/>
+                </a:solidFill>
+                <a:latin typeface="Bahnschrift" panose="020B0502040204020203" pitchFamily="34" charset="0"/>
+              </a:rPr>
+              <a:t>Apply</a:t>
+            </a:r>
+            <a:r>
+              <a:rPr lang="de-DE" dirty="0">
+                <a:solidFill>
+                  <a:schemeClr val="bg1"/>
+                </a:solidFill>
+                <a:latin typeface="Bahnschrift" panose="020B0502040204020203" pitchFamily="34" charset="0"/>
+              </a:rPr>
+              <a:t> </a:t>
+            </a:r>
+            <a:r>
+              <a:rPr lang="de-DE" dirty="0" err="1">
+                <a:solidFill>
+                  <a:schemeClr val="bg1"/>
+                </a:solidFill>
+                <a:latin typeface="Bahnschrift" panose="020B0502040204020203" pitchFamily="34" charset="0"/>
+              </a:rPr>
+              <a:t>to</a:t>
+            </a:r>
+            <a:r>
+              <a:rPr lang="de-DE" dirty="0">
+                <a:solidFill>
+                  <a:schemeClr val="bg1"/>
+                </a:solidFill>
+                <a:latin typeface="Bahnschrift" panose="020B0502040204020203" pitchFamily="34" charset="0"/>
+              </a:rPr>
+              <a:t> </a:t>
+            </a:r>
+            <a:r>
+              <a:rPr lang="de-DE" dirty="0" err="1">
+                <a:solidFill>
+                  <a:schemeClr val="bg1"/>
+                </a:solidFill>
+                <a:latin typeface="Bahnschrift" panose="020B0502040204020203" pitchFamily="34" charset="0"/>
+              </a:rPr>
+              <a:t>scene</a:t>
+            </a:r>
+            <a:r>
+              <a:rPr lang="de-DE" dirty="0">
+                <a:solidFill>
+                  <a:schemeClr val="bg1"/>
+                </a:solidFill>
+                <a:latin typeface="Bahnschrift" panose="020B0502040204020203" pitchFamily="34" charset="0"/>
+              </a:rPr>
+              <a:t> (Pixel Shader)</a:t>
+            </a:r>
+          </a:p>
+        </p:txBody>
+      </p:sp>
+      <p:pic>
+        <p:nvPicPr>
+          <p:cNvPr id="5" name="Grafik 4" descr="Ein Bild, das Spiel enthält.&#10;&#10;Automatisch generierte Beschreibung">
+            <a:extLst>
+              <a:ext uri="{FF2B5EF4-FFF2-40B4-BE49-F238E27FC236}">
+                <a16:creationId xmlns:a16="http://schemas.microsoft.com/office/drawing/2014/main" id="{0AE71C89-2B86-4AD9-81CE-920DD2CB488D}"/>
+              </a:ext>
+            </a:extLst>
+          </p:cNvPr>
+          <p:cNvPicPr>
+            <a:picLocks noChangeAspect="1"/>
+          </p:cNvPicPr>
+          <p:nvPr/>
+        </p:nvPicPr>
+        <p:blipFill>
+          <a:blip r:embed="rId2">
+            <a:extLst>
+              <a:ext uri="{28A0092B-C50C-407E-A947-70E740481C1C}">
+                <a14:useLocalDpi xmlns:a14="http://schemas.microsoft.com/office/drawing/2010/main" val="0"/>
+              </a:ext>
+            </a:extLst>
+          </a:blip>
+          <a:stretch>
+            <a:fillRect/>
+          </a:stretch>
+        </p:blipFill>
+        <p:spPr>
+          <a:xfrm rot="5400000">
+            <a:off x="5342797" y="303023"/>
+            <a:ext cx="7694083" cy="4327922"/>
+          </a:xfrm>
+          <a:prstGeom prst="rect">
+            <a:avLst/>
+          </a:prstGeom>
+        </p:spPr>
+      </p:pic>
+    </p:spTree>
+    <p:extLst>
+      <p:ext uri="{BB962C8B-B14F-4D97-AF65-F5344CB8AC3E}">
+        <p14:creationId xmlns:p14="http://schemas.microsoft.com/office/powerpoint/2010/main" val="3016180167"/>
+      </p:ext>
+    </p:extLst>
+  </p:cSld>
+  <p:clrMapOvr>
+    <a:masterClrMapping/>
+  </p:clrMapOvr>
+</p:sld>
+</file>
+
+<file path=ppt/slides/slide6.xml><?xml version="1.0" encoding="utf-8"?>
+<p:sld xmlns:a="http://schemas.openxmlformats.org/drawingml/2006/main" xmlns:r="http://schemas.openxmlformats.org/officeDocument/2006/relationships" xmlns:p="http://schemas.openxmlformats.org/presentationml/2006/main">
+  <p:cSld>
+    <p:spTree>
+      <p:nvGrpSpPr>
+        <p:cNvPr id="1" name=""/>
+        <p:cNvGrpSpPr/>
+        <p:nvPr/>
+      </p:nvGrpSpPr>
+      <p:grpSpPr>
+        <a:xfrm>
+          <a:off x="0" y="0"/>
+          <a:ext cx="0" cy="0"/>
+          <a:chOff x="0" y="0"/>
+          <a:chExt cx="0" cy="0"/>
+        </a:xfrm>
+      </p:grpSpPr>
+      <p:sp>
+        <p:nvSpPr>
+          <p:cNvPr id="2" name="Titel 1">
+            <a:extLst>
+              <a:ext uri="{FF2B5EF4-FFF2-40B4-BE49-F238E27FC236}">
                 <a16:creationId xmlns:a16="http://schemas.microsoft.com/office/drawing/2014/main" id="{873AFAE2-1016-46DA-803E-8F362B42D0D3}"/>
               </a:ext>
             </a:extLst>
@@ -7786,7 +8611,25 @@
                 </a:solidFill>
                 <a:latin typeface="Bahnschrift" panose="020B0502040204020203" pitchFamily="34" charset="0"/>
               </a:rPr>
-              <a:t>Exponential</a:t>
+              <a:t>Jitter</a:t>
+            </a:r>
+            <a:r>
+              <a:rPr lang="de-DE" dirty="0">
+                <a:solidFill>
+                  <a:schemeClr val="bg1"/>
+                </a:solidFill>
+                <a:latin typeface="Bahnschrift" panose="020B0502040204020203" pitchFamily="34" charset="0"/>
+              </a:rPr>
+              <a:t> sample </a:t>
+            </a:r>
+            <a:r>
+              <a:rPr lang="de-DE" dirty="0" err="1">
+                <a:solidFill>
+                  <a:schemeClr val="bg1"/>
+                </a:solidFill>
+                <a:latin typeface="Bahnschrift" panose="020B0502040204020203" pitchFamily="34" charset="0"/>
+              </a:rPr>
+              <a:t>positions</a:t>
             </a:r>
             <a:r>
               <a:rPr lang="de-DE" dirty="0">
@@ -7804,7 +8647,7 @@
                 </a:solidFill>
                 <a:latin typeface="Bahnschrift" panose="020B0502040204020203" pitchFamily="34" charset="0"/>
               </a:rPr>
-              <a:t>moving</a:t>
+              <a:t>using</a:t>
             </a:r>
             <a:r>
               <a:rPr lang="de-DE" dirty="0">
@@ -7820,9 +8663,35 @@
                 <a:solidFill>
                   <a:schemeClr val="bg1"/>
                 </a:solidFill>
-                <a:latin typeface="Bahnschrift" panose="020B0502040204020203" pitchFamily="34" charset="0"/>
-              </a:rPr>
-              <a:t>average</a:t>
+              </a:rPr>
+              <a:t>H</a:t>
+            </a:r>
+            <a:r>
+              <a:rPr lang="de-DE" dirty="0" err="1">
+                <a:solidFill>
+                  <a:schemeClr val="bg1"/>
+                </a:solidFill>
+                <a:latin typeface="Bahnschrift" panose="020B0502040204020203" pitchFamily="34" charset="0"/>
+              </a:rPr>
+              <a:t>alton</a:t>
+            </a:r>
+            <a:r>
+              <a:rPr lang="de-DE" dirty="0">
+                <a:solidFill>
+                  <a:schemeClr val="bg1"/>
+                </a:solidFill>
+                <a:latin typeface="Bahnschrift" panose="020B0502040204020203" pitchFamily="34" charset="0"/>
+              </a:rPr>
+              <a:t> </a:t>
+            </a:r>
+            <a:r>
+              <a:rPr lang="de-DE" dirty="0" err="1">
+                <a:solidFill>
+                  <a:schemeClr val="bg1"/>
+                </a:solidFill>
+                <a:latin typeface="Bahnschrift" panose="020B0502040204020203" pitchFamily="34" charset="0"/>
+              </a:rPr>
+              <a:t>sequence</a:t>
             </a:r>
             <a:endParaRPr lang="de-DE" dirty="0">
               <a:solidFill>
@@ -7832,7 +8701,53 @@
             </a:endParaRPr>
           </a:p>
           <a:p>
-            <a:pPr lvl="1"/>
+            <a:r>
+              <a:rPr lang="de-DE" dirty="0" err="1">
+                <a:solidFill>
+                  <a:schemeClr val="bg1"/>
+                </a:solidFill>
+              </a:rPr>
+              <a:t>Exponential</a:t>
+            </a:r>
+            <a:r>
+              <a:rPr lang="de-DE" dirty="0">
+                <a:solidFill>
+                  <a:schemeClr val="bg1"/>
+                </a:solidFill>
+              </a:rPr>
+              <a:t> </a:t>
+            </a:r>
+            <a:r>
+              <a:rPr lang="de-DE" dirty="0" err="1">
+                <a:solidFill>
+                  <a:schemeClr val="bg1"/>
+                </a:solidFill>
+              </a:rPr>
+              <a:t>moving</a:t>
+            </a:r>
+            <a:r>
+              <a:rPr lang="de-DE" dirty="0">
+                <a:solidFill>
+                  <a:schemeClr val="bg1"/>
+                </a:solidFill>
+              </a:rPr>
+              <a:t> </a:t>
+            </a:r>
+            <a:r>
+              <a:rPr lang="de-DE" dirty="0" err="1">
+                <a:solidFill>
+                  <a:schemeClr val="bg1"/>
+                </a:solidFill>
+              </a:rPr>
+              <a:t>average</a:t>
+            </a:r>
+            <a:endParaRPr lang="de-DE" dirty="0">
+              <a:solidFill>
+                <a:schemeClr val="bg1"/>
+              </a:solidFill>
+            </a:endParaRPr>
+          </a:p>
+          <a:p>
             <a:endParaRPr lang="de-DE" dirty="0">
               <a:solidFill>
                 <a:schemeClr val="bg1"/>
@@ -7845,7 +8760,6 @@
               <a:solidFill>
                 <a:schemeClr val="bg1"/>
               </a:solidFill>
-              <a:latin typeface="Bahnschrift" panose="020B0502040204020203" pitchFamily="34" charset="0"/>
             </a:endParaRPr>
           </a:p>
           <a:p>
@@ -7866,38 +8780,26 @@
           </a:p>
           <a:p>
             <a:r>
-              <a:rPr lang="de-DE" dirty="0" err="1">
-                <a:solidFill>
-                  <a:schemeClr val="bg1"/>
-                </a:solidFill>
-                <a:latin typeface="Bahnschrift" panose="020B0502040204020203" pitchFamily="34" charset="0"/>
-              </a:rPr>
-              <a:t>Jitter</a:t>
-            </a:r>
-            <a:r>
-              <a:rPr lang="de-DE" dirty="0">
-                <a:solidFill>
-                  <a:schemeClr val="bg1"/>
-                </a:solidFill>
-                <a:latin typeface="Bahnschrift" panose="020B0502040204020203" pitchFamily="34" charset="0"/>
-              </a:rPr>
-              <a:t> sample </a:t>
-            </a:r>
-            <a:r>
-              <a:rPr lang="de-DE" dirty="0" err="1">
-                <a:solidFill>
-                  <a:schemeClr val="bg1"/>
-                </a:solidFill>
-                <a:latin typeface="Bahnschrift" panose="020B0502040204020203" pitchFamily="34" charset="0"/>
-              </a:rPr>
-              <a:t>positions</a:t>
-            </a:r>
-            <a:r>
-              <a:rPr lang="de-DE" dirty="0">
-                <a:solidFill>
-                  <a:schemeClr val="bg1"/>
-                </a:solidFill>
-                <a:latin typeface="Bahnschrift" panose="020B0502040204020203" pitchFamily="34" charset="0"/>
+              <a:rPr lang="de-DE" dirty="0">
+                <a:solidFill>
+                  <a:schemeClr val="bg1"/>
+                </a:solidFill>
+              </a:rPr>
+              <a:t>Need </a:t>
+            </a:r>
+            <a:r>
+              <a:rPr lang="de-DE" dirty="0" err="1">
+                <a:solidFill>
+                  <a:schemeClr val="bg1"/>
+                </a:solidFill>
+              </a:rPr>
+              <a:t>to</a:t>
+            </a:r>
+            <a:r>
+              <a:rPr lang="de-DE" dirty="0">
+                <a:solidFill>
+                  <a:schemeClr val="bg1"/>
+                </a:solidFill>
               </a:rPr>
               <a:t> </a:t>
             </a:r>
@@ -7906,16 +8808,14 @@
                 <a:solidFill>
                   <a:schemeClr val="bg1"/>
                 </a:solidFill>
-                <a:latin typeface="Bahnschrift" panose="020B0502040204020203" pitchFamily="34" charset="0"/>
-              </a:rPr>
-              <a:t>using</a:t>
-            </a:r>
-            <a:r>
-              <a:rPr lang="de-DE" dirty="0">
-                <a:solidFill>
-                  <a:schemeClr val="bg1"/>
-                </a:solidFill>
-                <a:latin typeface="Bahnschrift" panose="020B0502040204020203" pitchFamily="34" charset="0"/>
+              </a:rPr>
+              <a:t>compute</a:t>
+            </a:r>
+            <a:r>
+              <a:rPr lang="de-DE" dirty="0">
+                <a:solidFill>
+                  <a:schemeClr val="bg1"/>
+                </a:solidFill>
               </a:rPr>
               <a:t> </a:t>
             </a:r>
@@ -7925,23 +8825,29 @@
                   <a:schemeClr val="bg1"/>
                 </a:solidFill>
               </a:rPr>
-              <a:t>H</a:t>
-            </a:r>
-            <a:r>
-              <a:rPr lang="de-DE" dirty="0" err="1">
-                <a:solidFill>
-                  <a:schemeClr val="bg1"/>
-                </a:solidFill>
-                <a:latin typeface="Bahnschrift" panose="020B0502040204020203" pitchFamily="34" charset="0"/>
-              </a:rPr>
-              <a:t>alton</a:t>
-            </a:r>
-            <a:r>
-              <a:rPr lang="de-DE" dirty="0">
-                <a:solidFill>
-                  <a:schemeClr val="bg1"/>
-                </a:solidFill>
-                <a:latin typeface="Bahnschrift" panose="020B0502040204020203" pitchFamily="34" charset="0"/>
+              <a:t>position</a:t>
+            </a:r>
+            <a:r>
+              <a:rPr lang="de-DE" dirty="0">
+                <a:solidFill>
+                  <a:schemeClr val="bg1"/>
+                </a:solidFill>
+              </a:rPr>
+              <a:t> in </a:t>
+            </a:r>
+            <a:r>
+              <a:rPr lang="de-DE" dirty="0" err="1">
+                <a:solidFill>
+                  <a:schemeClr val="bg1"/>
+                </a:solidFill>
+              </a:rPr>
+              <a:t>history</a:t>
+            </a:r>
+            <a:r>
+              <a:rPr lang="de-DE" dirty="0">
+                <a:solidFill>
+                  <a:schemeClr val="bg1"/>
+                </a:solidFill>
               </a:rPr>
               <a:t> </a:t>
             </a:r>
@@ -7950,9 +8856,56 @@
                 <a:solidFill>
                   <a:schemeClr val="bg1"/>
                 </a:solidFill>
-                <a:latin typeface="Bahnschrift" panose="020B0502040204020203" pitchFamily="34" charset="0"/>
-              </a:rPr>
-              <a:t>sequence</a:t>
+              </a:rPr>
+              <a:t>buffer</a:t>
+            </a:r>
+            <a:r>
+              <a:rPr lang="de-DE" dirty="0">
+                <a:solidFill>
+                  <a:schemeClr val="bg1"/>
+                </a:solidFill>
+              </a:rPr>
+              <a:t> </a:t>
+            </a:r>
+            <a:r>
+              <a:rPr lang="de-DE" dirty="0" err="1">
+                <a:solidFill>
+                  <a:schemeClr val="bg1"/>
+                </a:solidFill>
+              </a:rPr>
+              <a:t>if</a:t>
+            </a:r>
+            <a:r>
+              <a:rPr lang="de-DE" dirty="0">
+                <a:solidFill>
+                  <a:schemeClr val="bg1"/>
+                </a:solidFill>
+              </a:rPr>
+              <a:t> </a:t>
+            </a:r>
+            <a:r>
+              <a:rPr lang="de-DE" dirty="0" err="1">
+                <a:solidFill>
+                  <a:schemeClr val="bg1"/>
+                </a:solidFill>
+              </a:rPr>
+              <a:t>camera</a:t>
+            </a:r>
+            <a:r>
+              <a:rPr lang="de-DE" dirty="0">
+                <a:solidFill>
+                  <a:schemeClr val="bg1"/>
+                </a:solidFill>
+              </a:rPr>
+              <a:t> </a:t>
+            </a:r>
+            <a:r>
+              <a:rPr lang="de-DE" dirty="0" err="1">
+                <a:solidFill>
+                  <a:schemeClr val="bg1"/>
+                </a:solidFill>
+              </a:rPr>
+              <a:t>moves</a:t>
             </a:r>
             <a:endParaRPr lang="de-DE" dirty="0">
               <a:solidFill>
@@ -8043,6 +8996,42 @@
               </a:rPr>
               <a:t>ghosting</a:t>
             </a:r>
+            <a:r>
+              <a:rPr lang="de-DE" dirty="0">
+                <a:solidFill>
+                  <a:schemeClr val="bg1"/>
+                </a:solidFill>
+                <a:latin typeface="Bahnschrift" panose="020B0502040204020203" pitchFamily="34" charset="0"/>
+              </a:rPr>
+              <a:t> on </a:t>
+            </a:r>
+            <a:r>
+              <a:rPr lang="de-DE" dirty="0" err="1">
+                <a:solidFill>
+                  <a:schemeClr val="bg1"/>
+                </a:solidFill>
+                <a:latin typeface="Bahnschrift" panose="020B0502040204020203" pitchFamily="34" charset="0"/>
+              </a:rPr>
+              <a:t>moving</a:t>
+            </a:r>
+            <a:r>
+              <a:rPr lang="de-DE" dirty="0">
+                <a:solidFill>
+                  <a:schemeClr val="bg1"/>
+                </a:solidFill>
+                <a:latin typeface="Bahnschrift" panose="020B0502040204020203" pitchFamily="34" charset="0"/>
+              </a:rPr>
+              <a:t> </a:t>
+            </a:r>
+            <a:r>
+              <a:rPr lang="de-DE" dirty="0" err="1">
+                <a:solidFill>
+                  <a:schemeClr val="bg1"/>
+                </a:solidFill>
+                <a:latin typeface="Bahnschrift" panose="020B0502040204020203" pitchFamily="34" charset="0"/>
+              </a:rPr>
+              <a:t>lights</a:t>
+            </a:r>
             <a:endParaRPr lang="de-DE" dirty="0">
               <a:solidFill>
                 <a:schemeClr val="bg1"/>
@@ -8066,7 +9055,7 @@
         </p:nvSpPr>
         <p:spPr>
           <a:xfrm>
-            <a:off x="1151492" y="3136900"/>
+            <a:off x="1080852" y="3586602"/>
             <a:ext cx="2530137" cy="914400"/>
           </a:xfrm>
           <a:prstGeom prst="roundRect">
@@ -8186,7 +9175,7 @@
         </p:nvSpPr>
         <p:spPr>
           <a:xfrm>
-            <a:off x="4803916" y="3136900"/>
+            <a:off x="4733276" y="3586602"/>
             <a:ext cx="2530137" cy="914400"/>
           </a:xfrm>
           <a:prstGeom prst="roundRect">
@@ -8293,7 +9282,7 @@
         </p:nvCxnSpPr>
         <p:spPr>
           <a:xfrm>
-            <a:off x="3681629" y="3594100"/>
+            <a:off x="3610989" y="4043802"/>
             <a:ext cx="1122287" cy="0"/>
           </a:xfrm>
           <a:prstGeom prst="straightConnector1">
@@ -8332,7 +9321,7 @@
         </p:nvSpPr>
         <p:spPr>
           <a:xfrm>
-            <a:off x="8456340" y="2147888"/>
+            <a:off x="8385700" y="2597590"/>
             <a:ext cx="2530137" cy="914400"/>
           </a:xfrm>
           <a:prstGeom prst="roundRect">
@@ -8418,7 +9407,7 @@
         </p:nvSpPr>
         <p:spPr>
           <a:xfrm>
-            <a:off x="8456340" y="3267442"/>
+            <a:off x="8385700" y="3717144"/>
             <a:ext cx="2530137" cy="914400"/>
           </a:xfrm>
           <a:prstGeom prst="roundRect">
@@ -8511,7 +9500,7 @@
         </p:nvCxnSpPr>
         <p:spPr>
           <a:xfrm rot="5400000" flipH="1">
-            <a:off x="7829926" y="2290359"/>
+            <a:off x="7759286" y="2740061"/>
             <a:ext cx="130542" cy="3652424"/>
           </a:xfrm>
           <a:prstGeom prst="bentConnector3">
@@ -8557,7 +9546,7 @@
         </p:nvCxnSpPr>
         <p:spPr>
           <a:xfrm>
-            <a:off x="7334053" y="3724642"/>
+            <a:off x="7263413" y="4174344"/>
             <a:ext cx="1122287" cy="0"/>
           </a:xfrm>
           <a:prstGeom prst="straightConnector1">
@@ -8599,7 +9588,7 @@
         </p:nvCxnSpPr>
         <p:spPr>
           <a:xfrm flipV="1">
-            <a:off x="7334053" y="2605088"/>
+            <a:off x="7263413" y="3054790"/>
             <a:ext cx="1122287" cy="837406"/>
           </a:xfrm>
           <a:prstGeom prst="bentConnector3">
@@ -8643,7 +9632,7 @@
         </p:nvSpPr>
         <p:spPr>
           <a:xfrm>
-            <a:off x="3906708" y="3281180"/>
+            <a:off x="3836068" y="3730882"/>
             <a:ext cx="562463" cy="295639"/>
           </a:xfrm>
           <a:prstGeom prst="rect">
@@ -8698,7 +9687,7 @@
         </p:nvSpPr>
         <p:spPr>
           <a:xfrm>
-            <a:off x="7334054" y="4051300"/>
+            <a:off x="7263414" y="4501002"/>
             <a:ext cx="981272" cy="322871"/>
           </a:xfrm>
           <a:prstGeom prst="rect">
@@ -8752,415 +9741,6 @@
 </p:sld>
 </file>
 
-<file path=ppt/slides/slide6.xml><?xml version="1.0" encoding="utf-8"?>
-<p:sld xmlns:a="http://schemas.openxmlformats.org/drawingml/2006/main" xmlns:r="http://schemas.openxmlformats.org/officeDocument/2006/relationships" xmlns:p="http://schemas.openxmlformats.org/presentationml/2006/main">
-  <p:cSld>
-    <p:spTree>
-      <p:nvGrpSpPr>
-        <p:cNvPr id="1" name=""/>
-        <p:cNvGrpSpPr/>
-        <p:nvPr/>
-      </p:nvGrpSpPr>
-      <p:grpSpPr>
-        <a:xfrm>
-          <a:off x="0" y="0"/>
-          <a:ext cx="0" cy="0"/>
-          <a:chOff x="0" y="0"/>
-          <a:chExt cx="0" cy="0"/>
-        </a:xfrm>
-      </p:grpSpPr>
-      <p:sp>
-        <p:nvSpPr>
-          <p:cNvPr id="2" name="Titel 1">
-            <a:extLst>
-              <a:ext uri="{FF2B5EF4-FFF2-40B4-BE49-F238E27FC236}">
-                <a16:creationId xmlns:a16="http://schemas.microsoft.com/office/drawing/2014/main" id="{70F42F9B-A32B-4CF6-B143-869D924FC790}"/>
-              </a:ext>
-            </a:extLst>
-          </p:cNvPr>
-          <p:cNvSpPr>
-            <a:spLocks noGrp="1"/>
-          </p:cNvSpPr>
-          <p:nvPr>
-            <p:ph type="title"/>
-          </p:nvPr>
-        </p:nvSpPr>
-        <p:spPr/>
-        <p:txBody>
-          <a:bodyPr/>
-          <a:lstStyle/>
-          <a:p>
-            <a:r>
-              <a:rPr lang="de-DE" dirty="0">
-                <a:solidFill>
-                  <a:schemeClr val="accent2"/>
-                </a:solidFill>
-                <a:latin typeface="Bahnschrift" panose="020B0502040204020203" pitchFamily="34" charset="0"/>
-              </a:rPr>
-              <a:t>Dithering</a:t>
-            </a:r>
-            <a:endParaRPr lang="de-DE" dirty="0"/>
-          </a:p>
-        </p:txBody>
-      </p:sp>
-      <p:sp>
-        <p:nvSpPr>
-          <p:cNvPr id="3" name="Inhaltsplatzhalter 2">
-            <a:extLst>
-              <a:ext uri="{FF2B5EF4-FFF2-40B4-BE49-F238E27FC236}">
-                <a16:creationId xmlns:a16="http://schemas.microsoft.com/office/drawing/2014/main" id="{B80DFE3B-89CF-4F1E-A075-3C288695DC66}"/>
-              </a:ext>
-            </a:extLst>
-          </p:cNvPr>
-          <p:cNvSpPr>
-            <a:spLocks noGrp="1"/>
-          </p:cNvSpPr>
-          <p:nvPr>
-            <p:ph idx="1"/>
-          </p:nvPr>
-        </p:nvSpPr>
-        <p:spPr/>
-        <p:txBody>
-          <a:bodyPr>
-            <a:normAutofit lnSpcReduction="10000"/>
-          </a:bodyPr>
-          <a:lstStyle/>
-          <a:p>
-            <a:r>
-              <a:rPr lang="de-DE" dirty="0">
-                <a:solidFill>
-                  <a:schemeClr val="bg1"/>
-                </a:solidFill>
-                <a:latin typeface="Bahnschrift" panose="020B0502040204020203" pitchFamily="34" charset="0"/>
-              </a:rPr>
-              <a:t>Offset sample </a:t>
-            </a:r>
-            <a:r>
-              <a:rPr lang="de-DE" dirty="0" err="1">
-                <a:solidFill>
-                  <a:schemeClr val="bg1"/>
-                </a:solidFill>
-                <a:latin typeface="Bahnschrift" panose="020B0502040204020203" pitchFamily="34" charset="0"/>
-              </a:rPr>
-              <a:t>depth</a:t>
-            </a:r>
-            <a:r>
-              <a:rPr lang="de-DE" dirty="0">
-                <a:solidFill>
-                  <a:schemeClr val="bg1"/>
-                </a:solidFill>
-                <a:latin typeface="Bahnschrift" panose="020B0502040204020203" pitchFamily="34" charset="0"/>
-              </a:rPr>
-              <a:t> </a:t>
-            </a:r>
-            <a:r>
-              <a:rPr lang="de-DE" dirty="0" err="1">
-                <a:solidFill>
-                  <a:schemeClr val="bg1"/>
-                </a:solidFill>
-                <a:latin typeface="Bahnschrift" panose="020B0502040204020203" pitchFamily="34" charset="0"/>
-              </a:rPr>
-              <a:t>using</a:t>
-            </a:r>
-            <a:r>
-              <a:rPr lang="de-DE" dirty="0">
-                <a:solidFill>
-                  <a:schemeClr val="bg1"/>
-                </a:solidFill>
-                <a:latin typeface="Bahnschrift" panose="020B0502040204020203" pitchFamily="34" charset="0"/>
-              </a:rPr>
-              <a:t> </a:t>
-            </a:r>
-            <a:r>
-              <a:rPr lang="de-DE" dirty="0" err="1">
-                <a:solidFill>
-                  <a:schemeClr val="bg1"/>
-                </a:solidFill>
-                <a:latin typeface="Bahnschrift" panose="020B0502040204020203" pitchFamily="34" charset="0"/>
-              </a:rPr>
-              <a:t>blue</a:t>
-            </a:r>
-            <a:r>
-              <a:rPr lang="de-DE" dirty="0">
-                <a:solidFill>
-                  <a:schemeClr val="bg1"/>
-                </a:solidFill>
-                <a:latin typeface="Bahnschrift" panose="020B0502040204020203" pitchFamily="34" charset="0"/>
-              </a:rPr>
-              <a:t> </a:t>
-            </a:r>
-            <a:r>
-              <a:rPr lang="de-DE" dirty="0" err="1">
-                <a:solidFill>
-                  <a:schemeClr val="bg1"/>
-                </a:solidFill>
-                <a:latin typeface="Bahnschrift" panose="020B0502040204020203" pitchFamily="34" charset="0"/>
-              </a:rPr>
-              <a:t>noise</a:t>
-            </a:r>
-            <a:endParaRPr lang="de-DE" dirty="0">
-              <a:solidFill>
-                <a:schemeClr val="bg1"/>
-              </a:solidFill>
-              <a:latin typeface="Bahnschrift" panose="020B0502040204020203" pitchFamily="34" charset="0"/>
-            </a:endParaRPr>
-          </a:p>
-          <a:p>
-            <a:pPr marL="457200" lvl="1" indent="0">
-              <a:buNone/>
-            </a:pPr>
-            <a:r>
-              <a:rPr lang="de-DE" dirty="0">
-                <a:solidFill>
-                  <a:schemeClr val="bg1"/>
-                </a:solidFill>
-                <a:latin typeface="Bahnschrift" panose="020B0502040204020203" pitchFamily="34" charset="0"/>
-                <a:sym typeface="Wingdings" panose="05000000000000000000" pitchFamily="2" charset="2"/>
-              </a:rPr>
-              <a:t> </a:t>
-            </a:r>
-            <a:r>
-              <a:rPr lang="de-DE" dirty="0" err="1">
-                <a:solidFill>
-                  <a:schemeClr val="bg1"/>
-                </a:solidFill>
-                <a:latin typeface="Bahnschrift" panose="020B0502040204020203" pitchFamily="34" charset="0"/>
-              </a:rPr>
-              <a:t>Better</a:t>
-            </a:r>
-            <a:r>
-              <a:rPr lang="de-DE" dirty="0">
-                <a:solidFill>
-                  <a:schemeClr val="bg1"/>
-                </a:solidFill>
-                <a:latin typeface="Bahnschrift" panose="020B0502040204020203" pitchFamily="34" charset="0"/>
-              </a:rPr>
-              <a:t> sample </a:t>
-            </a:r>
-            <a:r>
-              <a:rPr lang="de-DE" dirty="0" err="1">
-                <a:solidFill>
-                  <a:schemeClr val="bg1"/>
-                </a:solidFill>
-                <a:latin typeface="Bahnschrift" panose="020B0502040204020203" pitchFamily="34" charset="0"/>
-              </a:rPr>
-              <a:t>distribution</a:t>
-            </a:r>
-            <a:endParaRPr lang="de-DE" dirty="0">
-              <a:solidFill>
-                <a:schemeClr val="bg1"/>
-              </a:solidFill>
-              <a:latin typeface="Bahnschrift" panose="020B0502040204020203" pitchFamily="34" charset="0"/>
-            </a:endParaRPr>
-          </a:p>
-          <a:p>
-            <a:endParaRPr lang="de-DE" dirty="0"/>
-          </a:p>
-          <a:p>
-            <a:endParaRPr lang="de-DE" dirty="0"/>
-          </a:p>
-          <a:p>
-            <a:endParaRPr lang="de-DE" dirty="0"/>
-          </a:p>
-          <a:p>
-            <a:endParaRPr lang="de-DE" dirty="0"/>
-          </a:p>
-          <a:p>
-            <a:endParaRPr lang="de-DE" dirty="0">
-              <a:solidFill>
-                <a:schemeClr val="bg1"/>
-              </a:solidFill>
-              <a:latin typeface="Bahnschrift" panose="020B0502040204020203" pitchFamily="34" charset="0"/>
-            </a:endParaRPr>
-          </a:p>
-          <a:p>
-            <a:endParaRPr lang="de-DE" dirty="0">
-              <a:solidFill>
-                <a:schemeClr val="bg1"/>
-              </a:solidFill>
-              <a:latin typeface="Bahnschrift" panose="020B0502040204020203" pitchFamily="34" charset="0"/>
-            </a:endParaRPr>
-          </a:p>
-          <a:p>
-            <a:r>
-              <a:rPr lang="de-DE" dirty="0" err="1">
-                <a:solidFill>
-                  <a:schemeClr val="bg1"/>
-                </a:solidFill>
-                <a:latin typeface="Bahnschrift" panose="020B0502040204020203" pitchFamily="34" charset="0"/>
-              </a:rPr>
-              <a:t>Dithered</a:t>
-            </a:r>
-            <a:r>
-              <a:rPr lang="de-DE" dirty="0">
-                <a:solidFill>
-                  <a:schemeClr val="bg1"/>
-                </a:solidFill>
-                <a:latin typeface="Bahnschrift" panose="020B0502040204020203" pitchFamily="34" charset="0"/>
-              </a:rPr>
-              <a:t> </a:t>
-            </a:r>
-            <a:r>
-              <a:rPr lang="de-DE" dirty="0" err="1">
-                <a:solidFill>
-                  <a:schemeClr val="bg1"/>
-                </a:solidFill>
-                <a:latin typeface="Bahnschrift" panose="020B0502040204020203" pitchFamily="34" charset="0"/>
-              </a:rPr>
-              <a:t>sampling</a:t>
-            </a:r>
-            <a:r>
-              <a:rPr lang="de-DE" dirty="0">
-                <a:solidFill>
-                  <a:schemeClr val="bg1"/>
-                </a:solidFill>
-                <a:latin typeface="Bahnschrift" panose="020B0502040204020203" pitchFamily="34" charset="0"/>
-              </a:rPr>
-              <a:t> </a:t>
-            </a:r>
-            <a:r>
-              <a:rPr lang="de-DE" dirty="0">
-                <a:solidFill>
-                  <a:schemeClr val="bg1"/>
-                </a:solidFill>
-                <a:latin typeface="Bahnschrift" panose="020B0502040204020203" pitchFamily="34" charset="0"/>
-                <a:sym typeface="Wingdings" panose="05000000000000000000" pitchFamily="2" charset="2"/>
-              </a:rPr>
-              <a:t></a:t>
-            </a:r>
-            <a:r>
-              <a:rPr lang="de-DE" dirty="0">
-                <a:solidFill>
-                  <a:schemeClr val="bg1"/>
-                </a:solidFill>
-                <a:latin typeface="Bahnschrift" panose="020B0502040204020203" pitchFamily="34" charset="0"/>
-              </a:rPr>
-              <a:t> </a:t>
-            </a:r>
-            <a:r>
-              <a:rPr lang="de-DE" dirty="0" err="1">
-                <a:solidFill>
-                  <a:schemeClr val="bg1"/>
-                </a:solidFill>
-                <a:latin typeface="Bahnschrift" panose="020B0502040204020203" pitchFamily="34" charset="0"/>
-              </a:rPr>
-              <a:t>smoothed</a:t>
-            </a:r>
-            <a:r>
-              <a:rPr lang="de-DE" dirty="0">
-                <a:solidFill>
-                  <a:schemeClr val="bg1"/>
-                </a:solidFill>
-                <a:latin typeface="Bahnschrift" panose="020B0502040204020203" pitchFamily="34" charset="0"/>
-              </a:rPr>
-              <a:t> </a:t>
-            </a:r>
-            <a:r>
-              <a:rPr lang="de-DE" dirty="0" err="1">
-                <a:solidFill>
-                  <a:schemeClr val="bg1"/>
-                </a:solidFill>
-                <a:latin typeface="Bahnschrift" panose="020B0502040204020203" pitchFamily="34" charset="0"/>
-              </a:rPr>
-              <a:t>by</a:t>
-            </a:r>
-            <a:r>
-              <a:rPr lang="de-DE" dirty="0">
-                <a:solidFill>
-                  <a:schemeClr val="bg1"/>
-                </a:solidFill>
-                <a:latin typeface="Bahnschrift" panose="020B0502040204020203" pitchFamily="34" charset="0"/>
-              </a:rPr>
-              <a:t> TAA</a:t>
-            </a:r>
-          </a:p>
-        </p:txBody>
-      </p:sp>
-      <p:pic>
-        <p:nvPicPr>
-          <p:cNvPr id="7" name="Grafik 6" descr="Ein Bild, das Läufer enthält.&#10;&#10;Automatisch generierte Beschreibung">
-            <a:extLst>
-              <a:ext uri="{FF2B5EF4-FFF2-40B4-BE49-F238E27FC236}">
-                <a16:creationId xmlns:a16="http://schemas.microsoft.com/office/drawing/2014/main" id="{72120429-A73A-4503-85AF-0B549909CD57}"/>
-              </a:ext>
-            </a:extLst>
-          </p:cNvPr>
-          <p:cNvPicPr>
-            <a:picLocks noChangeAspect="1"/>
-          </p:cNvPicPr>
-          <p:nvPr/>
-        </p:nvPicPr>
-        <p:blipFill>
-          <a:blip r:embed="rId2">
-            <a:extLst>
-              <a:ext uri="{28A0092B-C50C-407E-A947-70E740481C1C}">
-                <a14:useLocalDpi xmlns:a14="http://schemas.microsoft.com/office/drawing/2010/main" val="0"/>
-              </a:ext>
-            </a:extLst>
-          </a:blip>
-          <a:stretch>
-            <a:fillRect/>
-          </a:stretch>
-        </p:blipFill>
-        <p:spPr>
-          <a:xfrm>
-            <a:off x="8915400" y="2627750"/>
-            <a:ext cx="2438400" cy="2438400"/>
-          </a:xfrm>
-          <a:prstGeom prst="rect">
-            <a:avLst/>
-          </a:prstGeom>
-        </p:spPr>
-      </p:pic>
-      <p:pic>
-        <p:nvPicPr>
-          <p:cNvPr id="9" name="Grafik 8">
-            <a:extLst>
-              <a:ext uri="{FF2B5EF4-FFF2-40B4-BE49-F238E27FC236}">
-                <a16:creationId xmlns:a16="http://schemas.microsoft.com/office/drawing/2014/main" id="{4CD0D215-8321-4ED7-A85E-56EEADBB195A}"/>
-              </a:ext>
-            </a:extLst>
-          </p:cNvPr>
-          <p:cNvPicPr>
-            <a:picLocks noChangeAspect="1"/>
-          </p:cNvPicPr>
-          <p:nvPr/>
-        </p:nvPicPr>
-        <p:blipFill>
-          <a:blip r:embed="rId3">
-            <a:extLst>
-              <a:ext uri="{28A0092B-C50C-407E-A947-70E740481C1C}">
-                <a14:useLocalDpi xmlns:a14="http://schemas.microsoft.com/office/drawing/2010/main" val="0"/>
-              </a:ext>
-            </a:extLst>
-          </a:blip>
-          <a:stretch>
-            <a:fillRect/>
-          </a:stretch>
-        </p:blipFill>
-        <p:spPr>
-          <a:xfrm>
-            <a:off x="1244600" y="2694936"/>
-            <a:ext cx="6813062" cy="2304029"/>
-          </a:xfrm>
-          <a:prstGeom prst="rect">
-            <a:avLst/>
-          </a:prstGeom>
-        </p:spPr>
-      </p:pic>
-    </p:spTree>
-    <p:extLst>
-      <p:ext uri="{BB962C8B-B14F-4D97-AF65-F5344CB8AC3E}">
-        <p14:creationId xmlns:p14="http://schemas.microsoft.com/office/powerpoint/2010/main" val="3654735454"/>
-      </p:ext>
-    </p:extLst>
-  </p:cSld>
-  <p:clrMapOvr>
-    <a:masterClrMapping/>
-  </p:clrMapOvr>
-</p:sld>
-</file>
-
 <file path=ppt/slides/slide7.xml><?xml version="1.0" encoding="utf-8"?>
 <p:sld xmlns:a="http://schemas.openxmlformats.org/drawingml/2006/main" xmlns:r="http://schemas.openxmlformats.org/officeDocument/2006/relationships" xmlns:p="http://schemas.openxmlformats.org/presentationml/2006/main">
   <p:cSld>
@@ -9183,7 +9763,7 @@
           <p:cNvPr id="2" name="Titel 1">
             <a:extLst>
               <a:ext uri="{FF2B5EF4-FFF2-40B4-BE49-F238E27FC236}">
-                <a16:creationId xmlns:a16="http://schemas.microsoft.com/office/drawing/2014/main" id="{EBD3DFD6-C5BF-479F-8946-D157F47853AA}"/>
+                <a16:creationId xmlns:a16="http://schemas.microsoft.com/office/drawing/2014/main" id="{70F42F9B-A32B-4CF6-B143-869D924FC790}"/>
               </a:ext>
             </a:extLst>
           </p:cNvPr>
@@ -9204,32 +9784,363 @@
                 <a:solidFill>
                   <a:schemeClr val="accent2"/>
                 </a:solidFill>
-              </a:rPr>
-              <a:t>Grass </a:t>
-            </a:r>
-            <a:r>
-              <a:rPr lang="de-DE" dirty="0" err="1">
-                <a:solidFill>
-                  <a:schemeClr val="accent2"/>
-                </a:solidFill>
-              </a:rPr>
-              <a:t>Shader</a:t>
-            </a:r>
-            <a:r>
-              <a:rPr lang="de-DE" dirty="0">
-                <a:solidFill>
-                  <a:schemeClr val="accent2"/>
-                </a:solidFill>
-              </a:rPr>
-              <a:t> – Live Demo</a:t>
-            </a:r>
+                <a:latin typeface="Bahnschrift" panose="020B0502040204020203" pitchFamily="34" charset="0"/>
+              </a:rPr>
+              <a:t>Dithering</a:t>
+            </a:r>
+            <a:endParaRPr lang="de-DE" dirty="0"/>
           </a:p>
         </p:txBody>
       </p:sp>
+      <p:sp>
+        <p:nvSpPr>
+          <p:cNvPr id="3" name="Inhaltsplatzhalter 2">
+            <a:extLst>
+              <a:ext uri="{FF2B5EF4-FFF2-40B4-BE49-F238E27FC236}">
+                <a16:creationId xmlns:a16="http://schemas.microsoft.com/office/drawing/2014/main" id="{B80DFE3B-89CF-4F1E-A075-3C288695DC66}"/>
+              </a:ext>
+            </a:extLst>
+          </p:cNvPr>
+          <p:cNvSpPr>
+            <a:spLocks noGrp="1"/>
+          </p:cNvSpPr>
+          <p:nvPr>
+            <p:ph idx="1"/>
+          </p:nvPr>
+        </p:nvSpPr>
+        <p:spPr/>
+        <p:txBody>
+          <a:bodyPr>
+            <a:normAutofit lnSpcReduction="10000"/>
+          </a:bodyPr>
+          <a:lstStyle/>
+          <a:p>
+            <a:r>
+              <a:rPr lang="de-DE" dirty="0">
+                <a:solidFill>
+                  <a:schemeClr val="bg1"/>
+                </a:solidFill>
+                <a:latin typeface="Bahnschrift" panose="020B0502040204020203" pitchFamily="34" charset="0"/>
+              </a:rPr>
+              <a:t>Offset sample </a:t>
+            </a:r>
+            <a:r>
+              <a:rPr lang="de-DE" dirty="0" err="1">
+                <a:solidFill>
+                  <a:schemeClr val="bg1"/>
+                </a:solidFill>
+                <a:latin typeface="Bahnschrift" panose="020B0502040204020203" pitchFamily="34" charset="0"/>
+              </a:rPr>
+              <a:t>depth</a:t>
+            </a:r>
+            <a:r>
+              <a:rPr lang="de-DE" dirty="0">
+                <a:solidFill>
+                  <a:schemeClr val="bg1"/>
+                </a:solidFill>
+                <a:latin typeface="Bahnschrift" panose="020B0502040204020203" pitchFamily="34" charset="0"/>
+              </a:rPr>
+              <a:t> </a:t>
+            </a:r>
+            <a:r>
+              <a:rPr lang="de-DE" dirty="0" err="1">
+                <a:solidFill>
+                  <a:schemeClr val="bg1"/>
+                </a:solidFill>
+                <a:latin typeface="Bahnschrift" panose="020B0502040204020203" pitchFamily="34" charset="0"/>
+              </a:rPr>
+              <a:t>using</a:t>
+            </a:r>
+            <a:r>
+              <a:rPr lang="de-DE" dirty="0">
+                <a:solidFill>
+                  <a:schemeClr val="bg1"/>
+                </a:solidFill>
+                <a:latin typeface="Bahnschrift" panose="020B0502040204020203" pitchFamily="34" charset="0"/>
+              </a:rPr>
+              <a:t> </a:t>
+            </a:r>
+            <a:r>
+              <a:rPr lang="de-DE" dirty="0" err="1">
+                <a:solidFill>
+                  <a:schemeClr val="bg1"/>
+                </a:solidFill>
+                <a:latin typeface="Bahnschrift" panose="020B0502040204020203" pitchFamily="34" charset="0"/>
+              </a:rPr>
+              <a:t>blue</a:t>
+            </a:r>
+            <a:r>
+              <a:rPr lang="de-DE" dirty="0">
+                <a:solidFill>
+                  <a:schemeClr val="bg1"/>
+                </a:solidFill>
+                <a:latin typeface="Bahnschrift" panose="020B0502040204020203" pitchFamily="34" charset="0"/>
+              </a:rPr>
+              <a:t> </a:t>
+            </a:r>
+            <a:r>
+              <a:rPr lang="de-DE" dirty="0" err="1">
+                <a:solidFill>
+                  <a:schemeClr val="bg1"/>
+                </a:solidFill>
+                <a:latin typeface="Bahnschrift" panose="020B0502040204020203" pitchFamily="34" charset="0"/>
+              </a:rPr>
+              <a:t>noise</a:t>
+            </a:r>
+            <a:endParaRPr lang="de-DE" dirty="0">
+              <a:solidFill>
+                <a:schemeClr val="bg1"/>
+              </a:solidFill>
+              <a:latin typeface="Bahnschrift" panose="020B0502040204020203" pitchFamily="34" charset="0"/>
+            </a:endParaRPr>
+          </a:p>
+          <a:p>
+            <a:pPr marL="457200" lvl="1" indent="0">
+              <a:buNone/>
+            </a:pPr>
+            <a:r>
+              <a:rPr lang="de-DE" dirty="0">
+                <a:solidFill>
+                  <a:schemeClr val="bg1"/>
+                </a:solidFill>
+                <a:latin typeface="Bahnschrift" panose="020B0502040204020203" pitchFamily="34" charset="0"/>
+                <a:sym typeface="Wingdings" panose="05000000000000000000" pitchFamily="2" charset="2"/>
+              </a:rPr>
+              <a:t> </a:t>
+            </a:r>
+            <a:r>
+              <a:rPr lang="de-DE" dirty="0" err="1">
+                <a:solidFill>
+                  <a:schemeClr val="bg1"/>
+                </a:solidFill>
+                <a:latin typeface="Bahnschrift" panose="020B0502040204020203" pitchFamily="34" charset="0"/>
+              </a:rPr>
+              <a:t>Better</a:t>
+            </a:r>
+            <a:r>
+              <a:rPr lang="de-DE" dirty="0">
+                <a:solidFill>
+                  <a:schemeClr val="bg1"/>
+                </a:solidFill>
+                <a:latin typeface="Bahnschrift" panose="020B0502040204020203" pitchFamily="34" charset="0"/>
+              </a:rPr>
+              <a:t> sample </a:t>
+            </a:r>
+            <a:r>
+              <a:rPr lang="de-DE" dirty="0" err="1">
+                <a:solidFill>
+                  <a:schemeClr val="bg1"/>
+                </a:solidFill>
+                <a:latin typeface="Bahnschrift" panose="020B0502040204020203" pitchFamily="34" charset="0"/>
+              </a:rPr>
+              <a:t>distribution</a:t>
+            </a:r>
+            <a:endParaRPr lang="de-DE" dirty="0">
+              <a:solidFill>
+                <a:schemeClr val="bg1"/>
+              </a:solidFill>
+              <a:latin typeface="Bahnschrift" panose="020B0502040204020203" pitchFamily="34" charset="0"/>
+            </a:endParaRPr>
+          </a:p>
+          <a:p>
+            <a:endParaRPr lang="de-DE" dirty="0"/>
+          </a:p>
+          <a:p>
+            <a:endParaRPr lang="de-DE" dirty="0"/>
+          </a:p>
+          <a:p>
+            <a:endParaRPr lang="de-DE" dirty="0"/>
+          </a:p>
+          <a:p>
+            <a:endParaRPr lang="de-DE" dirty="0"/>
+          </a:p>
+          <a:p>
+            <a:endParaRPr lang="de-DE" dirty="0">
+              <a:solidFill>
+                <a:schemeClr val="bg1"/>
+              </a:solidFill>
+              <a:latin typeface="Bahnschrift" panose="020B0502040204020203" pitchFamily="34" charset="0"/>
+            </a:endParaRPr>
+          </a:p>
+          <a:p>
+            <a:endParaRPr lang="de-DE" dirty="0">
+              <a:solidFill>
+                <a:schemeClr val="bg1"/>
+              </a:solidFill>
+              <a:latin typeface="Bahnschrift" panose="020B0502040204020203" pitchFamily="34" charset="0"/>
+            </a:endParaRPr>
+          </a:p>
+          <a:p>
+            <a:r>
+              <a:rPr lang="de-DE" dirty="0" err="1">
+                <a:solidFill>
+                  <a:schemeClr val="bg1"/>
+                </a:solidFill>
+                <a:latin typeface="Bahnschrift" panose="020B0502040204020203" pitchFamily="34" charset="0"/>
+              </a:rPr>
+              <a:t>Dithered</a:t>
+            </a:r>
+            <a:r>
+              <a:rPr lang="de-DE" dirty="0">
+                <a:solidFill>
+                  <a:schemeClr val="bg1"/>
+                </a:solidFill>
+                <a:latin typeface="Bahnschrift" panose="020B0502040204020203" pitchFamily="34" charset="0"/>
+              </a:rPr>
+              <a:t> </a:t>
+            </a:r>
+            <a:r>
+              <a:rPr lang="de-DE" dirty="0" err="1">
+                <a:solidFill>
+                  <a:schemeClr val="bg1"/>
+                </a:solidFill>
+                <a:latin typeface="Bahnschrift" panose="020B0502040204020203" pitchFamily="34" charset="0"/>
+              </a:rPr>
+              <a:t>sampling</a:t>
+            </a:r>
+            <a:r>
+              <a:rPr lang="de-DE" dirty="0">
+                <a:solidFill>
+                  <a:schemeClr val="bg1"/>
+                </a:solidFill>
+                <a:latin typeface="Bahnschrift" panose="020B0502040204020203" pitchFamily="34" charset="0"/>
+              </a:rPr>
+              <a:t> </a:t>
+            </a:r>
+            <a:r>
+              <a:rPr lang="de-DE" dirty="0">
+                <a:solidFill>
+                  <a:schemeClr val="bg1"/>
+                </a:solidFill>
+                <a:latin typeface="Bahnschrift" panose="020B0502040204020203" pitchFamily="34" charset="0"/>
+                <a:sym typeface="Wingdings" panose="05000000000000000000" pitchFamily="2" charset="2"/>
+              </a:rPr>
+              <a:t></a:t>
+            </a:r>
+            <a:r>
+              <a:rPr lang="de-DE" dirty="0">
+                <a:solidFill>
+                  <a:schemeClr val="bg1"/>
+                </a:solidFill>
+                <a:latin typeface="Bahnschrift" panose="020B0502040204020203" pitchFamily="34" charset="0"/>
+              </a:rPr>
+              <a:t> </a:t>
+            </a:r>
+            <a:r>
+              <a:rPr lang="de-DE" dirty="0" err="1">
+                <a:solidFill>
+                  <a:schemeClr val="bg1"/>
+                </a:solidFill>
+                <a:latin typeface="Bahnschrift" panose="020B0502040204020203" pitchFamily="34" charset="0"/>
+              </a:rPr>
+              <a:t>smoothed</a:t>
+            </a:r>
+            <a:r>
+              <a:rPr lang="de-DE" dirty="0">
+                <a:solidFill>
+                  <a:schemeClr val="bg1"/>
+                </a:solidFill>
+                <a:latin typeface="Bahnschrift" panose="020B0502040204020203" pitchFamily="34" charset="0"/>
+              </a:rPr>
+              <a:t> </a:t>
+            </a:r>
+            <a:r>
+              <a:rPr lang="de-DE" dirty="0" err="1">
+                <a:solidFill>
+                  <a:schemeClr val="bg1"/>
+                </a:solidFill>
+                <a:latin typeface="Bahnschrift" panose="020B0502040204020203" pitchFamily="34" charset="0"/>
+              </a:rPr>
+              <a:t>by</a:t>
+            </a:r>
+            <a:r>
+              <a:rPr lang="de-DE" dirty="0">
+                <a:solidFill>
+                  <a:schemeClr val="bg1"/>
+                </a:solidFill>
+                <a:latin typeface="Bahnschrift" panose="020B0502040204020203" pitchFamily="34" charset="0"/>
+              </a:rPr>
+              <a:t> TAA</a:t>
+            </a:r>
+          </a:p>
+        </p:txBody>
+      </p:sp>
+      <p:pic>
+        <p:nvPicPr>
+          <p:cNvPr id="7" name="Grafik 6" descr="Ein Bild, das Läufer enthält.&#10;&#10;Automatisch generierte Beschreibung">
+            <a:extLst>
+              <a:ext uri="{FF2B5EF4-FFF2-40B4-BE49-F238E27FC236}">
+                <a16:creationId xmlns:a16="http://schemas.microsoft.com/office/drawing/2014/main" id="{72120429-A73A-4503-85AF-0B549909CD57}"/>
+              </a:ext>
+            </a:extLst>
+          </p:cNvPr>
+          <p:cNvPicPr>
+            <a:picLocks noChangeAspect="1"/>
+          </p:cNvPicPr>
+          <p:nvPr/>
+        </p:nvPicPr>
+        <p:blipFill>
+          <a:blip r:embed="rId2">
+            <a:extLst>
+              <a:ext uri="{28A0092B-C50C-407E-A947-70E740481C1C}">
+                <a14:useLocalDpi xmlns:a14="http://schemas.microsoft.com/office/drawing/2010/main" val="0"/>
+              </a:ext>
+            </a:extLst>
+          </a:blip>
+          <a:stretch>
+            <a:fillRect/>
+          </a:stretch>
+        </p:blipFill>
+        <p:spPr>
+          <a:xfrm>
+            <a:off x="8915400" y="2627750"/>
+            <a:ext cx="2438400" cy="2438400"/>
+          </a:xfrm>
+          <a:prstGeom prst="rect">
+            <a:avLst/>
+          </a:prstGeom>
+        </p:spPr>
+      </p:pic>
+      <p:pic>
+        <p:nvPicPr>
+          <p:cNvPr id="9" name="Grafik 8">
+            <a:extLst>
+              <a:ext uri="{FF2B5EF4-FFF2-40B4-BE49-F238E27FC236}">
+                <a16:creationId xmlns:a16="http://schemas.microsoft.com/office/drawing/2014/main" id="{4CD0D215-8321-4ED7-A85E-56EEADBB195A}"/>
+              </a:ext>
+            </a:extLst>
+          </p:cNvPr>
+          <p:cNvPicPr>
+            <a:picLocks noChangeAspect="1"/>
+          </p:cNvPicPr>
+          <p:nvPr/>
+        </p:nvPicPr>
+        <p:blipFill>
+          <a:blip r:embed="rId3">
+            <a:extLst>
+              <a:ext uri="{28A0092B-C50C-407E-A947-70E740481C1C}">
+                <a14:useLocalDpi xmlns:a14="http://schemas.microsoft.com/office/drawing/2010/main" val="0"/>
+              </a:ext>
+            </a:extLst>
+          </a:blip>
+          <a:stretch>
+            <a:fillRect/>
+          </a:stretch>
+        </p:blipFill>
+        <p:spPr>
+          <a:xfrm>
+            <a:off x="1244600" y="2694936"/>
+            <a:ext cx="6813062" cy="2304029"/>
+          </a:xfrm>
+          <a:prstGeom prst="rect">
+            <a:avLst/>
+          </a:prstGeom>
+        </p:spPr>
+      </p:pic>
     </p:spTree>
     <p:extLst>
       <p:ext uri="{BB962C8B-B14F-4D97-AF65-F5344CB8AC3E}">
-        <p14:creationId xmlns:p14="http://schemas.microsoft.com/office/powerpoint/2010/main" val="1376111569"/>
+        <p14:creationId xmlns:p14="http://schemas.microsoft.com/office/powerpoint/2010/main" val="3654735454"/>
       </p:ext>
     </p:extLst>
   </p:cSld>
@@ -9272,12 +10183,7 @@
             <p:ph type="title"/>
           </p:nvPr>
         </p:nvSpPr>
-        <p:spPr>
-          <a:xfrm>
-            <a:off x="123092" y="-1"/>
-            <a:ext cx="10515600" cy="1325563"/>
-          </a:xfrm>
-        </p:spPr>
+        <p:spPr/>
         <p:txBody>
           <a:bodyPr/>
           <a:lstStyle/>
@@ -9288,45 +10194,31 @@
                   <a:schemeClr val="accent2"/>
                 </a:solidFill>
               </a:rPr>
-              <a:t>Vegetation</a:t>
+              <a:t>Grass </a:t>
+            </a:r>
+            <a:r>
+              <a:rPr lang="de-DE" dirty="0" err="1">
+                <a:solidFill>
+                  <a:schemeClr val="accent2"/>
+                </a:solidFill>
+              </a:rPr>
+              <a:t>Shader</a:t>
+            </a:r>
+            <a:r>
+              <a:rPr lang="de-DE" dirty="0">
+                <a:solidFill>
+                  <a:schemeClr val="accent2"/>
+                </a:solidFill>
+              </a:rPr>
+              <a:t> – Live Demo</a:t>
             </a:r>
           </a:p>
         </p:txBody>
       </p:sp>
-      <p:pic>
-        <p:nvPicPr>
-          <p:cNvPr id="5" name="Grafik 4"/>
-          <p:cNvPicPr>
-            <a:picLocks noChangeAspect="1"/>
-          </p:cNvPicPr>
-          <p:nvPr/>
-        </p:nvPicPr>
-        <p:blipFill>
-          <a:blip r:embed="rId2">
-            <a:extLst>
-              <a:ext uri="{28A0092B-C50C-407E-A947-70E740481C1C}">
-                <a14:useLocalDpi xmlns:a14="http://schemas.microsoft.com/office/drawing/2010/main" val="0"/>
-              </a:ext>
-            </a:extLst>
-          </a:blip>
-          <a:stretch>
-            <a:fillRect/>
-          </a:stretch>
-        </p:blipFill>
-        <p:spPr>
-          <a:xfrm>
-            <a:off x="2883877" y="-1"/>
-            <a:ext cx="9308123" cy="6859417"/>
-          </a:xfrm>
-          <a:prstGeom prst="rect">
-            <a:avLst/>
-          </a:prstGeom>
-        </p:spPr>
-      </p:pic>
     </p:spTree>
     <p:extLst>
       <p:ext uri="{BB962C8B-B14F-4D97-AF65-F5344CB8AC3E}">
-        <p14:creationId xmlns:p14="http://schemas.microsoft.com/office/powerpoint/2010/main" val="768098241"/>
+        <p14:creationId xmlns:p14="http://schemas.microsoft.com/office/powerpoint/2010/main" val="1376111569"/>
       </p:ext>
     </p:extLst>
   </p:cSld>
@@ -9369,7 +10261,12 @@
             <p:ph type="title"/>
           </p:nvPr>
         </p:nvSpPr>
-        <p:spPr/>
+        <p:spPr>
+          <a:xfrm>
+            <a:off x="123092" y="-1"/>
+            <a:ext cx="10515600" cy="1325563"/>
+          </a:xfrm>
+        </p:spPr>
         <p:txBody>
           <a:bodyPr/>
           <a:lstStyle/>
@@ -9380,659 +10277,45 @@
                   <a:schemeClr val="accent2"/>
                 </a:solidFill>
               </a:rPr>
-              <a:t>Grass </a:t>
-            </a:r>
-            <a:r>
-              <a:rPr lang="de-DE" dirty="0" err="1">
-                <a:solidFill>
-                  <a:schemeClr val="accent2"/>
-                </a:solidFill>
-              </a:rPr>
-              <a:t>Shader</a:t>
-            </a:r>
-            <a:r>
-              <a:rPr lang="de-DE" dirty="0">
-                <a:solidFill>
-                  <a:schemeClr val="accent2"/>
-                </a:solidFill>
-              </a:rPr>
-              <a:t> – General  </a:t>
+              <a:t>Vegetation</a:t>
             </a:r>
           </a:p>
         </p:txBody>
       </p:sp>
-      <p:sp>
-        <p:nvSpPr>
-          <p:cNvPr id="5" name="Inhaltsplatzhalter 2">
-            <a:extLst>
-              <a:ext uri="{FF2B5EF4-FFF2-40B4-BE49-F238E27FC236}">
-                <a16:creationId xmlns:a16="http://schemas.microsoft.com/office/drawing/2014/main" id="{00322693-9EF5-4863-AAE1-AD61ED63A6A5}"/>
-              </a:ext>
-            </a:extLst>
-          </p:cNvPr>
-          <p:cNvSpPr txBox="1">
-            <a:spLocks/>
-          </p:cNvSpPr>
+      <p:pic>
+        <p:nvPicPr>
+          <p:cNvPr id="5" name="Grafik 4"/>
+          <p:cNvPicPr>
+            <a:picLocks noChangeAspect="1"/>
+          </p:cNvPicPr>
           <p:nvPr/>
-        </p:nvSpPr>
+        </p:nvPicPr>
+        <p:blipFill>
+          <a:blip r:embed="rId2">
+            <a:extLst>
+              <a:ext uri="{28A0092B-C50C-407E-A947-70E740481C1C}">
+                <a14:useLocalDpi xmlns:a14="http://schemas.microsoft.com/office/drawing/2010/main" val="0"/>
+              </a:ext>
+            </a:extLst>
+          </a:blip>
+          <a:stretch>
+            <a:fillRect/>
+          </a:stretch>
+        </p:blipFill>
         <p:spPr>
           <a:xfrm>
-            <a:off x="838200" y="1825625"/>
-            <a:ext cx="10515600" cy="4351338"/>
+            <a:off x="2883877" y="-1"/>
+            <a:ext cx="9308123" cy="6859417"/>
           </a:xfrm>
           <a:prstGeom prst="rect">
             <a:avLst/>
           </a:prstGeom>
         </p:spPr>
-        <p:txBody>
-          <a:bodyPr anchor="t"/>
-          <a:lstStyle>
-            <a:lvl1pPr marL="228600" indent="-228600" algn="l" defTabSz="914400" rtl="0" eaLnBrk="1" latinLnBrk="0" hangingPunct="1">
-              <a:lnSpc>
-                <a:spcPct val="90000"/>
-              </a:lnSpc>
-              <a:spcBef>
-                <a:spcPts val="1000"/>
-              </a:spcBef>
-              <a:buFont typeface="Arial" panose="020B0604020202020204" pitchFamily="34" charset="0"/>
-              <a:buChar char="•"/>
-              <a:defRPr sz="2800" kern="1200">
-                <a:solidFill>
-                  <a:schemeClr val="tx1"/>
-                </a:solidFill>
-                <a:latin typeface="+mn-lt"/>
-                <a:ea typeface="+mn-ea"/>
-                <a:cs typeface="+mn-cs"/>
-              </a:defRPr>
-            </a:lvl1pPr>
-            <a:lvl2pPr marL="685800" indent="-228600" algn="l" defTabSz="914400" rtl="0" eaLnBrk="1" latinLnBrk="0" hangingPunct="1">
-              <a:lnSpc>
-                <a:spcPct val="90000"/>
-              </a:lnSpc>
-              <a:spcBef>
-                <a:spcPts val="500"/>
-              </a:spcBef>
-              <a:buFont typeface="Arial" panose="020B0604020202020204" pitchFamily="34" charset="0"/>
-              <a:buChar char="•"/>
-              <a:defRPr sz="2400" kern="1200">
-                <a:solidFill>
-                  <a:schemeClr val="tx1"/>
-                </a:solidFill>
-                <a:latin typeface="+mn-lt"/>
-                <a:ea typeface="+mn-ea"/>
-                <a:cs typeface="+mn-cs"/>
-              </a:defRPr>
-            </a:lvl2pPr>
-            <a:lvl3pPr marL="1143000" indent="-228600" algn="l" defTabSz="914400" rtl="0" eaLnBrk="1" latinLnBrk="0" hangingPunct="1">
-              <a:lnSpc>
-                <a:spcPct val="90000"/>
-              </a:lnSpc>
-              <a:spcBef>
-                <a:spcPts val="500"/>
-              </a:spcBef>
-              <a:buFont typeface="Arial" panose="020B0604020202020204" pitchFamily="34" charset="0"/>
-              <a:buChar char="•"/>
-              <a:defRPr sz="2000" kern="1200">
-                <a:solidFill>
-                  <a:schemeClr val="tx1"/>
-                </a:solidFill>
-                <a:latin typeface="+mn-lt"/>
-                <a:ea typeface="+mn-ea"/>
-                <a:cs typeface="+mn-cs"/>
-              </a:defRPr>
-            </a:lvl3pPr>
-            <a:lvl4pPr marL="1600200" indent="-228600" algn="l" defTabSz="914400" rtl="0" eaLnBrk="1" latinLnBrk="0" hangingPunct="1">
-              <a:lnSpc>
-                <a:spcPct val="90000"/>
-              </a:lnSpc>
-              <a:spcBef>
-                <a:spcPts val="500"/>
-              </a:spcBef>
-              <a:buFont typeface="Arial" panose="020B0604020202020204" pitchFamily="34" charset="0"/>
-              <a:buChar char="•"/>
-              <a:defRPr sz="1800" kern="1200">
-                <a:solidFill>
-                  <a:schemeClr val="tx1"/>
-                </a:solidFill>
-                <a:latin typeface="+mn-lt"/>
-                <a:ea typeface="+mn-ea"/>
-                <a:cs typeface="+mn-cs"/>
-              </a:defRPr>
-            </a:lvl4pPr>
-            <a:lvl5pPr marL="2057400" indent="-228600" algn="l" defTabSz="914400" rtl="0" eaLnBrk="1" latinLnBrk="0" hangingPunct="1">
-              <a:lnSpc>
-                <a:spcPct val="90000"/>
-              </a:lnSpc>
-              <a:spcBef>
-                <a:spcPts val="500"/>
-              </a:spcBef>
-              <a:buFont typeface="Arial" panose="020B0604020202020204" pitchFamily="34" charset="0"/>
-              <a:buChar char="•"/>
-              <a:defRPr sz="1800" kern="1200">
-                <a:solidFill>
-                  <a:schemeClr val="tx1"/>
-                </a:solidFill>
-                <a:latin typeface="+mn-lt"/>
-                <a:ea typeface="+mn-ea"/>
-                <a:cs typeface="+mn-cs"/>
-              </a:defRPr>
-            </a:lvl5pPr>
-            <a:lvl6pPr marL="2514600" indent="-228600" algn="l" defTabSz="914400" rtl="0" eaLnBrk="1" latinLnBrk="0" hangingPunct="1">
-              <a:lnSpc>
-                <a:spcPct val="90000"/>
-              </a:lnSpc>
-              <a:spcBef>
-                <a:spcPts val="500"/>
-              </a:spcBef>
-              <a:buFont typeface="Arial" panose="020B0604020202020204" pitchFamily="34" charset="0"/>
-              <a:buChar char="•"/>
-              <a:defRPr sz="1800" kern="1200">
-                <a:solidFill>
-                  <a:schemeClr val="tx1"/>
-                </a:solidFill>
-                <a:latin typeface="+mn-lt"/>
-                <a:ea typeface="+mn-ea"/>
-                <a:cs typeface="+mn-cs"/>
-              </a:defRPr>
-            </a:lvl6pPr>
-            <a:lvl7pPr marL="2971800" indent="-228600" algn="l" defTabSz="914400" rtl="0" eaLnBrk="1" latinLnBrk="0" hangingPunct="1">
-              <a:lnSpc>
-                <a:spcPct val="90000"/>
-              </a:lnSpc>
-              <a:spcBef>
-                <a:spcPts val="500"/>
-              </a:spcBef>
-              <a:buFont typeface="Arial" panose="020B0604020202020204" pitchFamily="34" charset="0"/>
-              <a:buChar char="•"/>
-              <a:defRPr sz="1800" kern="1200">
-                <a:solidFill>
-                  <a:schemeClr val="tx1"/>
-                </a:solidFill>
-                <a:latin typeface="+mn-lt"/>
-                <a:ea typeface="+mn-ea"/>
-                <a:cs typeface="+mn-cs"/>
-              </a:defRPr>
-            </a:lvl7pPr>
-            <a:lvl8pPr marL="3429000" indent="-228600" algn="l" defTabSz="914400" rtl="0" eaLnBrk="1" latinLnBrk="0" hangingPunct="1">
-              <a:lnSpc>
-                <a:spcPct val="90000"/>
-              </a:lnSpc>
-              <a:spcBef>
-                <a:spcPts val="500"/>
-              </a:spcBef>
-              <a:buFont typeface="Arial" panose="020B0604020202020204" pitchFamily="34" charset="0"/>
-              <a:buChar char="•"/>
-              <a:defRPr sz="1800" kern="1200">
-                <a:solidFill>
-                  <a:schemeClr val="tx1"/>
-                </a:solidFill>
-                <a:latin typeface="+mn-lt"/>
-                <a:ea typeface="+mn-ea"/>
-                <a:cs typeface="+mn-cs"/>
-              </a:defRPr>
-            </a:lvl8pPr>
-            <a:lvl9pPr marL="3886200" indent="-228600" algn="l" defTabSz="914400" rtl="0" eaLnBrk="1" latinLnBrk="0" hangingPunct="1">
-              <a:lnSpc>
-                <a:spcPct val="90000"/>
-              </a:lnSpc>
-              <a:spcBef>
-                <a:spcPts val="500"/>
-              </a:spcBef>
-              <a:buFont typeface="Arial" panose="020B0604020202020204" pitchFamily="34" charset="0"/>
-              <a:buChar char="•"/>
-              <a:defRPr sz="1800" kern="1200">
-                <a:solidFill>
-                  <a:schemeClr val="tx1"/>
-                </a:solidFill>
-                <a:latin typeface="+mn-lt"/>
-                <a:ea typeface="+mn-ea"/>
-                <a:cs typeface="+mn-cs"/>
-              </a:defRPr>
-            </a:lvl9pPr>
-          </a:lstStyle>
-          <a:p>
-            <a:r>
-              <a:rPr lang="de-DE" dirty="0">
-                <a:solidFill>
-                  <a:schemeClr val="bg1"/>
-                </a:solidFill>
-                <a:latin typeface="Bahnschrift"/>
-              </a:rPr>
-              <a:t>Generate </a:t>
-            </a:r>
-            <a:r>
-              <a:rPr lang="de-DE" dirty="0" err="1">
-                <a:solidFill>
-                  <a:schemeClr val="bg1"/>
-                </a:solidFill>
-                <a:latin typeface="Bahnschrift"/>
-              </a:rPr>
-              <a:t>grass</a:t>
-            </a:r>
-            <a:r>
-              <a:rPr lang="de-DE" dirty="0">
-                <a:solidFill>
-                  <a:schemeClr val="bg1"/>
-                </a:solidFill>
-                <a:latin typeface="Bahnschrift"/>
-              </a:rPr>
-              <a:t> </a:t>
-            </a:r>
-            <a:r>
-              <a:rPr lang="de-DE" dirty="0" err="1">
-                <a:solidFill>
-                  <a:schemeClr val="bg1"/>
-                </a:solidFill>
-                <a:latin typeface="Bahnschrift"/>
-              </a:rPr>
-              <a:t>geometry</a:t>
-            </a:r>
-            <a:r>
-              <a:rPr lang="de-DE" dirty="0">
-                <a:solidFill>
-                  <a:schemeClr val="bg1"/>
-                </a:solidFill>
-                <a:latin typeface="Bahnschrift"/>
-              </a:rPr>
-              <a:t> in </a:t>
-            </a:r>
-            <a:r>
-              <a:rPr lang="de-DE" dirty="0" err="1">
-                <a:solidFill>
-                  <a:schemeClr val="bg1"/>
-                </a:solidFill>
-                <a:latin typeface="Bahnschrift"/>
-              </a:rPr>
-              <a:t>tessellation</a:t>
-            </a:r>
-            <a:r>
-              <a:rPr lang="de-DE" dirty="0">
-                <a:solidFill>
-                  <a:schemeClr val="bg1"/>
-                </a:solidFill>
-                <a:latin typeface="Bahnschrift"/>
-              </a:rPr>
-              <a:t> and </a:t>
-            </a:r>
-            <a:r>
-              <a:rPr lang="de-DE" dirty="0" err="1">
-                <a:solidFill>
-                  <a:schemeClr val="bg1"/>
-                </a:solidFill>
-                <a:latin typeface="Bahnschrift"/>
-              </a:rPr>
-              <a:t>geomety</a:t>
-            </a:r>
-            <a:r>
-              <a:rPr lang="de-DE" dirty="0">
-                <a:solidFill>
-                  <a:schemeClr val="bg1"/>
-                </a:solidFill>
-                <a:latin typeface="Bahnschrift"/>
-              </a:rPr>
-              <a:t> </a:t>
-            </a:r>
-            <a:r>
-              <a:rPr lang="de-DE" dirty="0" err="1">
-                <a:solidFill>
-                  <a:schemeClr val="bg1"/>
-                </a:solidFill>
-                <a:latin typeface="Bahnschrift"/>
-              </a:rPr>
-              <a:t>stage</a:t>
-            </a:r>
-            <a:endParaRPr lang="de-DE" dirty="0">
-              <a:solidFill>
-                <a:schemeClr val="bg1"/>
-              </a:solidFill>
-              <a:latin typeface="Bahnschrift"/>
-            </a:endParaRPr>
-          </a:p>
-          <a:p>
-            <a:pPr lvl="1"/>
-            <a:r>
-              <a:rPr lang="de-DE" dirty="0" err="1">
-                <a:solidFill>
-                  <a:schemeClr val="bg1"/>
-                </a:solidFill>
-                <a:latin typeface="Bahnschrift"/>
-                <a:cs typeface="Calibri"/>
-              </a:rPr>
-              <a:t>Allow</a:t>
-            </a:r>
-            <a:r>
-              <a:rPr lang="de-DE" dirty="0">
-                <a:solidFill>
-                  <a:schemeClr val="bg1"/>
-                </a:solidFill>
-                <a:latin typeface="Bahnschrift"/>
-                <a:cs typeface="Calibri"/>
-              </a:rPr>
-              <a:t> </a:t>
-            </a:r>
-            <a:r>
-              <a:rPr lang="de-DE" dirty="0" err="1">
-                <a:solidFill>
-                  <a:schemeClr val="bg1"/>
-                </a:solidFill>
-                <a:latin typeface="Bahnschrift"/>
-                <a:cs typeface="Calibri"/>
-              </a:rPr>
-              <a:t>artist</a:t>
-            </a:r>
-            <a:r>
-              <a:rPr lang="de-DE" dirty="0">
-                <a:solidFill>
-                  <a:schemeClr val="bg1"/>
-                </a:solidFill>
-                <a:latin typeface="Bahnschrift"/>
-                <a:cs typeface="Calibri"/>
-              </a:rPr>
-              <a:t> </a:t>
-            </a:r>
-            <a:r>
-              <a:rPr lang="de-DE" dirty="0" err="1">
-                <a:solidFill>
-                  <a:schemeClr val="bg1"/>
-                </a:solidFill>
-                <a:latin typeface="Bahnschrift"/>
-                <a:cs typeface="Calibri"/>
-              </a:rPr>
-              <a:t>to</a:t>
-            </a:r>
-            <a:r>
-              <a:rPr lang="de-DE" dirty="0">
-                <a:solidFill>
-                  <a:schemeClr val="bg1"/>
-                </a:solidFill>
-                <a:latin typeface="Bahnschrift"/>
-                <a:cs typeface="Calibri"/>
-              </a:rPr>
-              <a:t> pass </a:t>
-            </a:r>
-            <a:r>
-              <a:rPr lang="de-DE" dirty="0" err="1">
-                <a:solidFill>
-                  <a:schemeClr val="bg1"/>
-                </a:solidFill>
-                <a:latin typeface="Bahnschrift"/>
-                <a:cs typeface="Calibri"/>
-              </a:rPr>
-              <a:t>properties</a:t>
-            </a:r>
-            <a:r>
-              <a:rPr lang="de-DE" dirty="0">
-                <a:solidFill>
-                  <a:schemeClr val="bg1"/>
-                </a:solidFill>
-                <a:latin typeface="Bahnschrift"/>
-                <a:cs typeface="Calibri"/>
-              </a:rPr>
-              <a:t> such </a:t>
-            </a:r>
-            <a:r>
-              <a:rPr lang="de-DE" dirty="0" err="1">
-                <a:solidFill>
-                  <a:schemeClr val="bg1"/>
-                </a:solidFill>
-                <a:latin typeface="Bahnschrift"/>
-                <a:cs typeface="Calibri"/>
-              </a:rPr>
-              <a:t>as</a:t>
-            </a:r>
-            <a:r>
-              <a:rPr lang="de-DE" dirty="0">
-                <a:solidFill>
-                  <a:schemeClr val="bg1"/>
-                </a:solidFill>
-                <a:latin typeface="Bahnschrift"/>
-                <a:cs typeface="Calibri"/>
-              </a:rPr>
-              <a:t> </a:t>
-            </a:r>
-            <a:r>
-              <a:rPr lang="de-DE" dirty="0" err="1">
-                <a:solidFill>
-                  <a:schemeClr val="bg1"/>
-                </a:solidFill>
-                <a:latin typeface="Bahnschrift"/>
-                <a:cs typeface="Calibri"/>
-              </a:rPr>
-              <a:t>height</a:t>
-            </a:r>
-            <a:r>
-              <a:rPr lang="de-DE" dirty="0">
-                <a:solidFill>
-                  <a:schemeClr val="bg1"/>
-                </a:solidFill>
-                <a:latin typeface="Bahnschrift"/>
-                <a:cs typeface="Calibri"/>
-              </a:rPr>
-              <a:t>, </a:t>
-            </a:r>
-            <a:r>
-              <a:rPr lang="de-DE" dirty="0" err="1">
-                <a:solidFill>
-                  <a:schemeClr val="bg1"/>
-                </a:solidFill>
-                <a:latin typeface="Bahnschrift"/>
-                <a:cs typeface="Calibri"/>
-              </a:rPr>
-              <a:t>color</a:t>
-            </a:r>
-            <a:r>
-              <a:rPr lang="de-DE" dirty="0">
-                <a:solidFill>
-                  <a:schemeClr val="bg1"/>
-                </a:solidFill>
-                <a:latin typeface="Bahnschrift"/>
-                <a:cs typeface="Calibri"/>
-              </a:rPr>
-              <a:t> </a:t>
-            </a:r>
-            <a:r>
-              <a:rPr lang="de-DE" dirty="0" err="1">
-                <a:solidFill>
-                  <a:schemeClr val="bg1"/>
-                </a:solidFill>
-                <a:latin typeface="Bahnschrift"/>
-                <a:cs typeface="Calibri"/>
-              </a:rPr>
-              <a:t>distribution</a:t>
-            </a:r>
-            <a:r>
-              <a:rPr lang="de-DE" dirty="0">
-                <a:solidFill>
-                  <a:schemeClr val="bg1"/>
-                </a:solidFill>
-                <a:latin typeface="Bahnschrift"/>
-                <a:cs typeface="Calibri"/>
-              </a:rPr>
-              <a:t> and wind </a:t>
-            </a:r>
-            <a:r>
-              <a:rPr lang="de-DE" dirty="0" err="1">
-                <a:solidFill>
-                  <a:schemeClr val="bg1"/>
-                </a:solidFill>
-                <a:latin typeface="Bahnschrift"/>
-                <a:cs typeface="Calibri"/>
-              </a:rPr>
-              <a:t>displacement</a:t>
-            </a:r>
-            <a:endParaRPr lang="de-DE" dirty="0">
-              <a:solidFill>
-                <a:schemeClr val="bg1"/>
-              </a:solidFill>
-              <a:latin typeface="Bahnschrift"/>
-              <a:cs typeface="Calibri"/>
-            </a:endParaRPr>
-          </a:p>
-          <a:p>
-            <a:pPr marL="0" indent="0">
-              <a:buNone/>
-            </a:pPr>
-            <a:endParaRPr lang="de-DE" dirty="0">
-              <a:solidFill>
-                <a:schemeClr val="bg1"/>
-              </a:solidFill>
-              <a:latin typeface="Bahnschrift"/>
-              <a:cs typeface="Calibri"/>
-            </a:endParaRPr>
-          </a:p>
-          <a:p>
-            <a:r>
-              <a:rPr lang="de-DE" dirty="0" err="1">
-                <a:solidFill>
-                  <a:schemeClr val="bg1"/>
-                </a:solidFill>
-                <a:latin typeface="Bahnschrift"/>
-                <a:cs typeface="Calibri"/>
-              </a:rPr>
-              <a:t>Collide</a:t>
-            </a:r>
-            <a:r>
-              <a:rPr lang="de-DE" dirty="0">
-                <a:solidFill>
-                  <a:schemeClr val="bg1"/>
-                </a:solidFill>
-                <a:latin typeface="Bahnschrift"/>
-                <a:cs typeface="Calibri"/>
-              </a:rPr>
-              <a:t> </a:t>
-            </a:r>
-            <a:r>
-              <a:rPr lang="de-DE" dirty="0" err="1">
-                <a:solidFill>
-                  <a:schemeClr val="bg1"/>
-                </a:solidFill>
-                <a:latin typeface="Bahnschrift"/>
-                <a:cs typeface="Calibri"/>
-              </a:rPr>
-              <a:t>grass</a:t>
-            </a:r>
-            <a:r>
-              <a:rPr lang="de-DE" dirty="0">
-                <a:solidFill>
-                  <a:schemeClr val="bg1"/>
-                </a:solidFill>
-                <a:latin typeface="Bahnschrift"/>
-                <a:cs typeface="Calibri"/>
-              </a:rPr>
-              <a:t> blades </a:t>
-            </a:r>
-            <a:r>
-              <a:rPr lang="de-DE" dirty="0" err="1">
-                <a:solidFill>
-                  <a:schemeClr val="bg1"/>
-                </a:solidFill>
-                <a:latin typeface="Bahnschrift"/>
-                <a:cs typeface="Calibri"/>
-              </a:rPr>
-              <a:t>with</a:t>
-            </a:r>
-            <a:r>
-              <a:rPr lang="de-DE" dirty="0">
-                <a:solidFill>
-                  <a:schemeClr val="bg1"/>
-                </a:solidFill>
-                <a:latin typeface="Bahnschrift"/>
-                <a:cs typeface="Calibri"/>
-              </a:rPr>
-              <a:t> </a:t>
-            </a:r>
-            <a:r>
-              <a:rPr lang="de-DE" dirty="0" err="1">
-                <a:solidFill>
-                  <a:schemeClr val="bg1"/>
-                </a:solidFill>
-                <a:latin typeface="Bahnschrift"/>
-                <a:cs typeface="Calibri"/>
-              </a:rPr>
-              <a:t>player</a:t>
-            </a:r>
-            <a:r>
-              <a:rPr lang="de-DE" dirty="0">
-                <a:solidFill>
-                  <a:schemeClr val="bg1"/>
-                </a:solidFill>
-                <a:latin typeface="Bahnschrift"/>
-                <a:cs typeface="Calibri"/>
-              </a:rPr>
-              <a:t> and </a:t>
-            </a:r>
-            <a:r>
-              <a:rPr lang="de-DE" dirty="0" err="1">
-                <a:solidFill>
-                  <a:schemeClr val="bg1"/>
-                </a:solidFill>
-                <a:latin typeface="Bahnschrift"/>
-                <a:cs typeface="Calibri"/>
-              </a:rPr>
-              <a:t>other</a:t>
-            </a:r>
-            <a:r>
-              <a:rPr lang="de-DE" dirty="0">
-                <a:solidFill>
-                  <a:schemeClr val="bg1"/>
-                </a:solidFill>
-                <a:latin typeface="Bahnschrift"/>
-                <a:cs typeface="Calibri"/>
-              </a:rPr>
-              <a:t> </a:t>
-            </a:r>
-            <a:r>
-              <a:rPr lang="de-DE" dirty="0" err="1">
-                <a:solidFill>
-                  <a:schemeClr val="bg1"/>
-                </a:solidFill>
-                <a:latin typeface="Bahnschrift"/>
-                <a:cs typeface="Calibri"/>
-              </a:rPr>
-              <a:t>specified</a:t>
-            </a:r>
-            <a:r>
-              <a:rPr lang="de-DE" dirty="0">
-                <a:solidFill>
-                  <a:schemeClr val="bg1"/>
-                </a:solidFill>
-                <a:latin typeface="Bahnschrift"/>
-                <a:cs typeface="Calibri"/>
-              </a:rPr>
-              <a:t> </a:t>
-            </a:r>
-            <a:r>
-              <a:rPr lang="de-DE" dirty="0" err="1">
-                <a:solidFill>
-                  <a:schemeClr val="bg1"/>
-                </a:solidFill>
-                <a:latin typeface="Bahnschrift"/>
-                <a:cs typeface="Calibri"/>
-              </a:rPr>
-              <a:t>objects</a:t>
-            </a:r>
-            <a:endParaRPr lang="de-DE" dirty="0">
-              <a:solidFill>
-                <a:schemeClr val="bg1"/>
-              </a:solidFill>
-              <a:latin typeface="Bahnschrift" panose="020B0502040204020203" pitchFamily="34" charset="0"/>
-              <a:cs typeface="Calibri"/>
-            </a:endParaRPr>
-          </a:p>
-          <a:p>
-            <a:endParaRPr lang="de-DE" dirty="0">
-              <a:solidFill>
-                <a:schemeClr val="bg1"/>
-              </a:solidFill>
-              <a:latin typeface="Bahnschrift" panose="020B0502040204020203" pitchFamily="34" charset="0"/>
-            </a:endParaRPr>
-          </a:p>
-        </p:txBody>
-      </p:sp>
+      </p:pic>
     </p:spTree>
     <p:extLst>
       <p:ext uri="{BB962C8B-B14F-4D97-AF65-F5344CB8AC3E}">
-        <p14:creationId xmlns:p14="http://schemas.microsoft.com/office/powerpoint/2010/main" val="75107569"/>
+        <p14:creationId xmlns:p14="http://schemas.microsoft.com/office/powerpoint/2010/main" val="768098241"/>
       </p:ext>
     </p:extLst>
   </p:cSld>
